--- a/Vue/Vue.js基础.pptx
+++ b/Vue/Vue.js基础.pptx
@@ -5,33 +5,40 @@
     <p:sldMasterId id="2147483648" r:id="rId1"/>
   </p:sldMasterIdLst>
   <p:notesMasterIdLst>
-    <p:notesMasterId r:id="rId26"/>
+    <p:notesMasterId r:id="rId33"/>
   </p:notesMasterIdLst>
   <p:sldIdLst>
     <p:sldId id="256" r:id="rId2"/>
     <p:sldId id="276" r:id="rId3"/>
     <p:sldId id="297" r:id="rId4"/>
-    <p:sldId id="356" r:id="rId5"/>
-    <p:sldId id="299" r:id="rId6"/>
-    <p:sldId id="357" r:id="rId7"/>
-    <p:sldId id="360" r:id="rId8"/>
-    <p:sldId id="354" r:id="rId9"/>
-    <p:sldId id="358" r:id="rId10"/>
-    <p:sldId id="359" r:id="rId11"/>
-    <p:sldId id="353" r:id="rId12"/>
-    <p:sldId id="318" r:id="rId13"/>
-    <p:sldId id="355" r:id="rId14"/>
-    <p:sldId id="361" r:id="rId15"/>
-    <p:sldId id="370" r:id="rId16"/>
-    <p:sldId id="362" r:id="rId17"/>
-    <p:sldId id="363" r:id="rId18"/>
-    <p:sldId id="364" r:id="rId19"/>
-    <p:sldId id="365" r:id="rId20"/>
-    <p:sldId id="366" r:id="rId21"/>
-    <p:sldId id="367" r:id="rId22"/>
-    <p:sldId id="368" r:id="rId23"/>
-    <p:sldId id="369" r:id="rId24"/>
-    <p:sldId id="280" r:id="rId25"/>
+    <p:sldId id="357" r:id="rId5"/>
+    <p:sldId id="371" r:id="rId6"/>
+    <p:sldId id="333" r:id="rId7"/>
+    <p:sldId id="317" r:id="rId8"/>
+    <p:sldId id="374" r:id="rId9"/>
+    <p:sldId id="299" r:id="rId10"/>
+    <p:sldId id="360" r:id="rId11"/>
+    <p:sldId id="372" r:id="rId12"/>
+    <p:sldId id="373" r:id="rId13"/>
+    <p:sldId id="354" r:id="rId14"/>
+    <p:sldId id="358" r:id="rId15"/>
+    <p:sldId id="359" r:id="rId16"/>
+    <p:sldId id="356" r:id="rId17"/>
+    <p:sldId id="353" r:id="rId18"/>
+    <p:sldId id="318" r:id="rId19"/>
+    <p:sldId id="355" r:id="rId20"/>
+    <p:sldId id="361" r:id="rId21"/>
+    <p:sldId id="375" r:id="rId22"/>
+    <p:sldId id="370" r:id="rId23"/>
+    <p:sldId id="362" r:id="rId24"/>
+    <p:sldId id="363" r:id="rId25"/>
+    <p:sldId id="364" r:id="rId26"/>
+    <p:sldId id="365" r:id="rId27"/>
+    <p:sldId id="366" r:id="rId28"/>
+    <p:sldId id="367" r:id="rId29"/>
+    <p:sldId id="368" r:id="rId30"/>
+    <p:sldId id="369" r:id="rId31"/>
+    <p:sldId id="280" r:id="rId32"/>
   </p:sldIdLst>
   <p:sldSz cx="12192000" cy="6858000"/>
   <p:notesSz cx="6858000" cy="9144000"/>
@@ -138,10 +145,6 @@
 </p:presentation>
 </file>
 
-<file path=ppt/revisionInfo.xml><?xml version="1.0" encoding="utf-8"?>
-<p1510:revInfo xmlns:a="http://schemas.openxmlformats.org/drawingml/2006/main" xmlns:r="http://schemas.openxmlformats.org/officeDocument/2006/relationships" xmlns:p1510="http://schemas.microsoft.com/office/powerpoint/2015/10/main"/>
-</file>
-
 <file path=ppt/notesMasters/notesMaster1.xml><?xml version="1.0" encoding="utf-8"?>
 <p:notesMaster xmlns:a="http://schemas.openxmlformats.org/drawingml/2006/main" xmlns:r="http://schemas.openxmlformats.org/officeDocument/2006/relationships" xmlns:p="http://schemas.openxmlformats.org/presentationml/2006/main">
   <p:cSld>
@@ -224,7 +227,7 @@
           <a:p>
             <a:fld id="{94EA9A77-0CE4-4E25-84E3-55E75407559E}" type="datetimeFigureOut">
               <a:rPr lang="zh-CN" altLang="en-US" smtClean="0"/>
-              <a:t>2018/4/4</a:t>
+              <a:t>2018/5/12</a:t>
             </a:fld>
             <a:endParaRPr lang="zh-CN" altLang="en-US"/>
           </a:p>
@@ -1037,7 +1040,7 @@
           <a:p>
             <a:fld id="{A94A5677-1990-4DEF-94A6-269AB3DAB6C5}" type="datetimeFigureOut">
               <a:rPr lang="zh-CN" altLang="en-US" smtClean="0"/>
-              <a:t>2018/4/4</a:t>
+              <a:t>2018/5/12</a:t>
             </a:fld>
             <a:endParaRPr lang="zh-CN" altLang="en-US"/>
           </a:p>
@@ -3417,6 +3420,1039 @@
           <a:p>
             <a:r>
               <a:rPr lang="en-US" altLang="zh-CN" dirty="0"/>
+              <a:t>Why </a:t>
+            </a:r>
+            <a:r>
+              <a:rPr lang="en-US" altLang="zh-CN" dirty="0" err="1"/>
+              <a:t>Vue</a:t>
+            </a:r>
+            <a:r>
+              <a:rPr lang="en-US" altLang="zh-CN" dirty="0"/>
+              <a:t>?</a:t>
+            </a:r>
+          </a:p>
+        </p:txBody>
+      </p:sp>
+      <p:sp>
+        <p:nvSpPr>
+          <p:cNvPr id="3" name="副标题 2"/>
+          <p:cNvSpPr>
+            <a:spLocks noGrp="1"/>
+          </p:cNvSpPr>
+          <p:nvPr>
+            <p:ph type="subTitle" idx="1"/>
+          </p:nvPr>
+        </p:nvSpPr>
+        <p:spPr/>
+        <p:txBody>
+          <a:bodyPr>
+            <a:normAutofit/>
+          </a:bodyPr>
+          <a:lstStyle/>
+          <a:p>
+            <a:r>
+              <a:rPr lang="en-US" altLang="zh-CN" dirty="0"/>
+              <a:t>GitHub Star </a:t>
+            </a:r>
+            <a:r>
+              <a:rPr lang="zh-CN" altLang="en-US" dirty="0"/>
+              <a:t>排名</a:t>
+            </a:r>
+            <a:endParaRPr lang="en-US" altLang="zh-CN" dirty="0"/>
+          </a:p>
+          <a:p>
+            <a:r>
+              <a:rPr lang="zh-CN" altLang="en-US" dirty="0"/>
+              <a:t>第三方跑分（仅供参考）</a:t>
+            </a:r>
+            <a:endParaRPr lang="en-US" altLang="zh-CN" dirty="0"/>
+          </a:p>
+          <a:p>
+            <a:pPr marL="0" indent="0">
+              <a:buNone/>
+            </a:pPr>
+            <a:r>
+              <a:rPr lang="zh-CN" altLang="en-US" dirty="0"/>
+              <a:t> </a:t>
+            </a:r>
+            <a:r>
+              <a:rPr lang="en-US" altLang="zh-CN" dirty="0">
+                <a:hlinkClick r:id="rId2"/>
+              </a:rPr>
+              <a:t>https://rawgit.com/krausest/js-framework-benchmark/master/webdriver-ts/table.html</a:t>
+            </a:r>
+            <a:endParaRPr lang="en-US" altLang="zh-CN" dirty="0"/>
+          </a:p>
+          <a:p>
+            <a:endParaRPr lang="zh-CN" altLang="en-US" dirty="0"/>
+          </a:p>
+        </p:txBody>
+      </p:sp>
+    </p:spTree>
+    <p:extLst>
+      <p:ext uri="{BB962C8B-B14F-4D97-AF65-F5344CB8AC3E}">
+        <p14:creationId xmlns:p14="http://schemas.microsoft.com/office/powerpoint/2010/main" val="2031119288"/>
+      </p:ext>
+    </p:extLst>
+  </p:cSld>
+  <p:clrMapOvr>
+    <a:masterClrMapping/>
+  </p:clrMapOvr>
+  <p:transition>
+    <p:wipe dir="r"/>
+  </p:transition>
+</p:sld>
+</file>
+
+<file path=ppt/slides/slide11.xml><?xml version="1.0" encoding="utf-8"?>
+<p:sld xmlns:a="http://schemas.openxmlformats.org/drawingml/2006/main" xmlns:r="http://schemas.openxmlformats.org/officeDocument/2006/relationships" xmlns:p="http://schemas.openxmlformats.org/presentationml/2006/main">
+  <p:cSld>
+    <p:spTree>
+      <p:nvGrpSpPr>
+        <p:cNvPr id="1" name=""/>
+        <p:cNvGrpSpPr/>
+        <p:nvPr/>
+      </p:nvGrpSpPr>
+      <p:grpSpPr>
+        <a:xfrm>
+          <a:off x="0" y="0"/>
+          <a:ext cx="0" cy="0"/>
+          <a:chOff x="0" y="0"/>
+          <a:chExt cx="0" cy="0"/>
+        </a:xfrm>
+      </p:grpSpPr>
+      <p:sp>
+        <p:nvSpPr>
+          <p:cNvPr id="2" name="标题 1">
+            <a:extLst>
+              <a:ext uri="{FF2B5EF4-FFF2-40B4-BE49-F238E27FC236}">
+                <a16:creationId xmlns:a16="http://schemas.microsoft.com/office/drawing/2014/main" id="{B11BE747-A1EF-4E44-94C2-23D248755243}"/>
+              </a:ext>
+            </a:extLst>
+          </p:cNvPr>
+          <p:cNvSpPr>
+            <a:spLocks noGrp="1"/>
+          </p:cNvSpPr>
+          <p:nvPr>
+            <p:ph type="ctrTitle"/>
+          </p:nvPr>
+        </p:nvSpPr>
+        <p:spPr/>
+        <p:txBody>
+          <a:bodyPr/>
+          <a:lstStyle/>
+          <a:p>
+            <a:r>
+              <a:rPr lang="en-US" altLang="zh-CN" dirty="0"/>
+              <a:t>Web</a:t>
+            </a:r>
+            <a:r>
+              <a:rPr lang="zh-CN" altLang="en-US" dirty="0"/>
+              <a:t>开发中常见的高级功能</a:t>
+            </a:r>
+          </a:p>
+        </p:txBody>
+      </p:sp>
+      <p:sp>
+        <p:nvSpPr>
+          <p:cNvPr id="3" name="副标题 2">
+            <a:extLst>
+              <a:ext uri="{FF2B5EF4-FFF2-40B4-BE49-F238E27FC236}">
+                <a16:creationId xmlns:a16="http://schemas.microsoft.com/office/drawing/2014/main" id="{700FAE8E-0904-4C83-9BDA-724049F713A1}"/>
+              </a:ext>
+            </a:extLst>
+          </p:cNvPr>
+          <p:cNvSpPr>
+            <a:spLocks noGrp="1"/>
+          </p:cNvSpPr>
+          <p:nvPr>
+            <p:ph type="subTitle" idx="1"/>
+          </p:nvPr>
+        </p:nvSpPr>
+        <p:spPr/>
+        <p:txBody>
+          <a:bodyPr>
+            <a:normAutofit/>
+          </a:bodyPr>
+          <a:lstStyle/>
+          <a:p>
+            <a:r>
+              <a:rPr lang="zh-CN" altLang="en-US" dirty="0"/>
+              <a:t>解耦视图和数据</a:t>
+            </a:r>
+            <a:endParaRPr lang="en-US" altLang="zh-CN" dirty="0"/>
+          </a:p>
+          <a:p>
+            <a:r>
+              <a:rPr lang="zh-CN" altLang="en-US" dirty="0"/>
+              <a:t>可复用的组件</a:t>
+            </a:r>
+            <a:endParaRPr lang="en-US" altLang="zh-CN" dirty="0"/>
+          </a:p>
+          <a:p>
+            <a:r>
+              <a:rPr lang="zh-CN" altLang="en-US" dirty="0"/>
+              <a:t>前端路由</a:t>
+            </a:r>
+            <a:endParaRPr lang="en-US" altLang="zh-CN" dirty="0"/>
+          </a:p>
+          <a:p>
+            <a:r>
+              <a:rPr lang="zh-CN" altLang="en-US" dirty="0"/>
+              <a:t>状态管理</a:t>
+            </a:r>
+            <a:endParaRPr lang="en-US" altLang="zh-CN" dirty="0"/>
+          </a:p>
+          <a:p>
+            <a:r>
+              <a:rPr lang="en-US" altLang="zh-CN" dirty="0"/>
+              <a:t>Virtual</a:t>
+            </a:r>
+            <a:r>
+              <a:rPr lang="zh-CN" altLang="en-US" dirty="0"/>
+              <a:t> </a:t>
+            </a:r>
+            <a:r>
+              <a:rPr lang="en-US" altLang="zh-CN" dirty="0"/>
+              <a:t>DOM</a:t>
+            </a:r>
+          </a:p>
+          <a:p>
+            <a:pPr marL="0" indent="0">
+              <a:buNone/>
+            </a:pPr>
+            <a:endParaRPr lang="zh-CN" altLang="en-US" dirty="0"/>
+          </a:p>
+        </p:txBody>
+      </p:sp>
+    </p:spTree>
+    <p:extLst>
+      <p:ext uri="{BB962C8B-B14F-4D97-AF65-F5344CB8AC3E}">
+        <p14:creationId xmlns:p14="http://schemas.microsoft.com/office/powerpoint/2010/main" val="62830542"/>
+      </p:ext>
+    </p:extLst>
+  </p:cSld>
+  <p:clrMapOvr>
+    <a:masterClrMapping/>
+  </p:clrMapOvr>
+  <p:transition>
+    <p:wipe dir="r"/>
+  </p:transition>
+</p:sld>
+</file>
+
+<file path=ppt/slides/slide12.xml><?xml version="1.0" encoding="utf-8"?>
+<p:sld xmlns:a="http://schemas.openxmlformats.org/drawingml/2006/main" xmlns:r="http://schemas.openxmlformats.org/officeDocument/2006/relationships" xmlns:p="http://schemas.openxmlformats.org/presentationml/2006/main">
+  <p:cSld>
+    <p:spTree>
+      <p:nvGrpSpPr>
+        <p:cNvPr id="1" name=""/>
+        <p:cNvGrpSpPr/>
+        <p:nvPr/>
+      </p:nvGrpSpPr>
+      <p:grpSpPr>
+        <a:xfrm>
+          <a:off x="0" y="0"/>
+          <a:ext cx="0" cy="0"/>
+          <a:chOff x="0" y="0"/>
+          <a:chExt cx="0" cy="0"/>
+        </a:xfrm>
+      </p:grpSpPr>
+      <p:sp>
+        <p:nvSpPr>
+          <p:cNvPr id="2" name="标题 1">
+            <a:extLst>
+              <a:ext uri="{FF2B5EF4-FFF2-40B4-BE49-F238E27FC236}">
+                <a16:creationId xmlns:a16="http://schemas.microsoft.com/office/drawing/2014/main" id="{B11BE747-A1EF-4E44-94C2-23D248755243}"/>
+              </a:ext>
+            </a:extLst>
+          </p:cNvPr>
+          <p:cNvSpPr>
+            <a:spLocks noGrp="1"/>
+          </p:cNvSpPr>
+          <p:nvPr>
+            <p:ph type="ctrTitle"/>
+          </p:nvPr>
+        </p:nvSpPr>
+        <p:spPr/>
+        <p:txBody>
+          <a:bodyPr/>
+          <a:lstStyle/>
+          <a:p>
+            <a:r>
+              <a:rPr lang="zh-CN" altLang="en-US" dirty="0"/>
+              <a:t>特点</a:t>
+            </a:r>
+          </a:p>
+        </p:txBody>
+      </p:sp>
+      <p:sp>
+        <p:nvSpPr>
+          <p:cNvPr id="3" name="副标题 2">
+            <a:extLst>
+              <a:ext uri="{FF2B5EF4-FFF2-40B4-BE49-F238E27FC236}">
+                <a16:creationId xmlns:a16="http://schemas.microsoft.com/office/drawing/2014/main" id="{700FAE8E-0904-4C83-9BDA-724049F713A1}"/>
+              </a:ext>
+            </a:extLst>
+          </p:cNvPr>
+          <p:cNvSpPr>
+            <a:spLocks noGrp="1"/>
+          </p:cNvSpPr>
+          <p:nvPr>
+            <p:ph type="subTitle" idx="1"/>
+          </p:nvPr>
+        </p:nvSpPr>
+        <p:spPr/>
+        <p:txBody>
+          <a:bodyPr>
+            <a:normAutofit fontScale="77500" lnSpcReduction="20000"/>
+          </a:bodyPr>
+          <a:lstStyle/>
+          <a:p>
+            <a:r>
+              <a:rPr lang="zh-CN" altLang="en-US" dirty="0"/>
+              <a:t>易用</a:t>
+            </a:r>
+            <a:endParaRPr lang="en-US" altLang="zh-CN" dirty="0"/>
+          </a:p>
+          <a:p>
+            <a:pPr marL="0" indent="0">
+              <a:buNone/>
+            </a:pPr>
+            <a:r>
+              <a:rPr lang="en-US" altLang="zh-CN" dirty="0"/>
+              <a:t>	</a:t>
+            </a:r>
+            <a:r>
+              <a:rPr lang="zh-CN" altLang="en-US" dirty="0"/>
+              <a:t>非常同意构建</a:t>
+            </a:r>
+            <a:r>
+              <a:rPr lang="en-US" altLang="zh-CN" dirty="0"/>
+              <a:t>web</a:t>
+            </a:r>
+            <a:r>
+              <a:rPr lang="zh-CN" altLang="en-US" dirty="0"/>
+              <a:t>应用</a:t>
+            </a:r>
+          </a:p>
+          <a:p>
+            <a:r>
+              <a:rPr lang="zh-CN" altLang="en-US" dirty="0"/>
+              <a:t>灵活</a:t>
+            </a:r>
+            <a:endParaRPr lang="en-US" altLang="zh-CN" dirty="0"/>
+          </a:p>
+          <a:p>
+            <a:pPr marL="0" indent="0">
+              <a:buNone/>
+            </a:pPr>
+            <a:r>
+              <a:rPr lang="en-US" altLang="zh-CN" dirty="0"/>
+              <a:t>	</a:t>
+            </a:r>
+            <a:r>
+              <a:rPr lang="zh-CN" altLang="en-US" dirty="0"/>
+              <a:t>不断繁荣的生态系统，可以在一个库和一套完整框架之间自如伸缩。</a:t>
+            </a:r>
+          </a:p>
+          <a:p>
+            <a:r>
+              <a:rPr lang="zh-CN" altLang="en-US" dirty="0"/>
+              <a:t>高效</a:t>
+            </a:r>
+            <a:endParaRPr lang="en-US" altLang="zh-CN" dirty="0"/>
+          </a:p>
+          <a:p>
+            <a:pPr marL="0" indent="0">
+              <a:buNone/>
+            </a:pPr>
+            <a:r>
+              <a:rPr lang="en-US" altLang="zh-CN" dirty="0"/>
+              <a:t>	20kB </a:t>
+            </a:r>
+            <a:r>
+              <a:rPr lang="en-US" altLang="zh-CN" dirty="0" err="1"/>
+              <a:t>min+gzip</a:t>
+            </a:r>
+            <a:r>
+              <a:rPr lang="en-US" altLang="zh-CN" dirty="0"/>
+              <a:t> </a:t>
+            </a:r>
+            <a:r>
+              <a:rPr lang="zh-CN" altLang="en-US" dirty="0"/>
+              <a:t>运行大小</a:t>
+            </a:r>
+            <a:br>
+              <a:rPr lang="zh-CN" altLang="en-US" dirty="0"/>
+            </a:br>
+            <a:r>
+              <a:rPr lang="en-US" altLang="zh-CN" dirty="0"/>
+              <a:t>	</a:t>
+            </a:r>
+            <a:r>
+              <a:rPr lang="zh-CN" altLang="en-US" dirty="0"/>
+              <a:t>超快虚拟 </a:t>
+            </a:r>
+            <a:r>
+              <a:rPr lang="en-US" altLang="zh-CN" dirty="0"/>
+              <a:t>DOM </a:t>
+            </a:r>
+            <a:br>
+              <a:rPr lang="en-US" altLang="zh-CN" dirty="0"/>
+            </a:br>
+            <a:r>
+              <a:rPr lang="en-US" altLang="zh-CN" dirty="0"/>
+              <a:t>	</a:t>
+            </a:r>
+            <a:r>
+              <a:rPr lang="zh-CN" altLang="en-US" dirty="0"/>
+              <a:t>最省心的优化</a:t>
+            </a:r>
+          </a:p>
+          <a:p>
+            <a:endParaRPr lang="zh-CN" altLang="en-US" dirty="0"/>
+          </a:p>
+        </p:txBody>
+      </p:sp>
+    </p:spTree>
+    <p:extLst>
+      <p:ext uri="{BB962C8B-B14F-4D97-AF65-F5344CB8AC3E}">
+        <p14:creationId xmlns:p14="http://schemas.microsoft.com/office/powerpoint/2010/main" val="2793980872"/>
+      </p:ext>
+    </p:extLst>
+  </p:cSld>
+  <p:clrMapOvr>
+    <a:masterClrMapping/>
+  </p:clrMapOvr>
+  <p:transition>
+    <p:wipe dir="r"/>
+  </p:transition>
+</p:sld>
+</file>
+
+<file path=ppt/slides/slide13.xml><?xml version="1.0" encoding="utf-8"?>
+<p:sld xmlns:a="http://schemas.openxmlformats.org/drawingml/2006/main" xmlns:r="http://schemas.openxmlformats.org/officeDocument/2006/relationships" xmlns:p="http://schemas.openxmlformats.org/presentationml/2006/main">
+  <p:cSld>
+    <p:spTree>
+      <p:nvGrpSpPr>
+        <p:cNvPr id="1" name=""/>
+        <p:cNvGrpSpPr/>
+        <p:nvPr/>
+      </p:nvGrpSpPr>
+      <p:grpSpPr>
+        <a:xfrm>
+          <a:off x="0" y="0"/>
+          <a:ext cx="0" cy="0"/>
+          <a:chOff x="0" y="0"/>
+          <a:chExt cx="0" cy="0"/>
+        </a:xfrm>
+      </p:grpSpPr>
+      <p:sp>
+        <p:nvSpPr>
+          <p:cNvPr id="2" name="标题 1"/>
+          <p:cNvSpPr>
+            <a:spLocks noGrp="1"/>
+          </p:cNvSpPr>
+          <p:nvPr>
+            <p:ph type="ctrTitle"/>
+          </p:nvPr>
+        </p:nvSpPr>
+        <p:spPr/>
+        <p:txBody>
+          <a:bodyPr/>
+          <a:lstStyle/>
+          <a:p>
+            <a:r>
+              <a:rPr lang="en-US" altLang="zh-CN" dirty="0"/>
+              <a:t>React</a:t>
+            </a:r>
+            <a:endParaRPr lang="zh-CN" altLang="en-US" dirty="0"/>
+          </a:p>
+        </p:txBody>
+      </p:sp>
+      <p:sp>
+        <p:nvSpPr>
+          <p:cNvPr id="3" name="副标题 2"/>
+          <p:cNvSpPr>
+            <a:spLocks noGrp="1"/>
+          </p:cNvSpPr>
+          <p:nvPr>
+            <p:ph type="subTitle" idx="1"/>
+          </p:nvPr>
+        </p:nvSpPr>
+        <p:spPr/>
+        <p:txBody>
+          <a:bodyPr>
+            <a:normAutofit fontScale="62500" lnSpcReduction="20000"/>
+          </a:bodyPr>
+          <a:lstStyle/>
+          <a:p>
+            <a:r>
+              <a:rPr lang="zh-CN" altLang="en-US" dirty="0"/>
+              <a:t>性能</a:t>
+            </a:r>
+            <a:r>
+              <a:rPr lang="en-US" altLang="zh-CN" dirty="0"/>
+              <a:t>:</a:t>
+            </a:r>
+            <a:r>
+              <a:rPr lang="zh-CN" altLang="en-US" dirty="0"/>
+              <a:t> 通常 </a:t>
+            </a:r>
+            <a:r>
+              <a:rPr lang="en-US" altLang="zh-CN" dirty="0" err="1"/>
+              <a:t>Vue</a:t>
+            </a:r>
+            <a:r>
+              <a:rPr lang="en-US" altLang="zh-CN" dirty="0"/>
+              <a:t> </a:t>
+            </a:r>
+            <a:r>
+              <a:rPr lang="zh-CN" altLang="en-US" dirty="0"/>
+              <a:t>会有少量优势</a:t>
+            </a:r>
+            <a:endParaRPr lang="en-US" altLang="zh-CN" dirty="0"/>
+          </a:p>
+          <a:p>
+            <a:r>
+              <a:rPr lang="en-US" altLang="zh-CN" b="1" dirty="0"/>
+              <a:t>HTML</a:t>
+            </a:r>
+            <a:r>
+              <a:rPr lang="zh-CN" altLang="en-US" b="1" dirty="0"/>
+              <a:t>构建：</a:t>
+            </a:r>
+            <a:r>
+              <a:rPr lang="zh-CN" altLang="en-US" dirty="0"/>
+              <a:t> 在 </a:t>
+            </a:r>
+            <a:r>
+              <a:rPr lang="en-US" altLang="zh-CN" dirty="0"/>
+              <a:t>React </a:t>
+            </a:r>
+            <a:r>
+              <a:rPr lang="zh-CN" altLang="en-US" dirty="0"/>
+              <a:t>中，所有的组件的渲染功能都依靠 </a:t>
+            </a:r>
+            <a:r>
+              <a:rPr lang="en-US" altLang="zh-CN" dirty="0"/>
+              <a:t>JSX</a:t>
+            </a:r>
+            <a:r>
+              <a:rPr lang="zh-CN" altLang="en-US" dirty="0"/>
+              <a:t>。</a:t>
+            </a:r>
+            <a:r>
+              <a:rPr lang="en-US" altLang="zh-CN" dirty="0"/>
+              <a:t>JSX </a:t>
+            </a:r>
+            <a:r>
+              <a:rPr lang="zh-CN" altLang="en-US" dirty="0"/>
+              <a:t>是使用 </a:t>
+            </a:r>
+            <a:r>
+              <a:rPr lang="en-US" altLang="zh-CN" dirty="0"/>
+              <a:t>XML </a:t>
+            </a:r>
+            <a:r>
+              <a:rPr lang="zh-CN" altLang="en-US" dirty="0"/>
+              <a:t>语法编写 </a:t>
+            </a:r>
+            <a:r>
+              <a:rPr lang="en-US" altLang="zh-CN" dirty="0"/>
+              <a:t>JavaScript </a:t>
+            </a:r>
+            <a:r>
+              <a:rPr lang="zh-CN" altLang="en-US" dirty="0"/>
+              <a:t>的一种语法糖。 </a:t>
+            </a:r>
+            <a:r>
+              <a:rPr lang="en-US" altLang="zh-CN" dirty="0" err="1"/>
+              <a:t>Vue</a:t>
+            </a:r>
+            <a:r>
+              <a:rPr lang="zh-CN" altLang="en-US" dirty="0"/>
+              <a:t>默认推荐通过模板来构建页面。</a:t>
+            </a:r>
+            <a:endParaRPr lang="en-US" altLang="zh-CN" dirty="0"/>
+          </a:p>
+          <a:p>
+            <a:r>
+              <a:rPr lang="zh-CN" altLang="en-US" dirty="0"/>
+              <a:t>规模： </a:t>
+            </a:r>
+            <a:r>
+              <a:rPr lang="en-US" altLang="zh-CN" dirty="0"/>
+              <a:t>React </a:t>
+            </a:r>
+            <a:r>
+              <a:rPr lang="zh-CN" altLang="en-US" dirty="0"/>
+              <a:t>社区在状态管理方面非常有创新精神（比如</a:t>
+            </a:r>
+            <a:r>
+              <a:rPr lang="en-US" altLang="zh-CN" dirty="0"/>
+              <a:t>Flux</a:t>
+            </a:r>
+            <a:r>
+              <a:rPr lang="zh-CN" altLang="en-US" dirty="0"/>
+              <a:t>、</a:t>
+            </a:r>
+            <a:r>
+              <a:rPr lang="en-US" altLang="zh-CN" dirty="0"/>
+              <a:t>Redux</a:t>
+            </a:r>
+            <a:r>
+              <a:rPr lang="zh-CN" altLang="en-US" dirty="0"/>
+              <a:t>）， </a:t>
+            </a:r>
+            <a:r>
+              <a:rPr lang="en-US" altLang="zh-CN" dirty="0" err="1"/>
+              <a:t>Vue</a:t>
+            </a:r>
+            <a:r>
+              <a:rPr lang="en-US" altLang="zh-CN" dirty="0"/>
+              <a:t> </a:t>
+            </a:r>
+            <a:r>
+              <a:rPr lang="zh-CN" altLang="en-US" dirty="0"/>
+              <a:t>的路由库和状态管理库都是由官方维护支持且与核心库同步更新的。</a:t>
+            </a:r>
+            <a:endParaRPr lang="en-US" altLang="zh-CN" dirty="0"/>
+          </a:p>
+          <a:p>
+            <a:r>
+              <a:rPr lang="zh-CN" altLang="en-US" dirty="0"/>
+              <a:t>本地渲染：</a:t>
+            </a:r>
+            <a:r>
+              <a:rPr lang="en-US" altLang="zh-CN" dirty="0" err="1"/>
+              <a:t>ReactNative</a:t>
+            </a:r>
+            <a:r>
+              <a:rPr lang="en-US" altLang="zh-CN" dirty="0"/>
+              <a:t> </a:t>
+            </a:r>
+            <a:r>
+              <a:rPr lang="zh-CN" altLang="en-US" dirty="0"/>
+              <a:t>能使你用相同的组件模型编写有本地渲染能力的 </a:t>
+            </a:r>
+            <a:r>
+              <a:rPr lang="en-US" altLang="zh-CN" dirty="0"/>
+              <a:t>APP</a:t>
+            </a:r>
+            <a:r>
+              <a:rPr lang="zh-CN" altLang="en-US" dirty="0"/>
+              <a:t>（</a:t>
+            </a:r>
+            <a:r>
+              <a:rPr lang="en-US" altLang="zh-CN" dirty="0"/>
+              <a:t>iOS </a:t>
+            </a:r>
+            <a:r>
+              <a:rPr lang="zh-CN" altLang="en-US" dirty="0"/>
+              <a:t>和 </a:t>
+            </a:r>
+            <a:r>
+              <a:rPr lang="en-US" altLang="zh-CN" dirty="0"/>
+              <a:t>Android</a:t>
+            </a:r>
+            <a:r>
+              <a:rPr lang="zh-CN" altLang="en-US" dirty="0"/>
+              <a:t>）。能同时跨多平台开发；相应地，</a:t>
+            </a:r>
+            <a:r>
+              <a:rPr lang="en-US" altLang="zh-CN" dirty="0" err="1"/>
+              <a:t>Vue</a:t>
+            </a:r>
+            <a:r>
+              <a:rPr lang="en-US" altLang="zh-CN" dirty="0"/>
+              <a:t> </a:t>
+            </a:r>
+            <a:r>
+              <a:rPr lang="zh-CN" altLang="en-US" dirty="0"/>
+              <a:t>和 </a:t>
+            </a:r>
+            <a:r>
+              <a:rPr lang="en-US" altLang="zh-CN" b="1" dirty="0" err="1">
+                <a:hlinkClick r:id="rId2"/>
+              </a:rPr>
+              <a:t>Weex</a:t>
+            </a:r>
+            <a:r>
+              <a:rPr lang="zh-CN" altLang="en-US" dirty="0"/>
+              <a:t> 会进行官方合作，</a:t>
+            </a:r>
+            <a:r>
+              <a:rPr lang="en-US" altLang="zh-CN" dirty="0" err="1"/>
+              <a:t>Weex</a:t>
+            </a:r>
+            <a:r>
+              <a:rPr lang="en-US" altLang="zh-CN" dirty="0"/>
+              <a:t> </a:t>
+            </a:r>
+            <a:r>
+              <a:rPr lang="zh-CN" altLang="en-US" dirty="0"/>
+              <a:t>是阿里的跨平台用户界面开发框架，</a:t>
+            </a:r>
+            <a:r>
+              <a:rPr lang="en-US" altLang="zh-CN" dirty="0" err="1"/>
+              <a:t>Weex</a:t>
+            </a:r>
+            <a:r>
+              <a:rPr lang="en-US" altLang="zh-CN" dirty="0"/>
+              <a:t> </a:t>
+            </a:r>
+            <a:r>
+              <a:rPr lang="zh-CN" altLang="en-US" dirty="0"/>
+              <a:t>的 </a:t>
+            </a:r>
+            <a:r>
+              <a:rPr lang="en-US" altLang="zh-CN" dirty="0"/>
+              <a:t>JavaScript </a:t>
+            </a:r>
+            <a:r>
+              <a:rPr lang="zh-CN" altLang="en-US" dirty="0"/>
+              <a:t>框架运行时用的就是 </a:t>
+            </a:r>
+            <a:r>
+              <a:rPr lang="en-US" altLang="zh-CN" dirty="0" err="1"/>
+              <a:t>Vue</a:t>
+            </a:r>
+            <a:r>
+              <a:rPr lang="zh-CN" altLang="en-US" dirty="0"/>
+              <a:t>。</a:t>
+            </a:r>
+          </a:p>
+        </p:txBody>
+      </p:sp>
+    </p:spTree>
+  </p:cSld>
+  <p:clrMapOvr>
+    <a:masterClrMapping/>
+  </p:clrMapOvr>
+  <p:transition>
+    <p:wipe dir="r"/>
+  </p:transition>
+</p:sld>
+</file>
+
+<file path=ppt/slides/slide14.xml><?xml version="1.0" encoding="utf-8"?>
+<p:sld xmlns:a="http://schemas.openxmlformats.org/drawingml/2006/main" xmlns:r="http://schemas.openxmlformats.org/officeDocument/2006/relationships" xmlns:p="http://schemas.openxmlformats.org/presentationml/2006/main">
+  <p:cSld>
+    <p:spTree>
+      <p:nvGrpSpPr>
+        <p:cNvPr id="1" name=""/>
+        <p:cNvGrpSpPr/>
+        <p:nvPr/>
+      </p:nvGrpSpPr>
+      <p:grpSpPr>
+        <a:xfrm>
+          <a:off x="0" y="0"/>
+          <a:ext cx="0" cy="0"/>
+          <a:chOff x="0" y="0"/>
+          <a:chExt cx="0" cy="0"/>
+        </a:xfrm>
+      </p:grpSpPr>
+      <p:sp>
+        <p:nvSpPr>
+          <p:cNvPr id="2" name="标题 1"/>
+          <p:cNvSpPr>
+            <a:spLocks noGrp="1"/>
+          </p:cNvSpPr>
+          <p:nvPr>
+            <p:ph type="ctrTitle"/>
+          </p:nvPr>
+        </p:nvSpPr>
+        <p:spPr/>
+        <p:txBody>
+          <a:bodyPr/>
+          <a:lstStyle/>
+          <a:p>
+            <a:r>
+              <a:rPr lang="en-US" altLang="zh-CN" dirty="0" err="1"/>
+              <a:t>Angularjs</a:t>
+            </a:r>
+            <a:r>
+              <a:rPr lang="en-US" altLang="zh-CN" dirty="0"/>
+              <a:t>(Angular1)</a:t>
+            </a:r>
+            <a:endParaRPr lang="zh-CN" altLang="en-US" dirty="0"/>
+          </a:p>
+        </p:txBody>
+      </p:sp>
+      <p:sp>
+        <p:nvSpPr>
+          <p:cNvPr id="3" name="副标题 2"/>
+          <p:cNvSpPr>
+            <a:spLocks noGrp="1"/>
+          </p:cNvSpPr>
+          <p:nvPr>
+            <p:ph type="subTitle" idx="1"/>
+          </p:nvPr>
+        </p:nvSpPr>
+        <p:spPr/>
+        <p:txBody>
+          <a:bodyPr>
+            <a:normAutofit fontScale="55000" lnSpcReduction="20000"/>
+          </a:bodyPr>
+          <a:lstStyle/>
+          <a:p>
+            <a:r>
+              <a:rPr lang="zh-CN" altLang="en-US" dirty="0"/>
+              <a:t>语法：</a:t>
+            </a:r>
+            <a:r>
+              <a:rPr lang="en-US" altLang="zh-CN" dirty="0" err="1"/>
+              <a:t>Vue</a:t>
+            </a:r>
+            <a:r>
+              <a:rPr lang="en-US" altLang="zh-CN" dirty="0"/>
+              <a:t> </a:t>
+            </a:r>
+            <a:r>
+              <a:rPr lang="zh-CN" altLang="en-US" dirty="0"/>
+              <a:t>的一些语法和 </a:t>
+            </a:r>
+            <a:r>
+              <a:rPr lang="en-US" altLang="zh-CN" dirty="0"/>
+              <a:t>Angular </a:t>
+            </a:r>
+            <a:r>
+              <a:rPr lang="zh-CN" altLang="en-US" dirty="0"/>
+              <a:t>的很相似（例如 </a:t>
+            </a:r>
+            <a:r>
+              <a:rPr lang="en-US" altLang="zh-CN" dirty="0"/>
+              <a:t>v-if vs ng-if</a:t>
+            </a:r>
+            <a:r>
+              <a:rPr lang="zh-CN" altLang="en-US" dirty="0"/>
+              <a:t>）。因为 </a:t>
+            </a:r>
+            <a:r>
+              <a:rPr lang="en-US" altLang="zh-CN" dirty="0"/>
+              <a:t>Angular </a:t>
+            </a:r>
+            <a:r>
+              <a:rPr lang="zh-CN" altLang="en-US" dirty="0"/>
+              <a:t>是 </a:t>
+            </a:r>
+            <a:r>
+              <a:rPr lang="en-US" altLang="zh-CN" dirty="0" err="1"/>
+              <a:t>Vue</a:t>
+            </a:r>
+            <a:r>
+              <a:rPr lang="en-US" altLang="zh-CN" dirty="0"/>
+              <a:t> </a:t>
+            </a:r>
+            <a:r>
+              <a:rPr lang="zh-CN" altLang="en-US" dirty="0"/>
+              <a:t>早期开发的灵感来源。在 </a:t>
+            </a:r>
+            <a:r>
+              <a:rPr lang="en-US" altLang="zh-CN" dirty="0"/>
+              <a:t>API </a:t>
+            </a:r>
+            <a:r>
+              <a:rPr lang="zh-CN" altLang="en-US" dirty="0"/>
+              <a:t>与设计两方面上 </a:t>
+            </a:r>
+            <a:r>
+              <a:rPr lang="en-US" altLang="zh-CN" dirty="0"/>
+              <a:t>Vue.js </a:t>
+            </a:r>
+            <a:r>
+              <a:rPr lang="zh-CN" altLang="en-US" dirty="0"/>
+              <a:t>比 </a:t>
+            </a:r>
+            <a:r>
+              <a:rPr lang="en-US" altLang="zh-CN" dirty="0"/>
+              <a:t>Angular 1 </a:t>
+            </a:r>
+            <a:r>
+              <a:rPr lang="zh-CN" altLang="en-US" dirty="0"/>
+              <a:t>简单。</a:t>
+            </a:r>
+          </a:p>
+          <a:p>
+            <a:r>
+              <a:rPr lang="zh-CN" altLang="en-US" dirty="0"/>
+              <a:t>数据绑定：</a:t>
+            </a:r>
+            <a:r>
+              <a:rPr lang="en-US" altLang="zh-CN" dirty="0"/>
+              <a:t>Angular 1 </a:t>
+            </a:r>
+            <a:r>
+              <a:rPr lang="zh-CN" altLang="en-US" dirty="0"/>
+              <a:t>使用双向绑定，</a:t>
+            </a:r>
+            <a:r>
+              <a:rPr lang="en-US" altLang="zh-CN" dirty="0" err="1"/>
+              <a:t>Vue</a:t>
+            </a:r>
+            <a:r>
+              <a:rPr lang="en-US" altLang="zh-CN" dirty="0"/>
+              <a:t> </a:t>
+            </a:r>
+            <a:r>
+              <a:rPr lang="zh-CN" altLang="en-US" dirty="0"/>
+              <a:t>在不同组件间强制使用单向数据流。这使应用中的数据流更加清晰易懂。</a:t>
+            </a:r>
+          </a:p>
+          <a:p>
+            <a:r>
+              <a:rPr lang="zh-CN" altLang="en-US" dirty="0"/>
+              <a:t>指令和组件：在 </a:t>
+            </a:r>
+            <a:r>
+              <a:rPr lang="en-US" altLang="zh-CN" dirty="0" err="1"/>
+              <a:t>Vue</a:t>
+            </a:r>
+            <a:r>
+              <a:rPr lang="en-US" altLang="zh-CN" dirty="0"/>
+              <a:t> </a:t>
+            </a:r>
+            <a:r>
+              <a:rPr lang="zh-CN" altLang="en-US" dirty="0"/>
+              <a:t>中指令和组件分得更清晰。指令只封装 </a:t>
+            </a:r>
+            <a:r>
+              <a:rPr lang="en-US" altLang="zh-CN" dirty="0"/>
+              <a:t>DOM </a:t>
+            </a:r>
+            <a:r>
+              <a:rPr lang="zh-CN" altLang="en-US" dirty="0"/>
+              <a:t>操作，而组件代表一个自给自足的独立单元 </a:t>
+            </a:r>
+            <a:r>
+              <a:rPr lang="en-US" altLang="zh-CN" dirty="0"/>
+              <a:t>—— </a:t>
+            </a:r>
+            <a:r>
+              <a:rPr lang="zh-CN" altLang="en-US" dirty="0"/>
+              <a:t>有自己的视图和数据逻辑。在 </a:t>
+            </a:r>
+            <a:r>
+              <a:rPr lang="en-US" altLang="zh-CN" dirty="0"/>
+              <a:t>Angular </a:t>
+            </a:r>
+            <a:r>
+              <a:rPr lang="zh-CN" altLang="en-US" dirty="0"/>
+              <a:t>中两者有不少相混的地方。</a:t>
+            </a:r>
+          </a:p>
+          <a:p>
+            <a:r>
+              <a:rPr lang="zh-CN" altLang="en-US" dirty="0"/>
+              <a:t>性能：在 </a:t>
+            </a:r>
+            <a:r>
+              <a:rPr lang="en-US" altLang="zh-CN" dirty="0"/>
+              <a:t>Angular 1 </a:t>
+            </a:r>
+            <a:r>
+              <a:rPr lang="zh-CN" altLang="en-US" dirty="0"/>
+              <a:t>中，当 </a:t>
+            </a:r>
+            <a:r>
+              <a:rPr lang="en-US" altLang="zh-CN" dirty="0"/>
+              <a:t>watcher </a:t>
+            </a:r>
+            <a:r>
+              <a:rPr lang="zh-CN" altLang="en-US" dirty="0"/>
+              <a:t>越来越多时会变得越来越慢，因为作用域内的每一次变化，所有 </a:t>
+            </a:r>
+            <a:r>
+              <a:rPr lang="en-US" altLang="zh-CN" dirty="0"/>
+              <a:t>watcher </a:t>
+            </a:r>
+            <a:r>
+              <a:rPr lang="zh-CN" altLang="en-US" dirty="0"/>
+              <a:t>都要重新计算。并且，如果一些 </a:t>
+            </a:r>
+            <a:r>
+              <a:rPr lang="en-US" altLang="zh-CN" dirty="0"/>
+              <a:t>watcher </a:t>
+            </a:r>
+            <a:r>
+              <a:rPr lang="zh-CN" altLang="en-US" dirty="0"/>
+              <a:t>触发另一个更新，脏检查循环（</a:t>
+            </a:r>
+            <a:r>
+              <a:rPr lang="en-US" altLang="zh-CN" dirty="0"/>
+              <a:t>digest cycle</a:t>
+            </a:r>
+            <a:r>
+              <a:rPr lang="zh-CN" altLang="en-US" dirty="0"/>
+              <a:t>）可能要运行多次。</a:t>
+            </a:r>
+            <a:r>
+              <a:rPr lang="en-US" altLang="zh-CN" dirty="0" err="1"/>
+              <a:t>Vue</a:t>
+            </a:r>
+            <a:r>
+              <a:rPr lang="en-US" altLang="zh-CN" dirty="0"/>
+              <a:t> </a:t>
+            </a:r>
+            <a:r>
+              <a:rPr lang="zh-CN" altLang="en-US" dirty="0"/>
+              <a:t>则根本没有这个问题，因为它使用基于依赖追踪的观察系统并且异步队列更新，所有的数据变化都是独立触发，除非它们之间有明确的依赖关系。</a:t>
+            </a:r>
+          </a:p>
+        </p:txBody>
+      </p:sp>
+    </p:spTree>
+    <p:extLst>
+      <p:ext uri="{BB962C8B-B14F-4D97-AF65-F5344CB8AC3E}">
+        <p14:creationId xmlns:p14="http://schemas.microsoft.com/office/powerpoint/2010/main" val="3297677802"/>
+      </p:ext>
+    </p:extLst>
+  </p:cSld>
+  <p:clrMapOvr>
+    <a:masterClrMapping/>
+  </p:clrMapOvr>
+  <p:transition>
+    <p:wipe dir="r"/>
+  </p:transition>
+</p:sld>
+</file>
+
+<file path=ppt/slides/slide15.xml><?xml version="1.0" encoding="utf-8"?>
+<p:sld xmlns:a="http://schemas.openxmlformats.org/drawingml/2006/main" xmlns:r="http://schemas.openxmlformats.org/officeDocument/2006/relationships" xmlns:p="http://schemas.openxmlformats.org/presentationml/2006/main">
+  <p:cSld>
+    <p:spTree>
+      <p:nvGrpSpPr>
+        <p:cNvPr id="1" name=""/>
+        <p:cNvGrpSpPr/>
+        <p:nvPr/>
+      </p:nvGrpSpPr>
+      <p:grpSpPr>
+        <a:xfrm>
+          <a:off x="0" y="0"/>
+          <a:ext cx="0" cy="0"/>
+          <a:chOff x="0" y="0"/>
+          <a:chExt cx="0" cy="0"/>
+        </a:xfrm>
+      </p:grpSpPr>
+      <p:sp>
+        <p:nvSpPr>
+          <p:cNvPr id="2" name="标题 1"/>
+          <p:cNvSpPr>
+            <a:spLocks noGrp="1"/>
+          </p:cNvSpPr>
+          <p:nvPr>
+            <p:ph type="ctrTitle"/>
+          </p:nvPr>
+        </p:nvSpPr>
+        <p:spPr/>
+        <p:txBody>
+          <a:bodyPr/>
+          <a:lstStyle/>
+          <a:p>
+            <a:r>
+              <a:rPr lang="en-US" altLang="zh-CN" dirty="0"/>
               <a:t>Angular(Angular2~)</a:t>
             </a:r>
           </a:p>
@@ -3534,7 +4570,148 @@
 </p:sld>
 </file>
 
-<file path=ppt/slides/slide11.xml><?xml version="1.0" encoding="utf-8"?>
+<file path=ppt/slides/slide16.xml><?xml version="1.0" encoding="utf-8"?>
+<p:sld xmlns:a="http://schemas.openxmlformats.org/drawingml/2006/main" xmlns:r="http://schemas.openxmlformats.org/officeDocument/2006/relationships" xmlns:p="http://schemas.openxmlformats.org/presentationml/2006/main">
+  <p:cSld>
+    <p:spTree>
+      <p:nvGrpSpPr>
+        <p:cNvPr id="1" name=""/>
+        <p:cNvGrpSpPr/>
+        <p:nvPr/>
+      </p:nvGrpSpPr>
+      <p:grpSpPr>
+        <a:xfrm>
+          <a:off x="0" y="0"/>
+          <a:ext cx="0" cy="0"/>
+          <a:chOff x="0" y="0"/>
+          <a:chExt cx="0" cy="0"/>
+        </a:xfrm>
+      </p:grpSpPr>
+      <p:sp>
+        <p:nvSpPr>
+          <p:cNvPr id="4" name="标题 3"/>
+          <p:cNvSpPr>
+            <a:spLocks noGrp="1"/>
+          </p:cNvSpPr>
+          <p:nvPr>
+            <p:ph type="ctrTitle"/>
+          </p:nvPr>
+        </p:nvSpPr>
+        <p:spPr/>
+        <p:txBody>
+          <a:bodyPr>
+            <a:normAutofit/>
+          </a:bodyPr>
+          <a:lstStyle/>
+          <a:p>
+            <a:r>
+              <a:rPr lang="en-US" altLang="zh-CN" b="1" dirty="0" err="1">
+                <a:latin typeface="微软雅黑" panose="020B0503020204020204" pitchFamily="34" charset="-122"/>
+                <a:ea typeface="微软雅黑" panose="020B0503020204020204" pitchFamily="34" charset="-122"/>
+                <a:sym typeface="+mn-ea"/>
+              </a:rPr>
+              <a:t>Vue</a:t>
+            </a:r>
+            <a:r>
+              <a:rPr lang="zh-CN" altLang="en-US" dirty="0">
+                <a:sym typeface="+mn-ea"/>
+              </a:rPr>
+              <a:t>兼容性</a:t>
+            </a:r>
+            <a:endParaRPr lang="zh-CN" altLang="en-US" b="1" dirty="0">
+              <a:latin typeface="微软雅黑" panose="020B0503020204020204" pitchFamily="34" charset="-122"/>
+              <a:ea typeface="微软雅黑" panose="020B0503020204020204" pitchFamily="34" charset="-122"/>
+              <a:sym typeface="+mn-ea"/>
+            </a:endParaRPr>
+          </a:p>
+        </p:txBody>
+      </p:sp>
+      <p:sp>
+        <p:nvSpPr>
+          <p:cNvPr id="5" name="副标题 4"/>
+          <p:cNvSpPr>
+            <a:spLocks noGrp="1"/>
+          </p:cNvSpPr>
+          <p:nvPr>
+            <p:ph type="subTitle" idx="1"/>
+          </p:nvPr>
+        </p:nvSpPr>
+        <p:spPr/>
+        <p:txBody>
+          <a:bodyPr>
+            <a:normAutofit/>
+          </a:bodyPr>
+          <a:lstStyle/>
+          <a:p>
+            <a:pPr>
+              <a:lnSpc>
+                <a:spcPct val="130000"/>
+              </a:lnSpc>
+            </a:pPr>
+            <a:r>
+              <a:rPr lang="en-US" altLang="zh-CN" dirty="0"/>
+              <a:t>Vue.js </a:t>
+            </a:r>
+            <a:r>
+              <a:rPr lang="zh-CN" altLang="en-US" dirty="0"/>
+              <a:t>不支持 </a:t>
+            </a:r>
+            <a:r>
+              <a:rPr lang="en-US" altLang="zh-CN" dirty="0"/>
+              <a:t>IE8 </a:t>
+            </a:r>
+            <a:r>
+              <a:rPr lang="zh-CN" altLang="en-US" dirty="0"/>
+              <a:t>及其以下版本，因为 </a:t>
+            </a:r>
+            <a:r>
+              <a:rPr lang="en-US" altLang="zh-CN" dirty="0"/>
+              <a:t>Vue.js </a:t>
+            </a:r>
+            <a:r>
+              <a:rPr lang="zh-CN" altLang="en-US" dirty="0"/>
+              <a:t>使用了 </a:t>
+            </a:r>
+            <a:r>
+              <a:rPr lang="en-US" altLang="zh-CN" dirty="0"/>
+              <a:t>IE8 </a:t>
+            </a:r>
+            <a:r>
+              <a:rPr lang="zh-CN" altLang="en-US" dirty="0"/>
+              <a:t>不能模拟的 </a:t>
+            </a:r>
+            <a:r>
+              <a:rPr lang="en-US" altLang="zh-CN" dirty="0"/>
+              <a:t>ECMAScript 5 </a:t>
+            </a:r>
+            <a:r>
+              <a:rPr lang="zh-CN" altLang="en-US" dirty="0"/>
+              <a:t>特性。</a:t>
+            </a:r>
+            <a:endParaRPr lang="zh-CN" altLang="en-US" sz="3600" dirty="0">
+              <a:latin typeface="微软雅黑" panose="020B0503020204020204" pitchFamily="34" charset="-122"/>
+              <a:ea typeface="微软雅黑" panose="020B0503020204020204" pitchFamily="34" charset="-122"/>
+            </a:endParaRPr>
+          </a:p>
+        </p:txBody>
+      </p:sp>
+    </p:spTree>
+    <p:extLst>
+      <p:ext uri="{BB962C8B-B14F-4D97-AF65-F5344CB8AC3E}">
+        <p14:creationId xmlns:p14="http://schemas.microsoft.com/office/powerpoint/2010/main" val="2174081501"/>
+      </p:ext>
+    </p:extLst>
+  </p:cSld>
+  <p:clrMapOvr>
+    <a:masterClrMapping/>
+  </p:clrMapOvr>
+  <p:transition>
+    <p:wipe dir="r"/>
+  </p:transition>
+</p:sld>
+</file>
+
+<file path=ppt/slides/slide17.xml><?xml version="1.0" encoding="utf-8"?>
 <p:sld xmlns:a="http://schemas.openxmlformats.org/drawingml/2006/main" xmlns:r="http://schemas.openxmlformats.org/officeDocument/2006/relationships" xmlns:p="http://schemas.openxmlformats.org/presentationml/2006/main">
   <p:cSld>
     <p:spTree>
@@ -4841,1629 +6018,6 @@
 </p:sld>
 </file>
 
-<file path=ppt/slides/slide12.xml><?xml version="1.0" encoding="utf-8"?>
-<p:sld xmlns:a="http://schemas.openxmlformats.org/drawingml/2006/main" xmlns:r="http://schemas.openxmlformats.org/officeDocument/2006/relationships" xmlns:p="http://schemas.openxmlformats.org/presentationml/2006/main">
-  <p:cSld>
-    <p:spTree>
-      <p:nvGrpSpPr>
-        <p:cNvPr id="1" name=""/>
-        <p:cNvGrpSpPr/>
-        <p:nvPr/>
-      </p:nvGrpSpPr>
-      <p:grpSpPr>
-        <a:xfrm>
-          <a:off x="0" y="0"/>
-          <a:ext cx="0" cy="0"/>
-          <a:chOff x="0" y="0"/>
-          <a:chExt cx="0" cy="0"/>
-        </a:xfrm>
-      </p:grpSpPr>
-      <p:sp>
-        <p:nvSpPr>
-          <p:cNvPr id="4" name="标题 3"/>
-          <p:cNvSpPr>
-            <a:spLocks noGrp="1"/>
-          </p:cNvSpPr>
-          <p:nvPr>
-            <p:ph type="ctrTitle"/>
-          </p:nvPr>
-        </p:nvSpPr>
-        <p:spPr/>
-        <p:txBody>
-          <a:bodyPr>
-            <a:normAutofit/>
-          </a:bodyPr>
-          <a:lstStyle/>
-          <a:p>
-            <a:r>
-              <a:rPr lang="zh-CN" altLang="en-US" b="1" dirty="0">
-                <a:latin typeface="微软雅黑" panose="020B0503020204020204" pitchFamily="34" charset="-122"/>
-                <a:ea typeface="微软雅黑" panose="020B0503020204020204" pitchFamily="34" charset="-122"/>
-                <a:sym typeface="+mn-ea"/>
-              </a:rPr>
-              <a:t>环境搭建</a:t>
-            </a:r>
-          </a:p>
-        </p:txBody>
-      </p:sp>
-      <p:sp>
-        <p:nvSpPr>
-          <p:cNvPr id="5" name="副标题 4"/>
-          <p:cNvSpPr>
-            <a:spLocks noGrp="1"/>
-          </p:cNvSpPr>
-          <p:nvPr>
-            <p:ph type="subTitle" idx="1"/>
-          </p:nvPr>
-        </p:nvSpPr>
-        <p:spPr/>
-        <p:txBody>
-          <a:bodyPr>
-            <a:normAutofit fontScale="92500"/>
-          </a:bodyPr>
-          <a:lstStyle/>
-          <a:p>
-            <a:r>
-              <a:rPr lang="zh-CN" altLang="en-US" b="1" dirty="0"/>
-              <a:t>独立版本</a:t>
-            </a:r>
-            <a:endParaRPr lang="en-US" altLang="zh-CN" b="1" dirty="0"/>
-          </a:p>
-          <a:p>
-            <a:pPr marL="0" indent="0">
-              <a:buNone/>
-            </a:pPr>
-            <a:r>
-              <a:rPr lang="zh-CN" altLang="en-US" b="1" dirty="0"/>
-              <a:t>官网上直接下载 </a:t>
-            </a:r>
-            <a:r>
-              <a:rPr lang="en-US" altLang="zh-CN" b="1" dirty="0"/>
-              <a:t>vue.min.js </a:t>
-            </a:r>
-            <a:r>
-              <a:rPr lang="zh-CN" altLang="en-US" b="1" dirty="0"/>
-              <a:t>并用</a:t>
-            </a:r>
-            <a:r>
-              <a:rPr lang="en-US" altLang="zh-CN" b="1" dirty="0"/>
-              <a:t>script</a:t>
-            </a:r>
-            <a:r>
-              <a:rPr lang="zh-CN" altLang="en-US" b="1" dirty="0"/>
-              <a:t>标签引入。</a:t>
-            </a:r>
-            <a:endParaRPr lang="en-US" altLang="zh-CN" b="1" dirty="0"/>
-          </a:p>
-          <a:p>
-            <a:r>
-              <a:rPr lang="zh-CN" altLang="en-US" b="1" dirty="0"/>
-              <a:t>使用 </a:t>
-            </a:r>
-            <a:r>
-              <a:rPr lang="en-US" altLang="zh-CN" b="1" dirty="0"/>
-              <a:t>CDN </a:t>
-            </a:r>
-          </a:p>
-          <a:p>
-            <a:pPr marL="0" indent="0">
-              <a:buNone/>
-            </a:pPr>
-            <a:r>
-              <a:rPr lang="en-US" altLang="zh-CN" u="sng" dirty="0">
-                <a:hlinkClick r:id="rId2"/>
-              </a:rPr>
-              <a:t>https://cdn.bootcss.com/vue/2.2.2/vue.min.js</a:t>
-            </a:r>
-            <a:endParaRPr lang="en-US" altLang="zh-CN" b="1" dirty="0"/>
-          </a:p>
-          <a:p>
-            <a:r>
-              <a:rPr lang="en-US" altLang="zh-CN" b="1" dirty="0"/>
-              <a:t>NPM</a:t>
-            </a:r>
-          </a:p>
-          <a:p>
-            <a:pPr marL="0" indent="0">
-              <a:buNone/>
-            </a:pPr>
-            <a:r>
-              <a:rPr lang="en-US" altLang="zh-CN" b="1" dirty="0"/>
-              <a:t>$ </a:t>
-            </a:r>
-            <a:r>
-              <a:rPr lang="en-US" altLang="zh-CN" b="1" dirty="0" err="1"/>
-              <a:t>npm</a:t>
-            </a:r>
-            <a:r>
-              <a:rPr lang="en-US" altLang="zh-CN" b="1" dirty="0"/>
-              <a:t> install </a:t>
-            </a:r>
-            <a:r>
-              <a:rPr lang="en-US" altLang="zh-CN" b="1" dirty="0" err="1"/>
-              <a:t>vue</a:t>
-            </a:r>
-            <a:endParaRPr lang="zh-CN" altLang="en-US" b="1" dirty="0"/>
-          </a:p>
-          <a:p>
-            <a:endParaRPr lang="zh-CN" altLang="en-US" b="1" dirty="0"/>
-          </a:p>
-          <a:p>
-            <a:endParaRPr lang="en-US" altLang="zh-CN" b="1" dirty="0"/>
-          </a:p>
-          <a:p>
-            <a:pPr lvl="1"/>
-            <a:endParaRPr lang="zh-CN" altLang="en-US" b="1" dirty="0"/>
-          </a:p>
-          <a:p>
-            <a:pPr>
-              <a:lnSpc>
-                <a:spcPct val="130000"/>
-              </a:lnSpc>
-            </a:pPr>
-            <a:endParaRPr lang="zh-CN" altLang="en-US" sz="3600" dirty="0">
-              <a:latin typeface="微软雅黑" panose="020B0503020204020204" pitchFamily="34" charset="-122"/>
-              <a:ea typeface="微软雅黑" panose="020B0503020204020204" pitchFamily="34" charset="-122"/>
-            </a:endParaRPr>
-          </a:p>
-        </p:txBody>
-      </p:sp>
-    </p:spTree>
-  </p:cSld>
-  <p:clrMapOvr>
-    <a:masterClrMapping/>
-  </p:clrMapOvr>
-  <p:transition>
-    <p:wipe dir="r"/>
-  </p:transition>
-</p:sld>
-</file>
-
-<file path=ppt/slides/slide13.xml><?xml version="1.0" encoding="utf-8"?>
-<p:sld xmlns:a="http://schemas.openxmlformats.org/drawingml/2006/main" xmlns:r="http://schemas.openxmlformats.org/officeDocument/2006/relationships" xmlns:p="http://schemas.openxmlformats.org/presentationml/2006/main">
-  <p:cSld>
-    <p:spTree>
-      <p:nvGrpSpPr>
-        <p:cNvPr id="1" name=""/>
-        <p:cNvGrpSpPr/>
-        <p:nvPr/>
-      </p:nvGrpSpPr>
-      <p:grpSpPr>
-        <a:xfrm>
-          <a:off x="0" y="0"/>
-          <a:ext cx="0" cy="0"/>
-          <a:chOff x="0" y="0"/>
-          <a:chExt cx="0" cy="0"/>
-        </a:xfrm>
-      </p:grpSpPr>
-      <p:sp>
-        <p:nvSpPr>
-          <p:cNvPr id="2" name="标题 1"/>
-          <p:cNvSpPr>
-            <a:spLocks noGrp="1"/>
-          </p:cNvSpPr>
-          <p:nvPr>
-            <p:ph type="ctrTitle"/>
-          </p:nvPr>
-        </p:nvSpPr>
-        <p:spPr/>
-        <p:txBody>
-          <a:bodyPr/>
-          <a:lstStyle/>
-          <a:p>
-            <a:r>
-              <a:rPr lang="en-US" altLang="zh-CN">
-                <a:sym typeface="+mn-ea"/>
-              </a:rPr>
-              <a:t>Hello World</a:t>
-            </a:r>
-            <a:endParaRPr lang="zh-CN" altLang="en-US"/>
-          </a:p>
-        </p:txBody>
-      </p:sp>
-      <p:sp>
-        <p:nvSpPr>
-          <p:cNvPr id="3" name="副标题 2"/>
-          <p:cNvSpPr>
-            <a:spLocks noGrp="1"/>
-          </p:cNvSpPr>
-          <p:nvPr>
-            <p:ph type="subTitle" idx="1"/>
-          </p:nvPr>
-        </p:nvSpPr>
-        <p:spPr/>
-        <p:txBody>
-          <a:bodyPr>
-            <a:normAutofit fontScale="90000" lnSpcReduction="10000"/>
-          </a:bodyPr>
-          <a:lstStyle/>
-          <a:p>
-            <a:pPr marL="0" marR="0" lvl="0" indent="0" algn="l" defTabSz="914400" rtl="0" eaLnBrk="1" fontAlgn="base" latinLnBrk="0" hangingPunct="1">
-              <a:lnSpc>
-                <a:spcPct val="100000"/>
-              </a:lnSpc>
-              <a:spcBef>
-                <a:spcPct val="0"/>
-              </a:spcBef>
-              <a:spcAft>
-                <a:spcPct val="0"/>
-              </a:spcAft>
-              <a:buClrTx/>
-              <a:buSzTx/>
-              <a:buNone/>
-              <a:defRPr/>
-            </a:pPr>
-            <a:r>
-              <a:rPr lang="en-US" altLang="zh-CN" noProof="1">
-                <a:latin typeface="+mn-lt"/>
-                <a:ea typeface="+mn-ea"/>
-              </a:rPr>
-              <a:t>    </a:t>
-            </a:r>
-            <a:r>
-              <a:rPr kumimoji="0" lang="en-US" altLang="zh-CN" b="0" i="0" u="none" strike="noStrike" kern="1200" cap="none" spc="0" normalizeH="0" baseline="0" noProof="1">
-                <a:ln>
-                  <a:noFill/>
-                </a:ln>
-                <a:solidFill>
-                  <a:schemeClr val="bg1"/>
-                </a:solidFill>
-                <a:effectLst/>
-                <a:uLnTx/>
-                <a:uFillTx/>
-                <a:latin typeface="+mn-lt"/>
-                <a:ea typeface="+mn-ea"/>
-                <a:cs typeface="+mn-cs"/>
-              </a:rPr>
-              <a:t>&lt;div id="app"&gt;</a:t>
-            </a:r>
-          </a:p>
-          <a:p>
-            <a:pPr marL="0" marR="0" lvl="0" indent="0" algn="l" defTabSz="914400" rtl="0" eaLnBrk="1" fontAlgn="base" latinLnBrk="0" hangingPunct="1">
-              <a:lnSpc>
-                <a:spcPct val="100000"/>
-              </a:lnSpc>
-              <a:spcBef>
-                <a:spcPct val="0"/>
-              </a:spcBef>
-              <a:spcAft>
-                <a:spcPct val="0"/>
-              </a:spcAft>
-              <a:buClrTx/>
-              <a:buSzTx/>
-              <a:buFont typeface="Wingdings" panose="05000000000000000000" charset="0"/>
-              <a:buNone/>
-              <a:defRPr/>
-            </a:pPr>
-            <a:r>
-              <a:rPr kumimoji="0" lang="en-US" altLang="zh-CN" b="0" i="0" u="none" strike="noStrike" kern="1200" cap="none" spc="0" normalizeH="0" baseline="0" noProof="1">
-                <a:ln>
-                  <a:noFill/>
-                </a:ln>
-                <a:solidFill>
-                  <a:schemeClr val="bg1"/>
-                </a:solidFill>
-                <a:effectLst/>
-                <a:uLnTx/>
-                <a:uFillTx/>
-                <a:latin typeface="+mn-lt"/>
-                <a:ea typeface="+mn-ea"/>
-                <a:cs typeface="+mn-cs"/>
-              </a:rPr>
-              <a:t>        &lt;input type="text" </a:t>
-            </a:r>
-            <a:r>
-              <a:rPr kumimoji="0" lang="en-US" altLang="zh-CN" b="0" i="0" u="none" strike="noStrike" kern="1200" cap="none" spc="0" normalizeH="0" baseline="0" noProof="1">
-                <a:ln>
-                  <a:noFill/>
-                </a:ln>
-                <a:solidFill>
-                  <a:srgbClr val="FF0000"/>
-                </a:solidFill>
-                <a:effectLst/>
-                <a:uLnTx/>
-                <a:uFillTx/>
-                <a:latin typeface="+mn-lt"/>
-                <a:ea typeface="+mn-ea"/>
-                <a:cs typeface="+mn-cs"/>
-              </a:rPr>
-              <a:t>v-model="myName"</a:t>
-            </a:r>
-            <a:r>
-              <a:rPr kumimoji="0" lang="en-US" altLang="zh-CN" b="0" i="0" u="none" strike="noStrike" kern="1200" cap="none" spc="0" normalizeH="0" baseline="0" noProof="1">
-                <a:ln>
-                  <a:noFill/>
-                </a:ln>
-                <a:solidFill>
-                  <a:schemeClr val="bg1"/>
-                </a:solidFill>
-                <a:effectLst/>
-                <a:uLnTx/>
-                <a:uFillTx/>
-                <a:latin typeface="+mn-lt"/>
-                <a:ea typeface="+mn-ea"/>
-                <a:cs typeface="+mn-cs"/>
-              </a:rPr>
-              <a:t> /&gt;</a:t>
-            </a:r>
-          </a:p>
-          <a:p>
-            <a:pPr marL="0" marR="0" lvl="0" indent="0" algn="l" defTabSz="914400" rtl="0" eaLnBrk="1" fontAlgn="base" latinLnBrk="0" hangingPunct="1">
-              <a:lnSpc>
-                <a:spcPct val="100000"/>
-              </a:lnSpc>
-              <a:spcBef>
-                <a:spcPct val="0"/>
-              </a:spcBef>
-              <a:spcAft>
-                <a:spcPct val="0"/>
-              </a:spcAft>
-              <a:buClrTx/>
-              <a:buSzTx/>
-              <a:buFont typeface="Wingdings" panose="05000000000000000000" charset="0"/>
-              <a:buNone/>
-              <a:defRPr/>
-            </a:pPr>
-            <a:r>
-              <a:rPr kumimoji="0" lang="en-US" altLang="zh-CN" b="0" i="0" u="none" strike="noStrike" kern="1200" cap="none" spc="0" normalizeH="0" baseline="0" noProof="1">
-                <a:ln>
-                  <a:noFill/>
-                </a:ln>
-                <a:solidFill>
-                  <a:schemeClr val="bg1"/>
-                </a:solidFill>
-                <a:effectLst/>
-                <a:uLnTx/>
-                <a:uFillTx/>
-                <a:latin typeface="+mn-lt"/>
-                <a:ea typeface="+mn-ea"/>
-                <a:cs typeface="+mn-cs"/>
-              </a:rPr>
-              <a:t>        &lt;h1&gt;Hello </a:t>
-            </a:r>
-            <a:r>
-              <a:rPr kumimoji="0" lang="en-US" altLang="zh-CN" b="0" i="0" u="none" strike="noStrike" kern="1200" cap="none" spc="0" normalizeH="0" baseline="0" noProof="1">
-                <a:ln>
-                  <a:noFill/>
-                </a:ln>
-                <a:solidFill>
-                  <a:srgbClr val="FF0000"/>
-                </a:solidFill>
-                <a:effectLst/>
-                <a:uLnTx/>
-                <a:uFillTx/>
-                <a:latin typeface="+mn-lt"/>
-                <a:ea typeface="+mn-ea"/>
-                <a:cs typeface="+mn-cs"/>
-              </a:rPr>
-              <a:t>{{ myName }}</a:t>
-            </a:r>
-            <a:r>
-              <a:rPr kumimoji="0" lang="en-US" altLang="zh-CN" b="0" i="0" u="none" strike="noStrike" kern="1200" cap="none" spc="0" normalizeH="0" baseline="0" noProof="1">
-                <a:ln>
-                  <a:noFill/>
-                </a:ln>
-                <a:solidFill>
-                  <a:schemeClr val="bg1"/>
-                </a:solidFill>
-                <a:effectLst/>
-                <a:uLnTx/>
-                <a:uFillTx/>
-                <a:latin typeface="+mn-lt"/>
-                <a:ea typeface="+mn-ea"/>
-                <a:cs typeface="+mn-cs"/>
-              </a:rPr>
-              <a:t>!&lt;/h1&gt;</a:t>
-            </a:r>
-          </a:p>
-          <a:p>
-            <a:pPr marL="0" marR="0" lvl="0" indent="0" algn="l" defTabSz="914400" rtl="0" eaLnBrk="1" fontAlgn="base" latinLnBrk="0" hangingPunct="1">
-              <a:lnSpc>
-                <a:spcPct val="100000"/>
-              </a:lnSpc>
-              <a:spcBef>
-                <a:spcPct val="0"/>
-              </a:spcBef>
-              <a:spcAft>
-                <a:spcPct val="0"/>
-              </a:spcAft>
-              <a:buClrTx/>
-              <a:buSzTx/>
-              <a:buFont typeface="Wingdings" panose="05000000000000000000" charset="0"/>
-              <a:buNone/>
-              <a:defRPr/>
-            </a:pPr>
-            <a:r>
-              <a:rPr kumimoji="0" lang="en-US" altLang="zh-CN" b="0" i="0" u="none" strike="noStrike" kern="1200" cap="none" spc="0" normalizeH="0" baseline="0" noProof="1">
-                <a:ln>
-                  <a:noFill/>
-                </a:ln>
-                <a:solidFill>
-                  <a:schemeClr val="bg1"/>
-                </a:solidFill>
-                <a:effectLst/>
-                <a:uLnTx/>
-                <a:uFillTx/>
-                <a:latin typeface="+mn-lt"/>
-                <a:ea typeface="+mn-ea"/>
-                <a:cs typeface="+mn-cs"/>
-              </a:rPr>
-              <a:t>    &lt;/div&gt;</a:t>
-            </a:r>
-          </a:p>
-          <a:p>
-            <a:pPr marL="0" marR="0" lvl="0" indent="0" algn="l" defTabSz="914400" rtl="0" eaLnBrk="1" fontAlgn="base" latinLnBrk="0" hangingPunct="1">
-              <a:lnSpc>
-                <a:spcPct val="100000"/>
-              </a:lnSpc>
-              <a:spcBef>
-                <a:spcPct val="0"/>
-              </a:spcBef>
-              <a:spcAft>
-                <a:spcPct val="0"/>
-              </a:spcAft>
-              <a:buClrTx/>
-              <a:buSzTx/>
-              <a:buFont typeface="Wingdings" panose="05000000000000000000" charset="0"/>
-              <a:buNone/>
-              <a:defRPr/>
-            </a:pPr>
-            <a:r>
-              <a:rPr kumimoji="0" lang="en-US" altLang="zh-CN" b="0" i="0" u="none" strike="noStrike" kern="1200" cap="none" spc="0" normalizeH="0" baseline="0" noProof="1">
-                <a:ln>
-                  <a:noFill/>
-                </a:ln>
-                <a:solidFill>
-                  <a:schemeClr val="bg1"/>
-                </a:solidFill>
-                <a:effectLst/>
-                <a:uLnTx/>
-                <a:uFillTx/>
-                <a:latin typeface="+mn-lt"/>
-                <a:ea typeface="+mn-ea"/>
-                <a:cs typeface="+mn-cs"/>
-              </a:rPr>
-              <a:t>	new Vue({</a:t>
-            </a:r>
-          </a:p>
-          <a:p>
-            <a:pPr marL="0" marR="0" lvl="0" indent="0" algn="l" defTabSz="914400" rtl="0" eaLnBrk="1" fontAlgn="base" latinLnBrk="0" hangingPunct="1">
-              <a:lnSpc>
-                <a:spcPct val="100000"/>
-              </a:lnSpc>
-              <a:spcBef>
-                <a:spcPct val="0"/>
-              </a:spcBef>
-              <a:spcAft>
-                <a:spcPct val="0"/>
-              </a:spcAft>
-              <a:buClrTx/>
-              <a:buSzTx/>
-              <a:buFont typeface="Wingdings" panose="05000000000000000000" charset="0"/>
-              <a:buNone/>
-              <a:defRPr/>
-            </a:pPr>
-            <a:r>
-              <a:rPr kumimoji="0" lang="en-US" altLang="zh-CN" b="0" i="0" u="none" strike="noStrike" kern="1200" cap="none" spc="0" normalizeH="0" baseline="0" noProof="1">
-                <a:ln>
-                  <a:noFill/>
-                </a:ln>
-                <a:solidFill>
-                  <a:schemeClr val="bg1"/>
-                </a:solidFill>
-                <a:effectLst/>
-                <a:uLnTx/>
-                <a:uFillTx/>
-                <a:latin typeface="+mn-lt"/>
-                <a:ea typeface="+mn-ea"/>
-                <a:cs typeface="+mn-cs"/>
-              </a:rPr>
-              <a:t>            el: '#app',</a:t>
-            </a:r>
-          </a:p>
-          <a:p>
-            <a:pPr marL="0" marR="0" lvl="0" indent="0" algn="l" defTabSz="914400" rtl="0" eaLnBrk="1" fontAlgn="base" latinLnBrk="0" hangingPunct="1">
-              <a:lnSpc>
-                <a:spcPct val="100000"/>
-              </a:lnSpc>
-              <a:spcBef>
-                <a:spcPct val="0"/>
-              </a:spcBef>
-              <a:spcAft>
-                <a:spcPct val="0"/>
-              </a:spcAft>
-              <a:buClrTx/>
-              <a:buSzTx/>
-              <a:buFont typeface="Wingdings" panose="05000000000000000000" charset="0"/>
-              <a:buNone/>
-              <a:defRPr/>
-            </a:pPr>
-            <a:r>
-              <a:rPr kumimoji="0" lang="en-US" altLang="zh-CN" b="0" i="0" u="none" strike="noStrike" kern="1200" cap="none" spc="0" normalizeH="0" baseline="0" noProof="1">
-                <a:ln>
-                  <a:noFill/>
-                </a:ln>
-                <a:solidFill>
-                  <a:schemeClr val="bg1"/>
-                </a:solidFill>
-                <a:effectLst/>
-                <a:uLnTx/>
-                <a:uFillTx/>
-                <a:latin typeface="+mn-lt"/>
-                <a:ea typeface="+mn-ea"/>
-                <a:cs typeface="+mn-cs"/>
-              </a:rPr>
-              <a:t>            data: {</a:t>
-            </a:r>
-          </a:p>
-          <a:p>
-            <a:pPr marL="0" marR="0" lvl="0" indent="0" algn="l" defTabSz="914400" rtl="0" eaLnBrk="1" fontAlgn="base" latinLnBrk="0" hangingPunct="1">
-              <a:lnSpc>
-                <a:spcPct val="100000"/>
-              </a:lnSpc>
-              <a:spcBef>
-                <a:spcPct val="0"/>
-              </a:spcBef>
-              <a:spcAft>
-                <a:spcPct val="0"/>
-              </a:spcAft>
-              <a:buClrTx/>
-              <a:buSzTx/>
-              <a:buFont typeface="Wingdings" panose="05000000000000000000" charset="0"/>
-              <a:buNone/>
-              <a:defRPr/>
-            </a:pPr>
-            <a:r>
-              <a:rPr kumimoji="0" lang="en-US" altLang="zh-CN" b="0" i="0" u="none" strike="noStrike" kern="1200" cap="none" spc="0" normalizeH="0" baseline="0" noProof="1">
-                <a:ln>
-                  <a:noFill/>
-                </a:ln>
-                <a:solidFill>
-                  <a:schemeClr val="bg1"/>
-                </a:solidFill>
-                <a:effectLst/>
-                <a:uLnTx/>
-                <a:uFillTx/>
-                <a:latin typeface="+mn-lt"/>
-                <a:ea typeface="+mn-ea"/>
-                <a:cs typeface="+mn-cs"/>
-              </a:rPr>
-              <a:t>                </a:t>
-            </a:r>
-            <a:r>
-              <a:rPr kumimoji="0" lang="en-US" altLang="zh-CN" b="0" i="0" u="none" strike="noStrike" kern="1200" cap="none" spc="0" normalizeH="0" baseline="0" noProof="1">
-                <a:ln>
-                  <a:noFill/>
-                </a:ln>
-                <a:solidFill>
-                  <a:srgbClr val="FF0000"/>
-                </a:solidFill>
-                <a:effectLst/>
-                <a:uLnTx/>
-                <a:uFillTx/>
-                <a:latin typeface="+mn-lt"/>
-                <a:ea typeface="+mn-ea"/>
-                <a:cs typeface="+mn-cs"/>
-              </a:rPr>
-              <a:t>myName: 'World'</a:t>
-            </a:r>
-          </a:p>
-          <a:p>
-            <a:pPr marL="0" marR="0" lvl="0" indent="0" algn="l" defTabSz="914400" rtl="0" eaLnBrk="1" fontAlgn="base" latinLnBrk="0" hangingPunct="1">
-              <a:lnSpc>
-                <a:spcPct val="100000"/>
-              </a:lnSpc>
-              <a:spcBef>
-                <a:spcPct val="0"/>
-              </a:spcBef>
-              <a:spcAft>
-                <a:spcPct val="0"/>
-              </a:spcAft>
-              <a:buClrTx/>
-              <a:buSzTx/>
-              <a:buFont typeface="Wingdings" panose="05000000000000000000" charset="0"/>
-              <a:buNone/>
-              <a:defRPr/>
-            </a:pPr>
-            <a:r>
-              <a:rPr kumimoji="0" lang="en-US" altLang="zh-CN" b="0" i="0" u="none" strike="noStrike" kern="1200" cap="none" spc="0" normalizeH="0" baseline="0" noProof="1">
-                <a:ln>
-                  <a:noFill/>
-                </a:ln>
-                <a:solidFill>
-                  <a:schemeClr val="bg1"/>
-                </a:solidFill>
-                <a:effectLst/>
-                <a:uLnTx/>
-                <a:uFillTx/>
-                <a:latin typeface="+mn-lt"/>
-                <a:ea typeface="+mn-ea"/>
-                <a:cs typeface="+mn-cs"/>
-              </a:rPr>
-              <a:t>            }</a:t>
-            </a:r>
-          </a:p>
-          <a:p>
-            <a:pPr marL="0" marR="0" lvl="0" indent="0" algn="l" defTabSz="914400" rtl="0" eaLnBrk="1" fontAlgn="base" latinLnBrk="0" hangingPunct="1">
-              <a:lnSpc>
-                <a:spcPct val="100000"/>
-              </a:lnSpc>
-              <a:spcBef>
-                <a:spcPct val="0"/>
-              </a:spcBef>
-              <a:spcAft>
-                <a:spcPct val="0"/>
-              </a:spcAft>
-              <a:buClrTx/>
-              <a:buSzTx/>
-              <a:buFont typeface="Wingdings" panose="05000000000000000000" charset="0"/>
-              <a:buNone/>
-              <a:defRPr/>
-            </a:pPr>
-            <a:r>
-              <a:rPr kumimoji="0" lang="en-US" altLang="zh-CN" b="0" i="0" u="none" strike="noStrike" kern="1200" cap="none" spc="0" normalizeH="0" baseline="0" noProof="1">
-                <a:ln>
-                  <a:noFill/>
-                </a:ln>
-                <a:solidFill>
-                  <a:schemeClr val="bg1"/>
-                </a:solidFill>
-                <a:effectLst/>
-                <a:uLnTx/>
-                <a:uFillTx/>
-                <a:latin typeface="+mn-lt"/>
-                <a:ea typeface="+mn-ea"/>
-                <a:cs typeface="+mn-cs"/>
-              </a:rPr>
-              <a:t>        });</a:t>
-            </a:r>
-          </a:p>
-          <a:p>
-            <a:pPr marL="285750" marR="0" lvl="0" indent="-285750" algn="l" defTabSz="914400" rtl="0" eaLnBrk="1" fontAlgn="base" latinLnBrk="0" hangingPunct="1">
-              <a:lnSpc>
-                <a:spcPct val="100000"/>
-              </a:lnSpc>
-              <a:spcBef>
-                <a:spcPct val="0"/>
-              </a:spcBef>
-              <a:spcAft>
-                <a:spcPct val="0"/>
-              </a:spcAft>
-              <a:buClrTx/>
-              <a:buSzTx/>
-              <a:buFont typeface="Wingdings" panose="05000000000000000000" charset="0"/>
-              <a:buChar char="Ø"/>
-              <a:defRPr/>
-            </a:pPr>
-            <a:endParaRPr lang="zh-CN" altLang="en-US" dirty="0">
-              <a:sym typeface="+mn-ea"/>
-            </a:endParaRPr>
-          </a:p>
-          <a:p>
-            <a:endParaRPr lang="zh-CN" altLang="en-US" dirty="0">
-              <a:sym typeface="+mn-ea"/>
-            </a:endParaRPr>
-          </a:p>
-        </p:txBody>
-      </p:sp>
-    </p:spTree>
-  </p:cSld>
-  <p:clrMapOvr>
-    <a:masterClrMapping/>
-  </p:clrMapOvr>
-  <p:transition>
-    <p:wipe dir="r"/>
-  </p:transition>
-</p:sld>
-</file>
-
-<file path=ppt/slides/slide14.xml><?xml version="1.0" encoding="utf-8"?>
-<p:sld xmlns:a="http://schemas.openxmlformats.org/drawingml/2006/main" xmlns:r="http://schemas.openxmlformats.org/officeDocument/2006/relationships" xmlns:p="http://schemas.openxmlformats.org/presentationml/2006/main">
-  <p:cSld>
-    <p:spTree>
-      <p:nvGrpSpPr>
-        <p:cNvPr id="1" name=""/>
-        <p:cNvGrpSpPr/>
-        <p:nvPr/>
-      </p:nvGrpSpPr>
-      <p:grpSpPr>
-        <a:xfrm>
-          <a:off x="0" y="0"/>
-          <a:ext cx="0" cy="0"/>
-          <a:chOff x="0" y="0"/>
-          <a:chExt cx="0" cy="0"/>
-        </a:xfrm>
-      </p:grpSpPr>
-      <p:sp>
-        <p:nvSpPr>
-          <p:cNvPr id="4" name="标题 3"/>
-          <p:cNvSpPr>
-            <a:spLocks noGrp="1"/>
-          </p:cNvSpPr>
-          <p:nvPr>
-            <p:ph type="ctrTitle"/>
-          </p:nvPr>
-        </p:nvSpPr>
-        <p:spPr/>
-        <p:txBody>
-          <a:bodyPr>
-            <a:normAutofit/>
-          </a:bodyPr>
-          <a:lstStyle/>
-          <a:p>
-            <a:r>
-              <a:rPr lang="en-US" altLang="zh-CN" b="1" dirty="0" err="1">
-                <a:latin typeface="微软雅黑" panose="020B0503020204020204" pitchFamily="34" charset="-122"/>
-                <a:ea typeface="微软雅黑" panose="020B0503020204020204" pitchFamily="34" charset="-122"/>
-                <a:sym typeface="+mn-ea"/>
-              </a:rPr>
-              <a:t>Vue</a:t>
-            </a:r>
-            <a:r>
-              <a:rPr lang="zh-CN" altLang="en-US" b="1" dirty="0">
-                <a:latin typeface="微软雅黑" panose="020B0503020204020204" pitchFamily="34" charset="-122"/>
-                <a:ea typeface="微软雅黑" panose="020B0503020204020204" pitchFamily="34" charset="-122"/>
-                <a:sym typeface="+mn-ea"/>
-              </a:rPr>
-              <a:t>实例</a:t>
-            </a:r>
-          </a:p>
-        </p:txBody>
-      </p:sp>
-      <p:sp>
-        <p:nvSpPr>
-          <p:cNvPr id="5" name="副标题 4"/>
-          <p:cNvSpPr>
-            <a:spLocks noGrp="1"/>
-          </p:cNvSpPr>
-          <p:nvPr>
-            <p:ph type="subTitle" idx="1"/>
-          </p:nvPr>
-        </p:nvSpPr>
-        <p:spPr/>
-        <p:txBody>
-          <a:bodyPr>
-            <a:normAutofit fontScale="70000" lnSpcReduction="20000"/>
-          </a:bodyPr>
-          <a:lstStyle/>
-          <a:p>
-            <a:r>
-              <a:rPr lang="zh-CN" altLang="en-US" dirty="0"/>
-              <a:t>我们通过</a:t>
-            </a:r>
-            <a:r>
-              <a:rPr lang="en-US" altLang="zh-CN" dirty="0"/>
-              <a:t>new </a:t>
-            </a:r>
-            <a:r>
-              <a:rPr lang="en-US" altLang="zh-CN" dirty="0" err="1"/>
-              <a:t>Vue</a:t>
-            </a:r>
-            <a:r>
-              <a:rPr lang="en-US" altLang="zh-CN" dirty="0"/>
-              <a:t>()</a:t>
-            </a:r>
-            <a:r>
-              <a:rPr lang="zh-CN" altLang="en-US" dirty="0"/>
-              <a:t>构建了一个</a:t>
-            </a:r>
-            <a:r>
-              <a:rPr lang="en-US" altLang="zh-CN" dirty="0" err="1"/>
-              <a:t>Vue</a:t>
-            </a:r>
-            <a:r>
-              <a:rPr lang="zh-CN" altLang="en-US" dirty="0"/>
-              <a:t>的实例，在实例中，可以包含挂载元素（</a:t>
-            </a:r>
-            <a:r>
-              <a:rPr lang="en-US" altLang="zh-CN" dirty="0"/>
-              <a:t>el</a:t>
-            </a:r>
-            <a:r>
-              <a:rPr lang="zh-CN" altLang="en-US" dirty="0"/>
-              <a:t>），数据（</a:t>
-            </a:r>
-            <a:r>
-              <a:rPr lang="en-US" altLang="zh-CN" dirty="0"/>
-              <a:t>data</a:t>
-            </a:r>
-            <a:r>
-              <a:rPr lang="zh-CN" altLang="en-US" dirty="0"/>
-              <a:t>），模板（</a:t>
-            </a:r>
-            <a:r>
-              <a:rPr lang="en-US" altLang="zh-CN" dirty="0"/>
-              <a:t>template</a:t>
-            </a:r>
-            <a:r>
-              <a:rPr lang="zh-CN" altLang="en-US" dirty="0"/>
-              <a:t>），方法（</a:t>
-            </a:r>
-            <a:r>
-              <a:rPr lang="en-US" altLang="zh-CN" dirty="0"/>
-              <a:t>methods</a:t>
-            </a:r>
-            <a:r>
-              <a:rPr lang="zh-CN" altLang="en-US" dirty="0"/>
-              <a:t>）与生命周期钩子（</a:t>
-            </a:r>
-            <a:r>
-              <a:rPr lang="en-US" altLang="zh-CN" dirty="0"/>
-              <a:t>created</a:t>
-            </a:r>
-            <a:r>
-              <a:rPr lang="zh-CN" altLang="en-US" dirty="0"/>
-              <a:t>等）等选项。</a:t>
-            </a:r>
-            <a:endParaRPr lang="en-US" altLang="zh-CN" dirty="0"/>
-          </a:p>
-          <a:p>
-            <a:r>
-              <a:rPr lang="en-US" altLang="zh-CN" b="1" dirty="0"/>
-              <a:t>el</a:t>
-            </a:r>
-            <a:r>
-              <a:rPr lang="zh-CN" altLang="en-US" dirty="0"/>
-              <a:t>表明我们的</a:t>
-            </a:r>
-            <a:r>
-              <a:rPr lang="en-US" altLang="zh-CN" dirty="0" err="1"/>
-              <a:t>Vue</a:t>
-            </a:r>
-            <a:r>
-              <a:rPr lang="zh-CN" altLang="en-US" dirty="0"/>
-              <a:t>需要操作哪一个元素下的区域，’</a:t>
-            </a:r>
-            <a:r>
-              <a:rPr lang="en-US" altLang="zh-CN" dirty="0"/>
-              <a:t>#demo’</a:t>
-            </a:r>
-            <a:r>
-              <a:rPr lang="zh-CN" altLang="en-US" dirty="0"/>
-              <a:t>表示操作</a:t>
-            </a:r>
-            <a:r>
-              <a:rPr lang="en-US" altLang="zh-CN" dirty="0"/>
-              <a:t>id</a:t>
-            </a:r>
-            <a:r>
-              <a:rPr lang="zh-CN" altLang="en-US" dirty="0"/>
-              <a:t>为</a:t>
-            </a:r>
-            <a:r>
-              <a:rPr lang="en-US" altLang="zh-CN" dirty="0"/>
-              <a:t>demo</a:t>
-            </a:r>
-            <a:r>
-              <a:rPr lang="zh-CN" altLang="en-US" dirty="0"/>
-              <a:t>的元素下区域。</a:t>
-            </a:r>
-            <a:endParaRPr lang="en-US" altLang="zh-CN" dirty="0"/>
-          </a:p>
-          <a:p>
-            <a:r>
-              <a:rPr lang="en-US" altLang="zh-CN" b="1" dirty="0"/>
-              <a:t>data</a:t>
-            </a:r>
-            <a:r>
-              <a:rPr lang="zh-CN" altLang="en-US" dirty="0"/>
-              <a:t>表示</a:t>
-            </a:r>
-            <a:r>
-              <a:rPr lang="en-US" altLang="zh-CN" dirty="0" err="1"/>
-              <a:t>Vue</a:t>
-            </a:r>
-            <a:r>
-              <a:rPr lang="en-US" altLang="zh-CN" dirty="0"/>
-              <a:t> </a:t>
-            </a:r>
-            <a:r>
-              <a:rPr lang="zh-CN" altLang="en-US" dirty="0"/>
-              <a:t>实例的数据对象，</a:t>
-            </a:r>
-            <a:r>
-              <a:rPr lang="en-US" altLang="zh-CN" dirty="0"/>
-              <a:t>data </a:t>
-            </a:r>
-            <a:r>
-              <a:rPr lang="zh-CN" altLang="en-US" dirty="0"/>
-              <a:t>的属性能够响应数据的变化。</a:t>
-            </a:r>
-            <a:endParaRPr lang="en-US" altLang="zh-CN" dirty="0"/>
-          </a:p>
-          <a:p>
-            <a:r>
-              <a:rPr lang="en-US" altLang="zh-CN" b="1" dirty="0"/>
-              <a:t>created</a:t>
-            </a:r>
-            <a:r>
-              <a:rPr lang="zh-CN" altLang="en-US" dirty="0"/>
-              <a:t>表示实例生命周期中创建完成的那一步，当实例已经创建完成之后将调用其方法。</a:t>
-            </a:r>
-            <a:endParaRPr lang="en-US" altLang="zh-CN" b="1" dirty="0"/>
-          </a:p>
-          <a:p>
-            <a:endParaRPr lang="en-US" altLang="zh-CN" b="1" dirty="0"/>
-          </a:p>
-          <a:p>
-            <a:endParaRPr lang="zh-CN" altLang="en-US" b="1" dirty="0"/>
-          </a:p>
-          <a:p>
-            <a:endParaRPr lang="en-US" altLang="zh-CN" b="1" dirty="0"/>
-          </a:p>
-          <a:p>
-            <a:pPr lvl="1"/>
-            <a:endParaRPr lang="zh-CN" altLang="en-US" b="1" dirty="0"/>
-          </a:p>
-          <a:p>
-            <a:pPr>
-              <a:lnSpc>
-                <a:spcPct val="130000"/>
-              </a:lnSpc>
-            </a:pPr>
-            <a:endParaRPr lang="zh-CN" altLang="en-US" sz="3600" dirty="0">
-              <a:latin typeface="微软雅黑" panose="020B0503020204020204" pitchFamily="34" charset="-122"/>
-              <a:ea typeface="微软雅黑" panose="020B0503020204020204" pitchFamily="34" charset="-122"/>
-            </a:endParaRPr>
-          </a:p>
-        </p:txBody>
-      </p:sp>
-    </p:spTree>
-    <p:extLst>
-      <p:ext uri="{BB962C8B-B14F-4D97-AF65-F5344CB8AC3E}">
-        <p14:creationId xmlns:p14="http://schemas.microsoft.com/office/powerpoint/2010/main" val="19607836"/>
-      </p:ext>
-    </p:extLst>
-  </p:cSld>
-  <p:clrMapOvr>
-    <a:masterClrMapping/>
-  </p:clrMapOvr>
-  <p:transition>
-    <p:wipe dir="r"/>
-  </p:transition>
-</p:sld>
-</file>
-
-<file path=ppt/slides/slide15.xml><?xml version="1.0" encoding="utf-8"?>
-<p:sld xmlns:a="http://schemas.openxmlformats.org/drawingml/2006/main" xmlns:r="http://schemas.openxmlformats.org/officeDocument/2006/relationships" xmlns:p="http://schemas.openxmlformats.org/presentationml/2006/main">
-  <p:cSld>
-    <p:spTree>
-      <p:nvGrpSpPr>
-        <p:cNvPr id="1" name=""/>
-        <p:cNvGrpSpPr/>
-        <p:nvPr/>
-      </p:nvGrpSpPr>
-      <p:grpSpPr>
-        <a:xfrm>
-          <a:off x="0" y="0"/>
-          <a:ext cx="0" cy="0"/>
-          <a:chOff x="0" y="0"/>
-          <a:chExt cx="0" cy="0"/>
-        </a:xfrm>
-      </p:grpSpPr>
-      <p:sp>
-        <p:nvSpPr>
-          <p:cNvPr id="4" name="标题 3"/>
-          <p:cNvSpPr>
-            <a:spLocks noGrp="1"/>
-          </p:cNvSpPr>
-          <p:nvPr>
-            <p:ph type="ctrTitle"/>
-          </p:nvPr>
-        </p:nvSpPr>
-        <p:spPr/>
-        <p:txBody>
-          <a:bodyPr>
-            <a:normAutofit/>
-          </a:bodyPr>
-          <a:lstStyle/>
-          <a:p>
-            <a:r>
-              <a:rPr lang="zh-CN" altLang="en-US" b="1" dirty="0">
-                <a:latin typeface="微软雅黑" panose="020B0503020204020204" pitchFamily="34" charset="-122"/>
-                <a:ea typeface="微软雅黑" panose="020B0503020204020204" pitchFamily="34" charset="-122"/>
-                <a:sym typeface="+mn-ea"/>
-              </a:rPr>
-              <a:t>模板语法</a:t>
-            </a:r>
-          </a:p>
-        </p:txBody>
-      </p:sp>
-      <p:sp>
-        <p:nvSpPr>
-          <p:cNvPr id="5" name="副标题 4"/>
-          <p:cNvSpPr>
-            <a:spLocks noGrp="1"/>
-          </p:cNvSpPr>
-          <p:nvPr>
-            <p:ph type="subTitle" idx="1"/>
-          </p:nvPr>
-        </p:nvSpPr>
-        <p:spPr/>
-        <p:txBody>
-          <a:bodyPr>
-            <a:normAutofit fontScale="70000" lnSpcReduction="20000"/>
-          </a:bodyPr>
-          <a:lstStyle/>
-          <a:p>
-            <a:r>
-              <a:rPr lang="zh-CN" altLang="en-US" b="1" dirty="0"/>
-              <a:t>插值：</a:t>
-            </a:r>
-            <a:r>
-              <a:rPr lang="zh-CN" altLang="en-US" dirty="0"/>
-              <a:t>数据绑定最常见的形式就是使用 “</a:t>
-            </a:r>
-            <a:r>
-              <a:rPr lang="en-US" altLang="zh-CN" dirty="0"/>
-              <a:t>Mustache” </a:t>
-            </a:r>
-            <a:r>
-              <a:rPr lang="zh-CN" altLang="en-US" dirty="0"/>
-              <a:t>语法（双大括号）的文本插值，</a:t>
-            </a:r>
-            <a:r>
-              <a:rPr lang="en-US" altLang="zh-CN" dirty="0"/>
-              <a:t>Mustache </a:t>
-            </a:r>
-            <a:r>
-              <a:rPr lang="zh-CN" altLang="en-US" dirty="0"/>
-              <a:t>标签将会被替代为对应数据对象上 </a:t>
-            </a:r>
-            <a:r>
-              <a:rPr lang="en-US" altLang="zh-CN" dirty="0" err="1"/>
-              <a:t>msg</a:t>
-            </a:r>
-            <a:r>
-              <a:rPr lang="en-US" altLang="zh-CN" dirty="0"/>
-              <a:t> </a:t>
-            </a:r>
-            <a:r>
-              <a:rPr lang="zh-CN" altLang="en-US" dirty="0"/>
-              <a:t>属性的值。无论何时，绑定的数据对象上 </a:t>
-            </a:r>
-            <a:r>
-              <a:rPr lang="en-US" altLang="zh-CN" dirty="0" err="1"/>
-              <a:t>msg</a:t>
-            </a:r>
-            <a:r>
-              <a:rPr lang="en-US" altLang="zh-CN" dirty="0"/>
-              <a:t> </a:t>
-            </a:r>
-            <a:r>
-              <a:rPr lang="zh-CN" altLang="en-US" dirty="0"/>
-              <a:t>属性发生了改变，插值处的内容都会更新。</a:t>
-            </a:r>
-          </a:p>
-          <a:p>
-            <a:pPr marL="0" indent="0">
-              <a:buNone/>
-            </a:pPr>
-            <a:r>
-              <a:rPr lang="en-US" altLang="zh-CN" b="1" dirty="0"/>
-              <a:t>	&lt;span&gt;Message: {{ </a:t>
-            </a:r>
-            <a:r>
-              <a:rPr lang="en-US" altLang="zh-CN" b="1" dirty="0" err="1"/>
-              <a:t>msg</a:t>
-            </a:r>
-            <a:r>
-              <a:rPr lang="en-US" altLang="zh-CN" b="1" dirty="0"/>
-              <a:t> }}&lt;/span&gt;</a:t>
-            </a:r>
-          </a:p>
-          <a:p>
-            <a:r>
-              <a:rPr lang="en-US" altLang="zh-CN" b="1" dirty="0"/>
-              <a:t>v-bind</a:t>
-            </a:r>
-            <a:r>
-              <a:rPr lang="zh-CN" altLang="en-US" b="1" dirty="0"/>
-              <a:t>：</a:t>
-            </a:r>
-            <a:r>
-              <a:rPr lang="zh-CN" altLang="en-US" dirty="0"/>
-              <a:t>单项绑定，这里的单向指的是数据到界面的单向。数据改变时</a:t>
-            </a:r>
-            <a:r>
-              <a:rPr lang="en-US" altLang="zh-CN" dirty="0"/>
-              <a:t>Dom</a:t>
-            </a:r>
-            <a:r>
-              <a:rPr lang="zh-CN" altLang="en-US" dirty="0"/>
-              <a:t>文档也会改变。当绑定的值为</a:t>
-            </a:r>
-            <a:r>
-              <a:rPr lang="en-US" altLang="zh-CN" dirty="0" err="1"/>
-              <a:t>false,null</a:t>
-            </a:r>
-            <a:r>
-              <a:rPr lang="zh-CN" altLang="en-US" dirty="0"/>
-              <a:t>时属性不会绑定上去，简写形式为</a:t>
-            </a:r>
-            <a:r>
-              <a:rPr lang="en-US" altLang="zh-CN" dirty="0"/>
-              <a:t>:</a:t>
-            </a:r>
-            <a:r>
-              <a:rPr lang="zh-CN" altLang="en-US" dirty="0"/>
-              <a:t>属性</a:t>
-            </a:r>
-            <a:r>
-              <a:rPr lang="en-US" altLang="zh-CN" dirty="0"/>
-              <a:t>=“”</a:t>
-            </a:r>
-          </a:p>
-          <a:p>
-            <a:r>
-              <a:rPr lang="en-US" altLang="zh-CN" b="1" dirty="0"/>
-              <a:t>v-model</a:t>
-            </a:r>
-            <a:r>
-              <a:rPr lang="zh-CN" altLang="en-US" b="1" dirty="0"/>
-              <a:t>：</a:t>
-            </a:r>
-            <a:r>
-              <a:rPr lang="zh-CN" altLang="en-US" dirty="0"/>
-              <a:t>双向绑定</a:t>
-            </a:r>
-            <a:endParaRPr lang="en-US" altLang="zh-CN" dirty="0"/>
-          </a:p>
-          <a:p>
-            <a:r>
-              <a:rPr lang="en-US" altLang="zh-CN" b="1" dirty="0"/>
-              <a:t>v-html:</a:t>
-            </a:r>
-            <a:r>
-              <a:rPr lang="zh-CN" altLang="en-US" dirty="0"/>
-              <a:t>绑定</a:t>
-            </a:r>
-            <a:r>
-              <a:rPr lang="en-US" altLang="zh-CN" dirty="0"/>
-              <a:t>HTML</a:t>
-            </a:r>
-          </a:p>
-          <a:p>
-            <a:endParaRPr lang="en-US" altLang="zh-CN" b="1" dirty="0"/>
-          </a:p>
-          <a:p>
-            <a:endParaRPr lang="en-US" altLang="zh-CN" b="1" dirty="0"/>
-          </a:p>
-          <a:p>
-            <a:endParaRPr lang="zh-CN" altLang="en-US" b="1" dirty="0"/>
-          </a:p>
-          <a:p>
-            <a:endParaRPr lang="en-US" altLang="zh-CN" b="1" dirty="0"/>
-          </a:p>
-          <a:p>
-            <a:pPr lvl="1"/>
-            <a:endParaRPr lang="zh-CN" altLang="en-US" b="1" dirty="0"/>
-          </a:p>
-          <a:p>
-            <a:pPr>
-              <a:lnSpc>
-                <a:spcPct val="130000"/>
-              </a:lnSpc>
-            </a:pPr>
-            <a:endParaRPr lang="zh-CN" altLang="en-US" sz="3600" dirty="0">
-              <a:latin typeface="微软雅黑" panose="020B0503020204020204" pitchFamily="34" charset="-122"/>
-              <a:ea typeface="微软雅黑" panose="020B0503020204020204" pitchFamily="34" charset="-122"/>
-            </a:endParaRPr>
-          </a:p>
-        </p:txBody>
-      </p:sp>
-    </p:spTree>
-    <p:extLst>
-      <p:ext uri="{BB962C8B-B14F-4D97-AF65-F5344CB8AC3E}">
-        <p14:creationId xmlns:p14="http://schemas.microsoft.com/office/powerpoint/2010/main" val="121353175"/>
-      </p:ext>
-    </p:extLst>
-  </p:cSld>
-  <p:clrMapOvr>
-    <a:masterClrMapping/>
-  </p:clrMapOvr>
-  <p:transition>
-    <p:wipe dir="r"/>
-  </p:transition>
-</p:sld>
-</file>
-
-<file path=ppt/slides/slide16.xml><?xml version="1.0" encoding="utf-8"?>
-<p:sld xmlns:a="http://schemas.openxmlformats.org/drawingml/2006/main" xmlns:r="http://schemas.openxmlformats.org/officeDocument/2006/relationships" xmlns:p="http://schemas.openxmlformats.org/presentationml/2006/main">
-  <p:cSld>
-    <p:spTree>
-      <p:nvGrpSpPr>
-        <p:cNvPr id="1" name=""/>
-        <p:cNvGrpSpPr/>
-        <p:nvPr/>
-      </p:nvGrpSpPr>
-      <p:grpSpPr>
-        <a:xfrm>
-          <a:off x="0" y="0"/>
-          <a:ext cx="0" cy="0"/>
-          <a:chOff x="0" y="0"/>
-          <a:chExt cx="0" cy="0"/>
-        </a:xfrm>
-      </p:grpSpPr>
-      <p:sp>
-        <p:nvSpPr>
-          <p:cNvPr id="4" name="标题 3"/>
-          <p:cNvSpPr>
-            <a:spLocks noGrp="1"/>
-          </p:cNvSpPr>
-          <p:nvPr>
-            <p:ph type="ctrTitle"/>
-          </p:nvPr>
-        </p:nvSpPr>
-        <p:spPr/>
-        <p:txBody>
-          <a:bodyPr>
-            <a:normAutofit/>
-          </a:bodyPr>
-          <a:lstStyle/>
-          <a:p>
-            <a:r>
-              <a:rPr lang="zh-CN" altLang="en-US" b="1" dirty="0">
-                <a:latin typeface="微软雅黑" panose="020B0503020204020204" pitchFamily="34" charset="-122"/>
-                <a:ea typeface="微软雅黑" panose="020B0503020204020204" pitchFamily="34" charset="-122"/>
-                <a:sym typeface="+mn-ea"/>
-              </a:rPr>
-              <a:t>指令</a:t>
-            </a:r>
-            <a:endParaRPr lang="en-US" altLang="zh-CN" b="1" dirty="0">
-              <a:latin typeface="微软雅黑" panose="020B0503020204020204" pitchFamily="34" charset="-122"/>
-              <a:ea typeface="微软雅黑" panose="020B0503020204020204" pitchFamily="34" charset="-122"/>
-              <a:sym typeface="+mn-ea"/>
-            </a:endParaRPr>
-          </a:p>
-        </p:txBody>
-      </p:sp>
-      <p:sp>
-        <p:nvSpPr>
-          <p:cNvPr id="5" name="副标题 4"/>
-          <p:cNvSpPr>
-            <a:spLocks noGrp="1"/>
-          </p:cNvSpPr>
-          <p:nvPr>
-            <p:ph type="subTitle" idx="1"/>
-          </p:nvPr>
-        </p:nvSpPr>
-        <p:spPr/>
-        <p:txBody>
-          <a:bodyPr>
-            <a:normAutofit/>
-          </a:bodyPr>
-          <a:lstStyle/>
-          <a:p>
-            <a:r>
-              <a:rPr lang="zh-CN" altLang="en-US" dirty="0"/>
-              <a:t>指令是带有 </a:t>
-            </a:r>
-            <a:r>
-              <a:rPr lang="en-US" altLang="zh-CN" dirty="0"/>
-              <a:t>v- </a:t>
-            </a:r>
-            <a:r>
-              <a:rPr lang="zh-CN" altLang="en-US" dirty="0"/>
-              <a:t>前缀的特殊属性，用来封装 </a:t>
-            </a:r>
-            <a:r>
-              <a:rPr lang="en-US" altLang="zh-CN" dirty="0"/>
-              <a:t>DOM </a:t>
-            </a:r>
-            <a:r>
-              <a:rPr lang="zh-CN" altLang="en-US" dirty="0"/>
-              <a:t>操作。</a:t>
-            </a:r>
-            <a:endParaRPr lang="en-US" altLang="zh-CN" dirty="0"/>
-          </a:p>
-          <a:p>
-            <a:pPr marL="0" indent="0">
-              <a:buNone/>
-            </a:pPr>
-            <a:r>
-              <a:rPr lang="en-US" altLang="zh-CN" dirty="0"/>
-              <a:t>	&lt;div id="app"&gt; </a:t>
-            </a:r>
-          </a:p>
-          <a:p>
-            <a:pPr marL="0" indent="0">
-              <a:buNone/>
-            </a:pPr>
-            <a:r>
-              <a:rPr lang="en-US" altLang="zh-CN" dirty="0"/>
-              <a:t>		&lt;p v-if="true"&gt;</a:t>
-            </a:r>
-            <a:r>
-              <a:rPr lang="zh-CN" altLang="en-US" dirty="0"/>
-              <a:t>现在你看到我了</a:t>
-            </a:r>
-            <a:r>
-              <a:rPr lang="en-US" altLang="zh-CN" dirty="0"/>
-              <a:t>&lt;/p&gt;</a:t>
-            </a:r>
-          </a:p>
-          <a:p>
-            <a:pPr marL="0" indent="0">
-              <a:buNone/>
-            </a:pPr>
-            <a:r>
-              <a:rPr lang="en-US" altLang="zh-CN" dirty="0"/>
-              <a:t>	&lt;/div&gt;</a:t>
-            </a:r>
-            <a:endParaRPr lang="zh-CN" altLang="en-US" b="1" dirty="0"/>
-          </a:p>
-          <a:p>
-            <a:endParaRPr lang="en-US" altLang="zh-CN" b="1" dirty="0"/>
-          </a:p>
-          <a:p>
-            <a:pPr lvl="1"/>
-            <a:endParaRPr lang="zh-CN" altLang="en-US" b="1" dirty="0"/>
-          </a:p>
-          <a:p>
-            <a:pPr>
-              <a:lnSpc>
-                <a:spcPct val="130000"/>
-              </a:lnSpc>
-            </a:pPr>
-            <a:endParaRPr lang="zh-CN" altLang="en-US" sz="3600" dirty="0">
-              <a:latin typeface="微软雅黑" panose="020B0503020204020204" pitchFamily="34" charset="-122"/>
-              <a:ea typeface="微软雅黑" panose="020B0503020204020204" pitchFamily="34" charset="-122"/>
-            </a:endParaRPr>
-          </a:p>
-        </p:txBody>
-      </p:sp>
-    </p:spTree>
-    <p:extLst>
-      <p:ext uri="{BB962C8B-B14F-4D97-AF65-F5344CB8AC3E}">
-        <p14:creationId xmlns:p14="http://schemas.microsoft.com/office/powerpoint/2010/main" val="3931648104"/>
-      </p:ext>
-    </p:extLst>
-  </p:cSld>
-  <p:clrMapOvr>
-    <a:masterClrMapping/>
-  </p:clrMapOvr>
-  <p:transition>
-    <p:wipe dir="r"/>
-  </p:transition>
-</p:sld>
-</file>
-
-<file path=ppt/slides/slide17.xml><?xml version="1.0" encoding="utf-8"?>
-<p:sld xmlns:a="http://schemas.openxmlformats.org/drawingml/2006/main" xmlns:r="http://schemas.openxmlformats.org/officeDocument/2006/relationships" xmlns:p="http://schemas.openxmlformats.org/presentationml/2006/main">
-  <p:cSld>
-    <p:spTree>
-      <p:nvGrpSpPr>
-        <p:cNvPr id="1" name=""/>
-        <p:cNvGrpSpPr/>
-        <p:nvPr/>
-      </p:nvGrpSpPr>
-      <p:grpSpPr>
-        <a:xfrm>
-          <a:off x="0" y="0"/>
-          <a:ext cx="0" cy="0"/>
-          <a:chOff x="0" y="0"/>
-          <a:chExt cx="0" cy="0"/>
-        </a:xfrm>
-      </p:grpSpPr>
-      <p:sp>
-        <p:nvSpPr>
-          <p:cNvPr id="4" name="标题 3"/>
-          <p:cNvSpPr>
-            <a:spLocks noGrp="1"/>
-          </p:cNvSpPr>
-          <p:nvPr>
-            <p:ph type="ctrTitle"/>
-          </p:nvPr>
-        </p:nvSpPr>
-        <p:spPr/>
-        <p:txBody>
-          <a:bodyPr>
-            <a:normAutofit/>
-          </a:bodyPr>
-          <a:lstStyle/>
-          <a:p>
-            <a:r>
-              <a:rPr lang="en-US" altLang="zh-CN" dirty="0">
-                <a:sym typeface="+mn-ea"/>
-              </a:rPr>
-              <a:t>v</a:t>
-            </a:r>
-            <a:r>
-              <a:rPr lang="en-US" altLang="zh-CN" b="1" dirty="0">
-                <a:latin typeface="微软雅黑" panose="020B0503020204020204" pitchFamily="34" charset="-122"/>
-                <a:ea typeface="微软雅黑" panose="020B0503020204020204" pitchFamily="34" charset="-122"/>
-                <a:sym typeface="+mn-ea"/>
-              </a:rPr>
-              <a:t>-if</a:t>
-            </a:r>
-            <a:endParaRPr lang="zh-CN" altLang="en-US" b="1" dirty="0">
-              <a:latin typeface="微软雅黑" panose="020B0503020204020204" pitchFamily="34" charset="-122"/>
-              <a:ea typeface="微软雅黑" panose="020B0503020204020204" pitchFamily="34" charset="-122"/>
-              <a:sym typeface="+mn-ea"/>
-            </a:endParaRPr>
-          </a:p>
-        </p:txBody>
-      </p:sp>
-      <p:sp>
-        <p:nvSpPr>
-          <p:cNvPr id="5" name="副标题 4"/>
-          <p:cNvSpPr>
-            <a:spLocks noGrp="1"/>
-          </p:cNvSpPr>
-          <p:nvPr>
-            <p:ph type="subTitle" idx="1"/>
-          </p:nvPr>
-        </p:nvSpPr>
-        <p:spPr/>
-        <p:txBody>
-          <a:bodyPr>
-            <a:normAutofit fontScale="85000" lnSpcReduction="20000"/>
-          </a:bodyPr>
-          <a:lstStyle/>
-          <a:p>
-            <a:r>
-              <a:rPr lang="en-US" altLang="zh-CN" dirty="0"/>
-              <a:t>v-if </a:t>
-            </a:r>
-            <a:r>
-              <a:rPr lang="zh-CN" altLang="en-US" dirty="0"/>
-              <a:t>是“真正的”条件渲染，因为它会确保在切换过程中条件块内的事件监听器和子组件适当地被销毁和重建。</a:t>
-            </a:r>
-            <a:endParaRPr lang="en-US" altLang="zh-CN" dirty="0"/>
-          </a:p>
-          <a:p>
-            <a:r>
-              <a:rPr lang="en-US" altLang="zh-CN" dirty="0"/>
-              <a:t>v-if</a:t>
-            </a:r>
-            <a:r>
-              <a:rPr lang="zh-CN" altLang="en-US" dirty="0"/>
-              <a:t>后面可以跟</a:t>
-            </a:r>
-            <a:r>
-              <a:rPr lang="en-US" altLang="zh-CN" dirty="0"/>
-              <a:t>v-else-if</a:t>
-            </a:r>
-            <a:r>
-              <a:rPr lang="zh-CN" altLang="en-US" dirty="0"/>
-              <a:t>和</a:t>
-            </a:r>
-            <a:r>
-              <a:rPr lang="en-US" altLang="zh-CN" dirty="0"/>
-              <a:t>v-else</a:t>
-            </a:r>
-            <a:endParaRPr lang="zh-CN" altLang="en-US" dirty="0"/>
-          </a:p>
-          <a:p>
-            <a:pPr marL="0" indent="0">
-              <a:buNone/>
-            </a:pPr>
-            <a:r>
-              <a:rPr lang="en-US" altLang="zh-CN" sz="1900" b="1" dirty="0"/>
-              <a:t>	&lt;div </a:t>
-            </a:r>
-            <a:r>
-              <a:rPr lang="en-US" altLang="zh-CN" sz="1900" b="1" dirty="0">
-                <a:solidFill>
-                  <a:srgbClr val="FF0000"/>
-                </a:solidFill>
-              </a:rPr>
-              <a:t>v-if</a:t>
-            </a:r>
-            <a:r>
-              <a:rPr lang="en-US" altLang="zh-CN" sz="1900" b="1" dirty="0"/>
-              <a:t>="type === 'A'"&gt;A&lt;/div&gt;</a:t>
-            </a:r>
-          </a:p>
-          <a:p>
-            <a:pPr marL="0" indent="0">
-              <a:buNone/>
-            </a:pPr>
-            <a:r>
-              <a:rPr lang="en-US" altLang="zh-CN" sz="1900" b="1" dirty="0"/>
-              <a:t>	&lt;div </a:t>
-            </a:r>
-            <a:r>
-              <a:rPr lang="en-US" altLang="zh-CN" sz="1900" b="1" dirty="0">
-                <a:solidFill>
-                  <a:srgbClr val="FF0000"/>
-                </a:solidFill>
-              </a:rPr>
-              <a:t>v-else-if</a:t>
-            </a:r>
-            <a:r>
-              <a:rPr lang="en-US" altLang="zh-CN" sz="1900" b="1" dirty="0"/>
-              <a:t>="type === 'B'"&gt;B&lt;/div&gt;</a:t>
-            </a:r>
-          </a:p>
-          <a:p>
-            <a:pPr marL="0" indent="0">
-              <a:buNone/>
-            </a:pPr>
-            <a:r>
-              <a:rPr lang="en-US" altLang="zh-CN" sz="1900" b="1" dirty="0"/>
-              <a:t>	&lt;div </a:t>
-            </a:r>
-            <a:r>
-              <a:rPr lang="en-US" altLang="zh-CN" sz="1900" b="1" dirty="0">
-                <a:solidFill>
-                  <a:srgbClr val="FF0000"/>
-                </a:solidFill>
-              </a:rPr>
-              <a:t>v-else-if</a:t>
-            </a:r>
-            <a:r>
-              <a:rPr lang="en-US" altLang="zh-CN" sz="1900" b="1" dirty="0"/>
-              <a:t>="type === 'C'"&gt;C&lt;/div&gt;</a:t>
-            </a:r>
-          </a:p>
-          <a:p>
-            <a:pPr marL="0" indent="0">
-              <a:buNone/>
-            </a:pPr>
-            <a:r>
-              <a:rPr lang="en-US" altLang="zh-CN" sz="1900" b="1" dirty="0"/>
-              <a:t>	&lt;div </a:t>
-            </a:r>
-            <a:r>
-              <a:rPr lang="en-US" altLang="zh-CN" sz="1900" b="1" dirty="0">
-                <a:solidFill>
-                  <a:srgbClr val="FF0000"/>
-                </a:solidFill>
-              </a:rPr>
-              <a:t>v-else</a:t>
-            </a:r>
-            <a:r>
-              <a:rPr lang="en-US" altLang="zh-CN" sz="1900" b="1" dirty="0"/>
-              <a:t>&gt;Not A/B/C&lt;/div&gt;</a:t>
-            </a:r>
-          </a:p>
-          <a:p>
-            <a:pPr>
-              <a:lnSpc>
-                <a:spcPct val="130000"/>
-              </a:lnSpc>
-            </a:pPr>
-            <a:r>
-              <a:rPr lang="en-US" altLang="zh-CN" sz="3600" dirty="0"/>
-              <a:t>v-if </a:t>
-            </a:r>
-            <a:r>
-              <a:rPr lang="zh-CN" altLang="en-US" sz="3600" dirty="0"/>
-              <a:t>也是惰性的：如果在初始渲染时条件为假，则什么也不做</a:t>
-            </a:r>
-            <a:r>
-              <a:rPr lang="en-US" altLang="zh-CN" sz="3600" dirty="0"/>
-              <a:t>——</a:t>
-            </a:r>
-            <a:r>
-              <a:rPr lang="zh-CN" altLang="en-US" sz="3600" dirty="0"/>
-              <a:t>直到条件第一次变为真时，才会开始渲染条件块。</a:t>
-            </a:r>
-            <a:endParaRPr lang="zh-CN" altLang="en-US" sz="3600" dirty="0">
-              <a:latin typeface="微软雅黑" panose="020B0503020204020204" pitchFamily="34" charset="-122"/>
-              <a:ea typeface="微软雅黑" panose="020B0503020204020204" pitchFamily="34" charset="-122"/>
-            </a:endParaRPr>
-          </a:p>
-        </p:txBody>
-      </p:sp>
-    </p:spTree>
-    <p:extLst>
-      <p:ext uri="{BB962C8B-B14F-4D97-AF65-F5344CB8AC3E}">
-        <p14:creationId xmlns:p14="http://schemas.microsoft.com/office/powerpoint/2010/main" val="623140037"/>
-      </p:ext>
-    </p:extLst>
-  </p:cSld>
-  <p:clrMapOvr>
-    <a:masterClrMapping/>
-  </p:clrMapOvr>
-  <p:transition>
-    <p:wipe dir="r"/>
-  </p:transition>
-</p:sld>
-</file>
-
 <file path=ppt/slides/slide18.xml><?xml version="1.0" encoding="utf-8"?>
 <p:sld xmlns:a="http://schemas.openxmlformats.org/drawingml/2006/main" xmlns:r="http://schemas.openxmlformats.org/officeDocument/2006/relationships" xmlns:p="http://schemas.openxmlformats.org/presentationml/2006/main">
   <p:cSld>
@@ -6499,24 +6053,13 @@
           <a:lstStyle/>
           <a:p>
             <a:r>
-              <a:rPr lang="en-US" altLang="zh-CN" dirty="0">
-                <a:sym typeface="+mn-ea"/>
-              </a:rPr>
-              <a:t>v</a:t>
-            </a:r>
-            <a:r>
-              <a:rPr lang="en-US" altLang="zh-CN" b="1" dirty="0">
+              <a:rPr lang="zh-CN" altLang="en-US" b="1" dirty="0">
                 <a:latin typeface="微软雅黑" panose="020B0503020204020204" pitchFamily="34" charset="-122"/>
                 <a:ea typeface="微软雅黑" panose="020B0503020204020204" pitchFamily="34" charset="-122"/>
                 <a:sym typeface="+mn-ea"/>
               </a:rPr>
-              <a:t>-show</a:t>
-            </a:r>
-            <a:endParaRPr lang="zh-CN" altLang="en-US" b="1" dirty="0">
-              <a:latin typeface="微软雅黑" panose="020B0503020204020204" pitchFamily="34" charset="-122"/>
-              <a:ea typeface="微软雅黑" panose="020B0503020204020204" pitchFamily="34" charset="-122"/>
-              <a:sym typeface="+mn-ea"/>
-            </a:endParaRPr>
+              <a:t>环境搭建</a:t>
+            </a:r>
           </a:p>
         </p:txBody>
       </p:sp>
@@ -6533,103 +6076,110 @@
         <p:spPr/>
         <p:txBody>
           <a:bodyPr>
-            <a:normAutofit/>
+            <a:normAutofit fontScale="92500"/>
           </a:bodyPr>
           <a:lstStyle/>
+          <a:p>
+            <a:r>
+              <a:rPr lang="zh-CN" altLang="en-US" b="1" dirty="0"/>
+              <a:t>独立版本</a:t>
+            </a:r>
+            <a:endParaRPr lang="en-US" altLang="zh-CN" b="1" dirty="0"/>
+          </a:p>
           <a:p>
             <a:pPr marL="0" indent="0">
               <a:buNone/>
             </a:pPr>
             <a:r>
-              <a:rPr lang="zh-CN" altLang="en-US" sz="2400" dirty="0"/>
-              <a:t>带有 </a:t>
-            </a:r>
-            <a:r>
-              <a:rPr lang="en-US" altLang="zh-CN" sz="2400" dirty="0"/>
-              <a:t>v-show </a:t>
-            </a:r>
-            <a:r>
-              <a:rPr lang="zh-CN" altLang="en-US" sz="2400" dirty="0"/>
-              <a:t>的元素始终会被渲染并保留在 </a:t>
-            </a:r>
-            <a:r>
-              <a:rPr lang="en-US" altLang="zh-CN" sz="2400" dirty="0"/>
-              <a:t>DOM </a:t>
-            </a:r>
-            <a:r>
-              <a:rPr lang="zh-CN" altLang="en-US" sz="2400" dirty="0"/>
-              <a:t>中。</a:t>
-            </a:r>
-            <a:r>
-              <a:rPr lang="en-US" altLang="zh-CN" sz="2400" dirty="0"/>
-              <a:t>v-show </a:t>
-            </a:r>
-            <a:r>
-              <a:rPr lang="zh-CN" altLang="en-US" sz="2400" dirty="0"/>
-              <a:t>是简单地切换元素的 </a:t>
-            </a:r>
-            <a:r>
-              <a:rPr lang="en-US" altLang="zh-CN" sz="2400" dirty="0"/>
-              <a:t>CSS </a:t>
-            </a:r>
-            <a:r>
-              <a:rPr lang="zh-CN" altLang="en-US" sz="2400" dirty="0"/>
-              <a:t>属性 </a:t>
-            </a:r>
-            <a:r>
-              <a:rPr lang="en-US" altLang="zh-CN" sz="2400" dirty="0"/>
-              <a:t>display </a:t>
-            </a:r>
-            <a:r>
-              <a:rPr lang="zh-CN" altLang="en-US" sz="2400" dirty="0"/>
-              <a:t>。</a:t>
-            </a:r>
-            <a:endParaRPr lang="en-US" altLang="zh-CN" sz="2400" dirty="0"/>
-          </a:p>
-          <a:p>
+              <a:rPr lang="zh-CN" altLang="en-US" b="1" dirty="0"/>
+              <a:t>官网上直接下载 </a:t>
+            </a:r>
             <a:r>
               <a:rPr lang="en-US" altLang="zh-CN" b="1" dirty="0"/>
-              <a:t>v-if vs v-show:</a:t>
-            </a:r>
-            <a:endParaRPr lang="zh-CN" altLang="en-US" b="1" dirty="0"/>
+              <a:t>vue.min.js </a:t>
+            </a:r>
+            <a:r>
+              <a:rPr lang="zh-CN" altLang="en-US" b="1" dirty="0"/>
+              <a:t>并用</a:t>
+            </a:r>
+            <a:r>
+              <a:rPr lang="en-US" altLang="zh-CN" b="1" dirty="0"/>
+              <a:t>script</a:t>
+            </a:r>
+            <a:r>
+              <a:rPr lang="zh-CN" altLang="en-US" b="1" dirty="0"/>
+              <a:t>标签引入。</a:t>
+            </a:r>
+            <a:endParaRPr lang="en-US" altLang="zh-CN" b="1" dirty="0"/>
+          </a:p>
+          <a:p>
+            <a:r>
+              <a:rPr lang="zh-CN" altLang="en-US" b="1" dirty="0"/>
+              <a:t>使用 </a:t>
+            </a:r>
+            <a:r>
+              <a:rPr lang="en-US" altLang="zh-CN" b="1" dirty="0"/>
+              <a:t>CDN </a:t>
+            </a:r>
           </a:p>
           <a:p>
             <a:pPr marL="0" indent="0">
               <a:buNone/>
             </a:pPr>
             <a:r>
-              <a:rPr lang="en-US" altLang="zh-CN" sz="2400" dirty="0"/>
-              <a:t>v-if </a:t>
-            </a:r>
-            <a:r>
-              <a:rPr lang="zh-CN" altLang="en-US" sz="2400" dirty="0"/>
-              <a:t>有更高的切换开销，而 </a:t>
-            </a:r>
-            <a:r>
-              <a:rPr lang="en-US" altLang="zh-CN" sz="2400" dirty="0"/>
-              <a:t>v-show </a:t>
-            </a:r>
-            <a:r>
-              <a:rPr lang="zh-CN" altLang="en-US" sz="2400" dirty="0"/>
-              <a:t>有更高的初始渲染开销。因此，如果需要非常频繁地切换，则使用 </a:t>
-            </a:r>
-            <a:r>
-              <a:rPr lang="en-US" altLang="zh-CN" sz="2400" dirty="0"/>
-              <a:t>v-show </a:t>
-            </a:r>
-            <a:r>
-              <a:rPr lang="zh-CN" altLang="en-US" sz="2400" dirty="0"/>
-              <a:t>较好；如果在运行时条件不太可能改变，则使用 </a:t>
-            </a:r>
-            <a:r>
-              <a:rPr lang="en-US" altLang="zh-CN" sz="2400" dirty="0"/>
-              <a:t>v-if </a:t>
-            </a:r>
-            <a:r>
-              <a:rPr lang="zh-CN" altLang="en-US" sz="2400" dirty="0"/>
-              <a:t>较好。</a:t>
-            </a:r>
-            <a:endParaRPr lang="en-US" altLang="zh-CN" sz="2400" dirty="0"/>
+              <a:rPr lang="en-US" altLang="zh-CN" u="sng" dirty="0">
+                <a:hlinkClick r:id="rId2"/>
+              </a:rPr>
+              <a:t>https://cdn.bootcss.com/vue/2.2.2/vue.min.js</a:t>
+            </a:r>
+            <a:endParaRPr lang="en-US" altLang="zh-CN" b="1" dirty="0"/>
+          </a:p>
+          <a:p>
+            <a:r>
+              <a:rPr lang="en-US" altLang="zh-CN" b="1" dirty="0"/>
+              <a:t>NPM </a:t>
+            </a:r>
+            <a:r>
+              <a:rPr lang="zh-CN" altLang="en-US" b="1" dirty="0"/>
+              <a:t>结合</a:t>
+            </a:r>
+            <a:r>
+              <a:rPr lang="en-US" altLang="zh-CN" b="1" dirty="0"/>
+              <a:t>webpack</a:t>
+            </a:r>
+            <a:r>
+              <a:rPr lang="zh-CN" altLang="en-US" b="1" dirty="0"/>
+              <a:t>（进阶用法）</a:t>
+            </a:r>
+            <a:endParaRPr lang="en-US" altLang="zh-CN" b="1" dirty="0"/>
+          </a:p>
+          <a:p>
+            <a:pPr marL="0" indent="0">
+              <a:buNone/>
+            </a:pPr>
+            <a:r>
+              <a:rPr lang="en-US" altLang="zh-CN" b="1" dirty="0"/>
+              <a:t>$ </a:t>
+            </a:r>
+            <a:r>
+              <a:rPr lang="en-US" altLang="zh-CN" b="1" dirty="0" err="1"/>
+              <a:t>npm</a:t>
+            </a:r>
+            <a:r>
+              <a:rPr lang="en-US" altLang="zh-CN" b="1" dirty="0"/>
+              <a:t> install </a:t>
+            </a:r>
+            <a:r>
+              <a:rPr lang="en-US" altLang="zh-CN" b="1" dirty="0" err="1"/>
+              <a:t>vue</a:t>
+            </a:r>
+            <a:endParaRPr lang="zh-CN" altLang="en-US" b="1" dirty="0"/>
+          </a:p>
+          <a:p>
+            <a:endParaRPr lang="zh-CN" altLang="en-US" b="1" dirty="0"/>
+          </a:p>
+          <a:p>
+            <a:endParaRPr lang="en-US" altLang="zh-CN" b="1" dirty="0"/>
           </a:p>
           <a:p>
             <a:pPr lvl="1"/>
@@ -6649,11 +6199,6 @@
         </p:txBody>
       </p:sp>
     </p:spTree>
-    <p:extLst>
-      <p:ext uri="{BB962C8B-B14F-4D97-AF65-F5344CB8AC3E}">
-        <p14:creationId xmlns:p14="http://schemas.microsoft.com/office/powerpoint/2010/main" val="570948233"/>
-      </p:ext>
-    </p:extLst>
   </p:cSld>
   <p:clrMapOvr>
     <a:masterClrMapping/>
@@ -6683,7 +6228,7 @@
       </p:grpSpPr>
       <p:sp>
         <p:nvSpPr>
-          <p:cNvPr id="4" name="标题 3"/>
+          <p:cNvPr id="2" name="标题 1"/>
           <p:cNvSpPr>
             <a:spLocks noGrp="1"/>
           </p:cNvSpPr>
@@ -6693,36 +6238,22 @@
         </p:nvSpPr>
         <p:spPr/>
         <p:txBody>
-          <a:bodyPr>
-            <a:normAutofit/>
-          </a:bodyPr>
+          <a:bodyPr/>
           <a:lstStyle/>
           <a:p>
             <a:r>
-              <a:rPr lang="en-US" altLang="zh-CN" dirty="0">
+              <a:rPr lang="en-US" altLang="zh-CN">
                 <a:sym typeface="+mn-ea"/>
               </a:rPr>
-              <a:t>v</a:t>
-            </a:r>
-            <a:r>
-              <a:rPr lang="en-US" altLang="zh-CN" b="1" dirty="0">
-                <a:latin typeface="微软雅黑" panose="020B0503020204020204" pitchFamily="34" charset="-122"/>
-                <a:ea typeface="微软雅黑" panose="020B0503020204020204" pitchFamily="34" charset="-122"/>
-                <a:sym typeface="+mn-ea"/>
-              </a:rPr>
-              <a:t>-for</a:t>
-            </a:r>
-            <a:endParaRPr lang="zh-CN" altLang="en-US" b="1" dirty="0">
-              <a:latin typeface="微软雅黑" panose="020B0503020204020204" pitchFamily="34" charset="-122"/>
-              <a:ea typeface="微软雅黑" panose="020B0503020204020204" pitchFamily="34" charset="-122"/>
-              <a:sym typeface="+mn-ea"/>
-            </a:endParaRPr>
+              <a:t>Hello World</a:t>
+            </a:r>
+            <a:endParaRPr lang="zh-CN" altLang="en-US"/>
           </a:p>
         </p:txBody>
       </p:sp>
       <p:sp>
         <p:nvSpPr>
-          <p:cNvPr id="5" name="副标题 4"/>
+          <p:cNvPr id="3" name="副标题 2"/>
           <p:cNvSpPr>
             <a:spLocks noGrp="1"/>
           </p:cNvSpPr>
@@ -6733,118 +6264,479 @@
         <p:spPr/>
         <p:txBody>
           <a:bodyPr>
-            <a:normAutofit fontScale="85000" lnSpcReduction="20000"/>
+            <a:normAutofit fontScale="90000" lnSpcReduction="10000"/>
           </a:bodyPr>
           <a:lstStyle/>
           <a:p>
-            <a:r>
-              <a:rPr lang="zh-CN" altLang="en-US" dirty="0"/>
-              <a:t>基于源数据多次渲染元素或模板块。该指令的值，必须使用特定语法 </a:t>
-            </a:r>
-            <a:endParaRPr lang="en-US" altLang="zh-CN" dirty="0"/>
-          </a:p>
-          <a:p>
-            <a:pPr marL="0" indent="0">
+            <a:pPr marL="0" marR="0" lvl="0" indent="0" algn="l" defTabSz="914400" rtl="0" eaLnBrk="1" fontAlgn="base" latinLnBrk="0" hangingPunct="1">
+              <a:lnSpc>
+                <a:spcPct val="100000"/>
+              </a:lnSpc>
+              <a:spcBef>
+                <a:spcPct val="0"/>
+              </a:spcBef>
+              <a:spcAft>
+                <a:spcPct val="0"/>
+              </a:spcAft>
+              <a:buClrTx/>
+              <a:buSzTx/>
               <a:buNone/>
+              <a:defRPr/>
             </a:pPr>
             <a:r>
-              <a:rPr lang="en-US" altLang="zh-CN" b="1" dirty="0"/>
-              <a:t>&lt;div v-for="item in items"&gt;&lt;/div&gt;</a:t>
-            </a:r>
-            <a:endParaRPr lang="en-US" altLang="zh-CN" dirty="0"/>
-          </a:p>
-          <a:p>
-            <a:pPr marL="0" indent="0">
+              <a:rPr lang="en-US" altLang="zh-CN" noProof="1">
+                <a:latin typeface="+mn-lt"/>
+                <a:ea typeface="+mn-ea"/>
+              </a:rPr>
+              <a:t>    </a:t>
+            </a:r>
+            <a:r>
+              <a:rPr kumimoji="0" lang="en-US" altLang="zh-CN" b="0" i="0" u="none" strike="noStrike" kern="1200" cap="none" spc="0" normalizeH="0" baseline="0" noProof="1">
+                <a:ln>
+                  <a:noFill/>
+                </a:ln>
+                <a:solidFill>
+                  <a:schemeClr val="bg1"/>
+                </a:solidFill>
+                <a:effectLst/>
+                <a:uLnTx/>
+                <a:uFillTx/>
+                <a:latin typeface="+mn-lt"/>
+                <a:ea typeface="+mn-ea"/>
+                <a:cs typeface="+mn-cs"/>
+              </a:rPr>
+              <a:t>&lt;div id="app"&gt;</a:t>
+            </a:r>
+          </a:p>
+          <a:p>
+            <a:pPr marL="0" marR="0" lvl="0" indent="0" algn="l" defTabSz="914400" rtl="0" eaLnBrk="1" fontAlgn="base" latinLnBrk="0" hangingPunct="1">
+              <a:lnSpc>
+                <a:spcPct val="100000"/>
+              </a:lnSpc>
+              <a:spcBef>
+                <a:spcPct val="0"/>
+              </a:spcBef>
+              <a:spcAft>
+                <a:spcPct val="0"/>
+              </a:spcAft>
+              <a:buClrTx/>
+              <a:buSzTx/>
+              <a:buFont typeface="Wingdings" panose="05000000000000000000" charset="0"/>
               <a:buNone/>
+              <a:defRPr/>
             </a:pPr>
             <a:r>
-              <a:rPr lang="en-US" altLang="zh-CN" b="1" dirty="0"/>
-              <a:t>&lt;div v-for="(item, index) in items"&gt;&lt;/div&gt;</a:t>
-            </a:r>
-          </a:p>
-          <a:p>
-            <a:pPr marL="0" indent="0">
+              <a:rPr kumimoji="0" lang="en-US" altLang="zh-CN" b="0" i="0" u="none" strike="noStrike" kern="1200" cap="none" spc="0" normalizeH="0" baseline="0" noProof="1">
+                <a:ln>
+                  <a:noFill/>
+                </a:ln>
+                <a:solidFill>
+                  <a:schemeClr val="bg1"/>
+                </a:solidFill>
+                <a:effectLst/>
+                <a:uLnTx/>
+                <a:uFillTx/>
+                <a:latin typeface="+mn-lt"/>
+                <a:ea typeface="+mn-ea"/>
+                <a:cs typeface="+mn-cs"/>
+              </a:rPr>
+              <a:t>        &lt;input type="text" </a:t>
+            </a:r>
+            <a:r>
+              <a:rPr kumimoji="0" lang="en-US" altLang="zh-CN" b="0" i="0" u="none" strike="noStrike" kern="1200" cap="none" spc="0" normalizeH="0" baseline="0" noProof="1">
+                <a:ln>
+                  <a:noFill/>
+                </a:ln>
+                <a:solidFill>
+                  <a:srgbClr val="FF0000"/>
+                </a:solidFill>
+                <a:effectLst/>
+                <a:uLnTx/>
+                <a:uFillTx/>
+                <a:latin typeface="+mn-lt"/>
+                <a:ea typeface="+mn-ea"/>
+                <a:cs typeface="+mn-cs"/>
+              </a:rPr>
+              <a:t>v-model="myName"</a:t>
+            </a:r>
+            <a:r>
+              <a:rPr kumimoji="0" lang="en-US" altLang="zh-CN" b="0" i="0" u="none" strike="noStrike" kern="1200" cap="none" spc="0" normalizeH="0" baseline="0" noProof="1">
+                <a:ln>
+                  <a:noFill/>
+                </a:ln>
+                <a:solidFill>
+                  <a:schemeClr val="bg1"/>
+                </a:solidFill>
+                <a:effectLst/>
+                <a:uLnTx/>
+                <a:uFillTx/>
+                <a:latin typeface="+mn-lt"/>
+                <a:ea typeface="+mn-ea"/>
+                <a:cs typeface="+mn-cs"/>
+              </a:rPr>
+              <a:t> /&gt;</a:t>
+            </a:r>
+          </a:p>
+          <a:p>
+            <a:pPr marL="0" marR="0" lvl="0" indent="0" algn="l" defTabSz="914400" rtl="0" eaLnBrk="1" fontAlgn="base" latinLnBrk="0" hangingPunct="1">
+              <a:lnSpc>
+                <a:spcPct val="100000"/>
+              </a:lnSpc>
+              <a:spcBef>
+                <a:spcPct val="0"/>
+              </a:spcBef>
+              <a:spcAft>
+                <a:spcPct val="0"/>
+              </a:spcAft>
+              <a:buClrTx/>
+              <a:buSzTx/>
+              <a:buFont typeface="Wingdings" panose="05000000000000000000" charset="0"/>
               <a:buNone/>
+              <a:defRPr/>
             </a:pPr>
             <a:r>
-              <a:rPr lang="en-US" altLang="zh-CN" b="1" dirty="0"/>
-              <a:t>&lt;div v-for="(</a:t>
-            </a:r>
-            <a:r>
-              <a:rPr lang="en-US" altLang="zh-CN" b="1" dirty="0" err="1"/>
-              <a:t>val</a:t>
-            </a:r>
-            <a:r>
-              <a:rPr lang="en-US" altLang="zh-CN" b="1" dirty="0"/>
-              <a:t>, key) in object"&gt;&lt;/div&gt;</a:t>
-            </a:r>
-          </a:p>
-          <a:p>
-            <a:pPr marL="0" indent="0">
+              <a:rPr kumimoji="0" lang="en-US" altLang="zh-CN" b="0" i="0" u="none" strike="noStrike" kern="1200" cap="none" spc="0" normalizeH="0" baseline="0" noProof="1">
+                <a:ln>
+                  <a:noFill/>
+                </a:ln>
+                <a:solidFill>
+                  <a:schemeClr val="bg1"/>
+                </a:solidFill>
+                <a:effectLst/>
+                <a:uLnTx/>
+                <a:uFillTx/>
+                <a:latin typeface="+mn-lt"/>
+                <a:ea typeface="+mn-ea"/>
+                <a:cs typeface="+mn-cs"/>
+              </a:rPr>
+              <a:t>        &lt;h1&gt;Hello </a:t>
+            </a:r>
+            <a:r>
+              <a:rPr kumimoji="0" lang="en-US" altLang="zh-CN" b="0" i="0" u="none" strike="noStrike" kern="1200" cap="none" spc="0" normalizeH="0" baseline="0" noProof="1">
+                <a:ln>
+                  <a:noFill/>
+                </a:ln>
+                <a:solidFill>
+                  <a:srgbClr val="FF0000"/>
+                </a:solidFill>
+                <a:effectLst/>
+                <a:uLnTx/>
+                <a:uFillTx/>
+                <a:latin typeface="+mn-lt"/>
+                <a:ea typeface="+mn-ea"/>
+                <a:cs typeface="+mn-cs"/>
+              </a:rPr>
+              <a:t>{{ myName }}</a:t>
+            </a:r>
+            <a:r>
+              <a:rPr kumimoji="0" lang="en-US" altLang="zh-CN" b="0" i="0" u="none" strike="noStrike" kern="1200" cap="none" spc="0" normalizeH="0" baseline="0" noProof="1">
+                <a:ln>
+                  <a:noFill/>
+                </a:ln>
+                <a:solidFill>
+                  <a:schemeClr val="bg1"/>
+                </a:solidFill>
+                <a:effectLst/>
+                <a:uLnTx/>
+                <a:uFillTx/>
+                <a:latin typeface="+mn-lt"/>
+                <a:ea typeface="+mn-ea"/>
+                <a:cs typeface="+mn-cs"/>
+              </a:rPr>
+              <a:t>!&lt;/h1&gt;</a:t>
+            </a:r>
+          </a:p>
+          <a:p>
+            <a:pPr marL="0" marR="0" lvl="0" indent="0" algn="l" defTabSz="914400" rtl="0" eaLnBrk="1" fontAlgn="base" latinLnBrk="0" hangingPunct="1">
+              <a:lnSpc>
+                <a:spcPct val="100000"/>
+              </a:lnSpc>
+              <a:spcBef>
+                <a:spcPct val="0"/>
+              </a:spcBef>
+              <a:spcAft>
+                <a:spcPct val="0"/>
+              </a:spcAft>
+              <a:buClrTx/>
+              <a:buSzTx/>
+              <a:buFont typeface="Wingdings" panose="05000000000000000000" charset="0"/>
               <a:buNone/>
+              <a:defRPr/>
             </a:pPr>
             <a:r>
-              <a:rPr lang="en-US" altLang="zh-CN" b="1" dirty="0"/>
-              <a:t>&lt;div v-for="(</a:t>
-            </a:r>
-            <a:r>
-              <a:rPr lang="en-US" altLang="zh-CN" b="1" dirty="0" err="1"/>
-              <a:t>val</a:t>
-            </a:r>
-            <a:r>
-              <a:rPr lang="en-US" altLang="zh-CN" b="1" dirty="0"/>
-              <a:t>, key, index) in object"&gt;&lt;/div&gt;</a:t>
-            </a:r>
-            <a:endParaRPr lang="en-US" altLang="zh-CN" dirty="0"/>
-          </a:p>
-          <a:p>
-            <a:r>
-              <a:rPr lang="zh-CN" altLang="en-US" dirty="0"/>
-              <a:t>基于源数据多次渲染元素或模板块。该指令的值，必须使用特定语法 </a:t>
-            </a:r>
-            <a:endParaRPr lang="en-US" altLang="zh-CN" dirty="0"/>
-          </a:p>
-          <a:p>
-            <a:endParaRPr lang="en-US" altLang="zh-CN" dirty="0"/>
-          </a:p>
-          <a:p>
-            <a:pPr marL="0" indent="0">
+              <a:rPr kumimoji="0" lang="en-US" altLang="zh-CN" b="0" i="0" u="none" strike="noStrike" kern="1200" cap="none" spc="0" normalizeH="0" baseline="0" noProof="1">
+                <a:ln>
+                  <a:noFill/>
+                </a:ln>
+                <a:solidFill>
+                  <a:schemeClr val="bg1"/>
+                </a:solidFill>
+                <a:effectLst/>
+                <a:uLnTx/>
+                <a:uFillTx/>
+                <a:latin typeface="+mn-lt"/>
+                <a:ea typeface="+mn-ea"/>
+                <a:cs typeface="+mn-cs"/>
+              </a:rPr>
+              <a:t>    &lt;/div&gt;</a:t>
+            </a:r>
+          </a:p>
+          <a:p>
+            <a:pPr marL="0" marR="0" lvl="0" indent="0" algn="l" defTabSz="914400" rtl="0" eaLnBrk="1" fontAlgn="base" latinLnBrk="0" hangingPunct="1">
+              <a:lnSpc>
+                <a:spcPct val="100000"/>
+              </a:lnSpc>
+              <a:spcBef>
+                <a:spcPct val="0"/>
+              </a:spcBef>
+              <a:spcAft>
+                <a:spcPct val="0"/>
+              </a:spcAft>
+              <a:buClrTx/>
+              <a:buSzTx/>
+              <a:buFont typeface="Wingdings" panose="05000000000000000000" charset="0"/>
               <a:buNone/>
+              <a:defRPr/>
             </a:pPr>
-            <a:endParaRPr lang="en-US" altLang="zh-CN" b="1" dirty="0"/>
-          </a:p>
-          <a:p>
-            <a:pPr marL="0" indent="0">
+            <a:r>
+              <a:rPr kumimoji="0" lang="en-US" altLang="zh-CN" b="0" i="0" u="none" strike="noStrike" kern="1200" cap="none" spc="0" normalizeH="0" baseline="0" noProof="1">
+                <a:ln>
+                  <a:noFill/>
+                </a:ln>
+                <a:solidFill>
+                  <a:schemeClr val="bg1"/>
+                </a:solidFill>
+                <a:effectLst/>
+                <a:uLnTx/>
+                <a:uFillTx/>
+                <a:latin typeface="+mn-lt"/>
+                <a:ea typeface="+mn-ea"/>
+                <a:cs typeface="+mn-cs"/>
+              </a:rPr>
+              <a:t>	new Vue({</a:t>
+            </a:r>
+          </a:p>
+          <a:p>
+            <a:pPr marL="0" marR="0" lvl="0" indent="0" algn="l" defTabSz="914400" rtl="0" eaLnBrk="1" fontAlgn="base" latinLnBrk="0" hangingPunct="1">
+              <a:lnSpc>
+                <a:spcPct val="100000"/>
+              </a:lnSpc>
+              <a:spcBef>
+                <a:spcPct val="0"/>
+              </a:spcBef>
+              <a:spcAft>
+                <a:spcPct val="0"/>
+              </a:spcAft>
+              <a:buClrTx/>
+              <a:buSzTx/>
+              <a:buFont typeface="Wingdings" panose="05000000000000000000" charset="0"/>
               <a:buNone/>
+              <a:defRPr/>
             </a:pPr>
-            <a:endParaRPr lang="zh-CN" altLang="en-US" b="1" dirty="0"/>
-          </a:p>
-          <a:p>
-            <a:endParaRPr lang="en-US" altLang="zh-CN" b="1" dirty="0"/>
-          </a:p>
-          <a:p>
-            <a:pPr lvl="1"/>
-            <a:endParaRPr lang="zh-CN" altLang="en-US" b="1" dirty="0"/>
-          </a:p>
-          <a:p>
-            <a:pPr>
+            <a:r>
+              <a:rPr kumimoji="0" lang="en-US" altLang="zh-CN" b="0" i="0" u="none" strike="noStrike" kern="1200" cap="none" spc="0" normalizeH="0" baseline="0" noProof="1">
+                <a:ln>
+                  <a:noFill/>
+                </a:ln>
+                <a:solidFill>
+                  <a:schemeClr val="bg1"/>
+                </a:solidFill>
+                <a:effectLst/>
+                <a:uLnTx/>
+                <a:uFillTx/>
+                <a:latin typeface="+mn-lt"/>
+                <a:ea typeface="+mn-ea"/>
+                <a:cs typeface="+mn-cs"/>
+              </a:rPr>
+              <a:t>            el: '#app',</a:t>
+            </a:r>
+          </a:p>
+          <a:p>
+            <a:pPr marL="0" marR="0" lvl="0" indent="0" algn="l" defTabSz="914400" rtl="0" eaLnBrk="1" fontAlgn="base" latinLnBrk="0" hangingPunct="1">
               <a:lnSpc>
-                <a:spcPct val="130000"/>
+                <a:spcPct val="100000"/>
               </a:lnSpc>
+              <a:spcBef>
+                <a:spcPct val="0"/>
+              </a:spcBef>
+              <a:spcAft>
+                <a:spcPct val="0"/>
+              </a:spcAft>
+              <a:buClrTx/>
+              <a:buSzTx/>
+              <a:buFont typeface="Wingdings" panose="05000000000000000000" charset="0"/>
+              <a:buNone/>
+              <a:defRPr/>
             </a:pPr>
-            <a:endParaRPr lang="zh-CN" altLang="en-US" sz="3600" dirty="0">
-              <a:latin typeface="微软雅黑" panose="020B0503020204020204" pitchFamily="34" charset="-122"/>
-              <a:ea typeface="微软雅黑" panose="020B0503020204020204" pitchFamily="34" charset="-122"/>
+            <a:r>
+              <a:rPr kumimoji="0" lang="en-US" altLang="zh-CN" b="0" i="0" u="none" strike="noStrike" kern="1200" cap="none" spc="0" normalizeH="0" baseline="0" noProof="1">
+                <a:ln>
+                  <a:noFill/>
+                </a:ln>
+                <a:solidFill>
+                  <a:schemeClr val="bg1"/>
+                </a:solidFill>
+                <a:effectLst/>
+                <a:uLnTx/>
+                <a:uFillTx/>
+                <a:latin typeface="+mn-lt"/>
+                <a:ea typeface="+mn-ea"/>
+                <a:cs typeface="+mn-cs"/>
+              </a:rPr>
+              <a:t>            data: {</a:t>
+            </a:r>
+          </a:p>
+          <a:p>
+            <a:pPr marL="0" marR="0" lvl="0" indent="0" algn="l" defTabSz="914400" rtl="0" eaLnBrk="1" fontAlgn="base" latinLnBrk="0" hangingPunct="1">
+              <a:lnSpc>
+                <a:spcPct val="100000"/>
+              </a:lnSpc>
+              <a:spcBef>
+                <a:spcPct val="0"/>
+              </a:spcBef>
+              <a:spcAft>
+                <a:spcPct val="0"/>
+              </a:spcAft>
+              <a:buClrTx/>
+              <a:buSzTx/>
+              <a:buFont typeface="Wingdings" panose="05000000000000000000" charset="0"/>
+              <a:buNone/>
+              <a:defRPr/>
+            </a:pPr>
+            <a:r>
+              <a:rPr kumimoji="0" lang="en-US" altLang="zh-CN" b="0" i="0" u="none" strike="noStrike" kern="1200" cap="none" spc="0" normalizeH="0" baseline="0" noProof="1">
+                <a:ln>
+                  <a:noFill/>
+                </a:ln>
+                <a:solidFill>
+                  <a:schemeClr val="bg1"/>
+                </a:solidFill>
+                <a:effectLst/>
+                <a:uLnTx/>
+                <a:uFillTx/>
+                <a:latin typeface="+mn-lt"/>
+                <a:ea typeface="+mn-ea"/>
+                <a:cs typeface="+mn-cs"/>
+              </a:rPr>
+              <a:t>                </a:t>
+            </a:r>
+            <a:r>
+              <a:rPr kumimoji="0" lang="en-US" altLang="zh-CN" b="0" i="0" u="none" strike="noStrike" kern="1200" cap="none" spc="0" normalizeH="0" baseline="0" noProof="1">
+                <a:ln>
+                  <a:noFill/>
+                </a:ln>
+                <a:solidFill>
+                  <a:srgbClr val="FF0000"/>
+                </a:solidFill>
+                <a:effectLst/>
+                <a:uLnTx/>
+                <a:uFillTx/>
+                <a:latin typeface="+mn-lt"/>
+                <a:ea typeface="+mn-ea"/>
+                <a:cs typeface="+mn-cs"/>
+              </a:rPr>
+              <a:t>myName: 'World'</a:t>
+            </a:r>
+          </a:p>
+          <a:p>
+            <a:pPr marL="0" marR="0" lvl="0" indent="0" algn="l" defTabSz="914400" rtl="0" eaLnBrk="1" fontAlgn="base" latinLnBrk="0" hangingPunct="1">
+              <a:lnSpc>
+                <a:spcPct val="100000"/>
+              </a:lnSpc>
+              <a:spcBef>
+                <a:spcPct val="0"/>
+              </a:spcBef>
+              <a:spcAft>
+                <a:spcPct val="0"/>
+              </a:spcAft>
+              <a:buClrTx/>
+              <a:buSzTx/>
+              <a:buFont typeface="Wingdings" panose="05000000000000000000" charset="0"/>
+              <a:buNone/>
+              <a:defRPr/>
+            </a:pPr>
+            <a:r>
+              <a:rPr kumimoji="0" lang="en-US" altLang="zh-CN" b="0" i="0" u="none" strike="noStrike" kern="1200" cap="none" spc="0" normalizeH="0" baseline="0" noProof="1">
+                <a:ln>
+                  <a:noFill/>
+                </a:ln>
+                <a:solidFill>
+                  <a:schemeClr val="bg1"/>
+                </a:solidFill>
+                <a:effectLst/>
+                <a:uLnTx/>
+                <a:uFillTx/>
+                <a:latin typeface="+mn-lt"/>
+                <a:ea typeface="+mn-ea"/>
+                <a:cs typeface="+mn-cs"/>
+              </a:rPr>
+              <a:t>            }</a:t>
+            </a:r>
+          </a:p>
+          <a:p>
+            <a:pPr marL="0" marR="0" lvl="0" indent="0" algn="l" defTabSz="914400" rtl="0" eaLnBrk="1" fontAlgn="base" latinLnBrk="0" hangingPunct="1">
+              <a:lnSpc>
+                <a:spcPct val="100000"/>
+              </a:lnSpc>
+              <a:spcBef>
+                <a:spcPct val="0"/>
+              </a:spcBef>
+              <a:spcAft>
+                <a:spcPct val="0"/>
+              </a:spcAft>
+              <a:buClrTx/>
+              <a:buSzTx/>
+              <a:buFont typeface="Wingdings" panose="05000000000000000000" charset="0"/>
+              <a:buNone/>
+              <a:defRPr/>
+            </a:pPr>
+            <a:r>
+              <a:rPr kumimoji="0" lang="en-US" altLang="zh-CN" b="0" i="0" u="none" strike="noStrike" kern="1200" cap="none" spc="0" normalizeH="0" baseline="0" noProof="1">
+                <a:ln>
+                  <a:noFill/>
+                </a:ln>
+                <a:solidFill>
+                  <a:schemeClr val="bg1"/>
+                </a:solidFill>
+                <a:effectLst/>
+                <a:uLnTx/>
+                <a:uFillTx/>
+                <a:latin typeface="+mn-lt"/>
+                <a:ea typeface="+mn-ea"/>
+                <a:cs typeface="+mn-cs"/>
+              </a:rPr>
+              <a:t>        });</a:t>
+            </a:r>
+          </a:p>
+          <a:p>
+            <a:pPr marL="285750" marR="0" lvl="0" indent="-285750" algn="l" defTabSz="914400" rtl="0" eaLnBrk="1" fontAlgn="base" latinLnBrk="0" hangingPunct="1">
+              <a:lnSpc>
+                <a:spcPct val="100000"/>
+              </a:lnSpc>
+              <a:spcBef>
+                <a:spcPct val="0"/>
+              </a:spcBef>
+              <a:spcAft>
+                <a:spcPct val="0"/>
+              </a:spcAft>
+              <a:buClrTx/>
+              <a:buSzTx/>
+              <a:buFont typeface="Wingdings" panose="05000000000000000000" charset="0"/>
+              <a:buChar char="Ø"/>
+              <a:defRPr/>
+            </a:pPr>
+            <a:endParaRPr lang="zh-CN" altLang="en-US" dirty="0">
+              <a:sym typeface="+mn-ea"/>
+            </a:endParaRPr>
+          </a:p>
+          <a:p>
+            <a:endParaRPr lang="zh-CN" altLang="en-US" dirty="0">
+              <a:sym typeface="+mn-ea"/>
             </a:endParaRPr>
           </a:p>
         </p:txBody>
       </p:sp>
     </p:spTree>
-    <p:extLst>
-      <p:ext uri="{BB962C8B-B14F-4D97-AF65-F5344CB8AC3E}">
-        <p14:creationId xmlns:p14="http://schemas.microsoft.com/office/powerpoint/2010/main" val="4008840286"/>
-      </p:ext>
-    </p:extLst>
   </p:cSld>
   <p:clrMapOvr>
     <a:masterClrMapping/>
@@ -8212,24 +8104,21 @@
           <a:lstStyle/>
           <a:p>
             <a:r>
-              <a:rPr lang="en-US" altLang="zh-CN" dirty="0">
-                <a:sym typeface="+mn-ea"/>
-              </a:rPr>
-              <a:t>v</a:t>
-            </a:r>
-            <a:r>
-              <a:rPr lang="en-US" altLang="zh-CN" b="1" dirty="0">
+              <a:rPr lang="en-US" altLang="zh-CN" b="1" dirty="0" err="1">
                 <a:latin typeface="微软雅黑" panose="020B0503020204020204" pitchFamily="34" charset="-122"/>
                 <a:ea typeface="微软雅黑" panose="020B0503020204020204" pitchFamily="34" charset="-122"/>
                 <a:sym typeface="+mn-ea"/>
               </a:rPr>
-              <a:t>-on</a:t>
-            </a:r>
-            <a:endParaRPr lang="zh-CN" altLang="en-US" b="1" dirty="0">
-              <a:latin typeface="微软雅黑" panose="020B0503020204020204" pitchFamily="34" charset="-122"/>
-              <a:ea typeface="微软雅黑" panose="020B0503020204020204" pitchFamily="34" charset="-122"/>
-              <a:sym typeface="+mn-ea"/>
-            </a:endParaRPr>
+              <a:t>Vue</a:t>
+            </a:r>
+            <a:r>
+              <a:rPr lang="zh-CN" altLang="en-US" b="1" dirty="0">
+                <a:latin typeface="微软雅黑" panose="020B0503020204020204" pitchFamily="34" charset="-122"/>
+                <a:ea typeface="微软雅黑" panose="020B0503020204020204" pitchFamily="34" charset="-122"/>
+                <a:sym typeface="+mn-ea"/>
+              </a:rPr>
+              <a:t>实例</a:t>
+            </a:r>
           </a:p>
         </p:txBody>
       </p:sp>
@@ -8246,21 +8135,84 @@
         <p:spPr/>
         <p:txBody>
           <a:bodyPr>
-            <a:normAutofit/>
+            <a:normAutofit fontScale="70000" lnSpcReduction="20000"/>
           </a:bodyPr>
           <a:lstStyle/>
           <a:p>
             <a:r>
               <a:rPr lang="zh-CN" altLang="en-US" dirty="0"/>
-              <a:t>绑定事件监听器。事件类型由参数指定。 绑定的方法定义在</a:t>
+              <a:t>我们通过</a:t>
+            </a:r>
+            <a:r>
+              <a:rPr lang="en-US" altLang="zh-CN" dirty="0"/>
+              <a:t>new </a:t>
             </a:r>
             <a:r>
               <a:rPr lang="en-US" altLang="zh-CN" dirty="0" err="1"/>
               <a:t>Vue</a:t>
             </a:r>
             <a:r>
-              <a:rPr lang="zh-CN" altLang="en-US" dirty="0"/>
-              <a:t>参数</a:t>
+              <a:rPr lang="en-US" altLang="zh-CN" dirty="0"/>
+              <a:t>()</a:t>
+            </a:r>
+            <a:r>
+              <a:rPr lang="zh-CN" altLang="en-US" dirty="0"/>
+              <a:t>构建了一个</a:t>
+            </a:r>
+            <a:r>
+              <a:rPr lang="en-US" altLang="zh-CN" dirty="0"/>
+              <a:t>Vue</a:t>
+            </a:r>
+            <a:r>
+              <a:rPr lang="zh-CN" altLang="en-US" dirty="0"/>
+              <a:t>的根实例</a:t>
+            </a:r>
+            <a:r>
+              <a:rPr lang="en-US" altLang="zh-CN" dirty="0"/>
+              <a:t>,</a:t>
+            </a:r>
+            <a:r>
+              <a:rPr lang="zh-CN" altLang="en-US" dirty="0"/>
+              <a:t>并启动</a:t>
+            </a:r>
+            <a:r>
+              <a:rPr lang="en-US" altLang="zh-CN" dirty="0"/>
+              <a:t>Vue</a:t>
+            </a:r>
+            <a:r>
+              <a:rPr lang="zh-CN" altLang="en-US" dirty="0"/>
+              <a:t>应用</a:t>
+            </a:r>
+            <a:endParaRPr lang="en-US" altLang="zh-CN" dirty="0"/>
+          </a:p>
+          <a:p>
+            <a:r>
+              <a:rPr lang="zh-CN" altLang="en-US" dirty="0"/>
+              <a:t>在实例中包含挂载元素（</a:t>
+            </a:r>
+            <a:r>
+              <a:rPr lang="en-US" altLang="zh-CN" dirty="0"/>
+              <a:t>el</a:t>
+            </a:r>
+            <a:r>
+              <a:rPr lang="zh-CN" altLang="en-US" dirty="0"/>
+              <a:t>），数据（</a:t>
+            </a:r>
+            <a:r>
+              <a:rPr lang="en-US" altLang="zh-CN" dirty="0"/>
+              <a:t>data</a:t>
+            </a:r>
+            <a:r>
+              <a:rPr lang="zh-CN" altLang="en-US" dirty="0"/>
+              <a:t>），模板（</a:t>
+            </a:r>
+            <a:r>
+              <a:rPr lang="en-US" altLang="zh-CN" dirty="0"/>
+              <a:t>template</a:t>
+            </a:r>
+            <a:r>
+              <a:rPr lang="zh-CN" altLang="en-US" dirty="0"/>
+              <a:t>），方法（</a:t>
             </a:r>
             <a:r>
               <a:rPr lang="en-US" altLang="zh-CN" dirty="0"/>
@@ -8268,7 +8220,26 @@
             </a:r>
             <a:r>
               <a:rPr lang="zh-CN" altLang="en-US" dirty="0"/>
-              <a:t>中，这些方法可以访问</a:t>
+              <a:t>）与生命周期钩子（</a:t>
+            </a:r>
+            <a:r>
+              <a:rPr lang="en-US" altLang="zh-CN" dirty="0"/>
+              <a:t>created</a:t>
+            </a:r>
+            <a:r>
+              <a:rPr lang="zh-CN" altLang="en-US" dirty="0"/>
+              <a:t>等）等选项。</a:t>
+            </a:r>
+            <a:endParaRPr lang="en-US" altLang="zh-CN" dirty="0"/>
+          </a:p>
+          <a:p>
+            <a:r>
+              <a:rPr lang="en-US" altLang="zh-CN" b="1" dirty="0"/>
+              <a:t>el</a:t>
+            </a:r>
+            <a:r>
+              <a:rPr lang="zh-CN" altLang="en-US" dirty="0"/>
+              <a:t>表明我们的</a:t>
             </a:r>
             <a:r>
               <a:rPr lang="en-US" altLang="zh-CN" dirty="0" err="1"/>
@@ -8276,141 +8247,89 @@
             </a:r>
             <a:r>
               <a:rPr lang="zh-CN" altLang="en-US" dirty="0"/>
-              <a:t>的</a:t>
+              <a:t>需要操作哪一个元素下的区域，使用</a:t>
+            </a:r>
+            <a:r>
+              <a:rPr lang="en-US" altLang="zh-CN" dirty="0" err="1"/>
+              <a:t>css</a:t>
+            </a:r>
+            <a:r>
+              <a:rPr lang="zh-CN" altLang="en-US" dirty="0"/>
+              <a:t>选择器，如’</a:t>
             </a:r>
             <a:r>
               <a:rPr lang="en-US" altLang="zh-CN" dirty="0"/>
+              <a:t>#app’</a:t>
+            </a:r>
+            <a:r>
+              <a:rPr lang="zh-CN" altLang="en-US" dirty="0"/>
+              <a:t>表示</a:t>
+            </a:r>
+            <a:r>
+              <a:rPr lang="en-US" altLang="zh-CN" dirty="0"/>
+              <a:t>id</a:t>
+            </a:r>
+            <a:r>
+              <a:rPr lang="zh-CN" altLang="en-US" dirty="0"/>
+              <a:t>为</a:t>
+            </a:r>
+            <a:r>
+              <a:rPr lang="en-US" altLang="zh-CN" dirty="0"/>
+              <a:t>app</a:t>
+            </a:r>
+            <a:r>
+              <a:rPr lang="zh-CN" altLang="en-US" dirty="0"/>
+              <a:t>的元素。</a:t>
+            </a:r>
+            <a:endParaRPr lang="en-US" altLang="zh-CN" dirty="0"/>
+          </a:p>
+          <a:p>
+            <a:r>
+              <a:rPr lang="en-US" altLang="zh-CN" b="1" dirty="0"/>
               <a:t>data</a:t>
             </a:r>
             <a:r>
               <a:rPr lang="zh-CN" altLang="en-US" dirty="0"/>
-              <a:t>属性。</a:t>
+              <a:t>表示</a:t>
+            </a:r>
+            <a:r>
+              <a:rPr lang="en-US" altLang="zh-CN" dirty="0" err="1"/>
+              <a:t>Vue</a:t>
+            </a:r>
+            <a:r>
+              <a:rPr lang="en-US" altLang="zh-CN" dirty="0"/>
+              <a:t> </a:t>
+            </a:r>
+            <a:r>
+              <a:rPr lang="zh-CN" altLang="en-US" dirty="0"/>
+              <a:t>实例的数据对象，</a:t>
+            </a:r>
+            <a:r>
+              <a:rPr lang="en-US" altLang="zh-CN" dirty="0"/>
+              <a:t>data </a:t>
+            </a:r>
+            <a:r>
+              <a:rPr lang="zh-CN" altLang="en-US" dirty="0"/>
+              <a:t>的属性能够响应数据的变化。</a:t>
             </a:r>
             <a:endParaRPr lang="en-US" altLang="zh-CN" dirty="0"/>
           </a:p>
           <a:p>
-            <a:pPr marL="0" indent="0">
-              <a:buNone/>
-            </a:pPr>
-            <a:r>
-              <a:rPr lang="en-US" altLang="zh-CN" sz="2600" b="1" dirty="0"/>
-              <a:t>&lt;!-- </a:t>
-            </a:r>
-            <a:r>
-              <a:rPr lang="zh-CN" altLang="en-US" sz="2600" b="1" dirty="0"/>
-              <a:t>方法处理器 </a:t>
-            </a:r>
-            <a:r>
-              <a:rPr lang="en-US" altLang="zh-CN" sz="2600" b="1" dirty="0"/>
-              <a:t>--&gt;&lt;button </a:t>
-            </a:r>
-            <a:r>
-              <a:rPr lang="en-US" altLang="zh-CN" sz="2600" b="1" dirty="0" err="1"/>
-              <a:t>v-on:click</a:t>
-            </a:r>
-            <a:r>
-              <a:rPr lang="en-US" altLang="zh-CN" sz="2600" b="1" dirty="0"/>
-              <a:t>="</a:t>
-            </a:r>
-            <a:r>
-              <a:rPr lang="en-US" altLang="zh-CN" sz="2600" b="1" dirty="0" err="1"/>
-              <a:t>doThis</a:t>
-            </a:r>
-            <a:r>
-              <a:rPr lang="en-US" altLang="zh-CN" sz="2600" b="1" dirty="0"/>
-              <a:t>"&gt;&lt;/button&gt;</a:t>
-            </a:r>
-          </a:p>
-          <a:p>
-            <a:pPr marL="0" indent="0">
-              <a:buNone/>
-            </a:pPr>
-            <a:r>
-              <a:rPr lang="en-US" altLang="zh-CN" sz="2600" b="1" dirty="0"/>
-              <a:t>&lt;!-- </a:t>
-            </a:r>
-            <a:r>
-              <a:rPr lang="zh-CN" altLang="en-US" sz="2600" b="1" dirty="0"/>
-              <a:t>缩写 </a:t>
-            </a:r>
-            <a:r>
-              <a:rPr lang="en-US" altLang="zh-CN" sz="2600" b="1" dirty="0"/>
-              <a:t>--&gt;&lt;button @click="</a:t>
-            </a:r>
-            <a:r>
-              <a:rPr lang="en-US" altLang="zh-CN" sz="2600" b="1" dirty="0" err="1"/>
-              <a:t>doThis</a:t>
-            </a:r>
-            <a:r>
-              <a:rPr lang="en-US" altLang="zh-CN" sz="2600" b="1" dirty="0"/>
-              <a:t>"&gt;&lt;/button&gt;</a:t>
-            </a:r>
-          </a:p>
-          <a:p>
-            <a:pPr marL="0" indent="0">
-              <a:buNone/>
-            </a:pPr>
-            <a:r>
-              <a:rPr lang="en-US" altLang="zh-CN" sz="2600" b="1" dirty="0"/>
-              <a:t>&lt;!-- </a:t>
-            </a:r>
-            <a:r>
-              <a:rPr lang="zh-CN" altLang="en-US" sz="2600" b="1" dirty="0"/>
-              <a:t>停止冒泡 </a:t>
-            </a:r>
-            <a:r>
-              <a:rPr lang="en-US" altLang="zh-CN" sz="2600" b="1" dirty="0"/>
-              <a:t>--&gt;&lt;button @</a:t>
-            </a:r>
-            <a:r>
-              <a:rPr lang="en-US" altLang="zh-CN" sz="2600" b="1" dirty="0" err="1"/>
-              <a:t>click.stop</a:t>
-            </a:r>
-            <a:r>
-              <a:rPr lang="en-US" altLang="zh-CN" sz="2600" b="1" dirty="0"/>
-              <a:t>="</a:t>
-            </a:r>
-            <a:r>
-              <a:rPr lang="en-US" altLang="zh-CN" sz="2600" b="1" dirty="0" err="1"/>
-              <a:t>doThis</a:t>
-            </a:r>
-            <a:r>
-              <a:rPr lang="en-US" altLang="zh-CN" sz="2600" b="1" dirty="0"/>
-              <a:t>"&gt;&lt;/button&gt;</a:t>
-            </a:r>
-          </a:p>
-          <a:p>
-            <a:pPr marL="0" indent="0">
-              <a:buNone/>
-            </a:pPr>
-            <a:r>
-              <a:rPr lang="en-US" altLang="zh-CN" sz="2600" b="1" dirty="0"/>
-              <a:t>&lt;!-- </a:t>
-            </a:r>
-            <a:r>
-              <a:rPr lang="zh-CN" altLang="en-US" sz="2600" b="1" dirty="0"/>
-              <a:t>键修饰符，键别名 </a:t>
-            </a:r>
-            <a:r>
-              <a:rPr lang="en-US" altLang="zh-CN" sz="2600" b="1" dirty="0"/>
-              <a:t>--&gt;&lt;input @</a:t>
-            </a:r>
-            <a:r>
-              <a:rPr lang="en-US" altLang="zh-CN" sz="2600" b="1" dirty="0" err="1"/>
-              <a:t>keyup.enter</a:t>
-            </a:r>
-            <a:r>
-              <a:rPr lang="en-US" altLang="zh-CN" sz="2600" b="1" dirty="0"/>
-              <a:t>="</a:t>
-            </a:r>
-            <a:r>
-              <a:rPr lang="en-US" altLang="zh-CN" sz="2600" b="1" dirty="0" err="1"/>
-              <a:t>onEnter</a:t>
-            </a:r>
-            <a:r>
-              <a:rPr lang="en-US" altLang="zh-CN" sz="2600" b="1" dirty="0"/>
-              <a:t>"&gt;</a:t>
-            </a:r>
+            <a:r>
+              <a:rPr lang="en-US" altLang="zh-CN" b="1" dirty="0"/>
+              <a:t>created</a:t>
+            </a:r>
+            <a:r>
+              <a:rPr lang="zh-CN" altLang="en-US" dirty="0"/>
+              <a:t>表示实例生命周期中创建完成的那一步，当实例已经创建完成之后将调用其方法。</a:t>
+            </a:r>
+            <a:endParaRPr lang="en-US" altLang="zh-CN" b="1" dirty="0"/>
+          </a:p>
+          <a:p>
+            <a:endParaRPr lang="en-US" altLang="zh-CN" b="1" dirty="0"/>
+          </a:p>
+          <a:p>
+            <a:endParaRPr lang="zh-CN" altLang="en-US" b="1" dirty="0"/>
           </a:p>
           <a:p>
             <a:endParaRPr lang="en-US" altLang="zh-CN" b="1" dirty="0"/>
@@ -8435,7 +8354,7 @@
     </p:spTree>
     <p:extLst>
       <p:ext uri="{BB962C8B-B14F-4D97-AF65-F5344CB8AC3E}">
-        <p14:creationId xmlns:p14="http://schemas.microsoft.com/office/powerpoint/2010/main" val="2215896650"/>
+        <p14:creationId xmlns:p14="http://schemas.microsoft.com/office/powerpoint/2010/main" val="19607836"/>
       </p:ext>
     </p:extLst>
   </p:cSld>
@@ -8449,6 +8368,142 @@
 </file>
 
 <file path=ppt/slides/slide21.xml><?xml version="1.0" encoding="utf-8"?>
+<p:sld xmlns:a="http://schemas.openxmlformats.org/drawingml/2006/main" xmlns:r="http://schemas.openxmlformats.org/officeDocument/2006/relationships" xmlns:p="http://schemas.openxmlformats.org/presentationml/2006/main">
+  <p:cSld>
+    <p:spTree>
+      <p:nvGrpSpPr>
+        <p:cNvPr id="1" name=""/>
+        <p:cNvGrpSpPr/>
+        <p:nvPr/>
+      </p:nvGrpSpPr>
+      <p:grpSpPr>
+        <a:xfrm>
+          <a:off x="0" y="0"/>
+          <a:ext cx="0" cy="0"/>
+          <a:chOff x="0" y="0"/>
+          <a:chExt cx="0" cy="0"/>
+        </a:xfrm>
+      </p:grpSpPr>
+      <p:sp>
+        <p:nvSpPr>
+          <p:cNvPr id="2" name="标题 1">
+            <a:extLst>
+              <a:ext uri="{FF2B5EF4-FFF2-40B4-BE49-F238E27FC236}">
+                <a16:creationId xmlns:a16="http://schemas.microsoft.com/office/drawing/2014/main" id="{CCF8EEF3-F277-4A56-B013-CB1A21818A9D}"/>
+              </a:ext>
+            </a:extLst>
+          </p:cNvPr>
+          <p:cNvSpPr>
+            <a:spLocks noGrp="1"/>
+          </p:cNvSpPr>
+          <p:nvPr>
+            <p:ph type="ctrTitle"/>
+          </p:nvPr>
+        </p:nvSpPr>
+        <p:spPr/>
+        <p:txBody>
+          <a:bodyPr/>
+          <a:lstStyle/>
+          <a:p>
+            <a:r>
+              <a:rPr lang="zh-CN" altLang="en-US" dirty="0"/>
+              <a:t>生命周期</a:t>
+            </a:r>
+          </a:p>
+        </p:txBody>
+      </p:sp>
+      <p:sp>
+        <p:nvSpPr>
+          <p:cNvPr id="3" name="副标题 2">
+            <a:extLst>
+              <a:ext uri="{FF2B5EF4-FFF2-40B4-BE49-F238E27FC236}">
+                <a16:creationId xmlns:a16="http://schemas.microsoft.com/office/drawing/2014/main" id="{2F79080D-1DC9-488D-A8B6-A50EF5F397F5}"/>
+              </a:ext>
+            </a:extLst>
+          </p:cNvPr>
+          <p:cNvSpPr>
+            <a:spLocks noGrp="1"/>
+          </p:cNvSpPr>
+          <p:nvPr>
+            <p:ph type="subTitle" idx="1"/>
+          </p:nvPr>
+        </p:nvSpPr>
+        <p:spPr/>
+        <p:txBody>
+          <a:bodyPr>
+            <a:normAutofit fontScale="92500" lnSpcReduction="20000"/>
+          </a:bodyPr>
+          <a:lstStyle/>
+          <a:p>
+            <a:r>
+              <a:rPr lang="zh-CN" altLang="en-US" dirty="0"/>
+              <a:t>每个</a:t>
+            </a:r>
+            <a:r>
+              <a:rPr lang="en-US" altLang="zh-CN" dirty="0"/>
+              <a:t>Vue</a:t>
+            </a:r>
+            <a:r>
+              <a:rPr lang="zh-CN" altLang="en-US" dirty="0"/>
+              <a:t>实例创建时，都会经历一系列的初始化过程，同时也会调用相应的生命周期钩子。</a:t>
+            </a:r>
+            <a:endParaRPr lang="en-US" altLang="zh-CN" dirty="0"/>
+          </a:p>
+          <a:p>
+            <a:r>
+              <a:rPr lang="en-US" altLang="zh-CN" dirty="0"/>
+              <a:t>created </a:t>
+            </a:r>
+            <a:r>
+              <a:rPr lang="zh-CN" altLang="en-US" dirty="0"/>
+              <a:t>实例创建完成，但尚未挂载，初始化处理一些数据</a:t>
+            </a:r>
+            <a:endParaRPr lang="en-US" altLang="zh-CN" dirty="0"/>
+          </a:p>
+          <a:p>
+            <a:r>
+              <a:rPr lang="en-US" altLang="zh-CN" dirty="0"/>
+              <a:t>mounted el</a:t>
+            </a:r>
+            <a:r>
+              <a:rPr lang="zh-CN" altLang="en-US" dirty="0"/>
+              <a:t>挂载到实例上调用，一般业务逻辑会在这里开始</a:t>
+            </a:r>
+            <a:endParaRPr lang="en-US" altLang="zh-CN" dirty="0"/>
+          </a:p>
+          <a:p>
+            <a:r>
+              <a:rPr lang="en-US" altLang="zh-CN" dirty="0" err="1"/>
+              <a:t>beforeDestroy</a:t>
+            </a:r>
+            <a:r>
+              <a:rPr lang="en-US" altLang="zh-CN" dirty="0"/>
+              <a:t> </a:t>
+            </a:r>
+            <a:r>
+              <a:rPr lang="zh-CN" altLang="en-US" dirty="0"/>
+              <a:t>实例销毁之前调用，销毁绑定事件，定时器等</a:t>
+            </a:r>
+          </a:p>
+        </p:txBody>
+      </p:sp>
+    </p:spTree>
+    <p:extLst>
+      <p:ext uri="{BB962C8B-B14F-4D97-AF65-F5344CB8AC3E}">
+        <p14:creationId xmlns:p14="http://schemas.microsoft.com/office/powerpoint/2010/main" val="2617536846"/>
+      </p:ext>
+    </p:extLst>
+  </p:cSld>
+  <p:clrMapOvr>
+    <a:masterClrMapping/>
+  </p:clrMapOvr>
+  <p:transition>
+    <p:wipe dir="r"/>
+  </p:transition>
+</p:sld>
+</file>
+
+<file path=ppt/slides/slide22.xml><?xml version="1.0" encoding="utf-8"?>
 <p:sld xmlns:a="http://schemas.openxmlformats.org/drawingml/2006/main" xmlns:r="http://schemas.openxmlformats.org/officeDocument/2006/relationships" xmlns:p="http://schemas.openxmlformats.org/presentationml/2006/main">
   <p:cSld>
     <p:spTree>
@@ -8488,6 +8543,1277 @@
                 <a:ea typeface="微软雅黑" panose="020B0503020204020204" pitchFamily="34" charset="-122"/>
                 <a:sym typeface="+mn-ea"/>
               </a:rPr>
+              <a:t>模板语法</a:t>
+            </a:r>
+          </a:p>
+        </p:txBody>
+      </p:sp>
+      <p:sp>
+        <p:nvSpPr>
+          <p:cNvPr id="5" name="副标题 4"/>
+          <p:cNvSpPr>
+            <a:spLocks noGrp="1"/>
+          </p:cNvSpPr>
+          <p:nvPr>
+            <p:ph type="subTitle" idx="1"/>
+          </p:nvPr>
+        </p:nvSpPr>
+        <p:spPr/>
+        <p:txBody>
+          <a:bodyPr>
+            <a:normAutofit fontScale="77500" lnSpcReduction="20000"/>
+          </a:bodyPr>
+          <a:lstStyle/>
+          <a:p>
+            <a:r>
+              <a:rPr lang="zh-CN" altLang="en-US" b="1" dirty="0"/>
+              <a:t>插值：</a:t>
+            </a:r>
+            <a:r>
+              <a:rPr lang="zh-CN" altLang="en-US" dirty="0"/>
+              <a:t>数据绑定最常见的形式就是使用 “</a:t>
+            </a:r>
+            <a:r>
+              <a:rPr lang="en-US" altLang="zh-CN" dirty="0"/>
+              <a:t>Mustache” </a:t>
+            </a:r>
+            <a:r>
+              <a:rPr lang="zh-CN" altLang="en-US" dirty="0"/>
+              <a:t>语法（双大括号）的文本插值，它会将我们的双向绑定数据显示出来。</a:t>
+            </a:r>
+            <a:endParaRPr lang="en-US" altLang="zh-CN" dirty="0"/>
+          </a:p>
+          <a:p>
+            <a:pPr marL="0" indent="0">
+              <a:buNone/>
+            </a:pPr>
+            <a:r>
+              <a:rPr lang="en-US" altLang="zh-CN" b="1" dirty="0"/>
+              <a:t>	&lt;span&gt;Message: {{ </a:t>
+            </a:r>
+            <a:r>
+              <a:rPr lang="en-US" altLang="zh-CN" b="1" dirty="0" err="1"/>
+              <a:t>msg</a:t>
+            </a:r>
+            <a:r>
+              <a:rPr lang="en-US" altLang="zh-CN" b="1" dirty="0"/>
+              <a:t> }}&lt;/span&gt;</a:t>
+            </a:r>
+          </a:p>
+          <a:p>
+            <a:r>
+              <a:rPr lang="en-US" altLang="zh-CN" b="1" dirty="0"/>
+              <a:t>v-bind</a:t>
+            </a:r>
+            <a:r>
+              <a:rPr lang="zh-CN" altLang="en-US" b="1" dirty="0"/>
+              <a:t>：</a:t>
+            </a:r>
+            <a:r>
+              <a:rPr lang="zh-CN" altLang="en-US" dirty="0"/>
+              <a:t>单项绑定，这里的单向指的是数据到界面的单向。数据改变时</a:t>
+            </a:r>
+            <a:r>
+              <a:rPr lang="en-US" altLang="zh-CN" dirty="0"/>
+              <a:t>Dom</a:t>
+            </a:r>
+            <a:r>
+              <a:rPr lang="zh-CN" altLang="en-US" dirty="0"/>
+              <a:t>文档也会改变。当绑定的值为</a:t>
+            </a:r>
+            <a:r>
+              <a:rPr lang="en-US" altLang="zh-CN" dirty="0" err="1"/>
+              <a:t>false,null</a:t>
+            </a:r>
+            <a:r>
+              <a:rPr lang="zh-CN" altLang="en-US" dirty="0"/>
+              <a:t>时属性不会绑定上去，简写形式为</a:t>
+            </a:r>
+            <a:r>
+              <a:rPr lang="en-US" altLang="zh-CN" dirty="0"/>
+              <a:t>:</a:t>
+            </a:r>
+            <a:r>
+              <a:rPr lang="zh-CN" altLang="en-US" dirty="0"/>
+              <a:t>属性</a:t>
+            </a:r>
+            <a:r>
+              <a:rPr lang="en-US" altLang="zh-CN" dirty="0"/>
+              <a:t>=“”</a:t>
+            </a:r>
+          </a:p>
+          <a:p>
+            <a:r>
+              <a:rPr lang="en-US" altLang="zh-CN" b="1" dirty="0"/>
+              <a:t>v-model</a:t>
+            </a:r>
+            <a:r>
+              <a:rPr lang="zh-CN" altLang="en-US" b="1" dirty="0"/>
+              <a:t>：</a:t>
+            </a:r>
+            <a:r>
+              <a:rPr lang="zh-CN" altLang="en-US" dirty="0"/>
+              <a:t>双向绑定</a:t>
+            </a:r>
+            <a:endParaRPr lang="en-US" altLang="zh-CN" dirty="0"/>
+          </a:p>
+          <a:p>
+            <a:r>
+              <a:rPr lang="en-US" altLang="zh-CN" b="1" dirty="0"/>
+              <a:t>v-html:</a:t>
+            </a:r>
+            <a:r>
+              <a:rPr lang="zh-CN" altLang="en-US" dirty="0"/>
+              <a:t>绑定</a:t>
+            </a:r>
+            <a:r>
+              <a:rPr lang="en-US" altLang="zh-CN" dirty="0"/>
+              <a:t>HTML</a:t>
+            </a:r>
+          </a:p>
+          <a:p>
+            <a:endParaRPr lang="en-US" altLang="zh-CN" b="1" dirty="0"/>
+          </a:p>
+          <a:p>
+            <a:endParaRPr lang="en-US" altLang="zh-CN" b="1" dirty="0"/>
+          </a:p>
+          <a:p>
+            <a:endParaRPr lang="zh-CN" altLang="en-US" b="1" dirty="0"/>
+          </a:p>
+          <a:p>
+            <a:endParaRPr lang="en-US" altLang="zh-CN" b="1" dirty="0"/>
+          </a:p>
+          <a:p>
+            <a:pPr lvl="1"/>
+            <a:endParaRPr lang="zh-CN" altLang="en-US" b="1" dirty="0"/>
+          </a:p>
+          <a:p>
+            <a:pPr>
+              <a:lnSpc>
+                <a:spcPct val="130000"/>
+              </a:lnSpc>
+            </a:pPr>
+            <a:endParaRPr lang="zh-CN" altLang="en-US" sz="3600" dirty="0">
+              <a:latin typeface="微软雅黑" panose="020B0503020204020204" pitchFamily="34" charset="-122"/>
+              <a:ea typeface="微软雅黑" panose="020B0503020204020204" pitchFamily="34" charset="-122"/>
+            </a:endParaRPr>
+          </a:p>
+        </p:txBody>
+      </p:sp>
+    </p:spTree>
+    <p:extLst>
+      <p:ext uri="{BB962C8B-B14F-4D97-AF65-F5344CB8AC3E}">
+        <p14:creationId xmlns:p14="http://schemas.microsoft.com/office/powerpoint/2010/main" val="121353175"/>
+      </p:ext>
+    </p:extLst>
+  </p:cSld>
+  <p:clrMapOvr>
+    <a:masterClrMapping/>
+  </p:clrMapOvr>
+  <p:transition>
+    <p:wipe dir="r"/>
+  </p:transition>
+</p:sld>
+</file>
+
+<file path=ppt/slides/slide23.xml><?xml version="1.0" encoding="utf-8"?>
+<p:sld xmlns:a="http://schemas.openxmlformats.org/drawingml/2006/main" xmlns:r="http://schemas.openxmlformats.org/officeDocument/2006/relationships" xmlns:p="http://schemas.openxmlformats.org/presentationml/2006/main">
+  <p:cSld>
+    <p:spTree>
+      <p:nvGrpSpPr>
+        <p:cNvPr id="1" name=""/>
+        <p:cNvGrpSpPr/>
+        <p:nvPr/>
+      </p:nvGrpSpPr>
+      <p:grpSpPr>
+        <a:xfrm>
+          <a:off x="0" y="0"/>
+          <a:ext cx="0" cy="0"/>
+          <a:chOff x="0" y="0"/>
+          <a:chExt cx="0" cy="0"/>
+        </a:xfrm>
+      </p:grpSpPr>
+      <p:sp>
+        <p:nvSpPr>
+          <p:cNvPr id="4" name="标题 3"/>
+          <p:cNvSpPr>
+            <a:spLocks noGrp="1"/>
+          </p:cNvSpPr>
+          <p:nvPr>
+            <p:ph type="ctrTitle"/>
+          </p:nvPr>
+        </p:nvSpPr>
+        <p:spPr/>
+        <p:txBody>
+          <a:bodyPr>
+            <a:normAutofit/>
+          </a:bodyPr>
+          <a:lstStyle/>
+          <a:p>
+            <a:r>
+              <a:rPr lang="zh-CN" altLang="en-US" b="1" dirty="0">
+                <a:latin typeface="微软雅黑" panose="020B0503020204020204" pitchFamily="34" charset="-122"/>
+                <a:ea typeface="微软雅黑" panose="020B0503020204020204" pitchFamily="34" charset="-122"/>
+                <a:sym typeface="+mn-ea"/>
+              </a:rPr>
+              <a:t>指令</a:t>
+            </a:r>
+            <a:endParaRPr lang="en-US" altLang="zh-CN" b="1" dirty="0">
+              <a:latin typeface="微软雅黑" panose="020B0503020204020204" pitchFamily="34" charset="-122"/>
+              <a:ea typeface="微软雅黑" panose="020B0503020204020204" pitchFamily="34" charset="-122"/>
+              <a:sym typeface="+mn-ea"/>
+            </a:endParaRPr>
+          </a:p>
+        </p:txBody>
+      </p:sp>
+      <p:sp>
+        <p:nvSpPr>
+          <p:cNvPr id="5" name="副标题 4"/>
+          <p:cNvSpPr>
+            <a:spLocks noGrp="1"/>
+          </p:cNvSpPr>
+          <p:nvPr>
+            <p:ph type="subTitle" idx="1"/>
+          </p:nvPr>
+        </p:nvSpPr>
+        <p:spPr/>
+        <p:txBody>
+          <a:bodyPr>
+            <a:normAutofit/>
+          </a:bodyPr>
+          <a:lstStyle/>
+          <a:p>
+            <a:r>
+              <a:rPr lang="zh-CN" altLang="en-US" dirty="0"/>
+              <a:t>指令是带有 </a:t>
+            </a:r>
+            <a:r>
+              <a:rPr lang="en-US" altLang="zh-CN" dirty="0"/>
+              <a:t>v- </a:t>
+            </a:r>
+            <a:r>
+              <a:rPr lang="zh-CN" altLang="en-US" dirty="0"/>
+              <a:t>前缀的特殊属性，用来封装 </a:t>
+            </a:r>
+            <a:r>
+              <a:rPr lang="en-US" altLang="zh-CN" dirty="0"/>
+              <a:t>DOM </a:t>
+            </a:r>
+            <a:r>
+              <a:rPr lang="zh-CN" altLang="en-US" dirty="0"/>
+              <a:t>操作。</a:t>
+            </a:r>
+            <a:endParaRPr lang="en-US" altLang="zh-CN" dirty="0"/>
+          </a:p>
+          <a:p>
+            <a:pPr marL="0" indent="0">
+              <a:buNone/>
+            </a:pPr>
+            <a:r>
+              <a:rPr lang="en-US" altLang="zh-CN" dirty="0"/>
+              <a:t>	&lt;div id="app"&gt; </a:t>
+            </a:r>
+          </a:p>
+          <a:p>
+            <a:pPr marL="0" indent="0">
+              <a:buNone/>
+            </a:pPr>
+            <a:r>
+              <a:rPr lang="en-US" altLang="zh-CN" dirty="0"/>
+              <a:t>		&lt;p v-if="true"&gt;</a:t>
+            </a:r>
+            <a:r>
+              <a:rPr lang="zh-CN" altLang="en-US" dirty="0"/>
+              <a:t>现在你看到我了</a:t>
+            </a:r>
+            <a:r>
+              <a:rPr lang="en-US" altLang="zh-CN" dirty="0"/>
+              <a:t>&lt;/p&gt;</a:t>
+            </a:r>
+          </a:p>
+          <a:p>
+            <a:pPr marL="0" indent="0">
+              <a:buNone/>
+            </a:pPr>
+            <a:r>
+              <a:rPr lang="en-US" altLang="zh-CN" dirty="0"/>
+              <a:t>	&lt;/div&gt;</a:t>
+            </a:r>
+            <a:endParaRPr lang="zh-CN" altLang="en-US" b="1" dirty="0"/>
+          </a:p>
+          <a:p>
+            <a:endParaRPr lang="en-US" altLang="zh-CN" b="1" dirty="0"/>
+          </a:p>
+          <a:p>
+            <a:pPr lvl="1"/>
+            <a:endParaRPr lang="zh-CN" altLang="en-US" b="1" dirty="0"/>
+          </a:p>
+          <a:p>
+            <a:pPr>
+              <a:lnSpc>
+                <a:spcPct val="130000"/>
+              </a:lnSpc>
+            </a:pPr>
+            <a:endParaRPr lang="zh-CN" altLang="en-US" sz="3600" dirty="0">
+              <a:latin typeface="微软雅黑" panose="020B0503020204020204" pitchFamily="34" charset="-122"/>
+              <a:ea typeface="微软雅黑" panose="020B0503020204020204" pitchFamily="34" charset="-122"/>
+            </a:endParaRPr>
+          </a:p>
+        </p:txBody>
+      </p:sp>
+    </p:spTree>
+    <p:extLst>
+      <p:ext uri="{BB962C8B-B14F-4D97-AF65-F5344CB8AC3E}">
+        <p14:creationId xmlns:p14="http://schemas.microsoft.com/office/powerpoint/2010/main" val="3931648104"/>
+      </p:ext>
+    </p:extLst>
+  </p:cSld>
+  <p:clrMapOvr>
+    <a:masterClrMapping/>
+  </p:clrMapOvr>
+  <p:transition>
+    <p:wipe dir="r"/>
+  </p:transition>
+</p:sld>
+</file>
+
+<file path=ppt/slides/slide24.xml><?xml version="1.0" encoding="utf-8"?>
+<p:sld xmlns:a="http://schemas.openxmlformats.org/drawingml/2006/main" xmlns:r="http://schemas.openxmlformats.org/officeDocument/2006/relationships" xmlns:p="http://schemas.openxmlformats.org/presentationml/2006/main">
+  <p:cSld>
+    <p:spTree>
+      <p:nvGrpSpPr>
+        <p:cNvPr id="1" name=""/>
+        <p:cNvGrpSpPr/>
+        <p:nvPr/>
+      </p:nvGrpSpPr>
+      <p:grpSpPr>
+        <a:xfrm>
+          <a:off x="0" y="0"/>
+          <a:ext cx="0" cy="0"/>
+          <a:chOff x="0" y="0"/>
+          <a:chExt cx="0" cy="0"/>
+        </a:xfrm>
+      </p:grpSpPr>
+      <p:sp>
+        <p:nvSpPr>
+          <p:cNvPr id="4" name="标题 3"/>
+          <p:cNvSpPr>
+            <a:spLocks noGrp="1"/>
+          </p:cNvSpPr>
+          <p:nvPr>
+            <p:ph type="ctrTitle"/>
+          </p:nvPr>
+        </p:nvSpPr>
+        <p:spPr/>
+        <p:txBody>
+          <a:bodyPr>
+            <a:normAutofit/>
+          </a:bodyPr>
+          <a:lstStyle/>
+          <a:p>
+            <a:r>
+              <a:rPr lang="en-US" altLang="zh-CN" dirty="0">
+                <a:sym typeface="+mn-ea"/>
+              </a:rPr>
+              <a:t>v</a:t>
+            </a:r>
+            <a:r>
+              <a:rPr lang="en-US" altLang="zh-CN" b="1" dirty="0">
+                <a:latin typeface="微软雅黑" panose="020B0503020204020204" pitchFamily="34" charset="-122"/>
+                <a:ea typeface="微软雅黑" panose="020B0503020204020204" pitchFamily="34" charset="-122"/>
+                <a:sym typeface="+mn-ea"/>
+              </a:rPr>
+              <a:t>-if</a:t>
+            </a:r>
+            <a:endParaRPr lang="zh-CN" altLang="en-US" b="1" dirty="0">
+              <a:latin typeface="微软雅黑" panose="020B0503020204020204" pitchFamily="34" charset="-122"/>
+              <a:ea typeface="微软雅黑" panose="020B0503020204020204" pitchFamily="34" charset="-122"/>
+              <a:sym typeface="+mn-ea"/>
+            </a:endParaRPr>
+          </a:p>
+        </p:txBody>
+      </p:sp>
+      <p:sp>
+        <p:nvSpPr>
+          <p:cNvPr id="5" name="副标题 4"/>
+          <p:cNvSpPr>
+            <a:spLocks noGrp="1"/>
+          </p:cNvSpPr>
+          <p:nvPr>
+            <p:ph type="subTitle" idx="1"/>
+          </p:nvPr>
+        </p:nvSpPr>
+        <p:spPr/>
+        <p:txBody>
+          <a:bodyPr>
+            <a:normAutofit fontScale="85000" lnSpcReduction="20000"/>
+          </a:bodyPr>
+          <a:lstStyle/>
+          <a:p>
+            <a:r>
+              <a:rPr lang="en-US" altLang="zh-CN" dirty="0"/>
+              <a:t>v-if </a:t>
+            </a:r>
+            <a:r>
+              <a:rPr lang="zh-CN" altLang="en-US" dirty="0"/>
+              <a:t>是“真正的”条件渲染，因为它会确保在切换过程中条件块内的事件监听器和子组件适当地被销毁和重建。</a:t>
+            </a:r>
+            <a:endParaRPr lang="en-US" altLang="zh-CN" dirty="0"/>
+          </a:p>
+          <a:p>
+            <a:r>
+              <a:rPr lang="en-US" altLang="zh-CN" dirty="0"/>
+              <a:t>v-if</a:t>
+            </a:r>
+            <a:r>
+              <a:rPr lang="zh-CN" altLang="en-US" dirty="0"/>
+              <a:t>后面可以跟</a:t>
+            </a:r>
+            <a:r>
+              <a:rPr lang="en-US" altLang="zh-CN" dirty="0"/>
+              <a:t>v-else-if</a:t>
+            </a:r>
+            <a:r>
+              <a:rPr lang="zh-CN" altLang="en-US" dirty="0"/>
+              <a:t>和</a:t>
+            </a:r>
+            <a:r>
+              <a:rPr lang="en-US" altLang="zh-CN" dirty="0"/>
+              <a:t>v-else</a:t>
+            </a:r>
+            <a:endParaRPr lang="zh-CN" altLang="en-US" dirty="0"/>
+          </a:p>
+          <a:p>
+            <a:pPr marL="0" indent="0">
+              <a:buNone/>
+            </a:pPr>
+            <a:r>
+              <a:rPr lang="en-US" altLang="zh-CN" sz="1900" b="1" dirty="0"/>
+              <a:t>	&lt;div </a:t>
+            </a:r>
+            <a:r>
+              <a:rPr lang="en-US" altLang="zh-CN" sz="1900" b="1" dirty="0">
+                <a:solidFill>
+                  <a:srgbClr val="FF0000"/>
+                </a:solidFill>
+              </a:rPr>
+              <a:t>v-if</a:t>
+            </a:r>
+            <a:r>
+              <a:rPr lang="en-US" altLang="zh-CN" sz="1900" b="1" dirty="0"/>
+              <a:t>="type === 'A'"&gt;A&lt;/div&gt;</a:t>
+            </a:r>
+          </a:p>
+          <a:p>
+            <a:pPr marL="0" indent="0">
+              <a:buNone/>
+            </a:pPr>
+            <a:r>
+              <a:rPr lang="en-US" altLang="zh-CN" sz="1900" b="1" dirty="0"/>
+              <a:t>	&lt;div </a:t>
+            </a:r>
+            <a:r>
+              <a:rPr lang="en-US" altLang="zh-CN" sz="1900" b="1" dirty="0">
+                <a:solidFill>
+                  <a:srgbClr val="FF0000"/>
+                </a:solidFill>
+              </a:rPr>
+              <a:t>v-else-if</a:t>
+            </a:r>
+            <a:r>
+              <a:rPr lang="en-US" altLang="zh-CN" sz="1900" b="1" dirty="0"/>
+              <a:t>="type === 'B'"&gt;B&lt;/div&gt;</a:t>
+            </a:r>
+          </a:p>
+          <a:p>
+            <a:pPr marL="0" indent="0">
+              <a:buNone/>
+            </a:pPr>
+            <a:r>
+              <a:rPr lang="en-US" altLang="zh-CN" sz="1900" b="1" dirty="0"/>
+              <a:t>	&lt;div </a:t>
+            </a:r>
+            <a:r>
+              <a:rPr lang="en-US" altLang="zh-CN" sz="1900" b="1" dirty="0">
+                <a:solidFill>
+                  <a:srgbClr val="FF0000"/>
+                </a:solidFill>
+              </a:rPr>
+              <a:t>v-else-if</a:t>
+            </a:r>
+            <a:r>
+              <a:rPr lang="en-US" altLang="zh-CN" sz="1900" b="1" dirty="0"/>
+              <a:t>="type === 'C'"&gt;C&lt;/div&gt;</a:t>
+            </a:r>
+          </a:p>
+          <a:p>
+            <a:pPr marL="0" indent="0">
+              <a:buNone/>
+            </a:pPr>
+            <a:r>
+              <a:rPr lang="en-US" altLang="zh-CN" sz="1900" b="1" dirty="0"/>
+              <a:t>	&lt;div </a:t>
+            </a:r>
+            <a:r>
+              <a:rPr lang="en-US" altLang="zh-CN" sz="1900" b="1" dirty="0">
+                <a:solidFill>
+                  <a:srgbClr val="FF0000"/>
+                </a:solidFill>
+              </a:rPr>
+              <a:t>v-else</a:t>
+            </a:r>
+            <a:r>
+              <a:rPr lang="en-US" altLang="zh-CN" sz="1900" b="1" dirty="0"/>
+              <a:t>&gt;Not A/B/C&lt;/div&gt;</a:t>
+            </a:r>
+          </a:p>
+          <a:p>
+            <a:pPr>
+              <a:lnSpc>
+                <a:spcPct val="130000"/>
+              </a:lnSpc>
+            </a:pPr>
+            <a:r>
+              <a:rPr lang="en-US" altLang="zh-CN" sz="3600" dirty="0"/>
+              <a:t>v-if </a:t>
+            </a:r>
+            <a:r>
+              <a:rPr lang="zh-CN" altLang="en-US" sz="3600" dirty="0"/>
+              <a:t>也是惰性的：如果在初始渲染时条件为假，则什么也不做</a:t>
+            </a:r>
+            <a:r>
+              <a:rPr lang="en-US" altLang="zh-CN" sz="3600" dirty="0"/>
+              <a:t>——</a:t>
+            </a:r>
+            <a:r>
+              <a:rPr lang="zh-CN" altLang="en-US" sz="3600" dirty="0"/>
+              <a:t>直到条件第一次变为真时，才会开始渲染条件块。</a:t>
+            </a:r>
+            <a:endParaRPr lang="zh-CN" altLang="en-US" sz="3600" dirty="0">
+              <a:latin typeface="微软雅黑" panose="020B0503020204020204" pitchFamily="34" charset="-122"/>
+              <a:ea typeface="微软雅黑" panose="020B0503020204020204" pitchFamily="34" charset="-122"/>
+            </a:endParaRPr>
+          </a:p>
+        </p:txBody>
+      </p:sp>
+    </p:spTree>
+    <p:extLst>
+      <p:ext uri="{BB962C8B-B14F-4D97-AF65-F5344CB8AC3E}">
+        <p14:creationId xmlns:p14="http://schemas.microsoft.com/office/powerpoint/2010/main" val="623140037"/>
+      </p:ext>
+    </p:extLst>
+  </p:cSld>
+  <p:clrMapOvr>
+    <a:masterClrMapping/>
+  </p:clrMapOvr>
+  <p:transition>
+    <p:wipe dir="r"/>
+  </p:transition>
+</p:sld>
+</file>
+
+<file path=ppt/slides/slide25.xml><?xml version="1.0" encoding="utf-8"?>
+<p:sld xmlns:a="http://schemas.openxmlformats.org/drawingml/2006/main" xmlns:r="http://schemas.openxmlformats.org/officeDocument/2006/relationships" xmlns:p="http://schemas.openxmlformats.org/presentationml/2006/main">
+  <p:cSld>
+    <p:spTree>
+      <p:nvGrpSpPr>
+        <p:cNvPr id="1" name=""/>
+        <p:cNvGrpSpPr/>
+        <p:nvPr/>
+      </p:nvGrpSpPr>
+      <p:grpSpPr>
+        <a:xfrm>
+          <a:off x="0" y="0"/>
+          <a:ext cx="0" cy="0"/>
+          <a:chOff x="0" y="0"/>
+          <a:chExt cx="0" cy="0"/>
+        </a:xfrm>
+      </p:grpSpPr>
+      <p:sp>
+        <p:nvSpPr>
+          <p:cNvPr id="4" name="标题 3"/>
+          <p:cNvSpPr>
+            <a:spLocks noGrp="1"/>
+          </p:cNvSpPr>
+          <p:nvPr>
+            <p:ph type="ctrTitle"/>
+          </p:nvPr>
+        </p:nvSpPr>
+        <p:spPr/>
+        <p:txBody>
+          <a:bodyPr>
+            <a:normAutofit/>
+          </a:bodyPr>
+          <a:lstStyle/>
+          <a:p>
+            <a:r>
+              <a:rPr lang="en-US" altLang="zh-CN" dirty="0">
+                <a:sym typeface="+mn-ea"/>
+              </a:rPr>
+              <a:t>v</a:t>
+            </a:r>
+            <a:r>
+              <a:rPr lang="en-US" altLang="zh-CN" b="1" dirty="0">
+                <a:latin typeface="微软雅黑" panose="020B0503020204020204" pitchFamily="34" charset="-122"/>
+                <a:ea typeface="微软雅黑" panose="020B0503020204020204" pitchFamily="34" charset="-122"/>
+                <a:sym typeface="+mn-ea"/>
+              </a:rPr>
+              <a:t>-show</a:t>
+            </a:r>
+            <a:endParaRPr lang="zh-CN" altLang="en-US" b="1" dirty="0">
+              <a:latin typeface="微软雅黑" panose="020B0503020204020204" pitchFamily="34" charset="-122"/>
+              <a:ea typeface="微软雅黑" panose="020B0503020204020204" pitchFamily="34" charset="-122"/>
+              <a:sym typeface="+mn-ea"/>
+            </a:endParaRPr>
+          </a:p>
+        </p:txBody>
+      </p:sp>
+      <p:sp>
+        <p:nvSpPr>
+          <p:cNvPr id="5" name="副标题 4"/>
+          <p:cNvSpPr>
+            <a:spLocks noGrp="1"/>
+          </p:cNvSpPr>
+          <p:nvPr>
+            <p:ph type="subTitle" idx="1"/>
+          </p:nvPr>
+        </p:nvSpPr>
+        <p:spPr/>
+        <p:txBody>
+          <a:bodyPr>
+            <a:normAutofit/>
+          </a:bodyPr>
+          <a:lstStyle/>
+          <a:p>
+            <a:pPr marL="0" indent="0">
+              <a:buNone/>
+            </a:pPr>
+            <a:r>
+              <a:rPr lang="zh-CN" altLang="en-US" sz="2400" dirty="0"/>
+              <a:t>带有 </a:t>
+            </a:r>
+            <a:r>
+              <a:rPr lang="en-US" altLang="zh-CN" sz="2400" dirty="0"/>
+              <a:t>v-show </a:t>
+            </a:r>
+            <a:r>
+              <a:rPr lang="zh-CN" altLang="en-US" sz="2400" dirty="0"/>
+              <a:t>的元素始终会被渲染并保留在 </a:t>
+            </a:r>
+            <a:r>
+              <a:rPr lang="en-US" altLang="zh-CN" sz="2400" dirty="0"/>
+              <a:t>DOM </a:t>
+            </a:r>
+            <a:r>
+              <a:rPr lang="zh-CN" altLang="en-US" sz="2400" dirty="0"/>
+              <a:t>中。</a:t>
+            </a:r>
+            <a:r>
+              <a:rPr lang="en-US" altLang="zh-CN" sz="2400" dirty="0"/>
+              <a:t>v-show </a:t>
+            </a:r>
+            <a:r>
+              <a:rPr lang="zh-CN" altLang="en-US" sz="2400" dirty="0"/>
+              <a:t>是简单地切换元素的 </a:t>
+            </a:r>
+            <a:r>
+              <a:rPr lang="en-US" altLang="zh-CN" sz="2400" dirty="0"/>
+              <a:t>CSS </a:t>
+            </a:r>
+            <a:r>
+              <a:rPr lang="zh-CN" altLang="en-US" sz="2400" dirty="0"/>
+              <a:t>属性 </a:t>
+            </a:r>
+            <a:r>
+              <a:rPr lang="en-US" altLang="zh-CN" sz="2400" dirty="0"/>
+              <a:t>display </a:t>
+            </a:r>
+            <a:r>
+              <a:rPr lang="zh-CN" altLang="en-US" sz="2400" dirty="0"/>
+              <a:t>。</a:t>
+            </a:r>
+            <a:endParaRPr lang="en-US" altLang="zh-CN" sz="2400" dirty="0"/>
+          </a:p>
+          <a:p>
+            <a:r>
+              <a:rPr lang="en-US" altLang="zh-CN" b="1" dirty="0"/>
+              <a:t>v-if vs v-show:</a:t>
+            </a:r>
+            <a:endParaRPr lang="zh-CN" altLang="en-US" b="1" dirty="0"/>
+          </a:p>
+          <a:p>
+            <a:pPr marL="0" indent="0">
+              <a:buNone/>
+            </a:pPr>
+            <a:r>
+              <a:rPr lang="en-US" altLang="zh-CN" sz="2400" dirty="0"/>
+              <a:t>v-if </a:t>
+            </a:r>
+            <a:r>
+              <a:rPr lang="zh-CN" altLang="en-US" sz="2400" dirty="0"/>
+              <a:t>有更高的切换开销，而 </a:t>
+            </a:r>
+            <a:r>
+              <a:rPr lang="en-US" altLang="zh-CN" sz="2400" dirty="0"/>
+              <a:t>v-show </a:t>
+            </a:r>
+            <a:r>
+              <a:rPr lang="zh-CN" altLang="en-US" sz="2400" dirty="0"/>
+              <a:t>有更高的初始渲染开销。因此，如果需要非常频繁地切换，则使用 </a:t>
+            </a:r>
+            <a:r>
+              <a:rPr lang="en-US" altLang="zh-CN" sz="2400" dirty="0"/>
+              <a:t>v-show </a:t>
+            </a:r>
+            <a:r>
+              <a:rPr lang="zh-CN" altLang="en-US" sz="2400" dirty="0"/>
+              <a:t>较好；如果在运行时条件不太可能改变，则使用 </a:t>
+            </a:r>
+            <a:r>
+              <a:rPr lang="en-US" altLang="zh-CN" sz="2400" dirty="0"/>
+              <a:t>v-if </a:t>
+            </a:r>
+            <a:r>
+              <a:rPr lang="zh-CN" altLang="en-US" sz="2400" dirty="0"/>
+              <a:t>较好。</a:t>
+            </a:r>
+            <a:endParaRPr lang="en-US" altLang="zh-CN" sz="2400" dirty="0"/>
+          </a:p>
+          <a:p>
+            <a:pPr lvl="1"/>
+            <a:endParaRPr lang="zh-CN" altLang="en-US" b="1" dirty="0"/>
+          </a:p>
+          <a:p>
+            <a:pPr>
+              <a:lnSpc>
+                <a:spcPct val="130000"/>
+              </a:lnSpc>
+            </a:pPr>
+            <a:endParaRPr lang="zh-CN" altLang="en-US" sz="3600" dirty="0">
+              <a:latin typeface="微软雅黑" panose="020B0503020204020204" pitchFamily="34" charset="-122"/>
+              <a:ea typeface="微软雅黑" panose="020B0503020204020204" pitchFamily="34" charset="-122"/>
+            </a:endParaRPr>
+          </a:p>
+        </p:txBody>
+      </p:sp>
+    </p:spTree>
+    <p:extLst>
+      <p:ext uri="{BB962C8B-B14F-4D97-AF65-F5344CB8AC3E}">
+        <p14:creationId xmlns:p14="http://schemas.microsoft.com/office/powerpoint/2010/main" val="570948233"/>
+      </p:ext>
+    </p:extLst>
+  </p:cSld>
+  <p:clrMapOvr>
+    <a:masterClrMapping/>
+  </p:clrMapOvr>
+  <p:transition>
+    <p:wipe dir="r"/>
+  </p:transition>
+</p:sld>
+</file>
+
+<file path=ppt/slides/slide26.xml><?xml version="1.0" encoding="utf-8"?>
+<p:sld xmlns:a="http://schemas.openxmlformats.org/drawingml/2006/main" xmlns:r="http://schemas.openxmlformats.org/officeDocument/2006/relationships" xmlns:p="http://schemas.openxmlformats.org/presentationml/2006/main">
+  <p:cSld>
+    <p:spTree>
+      <p:nvGrpSpPr>
+        <p:cNvPr id="1" name=""/>
+        <p:cNvGrpSpPr/>
+        <p:nvPr/>
+      </p:nvGrpSpPr>
+      <p:grpSpPr>
+        <a:xfrm>
+          <a:off x="0" y="0"/>
+          <a:ext cx="0" cy="0"/>
+          <a:chOff x="0" y="0"/>
+          <a:chExt cx="0" cy="0"/>
+        </a:xfrm>
+      </p:grpSpPr>
+      <p:sp>
+        <p:nvSpPr>
+          <p:cNvPr id="4" name="标题 3"/>
+          <p:cNvSpPr>
+            <a:spLocks noGrp="1"/>
+          </p:cNvSpPr>
+          <p:nvPr>
+            <p:ph type="ctrTitle"/>
+          </p:nvPr>
+        </p:nvSpPr>
+        <p:spPr/>
+        <p:txBody>
+          <a:bodyPr>
+            <a:normAutofit/>
+          </a:bodyPr>
+          <a:lstStyle/>
+          <a:p>
+            <a:r>
+              <a:rPr lang="en-US" altLang="zh-CN" dirty="0">
+                <a:sym typeface="+mn-ea"/>
+              </a:rPr>
+              <a:t>v</a:t>
+            </a:r>
+            <a:r>
+              <a:rPr lang="en-US" altLang="zh-CN" b="1" dirty="0">
+                <a:latin typeface="微软雅黑" panose="020B0503020204020204" pitchFamily="34" charset="-122"/>
+                <a:ea typeface="微软雅黑" panose="020B0503020204020204" pitchFamily="34" charset="-122"/>
+                <a:sym typeface="+mn-ea"/>
+              </a:rPr>
+              <a:t>-for</a:t>
+            </a:r>
+            <a:endParaRPr lang="zh-CN" altLang="en-US" b="1" dirty="0">
+              <a:latin typeface="微软雅黑" panose="020B0503020204020204" pitchFamily="34" charset="-122"/>
+              <a:ea typeface="微软雅黑" panose="020B0503020204020204" pitchFamily="34" charset="-122"/>
+              <a:sym typeface="+mn-ea"/>
+            </a:endParaRPr>
+          </a:p>
+        </p:txBody>
+      </p:sp>
+      <p:sp>
+        <p:nvSpPr>
+          <p:cNvPr id="5" name="副标题 4"/>
+          <p:cNvSpPr>
+            <a:spLocks noGrp="1"/>
+          </p:cNvSpPr>
+          <p:nvPr>
+            <p:ph type="subTitle" idx="1"/>
+          </p:nvPr>
+        </p:nvSpPr>
+        <p:spPr/>
+        <p:txBody>
+          <a:bodyPr>
+            <a:normAutofit fontScale="85000" lnSpcReduction="20000"/>
+          </a:bodyPr>
+          <a:lstStyle/>
+          <a:p>
+            <a:r>
+              <a:rPr lang="zh-CN" altLang="en-US" dirty="0"/>
+              <a:t>基于源数据多次渲染元素或模板块。该指令的值，必须使用特定语法 </a:t>
+            </a:r>
+            <a:endParaRPr lang="en-US" altLang="zh-CN" dirty="0"/>
+          </a:p>
+          <a:p>
+            <a:pPr marL="0" indent="0">
+              <a:buNone/>
+            </a:pPr>
+            <a:r>
+              <a:rPr lang="en-US" altLang="zh-CN" b="1" dirty="0"/>
+              <a:t>&lt;div v-for="item in items"&gt;&lt;/div&gt;</a:t>
+            </a:r>
+            <a:endParaRPr lang="en-US" altLang="zh-CN" dirty="0"/>
+          </a:p>
+          <a:p>
+            <a:pPr marL="0" indent="0">
+              <a:buNone/>
+            </a:pPr>
+            <a:r>
+              <a:rPr lang="en-US" altLang="zh-CN" b="1" dirty="0"/>
+              <a:t>&lt;div v-for="(item, index) in items"&gt;&lt;/div&gt;</a:t>
+            </a:r>
+          </a:p>
+          <a:p>
+            <a:pPr marL="0" indent="0">
+              <a:buNone/>
+            </a:pPr>
+            <a:r>
+              <a:rPr lang="en-US" altLang="zh-CN" b="1" dirty="0"/>
+              <a:t>&lt;div v-for="(</a:t>
+            </a:r>
+            <a:r>
+              <a:rPr lang="en-US" altLang="zh-CN" b="1" dirty="0" err="1"/>
+              <a:t>val</a:t>
+            </a:r>
+            <a:r>
+              <a:rPr lang="en-US" altLang="zh-CN" b="1" dirty="0"/>
+              <a:t>, key) in object"&gt;&lt;/div&gt;</a:t>
+            </a:r>
+          </a:p>
+          <a:p>
+            <a:pPr marL="0" indent="0">
+              <a:buNone/>
+            </a:pPr>
+            <a:r>
+              <a:rPr lang="en-US" altLang="zh-CN" b="1" dirty="0"/>
+              <a:t>&lt;div v-for="(</a:t>
+            </a:r>
+            <a:r>
+              <a:rPr lang="en-US" altLang="zh-CN" b="1" dirty="0" err="1"/>
+              <a:t>val</a:t>
+            </a:r>
+            <a:r>
+              <a:rPr lang="en-US" altLang="zh-CN" b="1" dirty="0"/>
+              <a:t>, key, index) in object"&gt;&lt;/div&gt;</a:t>
+            </a:r>
+            <a:endParaRPr lang="en-US" altLang="zh-CN" dirty="0"/>
+          </a:p>
+          <a:p>
+            <a:r>
+              <a:rPr lang="zh-CN" altLang="en-US" dirty="0"/>
+              <a:t>基于源数据多次渲染元素或模板块。该指令的值，必须使用特定语法 </a:t>
+            </a:r>
+            <a:endParaRPr lang="en-US" altLang="zh-CN" dirty="0"/>
+          </a:p>
+          <a:p>
+            <a:endParaRPr lang="en-US" altLang="zh-CN" dirty="0"/>
+          </a:p>
+          <a:p>
+            <a:pPr marL="0" indent="0">
+              <a:buNone/>
+            </a:pPr>
+            <a:endParaRPr lang="en-US" altLang="zh-CN" b="1" dirty="0"/>
+          </a:p>
+          <a:p>
+            <a:pPr marL="0" indent="0">
+              <a:buNone/>
+            </a:pPr>
+            <a:endParaRPr lang="zh-CN" altLang="en-US" b="1" dirty="0"/>
+          </a:p>
+          <a:p>
+            <a:endParaRPr lang="en-US" altLang="zh-CN" b="1" dirty="0"/>
+          </a:p>
+          <a:p>
+            <a:pPr lvl="1"/>
+            <a:endParaRPr lang="zh-CN" altLang="en-US" b="1" dirty="0"/>
+          </a:p>
+          <a:p>
+            <a:pPr>
+              <a:lnSpc>
+                <a:spcPct val="130000"/>
+              </a:lnSpc>
+            </a:pPr>
+            <a:endParaRPr lang="zh-CN" altLang="en-US" sz="3600" dirty="0">
+              <a:latin typeface="微软雅黑" panose="020B0503020204020204" pitchFamily="34" charset="-122"/>
+              <a:ea typeface="微软雅黑" panose="020B0503020204020204" pitchFamily="34" charset="-122"/>
+            </a:endParaRPr>
+          </a:p>
+        </p:txBody>
+      </p:sp>
+    </p:spTree>
+    <p:extLst>
+      <p:ext uri="{BB962C8B-B14F-4D97-AF65-F5344CB8AC3E}">
+        <p14:creationId xmlns:p14="http://schemas.microsoft.com/office/powerpoint/2010/main" val="4008840286"/>
+      </p:ext>
+    </p:extLst>
+  </p:cSld>
+  <p:clrMapOvr>
+    <a:masterClrMapping/>
+  </p:clrMapOvr>
+  <p:transition>
+    <p:wipe dir="r"/>
+  </p:transition>
+</p:sld>
+</file>
+
+<file path=ppt/slides/slide27.xml><?xml version="1.0" encoding="utf-8"?>
+<p:sld xmlns:a="http://schemas.openxmlformats.org/drawingml/2006/main" xmlns:r="http://schemas.openxmlformats.org/officeDocument/2006/relationships" xmlns:p="http://schemas.openxmlformats.org/presentationml/2006/main">
+  <p:cSld>
+    <p:spTree>
+      <p:nvGrpSpPr>
+        <p:cNvPr id="1" name=""/>
+        <p:cNvGrpSpPr/>
+        <p:nvPr/>
+      </p:nvGrpSpPr>
+      <p:grpSpPr>
+        <a:xfrm>
+          <a:off x="0" y="0"/>
+          <a:ext cx="0" cy="0"/>
+          <a:chOff x="0" y="0"/>
+          <a:chExt cx="0" cy="0"/>
+        </a:xfrm>
+      </p:grpSpPr>
+      <p:sp>
+        <p:nvSpPr>
+          <p:cNvPr id="4" name="标题 3"/>
+          <p:cNvSpPr>
+            <a:spLocks noGrp="1"/>
+          </p:cNvSpPr>
+          <p:nvPr>
+            <p:ph type="ctrTitle"/>
+          </p:nvPr>
+        </p:nvSpPr>
+        <p:spPr/>
+        <p:txBody>
+          <a:bodyPr>
+            <a:normAutofit/>
+          </a:bodyPr>
+          <a:lstStyle/>
+          <a:p>
+            <a:r>
+              <a:rPr lang="en-US" altLang="zh-CN" dirty="0">
+                <a:sym typeface="+mn-ea"/>
+              </a:rPr>
+              <a:t>v</a:t>
+            </a:r>
+            <a:r>
+              <a:rPr lang="en-US" altLang="zh-CN" b="1" dirty="0">
+                <a:latin typeface="微软雅黑" panose="020B0503020204020204" pitchFamily="34" charset="-122"/>
+                <a:ea typeface="微软雅黑" panose="020B0503020204020204" pitchFamily="34" charset="-122"/>
+                <a:sym typeface="+mn-ea"/>
+              </a:rPr>
+              <a:t>-on</a:t>
+            </a:r>
+            <a:endParaRPr lang="zh-CN" altLang="en-US" b="1" dirty="0">
+              <a:latin typeface="微软雅黑" panose="020B0503020204020204" pitchFamily="34" charset="-122"/>
+              <a:ea typeface="微软雅黑" panose="020B0503020204020204" pitchFamily="34" charset="-122"/>
+              <a:sym typeface="+mn-ea"/>
+            </a:endParaRPr>
+          </a:p>
+        </p:txBody>
+      </p:sp>
+      <p:sp>
+        <p:nvSpPr>
+          <p:cNvPr id="5" name="副标题 4"/>
+          <p:cNvSpPr>
+            <a:spLocks noGrp="1"/>
+          </p:cNvSpPr>
+          <p:nvPr>
+            <p:ph type="subTitle" idx="1"/>
+          </p:nvPr>
+        </p:nvSpPr>
+        <p:spPr/>
+        <p:txBody>
+          <a:bodyPr>
+            <a:normAutofit/>
+          </a:bodyPr>
+          <a:lstStyle/>
+          <a:p>
+            <a:r>
+              <a:rPr lang="zh-CN" altLang="en-US" dirty="0"/>
+              <a:t>绑定事件监听器。事件类型由参数指定。 绑定的方法定义在</a:t>
+            </a:r>
+            <a:r>
+              <a:rPr lang="en-US" altLang="zh-CN" dirty="0" err="1"/>
+              <a:t>Vue</a:t>
+            </a:r>
+            <a:r>
+              <a:rPr lang="zh-CN" altLang="en-US" dirty="0"/>
+              <a:t>参数</a:t>
+            </a:r>
+            <a:r>
+              <a:rPr lang="en-US" altLang="zh-CN" dirty="0"/>
+              <a:t>methods</a:t>
+            </a:r>
+            <a:r>
+              <a:rPr lang="zh-CN" altLang="en-US" dirty="0"/>
+              <a:t>中，这些方法可以访问</a:t>
+            </a:r>
+            <a:r>
+              <a:rPr lang="en-US" altLang="zh-CN" dirty="0" err="1"/>
+              <a:t>Vue</a:t>
+            </a:r>
+            <a:r>
+              <a:rPr lang="zh-CN" altLang="en-US" dirty="0"/>
+              <a:t>的</a:t>
+            </a:r>
+            <a:r>
+              <a:rPr lang="en-US" altLang="zh-CN" dirty="0"/>
+              <a:t>data</a:t>
+            </a:r>
+            <a:r>
+              <a:rPr lang="zh-CN" altLang="en-US" dirty="0"/>
+              <a:t>属性。</a:t>
+            </a:r>
+            <a:endParaRPr lang="en-US" altLang="zh-CN" dirty="0"/>
+          </a:p>
+          <a:p>
+            <a:pPr marL="0" indent="0">
+              <a:buNone/>
+            </a:pPr>
+            <a:r>
+              <a:rPr lang="en-US" altLang="zh-CN" sz="2600" b="1" dirty="0"/>
+              <a:t>&lt;!-- </a:t>
+            </a:r>
+            <a:r>
+              <a:rPr lang="zh-CN" altLang="en-US" sz="2600" b="1" dirty="0"/>
+              <a:t>方法处理器 </a:t>
+            </a:r>
+            <a:r>
+              <a:rPr lang="en-US" altLang="zh-CN" sz="2600" b="1" dirty="0"/>
+              <a:t>--&gt;&lt;button </a:t>
+            </a:r>
+            <a:r>
+              <a:rPr lang="en-US" altLang="zh-CN" sz="2600" b="1" dirty="0" err="1"/>
+              <a:t>v-on:click</a:t>
+            </a:r>
+            <a:r>
+              <a:rPr lang="en-US" altLang="zh-CN" sz="2600" b="1" dirty="0"/>
+              <a:t>="</a:t>
+            </a:r>
+            <a:r>
+              <a:rPr lang="en-US" altLang="zh-CN" sz="2600" b="1" dirty="0" err="1"/>
+              <a:t>doThis</a:t>
+            </a:r>
+            <a:r>
+              <a:rPr lang="en-US" altLang="zh-CN" sz="2600" b="1" dirty="0"/>
+              <a:t>"&gt;&lt;/button&gt;</a:t>
+            </a:r>
+          </a:p>
+          <a:p>
+            <a:pPr marL="0" indent="0">
+              <a:buNone/>
+            </a:pPr>
+            <a:r>
+              <a:rPr lang="en-US" altLang="zh-CN" sz="2600" b="1" dirty="0"/>
+              <a:t>&lt;!-- </a:t>
+            </a:r>
+            <a:r>
+              <a:rPr lang="zh-CN" altLang="en-US" sz="2600" b="1" dirty="0"/>
+              <a:t>缩写 </a:t>
+            </a:r>
+            <a:r>
+              <a:rPr lang="en-US" altLang="zh-CN" sz="2600" b="1" dirty="0"/>
+              <a:t>--&gt;&lt;button @click="</a:t>
+            </a:r>
+            <a:r>
+              <a:rPr lang="en-US" altLang="zh-CN" sz="2600" b="1" dirty="0" err="1"/>
+              <a:t>doThis</a:t>
+            </a:r>
+            <a:r>
+              <a:rPr lang="en-US" altLang="zh-CN" sz="2600" b="1" dirty="0"/>
+              <a:t>"&gt;&lt;/button&gt;</a:t>
+            </a:r>
+          </a:p>
+          <a:p>
+            <a:pPr marL="0" indent="0">
+              <a:buNone/>
+            </a:pPr>
+            <a:r>
+              <a:rPr lang="en-US" altLang="zh-CN" sz="2600" b="1" dirty="0"/>
+              <a:t>&lt;!-- </a:t>
+            </a:r>
+            <a:r>
+              <a:rPr lang="zh-CN" altLang="en-US" sz="2600" b="1" dirty="0"/>
+              <a:t>停止冒泡 </a:t>
+            </a:r>
+            <a:r>
+              <a:rPr lang="en-US" altLang="zh-CN" sz="2600" b="1" dirty="0"/>
+              <a:t>--&gt;&lt;button @</a:t>
+            </a:r>
+            <a:r>
+              <a:rPr lang="en-US" altLang="zh-CN" sz="2600" b="1" dirty="0" err="1"/>
+              <a:t>click.stop</a:t>
+            </a:r>
+            <a:r>
+              <a:rPr lang="en-US" altLang="zh-CN" sz="2600" b="1" dirty="0"/>
+              <a:t>="</a:t>
+            </a:r>
+            <a:r>
+              <a:rPr lang="en-US" altLang="zh-CN" sz="2600" b="1" dirty="0" err="1"/>
+              <a:t>doThis</a:t>
+            </a:r>
+            <a:r>
+              <a:rPr lang="en-US" altLang="zh-CN" sz="2600" b="1" dirty="0"/>
+              <a:t>"&gt;&lt;/button&gt;</a:t>
+            </a:r>
+          </a:p>
+          <a:p>
+            <a:pPr marL="0" indent="0">
+              <a:buNone/>
+            </a:pPr>
+            <a:r>
+              <a:rPr lang="en-US" altLang="zh-CN" sz="2600" b="1" dirty="0"/>
+              <a:t>&lt;!-- </a:t>
+            </a:r>
+            <a:r>
+              <a:rPr lang="zh-CN" altLang="en-US" sz="2600" b="1" dirty="0"/>
+              <a:t>键修饰符，键别名 </a:t>
+            </a:r>
+            <a:r>
+              <a:rPr lang="en-US" altLang="zh-CN" sz="2600" b="1" dirty="0"/>
+              <a:t>--&gt;&lt;input @</a:t>
+            </a:r>
+            <a:r>
+              <a:rPr lang="en-US" altLang="zh-CN" sz="2600" b="1" dirty="0" err="1"/>
+              <a:t>keyup.enter</a:t>
+            </a:r>
+            <a:r>
+              <a:rPr lang="en-US" altLang="zh-CN" sz="2600" b="1" dirty="0"/>
+              <a:t>="</a:t>
+            </a:r>
+            <a:r>
+              <a:rPr lang="en-US" altLang="zh-CN" sz="2600" b="1" dirty="0" err="1"/>
+              <a:t>onEnter</a:t>
+            </a:r>
+            <a:r>
+              <a:rPr lang="en-US" altLang="zh-CN" sz="2600" b="1" dirty="0"/>
+              <a:t>"&gt;</a:t>
+            </a:r>
+          </a:p>
+          <a:p>
+            <a:endParaRPr lang="en-US" altLang="zh-CN" b="1" dirty="0"/>
+          </a:p>
+          <a:p>
+            <a:pPr lvl="1"/>
+            <a:endParaRPr lang="zh-CN" altLang="en-US" b="1" dirty="0"/>
+          </a:p>
+          <a:p>
+            <a:pPr>
+              <a:lnSpc>
+                <a:spcPct val="130000"/>
+              </a:lnSpc>
+            </a:pPr>
+            <a:endParaRPr lang="zh-CN" altLang="en-US" sz="3600" dirty="0">
+              <a:latin typeface="微软雅黑" panose="020B0503020204020204" pitchFamily="34" charset="-122"/>
+              <a:ea typeface="微软雅黑" panose="020B0503020204020204" pitchFamily="34" charset="-122"/>
+            </a:endParaRPr>
+          </a:p>
+        </p:txBody>
+      </p:sp>
+    </p:spTree>
+    <p:extLst>
+      <p:ext uri="{BB962C8B-B14F-4D97-AF65-F5344CB8AC3E}">
+        <p14:creationId xmlns:p14="http://schemas.microsoft.com/office/powerpoint/2010/main" val="2215896650"/>
+      </p:ext>
+    </p:extLst>
+  </p:cSld>
+  <p:clrMapOvr>
+    <a:masterClrMapping/>
+  </p:clrMapOvr>
+  <p:transition>
+    <p:wipe dir="r"/>
+  </p:transition>
+</p:sld>
+</file>
+
+<file path=ppt/slides/slide28.xml><?xml version="1.0" encoding="utf-8"?>
+<p:sld xmlns:a="http://schemas.openxmlformats.org/drawingml/2006/main" xmlns:r="http://schemas.openxmlformats.org/officeDocument/2006/relationships" xmlns:p="http://schemas.openxmlformats.org/presentationml/2006/main">
+  <p:cSld>
+    <p:spTree>
+      <p:nvGrpSpPr>
+        <p:cNvPr id="1" name=""/>
+        <p:cNvGrpSpPr/>
+        <p:nvPr/>
+      </p:nvGrpSpPr>
+      <p:grpSpPr>
+        <a:xfrm>
+          <a:off x="0" y="0"/>
+          <a:ext cx="0" cy="0"/>
+          <a:chOff x="0" y="0"/>
+          <a:chExt cx="0" cy="0"/>
+        </a:xfrm>
+      </p:grpSpPr>
+      <p:sp>
+        <p:nvSpPr>
+          <p:cNvPr id="4" name="标题 3"/>
+          <p:cNvSpPr>
+            <a:spLocks noGrp="1"/>
+          </p:cNvSpPr>
+          <p:nvPr>
+            <p:ph type="ctrTitle"/>
+          </p:nvPr>
+        </p:nvSpPr>
+        <p:spPr/>
+        <p:txBody>
+          <a:bodyPr>
+            <a:normAutofit/>
+          </a:bodyPr>
+          <a:lstStyle/>
+          <a:p>
+            <a:r>
+              <a:rPr lang="zh-CN" altLang="en-US" b="1" dirty="0">
+                <a:latin typeface="微软雅黑" panose="020B0503020204020204" pitchFamily="34" charset="-122"/>
+                <a:ea typeface="微软雅黑" panose="020B0503020204020204" pitchFamily="34" charset="-122"/>
+                <a:sym typeface="+mn-ea"/>
+              </a:rPr>
               <a:t>自定义指令</a:t>
             </a:r>
           </a:p>
@@ -8650,7 +9976,7 @@
 </p:sld>
 </file>
 
-<file path=ppt/slides/slide22.xml><?xml version="1.0" encoding="utf-8"?>
+<file path=ppt/slides/slide29.xml><?xml version="1.0" encoding="utf-8"?>
 <p:sld xmlns:a="http://schemas.openxmlformats.org/drawingml/2006/main" xmlns:r="http://schemas.openxmlformats.org/officeDocument/2006/relationships" xmlns:p="http://schemas.openxmlformats.org/presentationml/2006/main">
   <p:cSld>
     <p:spTree>
@@ -8935,7 +10261,281 @@
 </p:sld>
 </file>
 
-<file path=ppt/slides/slide23.xml><?xml version="1.0" encoding="utf-8"?>
+<file path=ppt/slides/slide3.xml><?xml version="1.0" encoding="utf-8"?>
+<p:sld xmlns:a="http://schemas.openxmlformats.org/drawingml/2006/main" xmlns:r="http://schemas.openxmlformats.org/officeDocument/2006/relationships" xmlns:p="http://schemas.openxmlformats.org/presentationml/2006/main">
+  <p:cSld>
+    <p:spTree>
+      <p:nvGrpSpPr>
+        <p:cNvPr id="1" name=""/>
+        <p:cNvGrpSpPr/>
+        <p:nvPr/>
+      </p:nvGrpSpPr>
+      <p:grpSpPr>
+        <a:xfrm>
+          <a:off x="0" y="0"/>
+          <a:ext cx="0" cy="0"/>
+          <a:chOff x="0" y="0"/>
+          <a:chExt cx="0" cy="0"/>
+        </a:xfrm>
+      </p:grpSpPr>
+      <p:sp>
+        <p:nvSpPr>
+          <p:cNvPr id="4" name="标题 3"/>
+          <p:cNvSpPr>
+            <a:spLocks noGrp="1"/>
+          </p:cNvSpPr>
+          <p:nvPr>
+            <p:ph type="ctrTitle"/>
+          </p:nvPr>
+        </p:nvSpPr>
+        <p:spPr/>
+        <p:txBody>
+          <a:bodyPr>
+            <a:normAutofit/>
+          </a:bodyPr>
+          <a:lstStyle/>
+          <a:p>
+            <a:r>
+              <a:rPr lang="zh-CN" altLang="en-US" dirty="0">
+                <a:sym typeface="+mn-ea"/>
+              </a:rPr>
+              <a:t>什么是</a:t>
+            </a:r>
+            <a:r>
+              <a:rPr lang="en-US" altLang="zh-CN" dirty="0">
+                <a:sym typeface="+mn-ea"/>
+              </a:rPr>
+              <a:t>Vue.js</a:t>
+            </a:r>
+          </a:p>
+        </p:txBody>
+      </p:sp>
+      <p:sp>
+        <p:nvSpPr>
+          <p:cNvPr id="5" name="副标题 4"/>
+          <p:cNvSpPr>
+            <a:spLocks noGrp="1"/>
+          </p:cNvSpPr>
+          <p:nvPr>
+            <p:ph type="subTitle" idx="1"/>
+          </p:nvPr>
+        </p:nvSpPr>
+        <p:spPr/>
+        <p:txBody>
+          <a:bodyPr>
+            <a:normAutofit fontScale="92500" lnSpcReduction="20000"/>
+          </a:bodyPr>
+          <a:lstStyle/>
+          <a:p>
+            <a:pPr>
+              <a:lnSpc>
+                <a:spcPct val="130000"/>
+              </a:lnSpc>
+            </a:pPr>
+            <a:r>
+              <a:rPr lang="zh-CN" altLang="en-US" sz="3600" dirty="0">
+                <a:sym typeface="+mn-ea"/>
+              </a:rPr>
+              <a:t>基础：</a:t>
+            </a:r>
+            <a:r>
+              <a:rPr lang="en-US" altLang="zh-CN" sz="3600" dirty="0">
+                <a:sym typeface="+mn-ea"/>
+              </a:rPr>
+              <a:t>HTML5</a:t>
+            </a:r>
+            <a:r>
+              <a:rPr lang="zh-CN" altLang="en-US" sz="3600" dirty="0">
+                <a:sym typeface="+mn-ea"/>
+              </a:rPr>
+              <a:t>、</a:t>
+            </a:r>
+            <a:r>
+              <a:rPr lang="en-US" altLang="zh-CN" sz="3600" dirty="0">
+                <a:sym typeface="+mn-ea"/>
+              </a:rPr>
+              <a:t>CSS</a:t>
+            </a:r>
+            <a:r>
+              <a:rPr lang="zh-CN" altLang="en-US" sz="3600" dirty="0">
+                <a:sym typeface="+mn-ea"/>
+              </a:rPr>
+              <a:t>、</a:t>
+            </a:r>
+            <a:r>
+              <a:rPr lang="en-US" altLang="zh-CN" sz="3600" dirty="0">
+                <a:sym typeface="+mn-ea"/>
+              </a:rPr>
+              <a:t>JavaScript</a:t>
+            </a:r>
+          </a:p>
+          <a:p>
+            <a:pPr>
+              <a:lnSpc>
+                <a:spcPct val="130000"/>
+              </a:lnSpc>
+            </a:pPr>
+            <a:r>
+              <a:rPr lang="en-US" altLang="zh-CN" sz="3600" dirty="0">
+                <a:sym typeface="+mn-ea"/>
+              </a:rPr>
+              <a:t>Vue.js</a:t>
+            </a:r>
+            <a:r>
+              <a:rPr lang="zh-CN" altLang="en-US" dirty="0"/>
+              <a:t>（读音 </a:t>
+            </a:r>
+            <a:r>
+              <a:rPr lang="en-US" altLang="zh-CN" dirty="0"/>
+              <a:t>/</a:t>
+            </a:r>
+            <a:r>
+              <a:rPr lang="en-US" altLang="zh-CN" dirty="0" err="1"/>
+              <a:t>vju</a:t>
+            </a:r>
+            <a:r>
+              <a:rPr lang="en-US" altLang="zh-CN" dirty="0"/>
+              <a:t>ː/</a:t>
+            </a:r>
+            <a:r>
+              <a:rPr lang="zh-CN" altLang="en-US" dirty="0"/>
+              <a:t>，类似于 </a:t>
+            </a:r>
+            <a:r>
+              <a:rPr lang="en-US" altLang="zh-CN" b="1" dirty="0"/>
+              <a:t>view</a:t>
+            </a:r>
+            <a:r>
+              <a:rPr lang="zh-CN" altLang="en-US" dirty="0"/>
+              <a:t>）</a:t>
+            </a:r>
+            <a:endParaRPr lang="en-US" altLang="zh-CN" dirty="0"/>
+          </a:p>
+          <a:p>
+            <a:pPr>
+              <a:lnSpc>
+                <a:spcPct val="130000"/>
+              </a:lnSpc>
+            </a:pPr>
+            <a:r>
+              <a:rPr lang="zh-CN" altLang="en-US" sz="3600" dirty="0">
+                <a:sym typeface="+mn-ea"/>
+              </a:rPr>
+              <a:t>渐进式</a:t>
+            </a:r>
+            <a:r>
+              <a:rPr lang="en-US" altLang="zh-CN" sz="3600" dirty="0">
+                <a:sym typeface="+mn-ea"/>
+              </a:rPr>
+              <a:t>JavaScript</a:t>
+            </a:r>
+            <a:r>
+              <a:rPr lang="zh-CN" altLang="en-US" sz="3600" dirty="0">
+                <a:sym typeface="+mn-ea"/>
+              </a:rPr>
+              <a:t>框架</a:t>
+            </a:r>
+            <a:endParaRPr lang="en-US" altLang="zh-CN" sz="3600" dirty="0">
+              <a:sym typeface="+mn-ea"/>
+            </a:endParaRPr>
+          </a:p>
+          <a:p>
+            <a:pPr>
+              <a:lnSpc>
+                <a:spcPct val="130000"/>
+              </a:lnSpc>
+            </a:pPr>
+            <a:r>
+              <a:rPr lang="zh-CN" altLang="en-US" sz="3600" dirty="0">
+                <a:sym typeface="+mn-ea"/>
+              </a:rPr>
+              <a:t>Vue</a:t>
+            </a:r>
+            <a:r>
+              <a:rPr lang="zh-CN" altLang="en-US" dirty="0"/>
+              <a:t>的核心库只关注视图层，它不仅易于上手，还便于与第三方库或既有项目整合。</a:t>
+            </a:r>
+            <a:endParaRPr lang="zh-CN" altLang="en-US" sz="3600" dirty="0">
+              <a:sym typeface="+mn-ea"/>
+            </a:endParaRPr>
+          </a:p>
+          <a:p>
+            <a:pPr marL="285750" lvl="0" indent="-285750">
+              <a:lnSpc>
+                <a:spcPct val="100000"/>
+              </a:lnSpc>
+              <a:spcBef>
+                <a:spcPct val="0"/>
+              </a:spcBef>
+              <a:buFont typeface="Wingdings" panose="05000000000000000000" pitchFamily="2" charset="2"/>
+              <a:buChar char="Ø"/>
+            </a:pPr>
+            <a:r>
+              <a:rPr lang="zh-CN" altLang="en-US" dirty="0"/>
+              <a:t>当与</a:t>
+            </a:r>
+            <a:r>
+              <a:rPr lang="zh-CN" altLang="en-US" dirty="0">
+                <a:hlinkClick r:id="rId2"/>
+              </a:rPr>
+              <a:t>单文件组件</a:t>
+            </a:r>
+            <a:r>
+              <a:rPr lang="zh-CN" altLang="en-US" dirty="0"/>
+              <a:t>和 </a:t>
+            </a:r>
+            <a:r>
+              <a:rPr lang="en-US" altLang="zh-CN" dirty="0" err="1">
+                <a:hlinkClick r:id="rId3"/>
+              </a:rPr>
+              <a:t>Vue</a:t>
+            </a:r>
+            <a:r>
+              <a:rPr lang="en-US" altLang="zh-CN" dirty="0">
+                <a:hlinkClick r:id="rId3"/>
+              </a:rPr>
+              <a:t> </a:t>
+            </a:r>
+            <a:r>
+              <a:rPr lang="zh-CN" altLang="en-US" dirty="0">
+                <a:hlinkClick r:id="rId3"/>
+              </a:rPr>
+              <a:t>生态系统支持的库</a:t>
+            </a:r>
+            <a:r>
+              <a:rPr lang="zh-CN" altLang="en-US" dirty="0"/>
+              <a:t>结合使用时，</a:t>
+            </a:r>
+            <a:r>
+              <a:rPr lang="en-US" altLang="zh-CN" dirty="0" err="1"/>
+              <a:t>Vue</a:t>
+            </a:r>
+            <a:r>
+              <a:rPr lang="en-US" altLang="zh-CN" dirty="0"/>
+              <a:t> </a:t>
+            </a:r>
+            <a:r>
+              <a:rPr lang="zh-CN" altLang="en-US" dirty="0"/>
+              <a:t>也完全能够为复杂的单页应用程序提供驱动。</a:t>
+            </a:r>
+            <a:endParaRPr lang="zh-CN" altLang="en-US" sz="3600" dirty="0">
+              <a:sym typeface="+mn-ea"/>
+            </a:endParaRPr>
+          </a:p>
+        </p:txBody>
+      </p:sp>
+    </p:spTree>
+  </p:cSld>
+  <p:clrMapOvr>
+    <a:masterClrMapping/>
+  </p:clrMapOvr>
+  <p:transition>
+    <p:wipe dir="r"/>
+  </p:transition>
+</p:sld>
+</file>
+
+<file path=ppt/slides/slide30.xml><?xml version="1.0" encoding="utf-8"?>
 <p:sld xmlns:a="http://schemas.openxmlformats.org/drawingml/2006/main" xmlns:r="http://schemas.openxmlformats.org/officeDocument/2006/relationships" xmlns:p="http://schemas.openxmlformats.org/presentationml/2006/main">
   <p:cSld>
     <p:spTree>
@@ -8957,7 +10557,7 @@
           <p:cNvPr id="2" name="标题 1">
             <a:extLst>
               <a:ext uri="{FF2B5EF4-FFF2-40B4-BE49-F238E27FC236}">
-                <a16:creationId xmlns="" xmlns:a16="http://schemas.microsoft.com/office/drawing/2014/main" id="{A957232D-E516-428B-9286-9A42CDF65A66}"/>
+                <a16:creationId xmlns:a16="http://schemas.microsoft.com/office/drawing/2014/main" id="{A957232D-E516-428B-9286-9A42CDF65A66}"/>
               </a:ext>
             </a:extLst>
           </p:cNvPr>
@@ -9098,7 +10698,7 @@
 </p:sld>
 </file>
 
-<file path=ppt/slides/slide24.xml><?xml version="1.0" encoding="utf-8"?>
+<file path=ppt/slides/slide31.xml><?xml version="1.0" encoding="utf-8"?>
 <p:sld xmlns:a="http://schemas.openxmlformats.org/drawingml/2006/main" xmlns:r="http://schemas.openxmlformats.org/officeDocument/2006/relationships" xmlns:p="http://schemas.openxmlformats.org/presentationml/2006/main">
   <p:cSld>
     <p:spTree>
@@ -10880,7 +12480,319 @@
 </p:sld>
 </file>
 
-<file path=ppt/slides/slide3.xml><?xml version="1.0" encoding="utf-8"?>
+<file path=ppt/slides/slide4.xml><?xml version="1.0" encoding="utf-8"?>
+<p:sld xmlns:a="http://schemas.openxmlformats.org/drawingml/2006/main" xmlns:r="http://schemas.openxmlformats.org/officeDocument/2006/relationships" xmlns:p="http://schemas.openxmlformats.org/presentationml/2006/main">
+  <p:cSld>
+    <p:spTree>
+      <p:nvGrpSpPr>
+        <p:cNvPr id="1" name=""/>
+        <p:cNvGrpSpPr/>
+        <p:nvPr/>
+      </p:nvGrpSpPr>
+      <p:grpSpPr>
+        <a:xfrm>
+          <a:off x="0" y="0"/>
+          <a:ext cx="0" cy="0"/>
+          <a:chOff x="0" y="0"/>
+          <a:chExt cx="0" cy="0"/>
+        </a:xfrm>
+      </p:grpSpPr>
+      <p:sp>
+        <p:nvSpPr>
+          <p:cNvPr id="2" name="标题 1"/>
+          <p:cNvSpPr>
+            <a:spLocks noGrp="1"/>
+          </p:cNvSpPr>
+          <p:nvPr>
+            <p:ph type="ctrTitle"/>
+          </p:nvPr>
+        </p:nvSpPr>
+        <p:spPr/>
+        <p:txBody>
+          <a:bodyPr/>
+          <a:lstStyle/>
+          <a:p>
+            <a:r>
+              <a:rPr lang="zh-CN" altLang="en-US" dirty="0">
+                <a:sym typeface="+mn-ea"/>
+              </a:rPr>
+              <a:t>渐进式</a:t>
+            </a:r>
+            <a:endParaRPr lang="zh-CN" altLang="en-US" dirty="0"/>
+          </a:p>
+        </p:txBody>
+      </p:sp>
+      <p:sp>
+        <p:nvSpPr>
+          <p:cNvPr id="3" name="副标题 2"/>
+          <p:cNvSpPr>
+            <a:spLocks noGrp="1"/>
+          </p:cNvSpPr>
+          <p:nvPr>
+            <p:ph type="subTitle" idx="1"/>
+          </p:nvPr>
+        </p:nvSpPr>
+        <p:spPr/>
+        <p:txBody>
+          <a:bodyPr>
+            <a:normAutofit fontScale="77500" lnSpcReduction="20000"/>
+          </a:bodyPr>
+          <a:lstStyle/>
+          <a:p>
+            <a:pPr marL="0" indent="0">
+              <a:buNone/>
+            </a:pPr>
+            <a:r>
+              <a:rPr lang="zh-CN" altLang="en-US" dirty="0"/>
+              <a:t>根据项目需求，选择不同的维度去使用它</a:t>
+            </a:r>
+            <a:endParaRPr lang="en-US" altLang="zh-CN" dirty="0"/>
+          </a:p>
+          <a:p>
+            <a:pPr marL="742950" indent="-742950">
+              <a:buFont typeface="+mj-lt"/>
+              <a:buAutoNum type="arabicPeriod"/>
+            </a:pPr>
+            <a:r>
+              <a:rPr lang="zh-CN" altLang="en-US" dirty="0"/>
+              <a:t>利用</a:t>
+            </a:r>
+            <a:r>
+              <a:rPr lang="en-US" altLang="zh-CN" dirty="0" err="1"/>
+              <a:t>vue</a:t>
+            </a:r>
+            <a:r>
+              <a:rPr lang="zh-CN" altLang="en-US" dirty="0"/>
+              <a:t>去构建视图层，做一些表单提交、验证</a:t>
+            </a:r>
+            <a:endParaRPr lang="en-US" altLang="zh-CN" dirty="0"/>
+          </a:p>
+          <a:p>
+            <a:pPr marL="742950" indent="-742950">
+              <a:buFont typeface="+mj-lt"/>
+              <a:buAutoNum type="arabicPeriod"/>
+            </a:pPr>
+            <a:r>
+              <a:rPr lang="zh-CN" altLang="en-US" dirty="0"/>
+              <a:t>前后端分离，开始尝试单页面应用，开始了解</a:t>
+            </a:r>
+            <a:r>
+              <a:rPr lang="en-US" altLang="zh-CN" dirty="0"/>
+              <a:t>webpack</a:t>
+            </a:r>
+            <a:r>
+              <a:rPr lang="zh-CN" altLang="en-US" dirty="0"/>
+              <a:t>、</a:t>
+            </a:r>
+            <a:r>
+              <a:rPr lang="en-US" altLang="zh-CN" dirty="0" err="1"/>
+              <a:t>vue</a:t>
+            </a:r>
+            <a:r>
+              <a:rPr lang="en-US" altLang="zh-CN" dirty="0"/>
+              <a:t>-router</a:t>
+            </a:r>
+            <a:r>
+              <a:rPr lang="zh-CN" altLang="en-US" dirty="0"/>
+              <a:t>、提取组件</a:t>
+            </a:r>
+            <a:endParaRPr lang="en-US" altLang="zh-CN" dirty="0"/>
+          </a:p>
+          <a:p>
+            <a:pPr marL="742950" indent="-742950">
+              <a:buFont typeface="+mj-lt"/>
+              <a:buAutoNum type="arabicPeriod"/>
+            </a:pPr>
+            <a:r>
+              <a:rPr lang="zh-CN" altLang="en-US" dirty="0"/>
+              <a:t>大量的数据在组件之间交互频繁，然后你就会发现，</a:t>
+            </a:r>
+            <a:r>
+              <a:rPr lang="en-US" altLang="zh-CN" dirty="0" err="1"/>
+              <a:t>vuex</a:t>
+            </a:r>
+            <a:r>
+              <a:rPr lang="zh-CN" altLang="en-US" dirty="0"/>
+              <a:t>在组件间处理数据得心应手</a:t>
+            </a:r>
+            <a:endParaRPr lang="en-US" altLang="zh-CN" dirty="0"/>
+          </a:p>
+          <a:p>
+            <a:pPr marL="742950" indent="-742950">
+              <a:buFont typeface="+mj-lt"/>
+              <a:buAutoNum type="arabicPeriod"/>
+            </a:pPr>
+            <a:r>
+              <a:rPr lang="zh-CN" altLang="en-US" dirty="0"/>
+              <a:t>底层对</a:t>
+            </a:r>
+            <a:r>
+              <a:rPr lang="en-US" altLang="zh-CN" dirty="0" err="1"/>
+              <a:t>seo</a:t>
+            </a:r>
+            <a:r>
+              <a:rPr lang="zh-CN" altLang="en-US" dirty="0"/>
+              <a:t>不好，页面加载还可以更快，这时又开始用起了</a:t>
+            </a:r>
+            <a:r>
+              <a:rPr lang="en-US" altLang="zh-CN" dirty="0"/>
+              <a:t>SSR</a:t>
+            </a:r>
+          </a:p>
+          <a:p>
+            <a:pPr marL="742950" indent="-742950">
+              <a:buFont typeface="+mj-lt"/>
+              <a:buAutoNum type="arabicPeriod"/>
+            </a:pPr>
+            <a:r>
+              <a:rPr lang="zh-CN" altLang="en-US" dirty="0"/>
+              <a:t>开始针对</a:t>
+            </a:r>
+            <a:r>
+              <a:rPr lang="en-US" altLang="zh-CN" dirty="0" err="1"/>
+              <a:t>vm</a:t>
+            </a:r>
+            <a:r>
+              <a:rPr lang="zh-CN" altLang="en-US" dirty="0"/>
+              <a:t>写起单元测试、</a:t>
+            </a:r>
+            <a:r>
+              <a:rPr lang="en-US" altLang="zh-CN" dirty="0"/>
+              <a:t>UI</a:t>
+            </a:r>
+            <a:r>
+              <a:rPr lang="zh-CN" altLang="en-US" dirty="0"/>
+              <a:t>测试</a:t>
+            </a:r>
+          </a:p>
+        </p:txBody>
+      </p:sp>
+    </p:spTree>
+    <p:extLst>
+      <p:ext uri="{BB962C8B-B14F-4D97-AF65-F5344CB8AC3E}">
+        <p14:creationId xmlns:p14="http://schemas.microsoft.com/office/powerpoint/2010/main" val="2967217746"/>
+      </p:ext>
+    </p:extLst>
+  </p:cSld>
+  <p:clrMapOvr>
+    <a:masterClrMapping/>
+  </p:clrMapOvr>
+  <p:transition>
+    <p:wipe dir="r"/>
+  </p:transition>
+</p:sld>
+</file>
+
+<file path=ppt/slides/slide5.xml><?xml version="1.0" encoding="utf-8"?>
+<p:sld xmlns:a="http://schemas.openxmlformats.org/drawingml/2006/main" xmlns:r="http://schemas.openxmlformats.org/officeDocument/2006/relationships" xmlns:p="http://schemas.openxmlformats.org/presentationml/2006/main">
+  <p:cSld>
+    <p:spTree>
+      <p:nvGrpSpPr>
+        <p:cNvPr id="1" name=""/>
+        <p:cNvGrpSpPr/>
+        <p:nvPr/>
+      </p:nvGrpSpPr>
+      <p:grpSpPr>
+        <a:xfrm>
+          <a:off x="0" y="0"/>
+          <a:ext cx="0" cy="0"/>
+          <a:chOff x="0" y="0"/>
+          <a:chExt cx="0" cy="0"/>
+        </a:xfrm>
+      </p:grpSpPr>
+      <p:sp>
+        <p:nvSpPr>
+          <p:cNvPr id="2" name="标题 1"/>
+          <p:cNvSpPr>
+            <a:spLocks noGrp="1"/>
+          </p:cNvSpPr>
+          <p:nvPr>
+            <p:ph type="ctrTitle"/>
+          </p:nvPr>
+        </p:nvSpPr>
+        <p:spPr/>
+        <p:txBody>
+          <a:bodyPr/>
+          <a:lstStyle/>
+          <a:p>
+            <a:r>
+              <a:rPr lang="zh-CN" altLang="en-US" dirty="0"/>
+              <a:t>框架</a:t>
+            </a:r>
+          </a:p>
+        </p:txBody>
+      </p:sp>
+      <p:sp>
+        <p:nvSpPr>
+          <p:cNvPr id="3" name="副标题 2"/>
+          <p:cNvSpPr>
+            <a:spLocks noGrp="1"/>
+          </p:cNvSpPr>
+          <p:nvPr>
+            <p:ph type="subTitle" idx="1"/>
+          </p:nvPr>
+        </p:nvSpPr>
+        <p:spPr/>
+        <p:txBody>
+          <a:bodyPr>
+            <a:normAutofit fontScale="70000" lnSpcReduction="20000"/>
+          </a:bodyPr>
+          <a:lstStyle/>
+          <a:p>
+            <a:r>
+              <a:rPr lang="zh-CN" altLang="en-US" dirty="0"/>
+              <a:t>框架（</a:t>
+            </a:r>
+            <a:r>
+              <a:rPr lang="en-US" altLang="zh-CN" dirty="0"/>
+              <a:t>framework</a:t>
+            </a:r>
+            <a:r>
+              <a:rPr lang="zh-CN" altLang="en-US" dirty="0"/>
+              <a:t>）是一个基本概念上的结构，用于去解决或者处理复杂的问题。简单说就是使用别人搭好的舞台，你来做表演。</a:t>
+            </a:r>
+            <a:endParaRPr lang="en-US" altLang="zh-CN" dirty="0"/>
+          </a:p>
+          <a:p>
+            <a:r>
+              <a:rPr lang="zh-CN" altLang="en-US" dirty="0"/>
+              <a:t>使用成熟的框架，就相当于让别人帮你完成一些基础工作，你只需要集中精力完成系统的业务逻辑设计。框架可以处理系统很多细节问题，比如：事物处理，安全性，数据流控制等问题。</a:t>
+            </a:r>
+          </a:p>
+          <a:p>
+            <a:r>
+              <a:rPr lang="zh-CN" altLang="en-US" dirty="0"/>
+              <a:t>而且它是不断升级的，你可以直接享受别人升级代码带来的好处。 </a:t>
+            </a:r>
+          </a:p>
+          <a:p>
+            <a:r>
+              <a:rPr lang="zh-CN" altLang="en-US" dirty="0"/>
+              <a:t>框架最重要的目标是提高企业的竞争能力，包括降低成本、提高质量、改善客户满意程度，控制进度等方面。</a:t>
+            </a:r>
+          </a:p>
+          <a:p>
+            <a:endParaRPr lang="zh-CN" altLang="en-US" dirty="0"/>
+          </a:p>
+        </p:txBody>
+      </p:sp>
+    </p:spTree>
+    <p:extLst>
+      <p:ext uri="{BB962C8B-B14F-4D97-AF65-F5344CB8AC3E}">
+        <p14:creationId xmlns:p14="http://schemas.microsoft.com/office/powerpoint/2010/main" val="3972992421"/>
+      </p:ext>
+    </p:extLst>
+  </p:cSld>
+  <p:clrMapOvr>
+    <a:masterClrMapping/>
+  </p:clrMapOvr>
+  <p:transition>
+    <p:wipe dir="r"/>
+  </p:transition>
+</p:sld>
+</file>
+
+<file path=ppt/slides/slide6.xml><?xml version="1.0" encoding="utf-8"?>
 <p:sld xmlns:a="http://schemas.openxmlformats.org/drawingml/2006/main" xmlns:r="http://schemas.openxmlformats.org/officeDocument/2006/relationships" xmlns:p="http://schemas.openxmlformats.org/presentationml/2006/main">
   <p:cSld>
     <p:spTree>
@@ -10915,223 +12827,52 @@
           <a:lstStyle/>
           <a:p>
             <a:r>
-              <a:rPr lang="zh-CN" altLang="en-US" dirty="0">
+              <a:rPr lang="en-US" altLang="zh-CN" b="1" dirty="0">
+                <a:latin typeface="微软雅黑" panose="020B0503020204020204" pitchFamily="34" charset="-122"/>
+                <a:ea typeface="微软雅黑" panose="020B0503020204020204" pitchFamily="34" charset="-122"/>
                 <a:sym typeface="+mn-ea"/>
               </a:rPr>
-              <a:t>什么是</a:t>
-            </a:r>
-            <a:r>
-              <a:rPr lang="en-US" altLang="zh-CN" dirty="0">
-                <a:sym typeface="+mn-ea"/>
-              </a:rPr>
-              <a:t>Vue.js</a:t>
+              <a:t>MVVM</a:t>
             </a:r>
           </a:p>
         </p:txBody>
       </p:sp>
-      <p:sp>
-        <p:nvSpPr>
-          <p:cNvPr id="5" name="副标题 4"/>
-          <p:cNvSpPr>
-            <a:spLocks noGrp="1"/>
-          </p:cNvSpPr>
-          <p:nvPr>
-            <p:ph type="subTitle" idx="1"/>
-          </p:nvPr>
-        </p:nvSpPr>
-        <p:spPr/>
-        <p:txBody>
-          <a:bodyPr>
-            <a:normAutofit lnSpcReduction="10000"/>
-          </a:bodyPr>
-          <a:lstStyle/>
-          <a:p>
-            <a:pPr>
-              <a:lnSpc>
-                <a:spcPct val="130000"/>
-              </a:lnSpc>
-            </a:pPr>
-            <a:r>
-              <a:rPr lang="zh-CN" altLang="en-US" sz="3600" dirty="0">
-                <a:sym typeface="+mn-ea"/>
-              </a:rPr>
-              <a:t>基础：</a:t>
-            </a:r>
-            <a:r>
-              <a:rPr lang="en-US" altLang="zh-CN" sz="3600" dirty="0">
-                <a:sym typeface="+mn-ea"/>
-              </a:rPr>
-              <a:t>HTML5</a:t>
-            </a:r>
-            <a:r>
-              <a:rPr lang="zh-CN" altLang="en-US" sz="3600" dirty="0">
-                <a:sym typeface="+mn-ea"/>
-              </a:rPr>
-              <a:t>、</a:t>
-            </a:r>
-            <a:r>
-              <a:rPr lang="en-US" altLang="zh-CN" sz="3600" dirty="0">
-                <a:sym typeface="+mn-ea"/>
-              </a:rPr>
-              <a:t>CSS</a:t>
-            </a:r>
-            <a:r>
-              <a:rPr lang="zh-CN" altLang="en-US" sz="3600" dirty="0">
-                <a:sym typeface="+mn-ea"/>
-              </a:rPr>
-              <a:t>、</a:t>
-            </a:r>
-            <a:r>
-              <a:rPr lang="en-US" altLang="zh-CN" sz="3600" dirty="0">
-                <a:sym typeface="+mn-ea"/>
-              </a:rPr>
-              <a:t>JavaScript</a:t>
-            </a:r>
-          </a:p>
-          <a:p>
-            <a:pPr>
-              <a:lnSpc>
-                <a:spcPct val="130000"/>
-              </a:lnSpc>
-            </a:pPr>
-            <a:r>
-              <a:rPr lang="en-US" altLang="zh-CN" sz="3600" dirty="0">
-                <a:sym typeface="+mn-ea"/>
-              </a:rPr>
-              <a:t>Vue.js</a:t>
-            </a:r>
-            <a:r>
-              <a:rPr lang="zh-CN" altLang="en-US" dirty="0"/>
-              <a:t>（读音 </a:t>
-            </a:r>
-            <a:r>
-              <a:rPr lang="en-US" altLang="zh-CN" dirty="0"/>
-              <a:t>/</a:t>
-            </a:r>
-            <a:r>
-              <a:rPr lang="en-US" altLang="zh-CN" dirty="0" err="1"/>
-              <a:t>vju</a:t>
-            </a:r>
-            <a:r>
-              <a:rPr lang="en-US" altLang="zh-CN" dirty="0"/>
-              <a:t>ː/</a:t>
-            </a:r>
-            <a:r>
-              <a:rPr lang="zh-CN" altLang="en-US" dirty="0"/>
-              <a:t>，类似于 </a:t>
-            </a:r>
-            <a:r>
-              <a:rPr lang="en-US" altLang="zh-CN" b="1" dirty="0"/>
-              <a:t>view</a:t>
-            </a:r>
-            <a:r>
-              <a:rPr lang="zh-CN" altLang="en-US" dirty="0"/>
-              <a:t>）</a:t>
-            </a:r>
-            <a:r>
-              <a:rPr lang="en-US" altLang="zh-CN" sz="3600" dirty="0" err="1">
-                <a:sym typeface="+mn-ea"/>
-              </a:rPr>
-              <a:t>是一套构建用户界面的渐进式javascript框架</a:t>
-            </a:r>
-            <a:r>
-              <a:rPr lang="en-US" altLang="zh-CN" sz="3600" dirty="0">
-                <a:sym typeface="+mn-ea"/>
-              </a:rPr>
-              <a:t>。</a:t>
-            </a:r>
-          </a:p>
-          <a:p>
-            <a:pPr marL="285750" lvl="0" indent="-285750">
-              <a:lnSpc>
-                <a:spcPct val="100000"/>
-              </a:lnSpc>
-              <a:spcBef>
-                <a:spcPct val="0"/>
-              </a:spcBef>
-              <a:buFont typeface="Wingdings" panose="05000000000000000000" pitchFamily="2" charset="2"/>
-              <a:buChar char="Ø"/>
-            </a:pPr>
-            <a:r>
-              <a:rPr lang="zh-CN" altLang="en-US" sz="3600" dirty="0">
-                <a:sym typeface="+mn-ea"/>
-              </a:rPr>
-              <a:t>Vue</a:t>
-            </a:r>
-            <a:r>
-              <a:rPr lang="zh-CN" altLang="en-US" dirty="0"/>
-              <a:t>的核心库只关注视图层，它不仅易于上手，还便于与第三方库或既有项目整合。</a:t>
-            </a:r>
-            <a:endParaRPr lang="zh-CN" altLang="en-US" sz="3600" dirty="0">
-              <a:sym typeface="+mn-ea"/>
-            </a:endParaRPr>
-          </a:p>
-          <a:p>
-            <a:pPr marL="285750" lvl="0" indent="-285750">
-              <a:lnSpc>
-                <a:spcPct val="100000"/>
-              </a:lnSpc>
-              <a:spcBef>
-                <a:spcPct val="0"/>
-              </a:spcBef>
-              <a:buFont typeface="Wingdings" panose="05000000000000000000" pitchFamily="2" charset="2"/>
-              <a:buChar char="Ø"/>
-            </a:pPr>
-            <a:r>
-              <a:rPr lang="zh-CN" altLang="en-US" dirty="0"/>
-              <a:t>当与</a:t>
-            </a:r>
-            <a:r>
-              <a:rPr lang="zh-CN" altLang="en-US" dirty="0">
-                <a:hlinkClick r:id="rId2"/>
-              </a:rPr>
-              <a:t>单文件组件</a:t>
-            </a:r>
-            <a:r>
-              <a:rPr lang="zh-CN" altLang="en-US" dirty="0"/>
-              <a:t>和 </a:t>
-            </a:r>
-            <a:r>
-              <a:rPr lang="en-US" altLang="zh-CN" dirty="0" err="1">
-                <a:hlinkClick r:id="rId3"/>
-              </a:rPr>
-              <a:t>Vue</a:t>
-            </a:r>
-            <a:r>
-              <a:rPr lang="en-US" altLang="zh-CN" dirty="0">
-                <a:hlinkClick r:id="rId3"/>
-              </a:rPr>
-              <a:t> </a:t>
-            </a:r>
-            <a:r>
-              <a:rPr lang="zh-CN" altLang="en-US" dirty="0">
-                <a:hlinkClick r:id="rId3"/>
-              </a:rPr>
-              <a:t>生态系统支持的库</a:t>
-            </a:r>
-            <a:r>
-              <a:rPr lang="zh-CN" altLang="en-US" dirty="0"/>
-              <a:t>结合使用时，</a:t>
-            </a:r>
-            <a:r>
-              <a:rPr lang="en-US" altLang="zh-CN" dirty="0" err="1"/>
-              <a:t>Vue</a:t>
-            </a:r>
-            <a:r>
-              <a:rPr lang="en-US" altLang="zh-CN" dirty="0"/>
-              <a:t> </a:t>
-            </a:r>
-            <a:r>
-              <a:rPr lang="zh-CN" altLang="en-US" dirty="0"/>
-              <a:t>也完全能够为复杂的单页应用程序提供驱动。</a:t>
-            </a:r>
-            <a:endParaRPr lang="zh-CN" altLang="en-US" sz="3600" dirty="0">
-              <a:sym typeface="+mn-ea"/>
-            </a:endParaRPr>
-          </a:p>
-        </p:txBody>
-      </p:sp>
+      <p:pic>
+        <p:nvPicPr>
+          <p:cNvPr id="2" name="图片 1">
+            <a:extLst>
+              <a:ext uri="{FF2B5EF4-FFF2-40B4-BE49-F238E27FC236}">
+                <a16:creationId xmlns:a16="http://schemas.microsoft.com/office/drawing/2014/main" id="{6CA06BA2-F13E-4AF1-9F78-5D88C4C11480}"/>
+              </a:ext>
+            </a:extLst>
+          </p:cNvPr>
+          <p:cNvPicPr>
+            <a:picLocks noChangeAspect="1"/>
+          </p:cNvPicPr>
+          <p:nvPr/>
+        </p:nvPicPr>
+        <p:blipFill>
+          <a:blip r:embed="rId2"/>
+          <a:stretch>
+            <a:fillRect/>
+          </a:stretch>
+        </p:blipFill>
+        <p:spPr>
+          <a:xfrm>
+            <a:off x="1984653" y="1409525"/>
+            <a:ext cx="8222693" cy="4038950"/>
+          </a:xfrm>
+          <a:prstGeom prst="rect">
+            <a:avLst/>
+          </a:prstGeom>
+        </p:spPr>
+      </p:pic>
     </p:spTree>
+    <p:extLst>
+      <p:ext uri="{BB962C8B-B14F-4D97-AF65-F5344CB8AC3E}">
+        <p14:creationId xmlns:p14="http://schemas.microsoft.com/office/powerpoint/2010/main" val="1632471299"/>
+      </p:ext>
+    </p:extLst>
   </p:cSld>
   <p:clrMapOvr>
     <a:masterClrMapping/>
@@ -11142,7 +12883,7 @@
 </p:sld>
 </file>
 
-<file path=ppt/slides/slide4.xml><?xml version="1.0" encoding="utf-8"?>
+<file path=ppt/slides/slide7.xml><?xml version="1.0" encoding="utf-8"?>
 <p:sld xmlns:a="http://schemas.openxmlformats.org/drawingml/2006/main" xmlns:r="http://schemas.openxmlformats.org/officeDocument/2006/relationships" xmlns:p="http://schemas.openxmlformats.org/presentationml/2006/main">
   <p:cSld>
     <p:spTree>
@@ -11177,23 +12918,20 @@
           <a:lstStyle/>
           <a:p>
             <a:r>
-              <a:rPr lang="en-US" altLang="zh-CN" b="1" dirty="0" err="1" smtClean="0">
-                <a:latin typeface="微软雅黑" panose="020B0503020204020204" pitchFamily="34" charset="-122"/>
-                <a:ea typeface="微软雅黑" panose="020B0503020204020204" pitchFamily="34" charset="-122"/>
+              <a:rPr lang="en-US" altLang="zh-CN" dirty="0">
                 <a:sym typeface="+mn-ea"/>
               </a:rPr>
-              <a:t>Vue</a:t>
+              <a:t>MVVM</a:t>
             </a:r>
             <a:r>
               <a:rPr lang="zh-CN" altLang="en-US" dirty="0">
                 <a:sym typeface="+mn-ea"/>
               </a:rPr>
-              <a:t>兼容性</a:t>
-            </a:r>
-            <a:endParaRPr lang="zh-CN" altLang="en-US" b="1" dirty="0">
+              <a:t>关键点</a:t>
+            </a:r>
+            <a:endParaRPr lang="zh-CN" altLang="en-US" dirty="0">
               <a:latin typeface="微软雅黑" panose="020B0503020204020204" pitchFamily="34" charset="-122"/>
               <a:ea typeface="微软雅黑" panose="020B0503020204020204" pitchFamily="34" charset="-122"/>
-              <a:sym typeface="+mn-ea"/>
             </a:endParaRPr>
           </a:p>
         </p:txBody>
@@ -11215,62 +12953,92 @@
           </a:bodyPr>
           <a:lstStyle/>
           <a:p>
-            <a:pPr>
-              <a:lnSpc>
-                <a:spcPct val="130000"/>
-              </a:lnSpc>
-            </a:pPr>
-            <a:r>
-              <a:rPr lang="en-US" altLang="zh-CN" dirty="0" smtClean="0"/>
-              <a:t>Vue.js </a:t>
-            </a:r>
-            <a:r>
-              <a:rPr lang="zh-CN" altLang="en-US" dirty="0"/>
-              <a:t>不支持 </a:t>
-            </a:r>
-            <a:r>
-              <a:rPr lang="en-US" altLang="zh-CN" dirty="0"/>
-              <a:t>IE8 </a:t>
-            </a:r>
-            <a:r>
-              <a:rPr lang="zh-CN" altLang="en-US" dirty="0"/>
-              <a:t>及其以下版本，因为 </a:t>
-            </a:r>
-            <a:r>
-              <a:rPr lang="en-US" altLang="zh-CN" dirty="0"/>
-              <a:t>Vue.js </a:t>
-            </a:r>
-            <a:r>
-              <a:rPr lang="zh-CN" altLang="en-US" dirty="0"/>
-              <a:t>使用了 </a:t>
-            </a:r>
-            <a:r>
-              <a:rPr lang="en-US" altLang="zh-CN" dirty="0"/>
-              <a:t>IE8 </a:t>
-            </a:r>
-            <a:r>
-              <a:rPr lang="zh-CN" altLang="en-US" dirty="0"/>
-              <a:t>不能模拟的 </a:t>
-            </a:r>
-            <a:r>
-              <a:rPr lang="en-US" altLang="zh-CN" dirty="0"/>
-              <a:t>ECMAScript 5 </a:t>
-            </a:r>
-            <a:r>
-              <a:rPr lang="zh-CN" altLang="en-US" dirty="0"/>
-              <a:t>特性。</a:t>
-            </a:r>
-            <a:endParaRPr lang="zh-CN" altLang="en-US" sz="3600" dirty="0">
-              <a:latin typeface="微软雅黑" panose="020B0503020204020204" pitchFamily="34" charset="-122"/>
-              <a:ea typeface="微软雅黑" panose="020B0503020204020204" pitchFamily="34" charset="-122"/>
-            </a:endParaRPr>
+            <a:r>
+              <a:rPr lang="zh-CN" altLang="en-US" sz="3600" dirty="0"/>
+              <a:t>Model-View-ViewModel</a:t>
+            </a:r>
+          </a:p>
+          <a:p>
+            <a:r>
+              <a:rPr lang="zh-CN" altLang="en-US" sz="3600" dirty="0"/>
+              <a:t>当</a:t>
+            </a:r>
+            <a:r>
+              <a:rPr lang="en-US" altLang="zh-CN" sz="3600" dirty="0"/>
+              <a:t>View(</a:t>
+            </a:r>
+            <a:r>
+              <a:rPr lang="zh-CN" altLang="en-US" sz="3600" dirty="0"/>
+              <a:t>视图层</a:t>
+            </a:r>
+            <a:r>
+              <a:rPr lang="en-US" altLang="zh-CN" sz="3600" dirty="0"/>
+              <a:t>)</a:t>
+            </a:r>
+            <a:r>
+              <a:rPr lang="zh-CN" altLang="en-US" sz="3600" dirty="0"/>
+              <a:t>变化时，会自动更新到</a:t>
+            </a:r>
+            <a:r>
+              <a:rPr lang="en-US" altLang="zh-CN" sz="3600" dirty="0" err="1"/>
+              <a:t>ViewModel</a:t>
+            </a:r>
+            <a:r>
+              <a:rPr lang="en-US" altLang="zh-CN" sz="3600" dirty="0"/>
+              <a:t>(</a:t>
+            </a:r>
+            <a:r>
+              <a:rPr lang="zh-CN" altLang="en-US" sz="3600" dirty="0"/>
+              <a:t>视图模型</a:t>
+            </a:r>
+            <a:r>
+              <a:rPr lang="en-US" altLang="zh-CN" sz="3600" dirty="0"/>
+              <a:t>),</a:t>
+            </a:r>
+            <a:r>
+              <a:rPr lang="zh-CN" altLang="en-US" sz="3600" dirty="0"/>
+              <a:t>反之亦然。</a:t>
+            </a:r>
+            <a:endParaRPr lang="en-US" altLang="zh-CN" sz="3600" dirty="0"/>
+          </a:p>
+          <a:p>
+            <a:r>
+              <a:rPr lang="en-US" altLang="zh-CN" sz="3600" dirty="0"/>
+              <a:t>View</a:t>
+            </a:r>
+            <a:r>
+              <a:rPr lang="zh-CN" altLang="en-US" sz="3600" dirty="0"/>
+              <a:t>和</a:t>
+            </a:r>
+            <a:r>
+              <a:rPr lang="en-US" altLang="zh-CN" sz="3600" dirty="0" err="1"/>
+              <a:t>ViewModel</a:t>
+            </a:r>
+            <a:r>
+              <a:rPr lang="zh-CN" altLang="en-US" sz="3600" dirty="0"/>
+              <a:t>之间通过双向绑定（</a:t>
+            </a:r>
+            <a:r>
+              <a:rPr lang="en-US" altLang="zh-CN" sz="3600" dirty="0"/>
+              <a:t>data-binding</a:t>
+            </a:r>
+            <a:r>
+              <a:rPr lang="zh-CN" altLang="en-US" sz="3600" dirty="0"/>
+              <a:t>）建立联系</a:t>
+            </a:r>
+          </a:p>
+          <a:p>
+            <a:r>
+              <a:rPr lang="zh-CN" altLang="en-US" sz="3600" dirty="0"/>
+              <a:t>View持有ViewModel的引用，但是ViewModel没有任何View的信息</a:t>
+            </a:r>
           </a:p>
         </p:txBody>
       </p:sp>
     </p:spTree>
     <p:extLst>
       <p:ext uri="{BB962C8B-B14F-4D97-AF65-F5344CB8AC3E}">
-        <p14:creationId xmlns:p14="http://schemas.microsoft.com/office/powerpoint/2010/main" val="2174081501"/>
+        <p14:creationId xmlns:p14="http://schemas.microsoft.com/office/powerpoint/2010/main" val="2406233402"/>
       </p:ext>
     </p:extLst>
   </p:cSld>
@@ -11283,7 +13051,112 @@
 </p:sld>
 </file>
 
-<file path=ppt/slides/slide5.xml><?xml version="1.0" encoding="utf-8"?>
+<file path=ppt/slides/slide8.xml><?xml version="1.0" encoding="utf-8"?>
+<p:sld xmlns:a="http://schemas.openxmlformats.org/drawingml/2006/main" xmlns:r="http://schemas.openxmlformats.org/officeDocument/2006/relationships" xmlns:p="http://schemas.openxmlformats.org/presentationml/2006/main">
+  <p:cSld>
+    <p:spTree>
+      <p:nvGrpSpPr>
+        <p:cNvPr id="1" name=""/>
+        <p:cNvGrpSpPr/>
+        <p:nvPr/>
+      </p:nvGrpSpPr>
+      <p:grpSpPr>
+        <a:xfrm>
+          <a:off x="0" y="0"/>
+          <a:ext cx="0" cy="0"/>
+          <a:chOff x="0" y="0"/>
+          <a:chExt cx="0" cy="0"/>
+        </a:xfrm>
+      </p:grpSpPr>
+      <p:sp>
+        <p:nvSpPr>
+          <p:cNvPr id="4" name="标题 3"/>
+          <p:cNvSpPr>
+            <a:spLocks noGrp="1"/>
+          </p:cNvSpPr>
+          <p:nvPr>
+            <p:ph type="ctrTitle"/>
+          </p:nvPr>
+        </p:nvSpPr>
+        <p:spPr/>
+        <p:txBody>
+          <a:bodyPr>
+            <a:normAutofit/>
+          </a:bodyPr>
+          <a:lstStyle/>
+          <a:p>
+            <a:r>
+              <a:rPr lang="en-US" altLang="zh-CN" dirty="0">
+                <a:sym typeface="+mn-ea"/>
+              </a:rPr>
+              <a:t>MVVM</a:t>
+            </a:r>
+            <a:r>
+              <a:rPr lang="zh-CN" altLang="en-US" dirty="0">
+                <a:sym typeface="+mn-ea"/>
+              </a:rPr>
+              <a:t>优点</a:t>
+            </a:r>
+            <a:endParaRPr lang="zh-CN" altLang="en-US" dirty="0">
+              <a:latin typeface="微软雅黑" panose="020B0503020204020204" pitchFamily="34" charset="-122"/>
+              <a:ea typeface="微软雅黑" panose="020B0503020204020204" pitchFamily="34" charset="-122"/>
+            </a:endParaRPr>
+          </a:p>
+        </p:txBody>
+      </p:sp>
+      <p:sp>
+        <p:nvSpPr>
+          <p:cNvPr id="5" name="副标题 4"/>
+          <p:cNvSpPr>
+            <a:spLocks noGrp="1"/>
+          </p:cNvSpPr>
+          <p:nvPr>
+            <p:ph type="subTitle" idx="1"/>
+          </p:nvPr>
+        </p:nvSpPr>
+        <p:spPr/>
+        <p:txBody>
+          <a:bodyPr>
+            <a:normAutofit/>
+          </a:bodyPr>
+          <a:lstStyle/>
+          <a:p>
+            <a:r>
+              <a:rPr lang="zh-CN" altLang="en-US" sz="3600" dirty="0"/>
+              <a:t>低耦合：分离视图（View）和模型（Model）</a:t>
+            </a:r>
+          </a:p>
+          <a:p>
+            <a:r>
+              <a:rPr lang="zh-CN" altLang="en-US" sz="3600" dirty="0"/>
+              <a:t>可重用性：我们把视图逻辑放在一个ViewModel里面，让很多view重用这段视图逻辑</a:t>
+            </a:r>
+          </a:p>
+          <a:p>
+            <a:r>
+              <a:rPr lang="zh-CN" altLang="en-US" sz="3600" dirty="0"/>
+              <a:t>独立开发：开发人员可以专注于业务逻辑和数据的开发（ViewModel），设计人员可以专注于页面设计</a:t>
+            </a:r>
+          </a:p>
+        </p:txBody>
+      </p:sp>
+    </p:spTree>
+    <p:extLst>
+      <p:ext uri="{BB962C8B-B14F-4D97-AF65-F5344CB8AC3E}">
+        <p14:creationId xmlns:p14="http://schemas.microsoft.com/office/powerpoint/2010/main" val="1919870020"/>
+      </p:ext>
+    </p:extLst>
+  </p:cSld>
+  <p:clrMapOvr>
+    <a:masterClrMapping/>
+  </p:clrMapOvr>
+  <p:transition>
+    <p:wipe dir="r"/>
+  </p:transition>
+</p:sld>
+</file>
+
+<file path=ppt/slides/slide9.xml><?xml version="1.0" encoding="utf-8"?>
 <p:sld xmlns:a="http://schemas.openxmlformats.org/drawingml/2006/main" xmlns:r="http://schemas.openxmlformats.org/officeDocument/2006/relationships" xmlns:p="http://schemas.openxmlformats.org/presentationml/2006/main">
   <p:cSld>
     <p:spTree>
@@ -12590,825 +14463,6 @@
 </p:sld>
 </file>
 
-<file path=ppt/slides/slide6.xml><?xml version="1.0" encoding="utf-8"?>
-<p:sld xmlns:a="http://schemas.openxmlformats.org/drawingml/2006/main" xmlns:r="http://schemas.openxmlformats.org/officeDocument/2006/relationships" xmlns:p="http://schemas.openxmlformats.org/presentationml/2006/main">
-  <p:cSld>
-    <p:spTree>
-      <p:nvGrpSpPr>
-        <p:cNvPr id="1" name=""/>
-        <p:cNvGrpSpPr/>
-        <p:nvPr/>
-      </p:nvGrpSpPr>
-      <p:grpSpPr>
-        <a:xfrm>
-          <a:off x="0" y="0"/>
-          <a:ext cx="0" cy="0"/>
-          <a:chOff x="0" y="0"/>
-          <a:chExt cx="0" cy="0"/>
-        </a:xfrm>
-      </p:grpSpPr>
-      <p:sp>
-        <p:nvSpPr>
-          <p:cNvPr id="2" name="标题 1"/>
-          <p:cNvSpPr>
-            <a:spLocks noGrp="1"/>
-          </p:cNvSpPr>
-          <p:nvPr>
-            <p:ph type="ctrTitle"/>
-          </p:nvPr>
-        </p:nvSpPr>
-        <p:spPr/>
-        <p:txBody>
-          <a:bodyPr/>
-          <a:lstStyle/>
-          <a:p>
-            <a:r>
-              <a:rPr lang="zh-CN" altLang="en-US" dirty="0"/>
-              <a:t>为什么要用框架</a:t>
-            </a:r>
-          </a:p>
-        </p:txBody>
-      </p:sp>
-      <p:sp>
-        <p:nvSpPr>
-          <p:cNvPr id="3" name="副标题 2"/>
-          <p:cNvSpPr>
-            <a:spLocks noGrp="1"/>
-          </p:cNvSpPr>
-          <p:nvPr>
-            <p:ph type="subTitle" idx="1"/>
-          </p:nvPr>
-        </p:nvSpPr>
-        <p:spPr/>
-        <p:txBody>
-          <a:bodyPr>
-            <a:normAutofit fontScale="70000" lnSpcReduction="20000"/>
-          </a:bodyPr>
-          <a:lstStyle/>
-          <a:p>
-            <a:r>
-              <a:rPr lang="zh-CN" altLang="en-US" dirty="0"/>
-              <a:t>框架（</a:t>
-            </a:r>
-            <a:r>
-              <a:rPr lang="en-US" altLang="zh-CN" dirty="0"/>
-              <a:t>framework</a:t>
-            </a:r>
-            <a:r>
-              <a:rPr lang="zh-CN" altLang="en-US" dirty="0"/>
-              <a:t>）是一个基本概念上的结构，用于去解决或者处理复杂的问题。简单说就是使用别人搭好的舞台，你来做表演。</a:t>
-            </a:r>
-            <a:endParaRPr lang="en-US" altLang="zh-CN" dirty="0"/>
-          </a:p>
-          <a:p>
-            <a:r>
-              <a:rPr lang="zh-CN" altLang="en-US" dirty="0"/>
-              <a:t>使用成熟的框架，就相当于让别人帮你完成一些基础工作，你只需要集中精力完成系统的业务逻辑设计。框架可以处理系统很多细节问题，比如：事物处理，安全性，数据流控制等问题。</a:t>
-            </a:r>
-          </a:p>
-          <a:p>
-            <a:r>
-              <a:rPr lang="zh-CN" altLang="en-US" dirty="0"/>
-              <a:t>而且它是不断升级的，你可以直接享受别人升级代码带来的好处。 </a:t>
-            </a:r>
-          </a:p>
-          <a:p>
-            <a:r>
-              <a:rPr lang="zh-CN" altLang="en-US" dirty="0"/>
-              <a:t>框架最重要的目标是提高企业的竞争能力，包括降低成本、提高质量、改善客户满意程度，控制进度等方面。</a:t>
-            </a:r>
-          </a:p>
-          <a:p>
-            <a:endParaRPr lang="zh-CN" altLang="en-US" dirty="0"/>
-          </a:p>
-        </p:txBody>
-      </p:sp>
-    </p:spTree>
-    <p:extLst>
-      <p:ext uri="{BB962C8B-B14F-4D97-AF65-F5344CB8AC3E}">
-        <p14:creationId xmlns:p14="http://schemas.microsoft.com/office/powerpoint/2010/main" val="2967217746"/>
-      </p:ext>
-    </p:extLst>
-  </p:cSld>
-  <p:clrMapOvr>
-    <a:masterClrMapping/>
-  </p:clrMapOvr>
-  <p:transition>
-    <p:wipe dir="r"/>
-  </p:transition>
-</p:sld>
-</file>
-
-<file path=ppt/slides/slide7.xml><?xml version="1.0" encoding="utf-8"?>
-<p:sld xmlns:a="http://schemas.openxmlformats.org/drawingml/2006/main" xmlns:r="http://schemas.openxmlformats.org/officeDocument/2006/relationships" xmlns:p="http://schemas.openxmlformats.org/presentationml/2006/main">
-  <p:cSld>
-    <p:spTree>
-      <p:nvGrpSpPr>
-        <p:cNvPr id="1" name=""/>
-        <p:cNvGrpSpPr/>
-        <p:nvPr/>
-      </p:nvGrpSpPr>
-      <p:grpSpPr>
-        <a:xfrm>
-          <a:off x="0" y="0"/>
-          <a:ext cx="0" cy="0"/>
-          <a:chOff x="0" y="0"/>
-          <a:chExt cx="0" cy="0"/>
-        </a:xfrm>
-      </p:grpSpPr>
-      <p:sp>
-        <p:nvSpPr>
-          <p:cNvPr id="2" name="标题 1"/>
-          <p:cNvSpPr>
-            <a:spLocks noGrp="1"/>
-          </p:cNvSpPr>
-          <p:nvPr>
-            <p:ph type="ctrTitle"/>
-          </p:nvPr>
-        </p:nvSpPr>
-        <p:spPr/>
-        <p:txBody>
-          <a:bodyPr/>
-          <a:lstStyle/>
-          <a:p>
-            <a:r>
-              <a:rPr lang="en-US" altLang="zh-CN" dirty="0"/>
-              <a:t>Why </a:t>
-            </a:r>
-            <a:r>
-              <a:rPr lang="en-US" altLang="zh-CN" dirty="0" err="1"/>
-              <a:t>Vue</a:t>
-            </a:r>
-            <a:r>
-              <a:rPr lang="en-US" altLang="zh-CN" dirty="0"/>
-              <a:t>?</a:t>
-            </a:r>
-          </a:p>
-        </p:txBody>
-      </p:sp>
-      <p:sp>
-        <p:nvSpPr>
-          <p:cNvPr id="3" name="副标题 2"/>
-          <p:cNvSpPr>
-            <a:spLocks noGrp="1"/>
-          </p:cNvSpPr>
-          <p:nvPr>
-            <p:ph type="subTitle" idx="1"/>
-          </p:nvPr>
-        </p:nvSpPr>
-        <p:spPr/>
-        <p:txBody>
-          <a:bodyPr>
-            <a:normAutofit/>
-          </a:bodyPr>
-          <a:lstStyle/>
-          <a:p>
-            <a:r>
-              <a:rPr lang="en-US" altLang="zh-CN" dirty="0"/>
-              <a:t>GitHub Star </a:t>
-            </a:r>
-            <a:r>
-              <a:rPr lang="zh-CN" altLang="en-US" dirty="0" smtClean="0"/>
-              <a:t>排名</a:t>
-            </a:r>
-            <a:endParaRPr lang="en-US" altLang="zh-CN" dirty="0" smtClean="0"/>
-          </a:p>
-          <a:p>
-            <a:r>
-              <a:rPr lang="zh-CN" altLang="en-US" dirty="0"/>
-              <a:t>第三方跑分（</a:t>
-            </a:r>
-            <a:r>
-              <a:rPr lang="zh-CN" altLang="en-US" dirty="0" smtClean="0"/>
-              <a:t>仅供参考）</a:t>
-            </a:r>
-            <a:endParaRPr lang="en-US" altLang="zh-CN" dirty="0" smtClean="0"/>
-          </a:p>
-          <a:p>
-            <a:pPr marL="0" indent="0">
-              <a:buNone/>
-            </a:pPr>
-            <a:r>
-              <a:rPr lang="zh-CN" altLang="en-US" dirty="0"/>
-              <a:t> </a:t>
-            </a:r>
-            <a:r>
-              <a:rPr lang="en-US" altLang="zh-CN" dirty="0">
-                <a:hlinkClick r:id="rId2"/>
-              </a:rPr>
-              <a:t>https://rawgit.com/krausest/js-framework-benchmark/master/webdriver-ts/table.html</a:t>
-            </a:r>
-            <a:endParaRPr lang="en-US" altLang="zh-CN" dirty="0"/>
-          </a:p>
-          <a:p>
-            <a:endParaRPr lang="zh-CN" altLang="en-US" dirty="0"/>
-          </a:p>
-        </p:txBody>
-      </p:sp>
-    </p:spTree>
-    <p:extLst>
-      <p:ext uri="{BB962C8B-B14F-4D97-AF65-F5344CB8AC3E}">
-        <p14:creationId xmlns:p14="http://schemas.microsoft.com/office/powerpoint/2010/main" val="2031119288"/>
-      </p:ext>
-    </p:extLst>
-  </p:cSld>
-  <p:clrMapOvr>
-    <a:masterClrMapping/>
-  </p:clrMapOvr>
-  <p:transition>
-    <p:wipe dir="r"/>
-  </p:transition>
-</p:sld>
-</file>
-
-<file path=ppt/slides/slide8.xml><?xml version="1.0" encoding="utf-8"?>
-<p:sld xmlns:a="http://schemas.openxmlformats.org/drawingml/2006/main" xmlns:r="http://schemas.openxmlformats.org/officeDocument/2006/relationships" xmlns:p="http://schemas.openxmlformats.org/presentationml/2006/main">
-  <p:cSld>
-    <p:spTree>
-      <p:nvGrpSpPr>
-        <p:cNvPr id="1" name=""/>
-        <p:cNvGrpSpPr/>
-        <p:nvPr/>
-      </p:nvGrpSpPr>
-      <p:grpSpPr>
-        <a:xfrm>
-          <a:off x="0" y="0"/>
-          <a:ext cx="0" cy="0"/>
-          <a:chOff x="0" y="0"/>
-          <a:chExt cx="0" cy="0"/>
-        </a:xfrm>
-      </p:grpSpPr>
-      <p:sp>
-        <p:nvSpPr>
-          <p:cNvPr id="2" name="标题 1"/>
-          <p:cNvSpPr>
-            <a:spLocks noGrp="1"/>
-          </p:cNvSpPr>
-          <p:nvPr>
-            <p:ph type="ctrTitle"/>
-          </p:nvPr>
-        </p:nvSpPr>
-        <p:spPr/>
-        <p:txBody>
-          <a:bodyPr/>
-          <a:lstStyle/>
-          <a:p>
-            <a:r>
-              <a:rPr lang="en-US" altLang="zh-CN" dirty="0"/>
-              <a:t>React</a:t>
-            </a:r>
-            <a:endParaRPr lang="zh-CN" altLang="en-US" dirty="0"/>
-          </a:p>
-        </p:txBody>
-      </p:sp>
-      <p:sp>
-        <p:nvSpPr>
-          <p:cNvPr id="3" name="副标题 2"/>
-          <p:cNvSpPr>
-            <a:spLocks noGrp="1"/>
-          </p:cNvSpPr>
-          <p:nvPr>
-            <p:ph type="subTitle" idx="1"/>
-          </p:nvPr>
-        </p:nvSpPr>
-        <p:spPr/>
-        <p:txBody>
-          <a:bodyPr>
-            <a:normAutofit fontScale="62500" lnSpcReduction="20000"/>
-          </a:bodyPr>
-          <a:lstStyle/>
-          <a:p>
-            <a:r>
-              <a:rPr lang="zh-CN" altLang="en-US" dirty="0"/>
-              <a:t>性能</a:t>
-            </a:r>
-            <a:r>
-              <a:rPr lang="en-US" altLang="zh-CN" dirty="0"/>
-              <a:t>:</a:t>
-            </a:r>
-            <a:r>
-              <a:rPr lang="zh-CN" altLang="en-US" dirty="0"/>
-              <a:t> 通常 </a:t>
-            </a:r>
-            <a:r>
-              <a:rPr lang="en-US" altLang="zh-CN" dirty="0" err="1"/>
-              <a:t>Vue</a:t>
-            </a:r>
-            <a:r>
-              <a:rPr lang="en-US" altLang="zh-CN" dirty="0"/>
-              <a:t> </a:t>
-            </a:r>
-            <a:r>
-              <a:rPr lang="zh-CN" altLang="en-US" dirty="0"/>
-              <a:t>会有少量优势</a:t>
-            </a:r>
-            <a:endParaRPr lang="en-US" altLang="zh-CN" dirty="0"/>
-          </a:p>
-          <a:p>
-            <a:r>
-              <a:rPr lang="en-US" altLang="zh-CN" b="1" dirty="0" smtClean="0"/>
-              <a:t>HTML</a:t>
-            </a:r>
-            <a:r>
-              <a:rPr lang="zh-CN" altLang="en-US" b="1" dirty="0"/>
-              <a:t>构建：</a:t>
-            </a:r>
-            <a:r>
-              <a:rPr lang="zh-CN" altLang="en-US" dirty="0"/>
-              <a:t> 在 </a:t>
-            </a:r>
-            <a:r>
-              <a:rPr lang="en-US" altLang="zh-CN" dirty="0"/>
-              <a:t>React </a:t>
-            </a:r>
-            <a:r>
-              <a:rPr lang="zh-CN" altLang="en-US" dirty="0"/>
-              <a:t>中，所有的组件的渲染功能都依靠 </a:t>
-            </a:r>
-            <a:r>
-              <a:rPr lang="en-US" altLang="zh-CN" dirty="0"/>
-              <a:t>JSX</a:t>
-            </a:r>
-            <a:r>
-              <a:rPr lang="zh-CN" altLang="en-US" dirty="0"/>
-              <a:t>。</a:t>
-            </a:r>
-            <a:r>
-              <a:rPr lang="en-US" altLang="zh-CN" dirty="0"/>
-              <a:t>JSX </a:t>
-            </a:r>
-            <a:r>
-              <a:rPr lang="zh-CN" altLang="en-US" dirty="0"/>
-              <a:t>是使用 </a:t>
-            </a:r>
-            <a:r>
-              <a:rPr lang="en-US" altLang="zh-CN" dirty="0"/>
-              <a:t>XML </a:t>
-            </a:r>
-            <a:r>
-              <a:rPr lang="zh-CN" altLang="en-US" dirty="0"/>
-              <a:t>语法编写 </a:t>
-            </a:r>
-            <a:r>
-              <a:rPr lang="en-US" altLang="zh-CN" dirty="0"/>
-              <a:t>JavaScript </a:t>
-            </a:r>
-            <a:r>
-              <a:rPr lang="zh-CN" altLang="en-US" dirty="0"/>
-              <a:t>的一种语法糖。 </a:t>
-            </a:r>
-            <a:r>
-              <a:rPr lang="en-US" altLang="zh-CN" dirty="0" err="1"/>
-              <a:t>Vue</a:t>
-            </a:r>
-            <a:r>
-              <a:rPr lang="zh-CN" altLang="en-US" dirty="0"/>
-              <a:t>默认推荐通过模板来构建页面。</a:t>
-            </a:r>
-            <a:endParaRPr lang="en-US" altLang="zh-CN" dirty="0"/>
-          </a:p>
-          <a:p>
-            <a:r>
-              <a:rPr lang="zh-CN" altLang="en-US" dirty="0"/>
-              <a:t>规模： </a:t>
-            </a:r>
-            <a:r>
-              <a:rPr lang="en-US" altLang="zh-CN" dirty="0"/>
-              <a:t>React </a:t>
-            </a:r>
-            <a:r>
-              <a:rPr lang="zh-CN" altLang="en-US" dirty="0"/>
-              <a:t>社区在状态管理方面非常有创新精神（比如</a:t>
-            </a:r>
-            <a:r>
-              <a:rPr lang="en-US" altLang="zh-CN" dirty="0"/>
-              <a:t>Flux</a:t>
-            </a:r>
-            <a:r>
-              <a:rPr lang="zh-CN" altLang="en-US" dirty="0"/>
-              <a:t>、</a:t>
-            </a:r>
-            <a:r>
-              <a:rPr lang="en-US" altLang="zh-CN" dirty="0"/>
-              <a:t>Redux</a:t>
-            </a:r>
-            <a:r>
-              <a:rPr lang="zh-CN" altLang="en-US" dirty="0"/>
-              <a:t>）， </a:t>
-            </a:r>
-            <a:r>
-              <a:rPr lang="en-US" altLang="zh-CN" dirty="0" err="1"/>
-              <a:t>Vue</a:t>
-            </a:r>
-            <a:r>
-              <a:rPr lang="en-US" altLang="zh-CN" dirty="0"/>
-              <a:t> </a:t>
-            </a:r>
-            <a:r>
-              <a:rPr lang="zh-CN" altLang="en-US" dirty="0"/>
-              <a:t>的路由库和状态管理库都是由官方维护支持且与核心库同步更新的。</a:t>
-            </a:r>
-            <a:endParaRPr lang="en-US" altLang="zh-CN" dirty="0"/>
-          </a:p>
-          <a:p>
-            <a:r>
-              <a:rPr lang="zh-CN" altLang="en-US" dirty="0"/>
-              <a:t>本地渲染：</a:t>
-            </a:r>
-            <a:r>
-              <a:rPr lang="en-US" altLang="zh-CN" dirty="0" err="1"/>
-              <a:t>ReactNative</a:t>
-            </a:r>
-            <a:r>
-              <a:rPr lang="en-US" altLang="zh-CN" dirty="0"/>
-              <a:t> </a:t>
-            </a:r>
-            <a:r>
-              <a:rPr lang="zh-CN" altLang="en-US" dirty="0"/>
-              <a:t>能使你用相同的组件模型编写有本地渲染能力的 </a:t>
-            </a:r>
-            <a:r>
-              <a:rPr lang="en-US" altLang="zh-CN" dirty="0"/>
-              <a:t>APP</a:t>
-            </a:r>
-            <a:r>
-              <a:rPr lang="zh-CN" altLang="en-US" dirty="0"/>
-              <a:t>（</a:t>
-            </a:r>
-            <a:r>
-              <a:rPr lang="en-US" altLang="zh-CN" dirty="0"/>
-              <a:t>iOS </a:t>
-            </a:r>
-            <a:r>
-              <a:rPr lang="zh-CN" altLang="en-US" dirty="0"/>
-              <a:t>和 </a:t>
-            </a:r>
-            <a:r>
-              <a:rPr lang="en-US" altLang="zh-CN" dirty="0"/>
-              <a:t>Android</a:t>
-            </a:r>
-            <a:r>
-              <a:rPr lang="zh-CN" altLang="en-US" dirty="0"/>
-              <a:t>）。能同时跨多平台开发；相应地，</a:t>
-            </a:r>
-            <a:r>
-              <a:rPr lang="en-US" altLang="zh-CN" dirty="0" err="1"/>
-              <a:t>Vue</a:t>
-            </a:r>
-            <a:r>
-              <a:rPr lang="en-US" altLang="zh-CN" dirty="0"/>
-              <a:t> </a:t>
-            </a:r>
-            <a:r>
-              <a:rPr lang="zh-CN" altLang="en-US" dirty="0"/>
-              <a:t>和 </a:t>
-            </a:r>
-            <a:r>
-              <a:rPr lang="en-US" altLang="zh-CN" b="1" dirty="0" err="1">
-                <a:hlinkClick r:id="rId2"/>
-              </a:rPr>
-              <a:t>Weex</a:t>
-            </a:r>
-            <a:r>
-              <a:rPr lang="zh-CN" altLang="en-US" dirty="0"/>
-              <a:t> 会进行官方合作，</a:t>
-            </a:r>
-            <a:r>
-              <a:rPr lang="en-US" altLang="zh-CN" dirty="0" err="1"/>
-              <a:t>Weex</a:t>
-            </a:r>
-            <a:r>
-              <a:rPr lang="en-US" altLang="zh-CN" dirty="0"/>
-              <a:t> </a:t>
-            </a:r>
-            <a:r>
-              <a:rPr lang="zh-CN" altLang="en-US" dirty="0"/>
-              <a:t>是阿里的跨平台用户界面开发框架，</a:t>
-            </a:r>
-            <a:r>
-              <a:rPr lang="en-US" altLang="zh-CN" dirty="0" err="1"/>
-              <a:t>Weex</a:t>
-            </a:r>
-            <a:r>
-              <a:rPr lang="en-US" altLang="zh-CN" dirty="0"/>
-              <a:t> </a:t>
-            </a:r>
-            <a:r>
-              <a:rPr lang="zh-CN" altLang="en-US" dirty="0"/>
-              <a:t>的 </a:t>
-            </a:r>
-            <a:r>
-              <a:rPr lang="en-US" altLang="zh-CN" dirty="0"/>
-              <a:t>JavaScript </a:t>
-            </a:r>
-            <a:r>
-              <a:rPr lang="zh-CN" altLang="en-US" dirty="0"/>
-              <a:t>框架运行时用的就是 </a:t>
-            </a:r>
-            <a:r>
-              <a:rPr lang="en-US" altLang="zh-CN" dirty="0" err="1"/>
-              <a:t>Vue</a:t>
-            </a:r>
-            <a:r>
-              <a:rPr lang="zh-CN" altLang="en-US" dirty="0"/>
-              <a:t>。</a:t>
-            </a:r>
-          </a:p>
-        </p:txBody>
-      </p:sp>
-    </p:spTree>
-  </p:cSld>
-  <p:clrMapOvr>
-    <a:masterClrMapping/>
-  </p:clrMapOvr>
-  <p:transition>
-    <p:wipe dir="r"/>
-  </p:transition>
-</p:sld>
-</file>
-
-<file path=ppt/slides/slide9.xml><?xml version="1.0" encoding="utf-8"?>
-<p:sld xmlns:a="http://schemas.openxmlformats.org/drawingml/2006/main" xmlns:r="http://schemas.openxmlformats.org/officeDocument/2006/relationships" xmlns:p="http://schemas.openxmlformats.org/presentationml/2006/main">
-  <p:cSld>
-    <p:spTree>
-      <p:nvGrpSpPr>
-        <p:cNvPr id="1" name=""/>
-        <p:cNvGrpSpPr/>
-        <p:nvPr/>
-      </p:nvGrpSpPr>
-      <p:grpSpPr>
-        <a:xfrm>
-          <a:off x="0" y="0"/>
-          <a:ext cx="0" cy="0"/>
-          <a:chOff x="0" y="0"/>
-          <a:chExt cx="0" cy="0"/>
-        </a:xfrm>
-      </p:grpSpPr>
-      <p:sp>
-        <p:nvSpPr>
-          <p:cNvPr id="2" name="标题 1"/>
-          <p:cNvSpPr>
-            <a:spLocks noGrp="1"/>
-          </p:cNvSpPr>
-          <p:nvPr>
-            <p:ph type="ctrTitle"/>
-          </p:nvPr>
-        </p:nvSpPr>
-        <p:spPr/>
-        <p:txBody>
-          <a:bodyPr/>
-          <a:lstStyle/>
-          <a:p>
-            <a:r>
-              <a:rPr lang="en-US" altLang="zh-CN" dirty="0" err="1"/>
-              <a:t>Angularjs</a:t>
-            </a:r>
-            <a:r>
-              <a:rPr lang="en-US" altLang="zh-CN" dirty="0"/>
-              <a:t>(Angular1)</a:t>
-            </a:r>
-            <a:endParaRPr lang="zh-CN" altLang="en-US" dirty="0"/>
-          </a:p>
-        </p:txBody>
-      </p:sp>
-      <p:sp>
-        <p:nvSpPr>
-          <p:cNvPr id="3" name="副标题 2"/>
-          <p:cNvSpPr>
-            <a:spLocks noGrp="1"/>
-          </p:cNvSpPr>
-          <p:nvPr>
-            <p:ph type="subTitle" idx="1"/>
-          </p:nvPr>
-        </p:nvSpPr>
-        <p:spPr/>
-        <p:txBody>
-          <a:bodyPr>
-            <a:normAutofit fontScale="55000" lnSpcReduction="20000"/>
-          </a:bodyPr>
-          <a:lstStyle/>
-          <a:p>
-            <a:r>
-              <a:rPr lang="zh-CN" altLang="en-US" dirty="0"/>
-              <a:t>语法：</a:t>
-            </a:r>
-            <a:r>
-              <a:rPr lang="en-US" altLang="zh-CN" dirty="0" err="1"/>
-              <a:t>Vue</a:t>
-            </a:r>
-            <a:r>
-              <a:rPr lang="en-US" altLang="zh-CN" dirty="0"/>
-              <a:t> </a:t>
-            </a:r>
-            <a:r>
-              <a:rPr lang="zh-CN" altLang="en-US" dirty="0"/>
-              <a:t>的一些语法和 </a:t>
-            </a:r>
-            <a:r>
-              <a:rPr lang="en-US" altLang="zh-CN" dirty="0"/>
-              <a:t>Angular </a:t>
-            </a:r>
-            <a:r>
-              <a:rPr lang="zh-CN" altLang="en-US" dirty="0"/>
-              <a:t>的很相似（例如 </a:t>
-            </a:r>
-            <a:r>
-              <a:rPr lang="en-US" altLang="zh-CN" dirty="0"/>
-              <a:t>v-if vs ng-if</a:t>
-            </a:r>
-            <a:r>
-              <a:rPr lang="zh-CN" altLang="en-US" dirty="0"/>
-              <a:t>）。因为 </a:t>
-            </a:r>
-            <a:r>
-              <a:rPr lang="en-US" altLang="zh-CN" dirty="0"/>
-              <a:t>Angular </a:t>
-            </a:r>
-            <a:r>
-              <a:rPr lang="zh-CN" altLang="en-US" dirty="0"/>
-              <a:t>是 </a:t>
-            </a:r>
-            <a:r>
-              <a:rPr lang="en-US" altLang="zh-CN" dirty="0" err="1"/>
-              <a:t>Vue</a:t>
-            </a:r>
-            <a:r>
-              <a:rPr lang="en-US" altLang="zh-CN" dirty="0"/>
-              <a:t> </a:t>
-            </a:r>
-            <a:r>
-              <a:rPr lang="zh-CN" altLang="en-US" dirty="0"/>
-              <a:t>早期开发的灵感来源。在 </a:t>
-            </a:r>
-            <a:r>
-              <a:rPr lang="en-US" altLang="zh-CN" dirty="0"/>
-              <a:t>API </a:t>
-            </a:r>
-            <a:r>
-              <a:rPr lang="zh-CN" altLang="en-US" dirty="0"/>
-              <a:t>与设计两方面上 </a:t>
-            </a:r>
-            <a:r>
-              <a:rPr lang="en-US" altLang="zh-CN" dirty="0"/>
-              <a:t>Vue.js </a:t>
-            </a:r>
-            <a:r>
-              <a:rPr lang="zh-CN" altLang="en-US" dirty="0"/>
-              <a:t>比 </a:t>
-            </a:r>
-            <a:r>
-              <a:rPr lang="en-US" altLang="zh-CN" dirty="0"/>
-              <a:t>Angular 1 </a:t>
-            </a:r>
-            <a:r>
-              <a:rPr lang="zh-CN" altLang="en-US" dirty="0"/>
-              <a:t>简单。</a:t>
-            </a:r>
-          </a:p>
-          <a:p>
-            <a:r>
-              <a:rPr lang="zh-CN" altLang="en-US" dirty="0"/>
-              <a:t>数据绑定：</a:t>
-            </a:r>
-            <a:r>
-              <a:rPr lang="en-US" altLang="zh-CN" dirty="0"/>
-              <a:t>Angular 1 </a:t>
-            </a:r>
-            <a:r>
-              <a:rPr lang="zh-CN" altLang="en-US" dirty="0"/>
-              <a:t>使用双向绑定，</a:t>
-            </a:r>
-            <a:r>
-              <a:rPr lang="en-US" altLang="zh-CN" dirty="0" err="1"/>
-              <a:t>Vue</a:t>
-            </a:r>
-            <a:r>
-              <a:rPr lang="en-US" altLang="zh-CN" dirty="0"/>
-              <a:t> </a:t>
-            </a:r>
-            <a:r>
-              <a:rPr lang="zh-CN" altLang="en-US" dirty="0"/>
-              <a:t>在不同组件间强制使用单向数据流。这使应用中的数据流更加清晰易懂。</a:t>
-            </a:r>
-          </a:p>
-          <a:p>
-            <a:r>
-              <a:rPr lang="zh-CN" altLang="en-US" dirty="0"/>
-              <a:t>指令和组件：在 </a:t>
-            </a:r>
-            <a:r>
-              <a:rPr lang="en-US" altLang="zh-CN" dirty="0" err="1"/>
-              <a:t>Vue</a:t>
-            </a:r>
-            <a:r>
-              <a:rPr lang="en-US" altLang="zh-CN" dirty="0"/>
-              <a:t> </a:t>
-            </a:r>
-            <a:r>
-              <a:rPr lang="zh-CN" altLang="en-US" dirty="0"/>
-              <a:t>中指令和组件分得更清晰。指令只封装 </a:t>
-            </a:r>
-            <a:r>
-              <a:rPr lang="en-US" altLang="zh-CN" dirty="0"/>
-              <a:t>DOM </a:t>
-            </a:r>
-            <a:r>
-              <a:rPr lang="zh-CN" altLang="en-US" dirty="0"/>
-              <a:t>操作，而组件代表一个自给自足的独立单元 </a:t>
-            </a:r>
-            <a:r>
-              <a:rPr lang="en-US" altLang="zh-CN" dirty="0"/>
-              <a:t>—— </a:t>
-            </a:r>
-            <a:r>
-              <a:rPr lang="zh-CN" altLang="en-US" dirty="0"/>
-              <a:t>有自己的视图和数据逻辑。在 </a:t>
-            </a:r>
-            <a:r>
-              <a:rPr lang="en-US" altLang="zh-CN" dirty="0"/>
-              <a:t>Angular </a:t>
-            </a:r>
-            <a:r>
-              <a:rPr lang="zh-CN" altLang="en-US" dirty="0"/>
-              <a:t>中两者有不少相混的地方。</a:t>
-            </a:r>
-          </a:p>
-          <a:p>
-            <a:r>
-              <a:rPr lang="zh-CN" altLang="en-US" dirty="0"/>
-              <a:t>性能：在 </a:t>
-            </a:r>
-            <a:r>
-              <a:rPr lang="en-US" altLang="zh-CN" dirty="0"/>
-              <a:t>Angular 1 </a:t>
-            </a:r>
-            <a:r>
-              <a:rPr lang="zh-CN" altLang="en-US" dirty="0"/>
-              <a:t>中，当 </a:t>
-            </a:r>
-            <a:r>
-              <a:rPr lang="en-US" altLang="zh-CN" dirty="0"/>
-              <a:t>watcher </a:t>
-            </a:r>
-            <a:r>
-              <a:rPr lang="zh-CN" altLang="en-US" dirty="0"/>
-              <a:t>越来越多时会变得越来越慢，因为作用域内的每一次变化，所有 </a:t>
-            </a:r>
-            <a:r>
-              <a:rPr lang="en-US" altLang="zh-CN" dirty="0"/>
-              <a:t>watcher </a:t>
-            </a:r>
-            <a:r>
-              <a:rPr lang="zh-CN" altLang="en-US" dirty="0"/>
-              <a:t>都要重新计算。并且，如果一些 </a:t>
-            </a:r>
-            <a:r>
-              <a:rPr lang="en-US" altLang="zh-CN" dirty="0"/>
-              <a:t>watcher </a:t>
-            </a:r>
-            <a:r>
-              <a:rPr lang="zh-CN" altLang="en-US" dirty="0"/>
-              <a:t>触发另一个更新，脏检查循环（</a:t>
-            </a:r>
-            <a:r>
-              <a:rPr lang="en-US" altLang="zh-CN" dirty="0"/>
-              <a:t>digest cycle</a:t>
-            </a:r>
-            <a:r>
-              <a:rPr lang="zh-CN" altLang="en-US" dirty="0"/>
-              <a:t>）可能要运行多次。</a:t>
-            </a:r>
-            <a:r>
-              <a:rPr lang="en-US" altLang="zh-CN" dirty="0" err="1"/>
-              <a:t>Vue</a:t>
-            </a:r>
-            <a:r>
-              <a:rPr lang="en-US" altLang="zh-CN" dirty="0"/>
-              <a:t> </a:t>
-            </a:r>
-            <a:r>
-              <a:rPr lang="zh-CN" altLang="en-US" dirty="0"/>
-              <a:t>则根本没有这个问题，因为它使用基于依赖追踪的观察系统并且异步队列更新，所有的数据变化都是独立触发，除非它们之间有明确的依赖关系。</a:t>
-            </a:r>
-          </a:p>
-        </p:txBody>
-      </p:sp>
-    </p:spTree>
-    <p:extLst>
-      <p:ext uri="{BB962C8B-B14F-4D97-AF65-F5344CB8AC3E}">
-        <p14:creationId xmlns:p14="http://schemas.microsoft.com/office/powerpoint/2010/main" val="3297677802"/>
-      </p:ext>
-    </p:extLst>
-  </p:cSld>
-  <p:clrMapOvr>
-    <a:masterClrMapping/>
-  </p:clrMapOvr>
-  <p:transition>
-    <p:wipe dir="r"/>
-  </p:transition>
-</p:sld>
-</file>
-
 <file path=ppt/theme/theme1.xml><?xml version="1.0" encoding="utf-8"?>
 <a:theme xmlns:a="http://schemas.openxmlformats.org/drawingml/2006/main" name="Office 主题">
   <a:themeElements>

--- a/Vue/Vue.js基础.pptx
+++ b/Vue/Vue.js基础.pptx
@@ -5,7 +5,7 @@
     <p:sldMasterId id="2147483648" r:id="rId1"/>
   </p:sldMasterIdLst>
   <p:notesMasterIdLst>
-    <p:notesMasterId r:id="rId33"/>
+    <p:notesMasterId r:id="rId34"/>
   </p:notesMasterIdLst>
   <p:sldIdLst>
     <p:sldId id="256" r:id="rId2"/>
@@ -30,15 +30,16 @@
     <p:sldId id="361" r:id="rId21"/>
     <p:sldId id="375" r:id="rId22"/>
     <p:sldId id="370" r:id="rId23"/>
-    <p:sldId id="362" r:id="rId24"/>
-    <p:sldId id="363" r:id="rId25"/>
-    <p:sldId id="364" r:id="rId26"/>
-    <p:sldId id="365" r:id="rId27"/>
-    <p:sldId id="366" r:id="rId28"/>
-    <p:sldId id="367" r:id="rId29"/>
-    <p:sldId id="368" r:id="rId30"/>
-    <p:sldId id="369" r:id="rId31"/>
-    <p:sldId id="280" r:id="rId32"/>
+    <p:sldId id="376" r:id="rId24"/>
+    <p:sldId id="362" r:id="rId25"/>
+    <p:sldId id="363" r:id="rId26"/>
+    <p:sldId id="364" r:id="rId27"/>
+    <p:sldId id="365" r:id="rId28"/>
+    <p:sldId id="366" r:id="rId29"/>
+    <p:sldId id="367" r:id="rId30"/>
+    <p:sldId id="368" r:id="rId31"/>
+    <p:sldId id="369" r:id="rId32"/>
+    <p:sldId id="280" r:id="rId33"/>
   </p:sldIdLst>
   <p:sldSz cx="12192000" cy="6858000"/>
   <p:notesSz cx="6858000" cy="9144000"/>
@@ -8538,13 +8539,16 @@
           <a:lstStyle/>
           <a:p>
             <a:r>
-              <a:rPr lang="zh-CN" altLang="en-US" b="1" dirty="0">
-                <a:latin typeface="微软雅黑" panose="020B0503020204020204" pitchFamily="34" charset="-122"/>
-                <a:ea typeface="微软雅黑" panose="020B0503020204020204" pitchFamily="34" charset="-122"/>
+              <a:rPr lang="zh-CN" altLang="en-US" dirty="0">
                 <a:sym typeface="+mn-ea"/>
               </a:rPr>
-              <a:t>模板语法</a:t>
-            </a:r>
+              <a:t>插值绑定</a:t>
+            </a:r>
+            <a:endParaRPr lang="zh-CN" altLang="en-US" b="1" dirty="0">
+              <a:latin typeface="微软雅黑" panose="020B0503020204020204" pitchFamily="34" charset="-122"/>
+              <a:ea typeface="微软雅黑" panose="020B0503020204020204" pitchFamily="34" charset="-122"/>
+              <a:sym typeface="+mn-ea"/>
+            </a:endParaRPr>
           </a:p>
         </p:txBody>
       </p:sp>
@@ -8566,10 +8570,6 @@
           <a:lstStyle/>
           <a:p>
             <a:r>
-              <a:rPr lang="zh-CN" altLang="en-US" b="1" dirty="0"/>
-              <a:t>插值：</a:t>
-            </a:r>
-            <a:r>
               <a:rPr lang="zh-CN" altLang="en-US" dirty="0"/>
               <a:t>数据绑定最常见的形式就是使用 “</a:t>
             </a:r>
@@ -8602,77 +8602,88 @@
           </a:p>
           <a:p>
             <a:r>
+              <a:rPr lang="zh-CN" altLang="en-US" b="1" dirty="0"/>
+              <a:t>属性值</a:t>
+            </a:r>
+            <a:endParaRPr lang="en-US" altLang="zh-CN" dirty="0"/>
+          </a:p>
+          <a:p>
+            <a:r>
+              <a:rPr lang="zh-CN" altLang="en-US" b="1" dirty="0"/>
+              <a:t>简单的运算</a:t>
+            </a:r>
+            <a:r>
               <a:rPr lang="en-US" altLang="zh-CN" b="1" dirty="0"/>
-              <a:t>v-bind</a:t>
-            </a:r>
+              <a:t>		{{number  I  10  ))</a:t>
+            </a:r>
+          </a:p>
+          <a:p>
             <a:r>
               <a:rPr lang="zh-CN" altLang="en-US" b="1" dirty="0"/>
-              <a:t>：</a:t>
-            </a:r>
-            <a:r>
-              <a:rPr lang="zh-CN" altLang="en-US" dirty="0"/>
-              <a:t>单项绑定，这里的单向指的是数据到界面的单向。数据改变时</a:t>
-            </a:r>
-            <a:r>
-              <a:rPr lang="en-US" altLang="zh-CN" dirty="0"/>
-              <a:t>Dom</a:t>
-            </a:r>
-            <a:r>
-              <a:rPr lang="zh-CN" altLang="en-US" dirty="0"/>
-              <a:t>文档也会改变。当绑定的值为</a:t>
-            </a:r>
-            <a:r>
-              <a:rPr lang="en-US" altLang="zh-CN" dirty="0" err="1"/>
-              <a:t>false,null</a:t>
-            </a:r>
-            <a:r>
-              <a:rPr lang="zh-CN" altLang="en-US" dirty="0"/>
-              <a:t>时属性不会绑定上去，简写形式为</a:t>
-            </a:r>
-            <a:r>
-              <a:rPr lang="en-US" altLang="zh-CN" dirty="0"/>
-              <a:t>:</a:t>
-            </a:r>
-            <a:r>
-              <a:rPr lang="zh-CN" altLang="en-US" dirty="0"/>
-              <a:t>属性</a:t>
-            </a:r>
-            <a:r>
-              <a:rPr lang="en-US" altLang="zh-CN" dirty="0"/>
-              <a:t>=“”</a:t>
-            </a:r>
-          </a:p>
-          <a:p>
+              <a:t>三元运算</a:t>
+            </a:r>
             <a:r>
               <a:rPr lang="en-US" altLang="zh-CN" b="1" dirty="0"/>
-              <a:t>v-model</a:t>
+              <a:t>	{{ </a:t>
+            </a:r>
+            <a:r>
+              <a:rPr lang="en-US" altLang="zh-CN" b="1" dirty="0" err="1"/>
+              <a:t>isOK</a:t>
+            </a:r>
+            <a:r>
+              <a:rPr lang="en-US" altLang="zh-CN" b="1" dirty="0"/>
+              <a:t> </a:t>
             </a:r>
             <a:r>
               <a:rPr lang="zh-CN" altLang="en-US" b="1" dirty="0"/>
-              <a:t>：</a:t>
-            </a:r>
-            <a:r>
-              <a:rPr lang="zh-CN" altLang="en-US" dirty="0"/>
-              <a:t>双向绑定</a:t>
-            </a:r>
-            <a:endParaRPr lang="en-US" altLang="zh-CN" dirty="0"/>
-          </a:p>
-          <a:p>
+              <a:t>？</a:t>
+            </a:r>
             <a:r>
               <a:rPr lang="en-US" altLang="zh-CN" b="1" dirty="0"/>
-              <a:t>v-html:</a:t>
-            </a:r>
-            <a:r>
-              <a:rPr lang="zh-CN" altLang="en-US" dirty="0"/>
-              <a:t>绑定</a:t>
-            </a:r>
-            <a:r>
-              <a:rPr lang="en-US" altLang="zh-CN" dirty="0"/>
-              <a:t>HTML</a:t>
-            </a:r>
-          </a:p>
-          <a:p>
-            <a:endParaRPr lang="en-US" altLang="zh-CN" b="1" dirty="0"/>
+              <a:t>’</a:t>
+            </a:r>
+            <a:r>
+              <a:rPr lang="zh-CN" altLang="en-US" b="1" dirty="0"/>
+              <a:t>确定</a:t>
+            </a:r>
+            <a:r>
+              <a:rPr lang="en-US" altLang="zh-CN" b="1" dirty="0"/>
+              <a:t>’</a:t>
+            </a:r>
+            <a:r>
+              <a:rPr lang="zh-CN" altLang="en-US" b="1" dirty="0"/>
+              <a:t>：’取消’ </a:t>
+            </a:r>
+            <a:r>
+              <a:rPr lang="en-US" altLang="zh-CN" b="1" dirty="0"/>
+              <a:t>}}</a:t>
+            </a:r>
+          </a:p>
+          <a:p>
+            <a:r>
+              <a:rPr lang="zh-CN" altLang="en-US" b="1" dirty="0"/>
+              <a:t>不能使用自定义的全局变量，只能使用</a:t>
+            </a:r>
+            <a:r>
+              <a:rPr lang="en-US" altLang="zh-CN" b="1" dirty="0"/>
+              <a:t>Vue</a:t>
+            </a:r>
+            <a:r>
+              <a:rPr lang="zh-CN" altLang="en-US" b="1" dirty="0"/>
+              <a:t>白名单内的全局变量，例如</a:t>
+            </a:r>
+            <a:r>
+              <a:rPr lang="en-US" altLang="zh-CN" b="1" dirty="0"/>
+              <a:t>Math</a:t>
+            </a:r>
+            <a:r>
+              <a:rPr lang="zh-CN" altLang="en-US" b="1" dirty="0"/>
+              <a:t>和</a:t>
+            </a:r>
+            <a:r>
+              <a:rPr lang="en-US" altLang="zh-CN" b="1" dirty="0"/>
+              <a:t>Date</a:t>
+            </a:r>
           </a:p>
           <a:p>
             <a:endParaRPr lang="en-US" altLang="zh-CN" b="1" dirty="0"/>
@@ -8756,13 +8767,8 @@
                 <a:ea typeface="微软雅黑" panose="020B0503020204020204" pitchFamily="34" charset="-122"/>
                 <a:sym typeface="+mn-ea"/>
               </a:rPr>
-              <a:t>指令</a:t>
-            </a:r>
-            <a:endParaRPr lang="en-US" altLang="zh-CN" b="1" dirty="0">
-              <a:latin typeface="微软雅黑" panose="020B0503020204020204" pitchFamily="34" charset="-122"/>
-              <a:ea typeface="微软雅黑" panose="020B0503020204020204" pitchFamily="34" charset="-122"/>
-              <a:sym typeface="+mn-ea"/>
-            </a:endParaRPr>
+              <a:t>模板语法</a:t>
+            </a:r>
           </a:p>
         </p:txBody>
       </p:sp>
@@ -8779,66 +8785,100 @@
         <p:spPr/>
         <p:txBody>
           <a:bodyPr>
-            <a:normAutofit/>
+            <a:normAutofit lnSpcReduction="10000"/>
           </a:bodyPr>
           <a:lstStyle/>
           <a:p>
             <a:r>
-              <a:rPr lang="zh-CN" altLang="en-US" dirty="0"/>
-              <a:t>指令是带有 </a:t>
+              <a:rPr lang="en-US" altLang="zh-CN" b="1" dirty="0"/>
+              <a:t>v-bind</a:t>
+            </a:r>
+            <a:r>
+              <a:rPr lang="zh-CN" altLang="en-US" b="1" dirty="0"/>
+              <a:t>：</a:t>
+            </a:r>
+            <a:r>
+              <a:rPr lang="zh-CN" altLang="en-US" dirty="0"/>
+              <a:t>单项绑定，这里的单向指的是数据到界面的单向。数据改变时</a:t>
             </a:r>
             <a:r>
               <a:rPr lang="en-US" altLang="zh-CN" dirty="0"/>
-              <a:t>v- </a:t>
-            </a:r>
-            <a:r>
-              <a:rPr lang="zh-CN" altLang="en-US" dirty="0"/>
-              <a:t>前缀的特殊属性，用来封装 </a:t>
+              <a:t>Dom</a:t>
+            </a:r>
+            <a:r>
+              <a:rPr lang="zh-CN" altLang="en-US" dirty="0"/>
+              <a:t>文档也会改变。当绑定的值为</a:t>
+            </a:r>
+            <a:r>
+              <a:rPr lang="en-US" altLang="zh-CN" dirty="0" err="1"/>
+              <a:t>false,null</a:t>
+            </a:r>
+            <a:r>
+              <a:rPr lang="zh-CN" altLang="en-US" dirty="0"/>
+              <a:t>时属性不会绑定上去，简写形式为</a:t>
             </a:r>
             <a:r>
               <a:rPr lang="en-US" altLang="zh-CN" dirty="0"/>
-              <a:t>DOM </a:t>
-            </a:r>
-            <a:r>
-              <a:rPr lang="zh-CN" altLang="en-US" dirty="0"/>
-              <a:t>操作。</a:t>
+              <a:t>:</a:t>
+            </a:r>
+            <a:r>
+              <a:rPr lang="zh-CN" altLang="en-US" dirty="0"/>
+              <a:t>属性</a:t>
+            </a:r>
+            <a:r>
+              <a:rPr lang="en-US" altLang="zh-CN" dirty="0"/>
+              <a:t>=“”</a:t>
+            </a:r>
+          </a:p>
+          <a:p>
+            <a:r>
+              <a:rPr lang="en-US" altLang="zh-CN" b="1" dirty="0"/>
+              <a:t>v-model</a:t>
+            </a:r>
+            <a:r>
+              <a:rPr lang="zh-CN" altLang="en-US" b="1" dirty="0"/>
+              <a:t>：</a:t>
+            </a:r>
+            <a:r>
+              <a:rPr lang="zh-CN" altLang="en-US" dirty="0"/>
+              <a:t>双向绑定</a:t>
             </a:r>
             <a:endParaRPr lang="en-US" altLang="zh-CN" dirty="0"/>
           </a:p>
           <a:p>
-            <a:pPr marL="0" indent="0">
-              <a:buNone/>
-            </a:pPr>
+            <a:r>
+              <a:rPr lang="en-US" altLang="zh-CN" b="1" dirty="0"/>
+              <a:t>v-html:</a:t>
+            </a:r>
+            <a:r>
+              <a:rPr lang="zh-CN" altLang="en-US" dirty="0"/>
+              <a:t>绑定</a:t>
+            </a:r>
             <a:r>
               <a:rPr lang="en-US" altLang="zh-CN" dirty="0"/>
-              <a:t>	&lt;div id="app"&gt; </a:t>
-            </a:r>
-          </a:p>
-          <a:p>
-            <a:pPr marL="0" indent="0">
-              <a:buNone/>
-            </a:pPr>
+              <a:t>HTML</a:t>
+            </a:r>
+            <a:r>
+              <a:rPr lang="zh-CN" altLang="en-US" dirty="0"/>
+              <a:t>，对内容做校验，防止</a:t>
+            </a:r>
             <a:r>
               <a:rPr lang="en-US" altLang="zh-CN" dirty="0"/>
-              <a:t>		&lt;p v-if="true"&gt;</a:t>
-            </a:r>
-            <a:r>
-              <a:rPr lang="zh-CN" altLang="en-US" dirty="0"/>
-              <a:t>现在你看到我了</a:t>
-            </a:r>
-            <a:r>
-              <a:rPr lang="en-US" altLang="zh-CN" dirty="0"/>
-              <a:t>&lt;/p&gt;</a:t>
-            </a:r>
-          </a:p>
-          <a:p>
-            <a:pPr marL="0" indent="0">
-              <a:buNone/>
-            </a:pPr>
-            <a:r>
-              <a:rPr lang="en-US" altLang="zh-CN" dirty="0"/>
-              <a:t>	&lt;/div&gt;</a:t>
-            </a:r>
+              <a:t>XSS</a:t>
+            </a:r>
+            <a:r>
+              <a:rPr lang="zh-CN" altLang="en-US" dirty="0"/>
+              <a:t>攻击</a:t>
+            </a:r>
+            <a:endParaRPr lang="en-US" altLang="zh-CN" dirty="0"/>
+          </a:p>
+          <a:p>
+            <a:endParaRPr lang="en-US" altLang="zh-CN" b="1" dirty="0"/>
+          </a:p>
+          <a:p>
+            <a:endParaRPr lang="en-US" altLang="zh-CN" b="1" dirty="0"/>
+          </a:p>
+          <a:p>
             <a:endParaRPr lang="zh-CN" altLang="en-US" b="1" dirty="0"/>
           </a:p>
           <a:p>
@@ -8864,7 +8904,7 @@
     </p:spTree>
     <p:extLst>
       <p:ext uri="{BB962C8B-B14F-4D97-AF65-F5344CB8AC3E}">
-        <p14:creationId xmlns:p14="http://schemas.microsoft.com/office/powerpoint/2010/main" val="3931648104"/>
+        <p14:creationId xmlns:p14="http://schemas.microsoft.com/office/powerpoint/2010/main" val="4035081966"/>
       </p:ext>
     </p:extLst>
   </p:cSld>
@@ -8912,20 +8952,14 @@
           <a:lstStyle/>
           <a:p>
             <a:r>
-              <a:rPr lang="en-US" altLang="zh-CN" dirty="0">
-                <a:sym typeface="+mn-ea"/>
-              </a:rPr>
-              <a:t>v</a:t>
-            </a:r>
-            <a:r>
-              <a:rPr lang="en-US" altLang="zh-CN" b="1" dirty="0">
+              <a:rPr lang="zh-CN" altLang="en-US" b="1" dirty="0">
                 <a:latin typeface="微软雅黑" panose="020B0503020204020204" pitchFamily="34" charset="-122"/>
                 <a:ea typeface="微软雅黑" panose="020B0503020204020204" pitchFamily="34" charset="-122"/>
                 <a:sym typeface="+mn-ea"/>
               </a:rPr>
-              <a:t>-if</a:t>
-            </a:r>
-            <a:endParaRPr lang="zh-CN" altLang="en-US" b="1" dirty="0">
+              <a:t>指令</a:t>
+            </a:r>
+            <a:endParaRPr lang="en-US" altLang="zh-CN" b="1" dirty="0">
               <a:latin typeface="微软雅黑" panose="020B0503020204020204" pitchFamily="34" charset="-122"/>
               <a:ea typeface="微软雅黑" panose="020B0503020204020204" pitchFamily="34" charset="-122"/>
               <a:sym typeface="+mn-ea"/>
@@ -8946,62 +8980,39 @@
         <p:spPr/>
         <p:txBody>
           <a:bodyPr>
-            <a:normAutofit fontScale="85000" lnSpcReduction="20000"/>
+            <a:normAutofit/>
           </a:bodyPr>
           <a:lstStyle/>
           <a:p>
             <a:r>
+              <a:rPr lang="zh-CN" altLang="en-US" dirty="0"/>
+              <a:t>指令是带有 </a:t>
+            </a:r>
+            <a:r>
               <a:rPr lang="en-US" altLang="zh-CN" dirty="0"/>
-              <a:t>v-if </a:t>
-            </a:r>
-            <a:r>
-              <a:rPr lang="zh-CN" altLang="en-US" dirty="0"/>
-              <a:t>是“真正的”条件渲染，因为它会确保在切换过程中条件块内的事件监听器和子组件适当地被销毁和重建。</a:t>
+              <a:t>v- </a:t>
+            </a:r>
+            <a:r>
+              <a:rPr lang="zh-CN" altLang="en-US" dirty="0"/>
+              <a:t>前缀的特殊属性，用来封装 </a:t>
+            </a:r>
+            <a:r>
+              <a:rPr lang="en-US" altLang="zh-CN" dirty="0"/>
+              <a:t>DOM </a:t>
+            </a:r>
+            <a:r>
+              <a:rPr lang="zh-CN" altLang="en-US" dirty="0"/>
+              <a:t>操作。</a:t>
             </a:r>
             <a:endParaRPr lang="en-US" altLang="zh-CN" dirty="0"/>
-          </a:p>
-          <a:p>
-            <a:r>
-              <a:rPr lang="en-US" altLang="zh-CN" dirty="0"/>
-              <a:t>v-if</a:t>
-            </a:r>
-            <a:r>
-              <a:rPr lang="zh-CN" altLang="en-US" dirty="0"/>
-              <a:t>后面可以跟</a:t>
-            </a:r>
-            <a:r>
-              <a:rPr lang="en-US" altLang="zh-CN" dirty="0"/>
-              <a:t>v-else-if</a:t>
-            </a:r>
-            <a:r>
-              <a:rPr lang="zh-CN" altLang="en-US" dirty="0"/>
-              <a:t>和</a:t>
-            </a:r>
-            <a:r>
-              <a:rPr lang="en-US" altLang="zh-CN" dirty="0"/>
-              <a:t>v-else</a:t>
-            </a:r>
-            <a:endParaRPr lang="zh-CN" altLang="en-US" dirty="0"/>
           </a:p>
           <a:p>
             <a:pPr marL="0" indent="0">
               <a:buNone/>
             </a:pPr>
             <a:r>
-              <a:rPr lang="en-US" altLang="zh-CN" sz="1900" b="1" dirty="0"/>
-              <a:t>	&lt;div </a:t>
-            </a:r>
-            <a:r>
-              <a:rPr lang="en-US" altLang="zh-CN" sz="1900" b="1" dirty="0">
-                <a:solidFill>
-                  <a:srgbClr val="FF0000"/>
-                </a:solidFill>
-              </a:rPr>
-              <a:t>v-if</a:t>
-            </a:r>
-            <a:r>
-              <a:rPr lang="en-US" altLang="zh-CN" sz="1900" b="1" dirty="0"/>
-              <a:t>="type === 'A'"&gt;A&lt;/div&gt;</a:t>
+              <a:rPr lang="en-US" altLang="zh-CN" dirty="0"/>
+              <a:t>	&lt;div id="app"&gt; </a:t>
             </a:r>
           </a:p>
           <a:p>
@@ -9009,20 +9020,16 @@
               <a:buNone/>
             </a:pPr>
             <a:r>
-              <a:rPr lang="en-US" altLang="zh-CN" sz="1900" b="1" dirty="0"/>
-              <a:t>	&lt;div </a:t>
-            </a:r>
-            <a:r>
-              <a:rPr lang="en-US" altLang="zh-CN" sz="1900" b="1" dirty="0">
-                <a:solidFill>
-                  <a:srgbClr val="FF0000"/>
-                </a:solidFill>
-              </a:rPr>
-              <a:t>v-else-if</a:t>
-            </a:r>
-            <a:r>
-              <a:rPr lang="en-US" altLang="zh-CN" sz="1900" b="1" dirty="0"/>
-              <a:t>="type === 'B'"&gt;B&lt;/div&gt;</a:t>
+              <a:rPr lang="en-US" altLang="zh-CN" dirty="0"/>
+              <a:t>		&lt;p v-if="true"&gt;</a:t>
+            </a:r>
+            <a:r>
+              <a:rPr lang="zh-CN" altLang="en-US" dirty="0"/>
+              <a:t>现在你看到我了</a:t>
+            </a:r>
+            <a:r>
+              <a:rPr lang="en-US" altLang="zh-CN" dirty="0"/>
+              <a:t>&lt;/p&gt;</a:t>
             </a:r>
           </a:p>
           <a:p>
@@ -9030,42 +9037,17 @@
               <a:buNone/>
             </a:pPr>
             <a:r>
-              <a:rPr lang="en-US" altLang="zh-CN" sz="1900" b="1" dirty="0"/>
-              <a:t>	&lt;div </a:t>
-            </a:r>
-            <a:r>
-              <a:rPr lang="en-US" altLang="zh-CN" sz="1900" b="1" dirty="0">
-                <a:solidFill>
-                  <a:srgbClr val="FF0000"/>
-                </a:solidFill>
-              </a:rPr>
-              <a:t>v-else-if</a:t>
-            </a:r>
-            <a:r>
-              <a:rPr lang="en-US" altLang="zh-CN" sz="1900" b="1" dirty="0"/>
-              <a:t>="type === 'C'"&gt;C&lt;/div&gt;</a:t>
-            </a:r>
-          </a:p>
-          <a:p>
-            <a:pPr marL="0" indent="0">
-              <a:buNone/>
-            </a:pPr>
-            <a:r>
-              <a:rPr lang="en-US" altLang="zh-CN" sz="1900" b="1" dirty="0"/>
-              <a:t>	&lt;div </a:t>
-            </a:r>
-            <a:r>
-              <a:rPr lang="en-US" altLang="zh-CN" sz="1900" b="1" dirty="0">
-                <a:solidFill>
-                  <a:srgbClr val="FF0000"/>
-                </a:solidFill>
-              </a:rPr>
-              <a:t>v-else</a:t>
-            </a:r>
-            <a:r>
-              <a:rPr lang="en-US" altLang="zh-CN" sz="1900" b="1" dirty="0"/>
-              <a:t>&gt;Not A/B/C&lt;/div&gt;</a:t>
-            </a:r>
+              <a:rPr lang="en-US" altLang="zh-CN" dirty="0"/>
+              <a:t>	&lt;/div&gt;</a:t>
+            </a:r>
+            <a:endParaRPr lang="zh-CN" altLang="en-US" b="1" dirty="0"/>
+          </a:p>
+          <a:p>
+            <a:endParaRPr lang="en-US" altLang="zh-CN" b="1" dirty="0"/>
+          </a:p>
+          <a:p>
+            <a:pPr lvl="1"/>
+            <a:endParaRPr lang="zh-CN" altLang="en-US" b="1" dirty="0"/>
           </a:p>
           <a:p>
             <a:pPr>
@@ -9073,22 +9055,6 @@
                 <a:spcPct val="130000"/>
               </a:lnSpc>
             </a:pPr>
-            <a:r>
-              <a:rPr lang="en-US" altLang="zh-CN" sz="3600" dirty="0"/>
-              <a:t>v-if </a:t>
-            </a:r>
-            <a:r>
-              <a:rPr lang="zh-CN" altLang="en-US" sz="3600" dirty="0"/>
-              <a:t>也是惰性的：如果在初始渲染时条件为假，则什么也不做</a:t>
-            </a:r>
-            <a:r>
-              <a:rPr lang="en-US" altLang="zh-CN" sz="3600" dirty="0"/>
-              <a:t>——</a:t>
-            </a:r>
-            <a:r>
-              <a:rPr lang="zh-CN" altLang="en-US" sz="3600" dirty="0"/>
-              <a:t>直到条件第一次变为真时，才会开始渲染条件块。</a:t>
-            </a:r>
             <a:endParaRPr lang="zh-CN" altLang="en-US" sz="3600" dirty="0">
               <a:latin typeface="微软雅黑" panose="020B0503020204020204" pitchFamily="34" charset="-122"/>
               <a:ea typeface="微软雅黑" panose="020B0503020204020204" pitchFamily="34" charset="-122"/>
@@ -9099,7 +9065,7 @@
     </p:spTree>
     <p:extLst>
       <p:ext uri="{BB962C8B-B14F-4D97-AF65-F5344CB8AC3E}">
-        <p14:creationId xmlns:p14="http://schemas.microsoft.com/office/powerpoint/2010/main" val="623140037"/>
+        <p14:creationId xmlns:p14="http://schemas.microsoft.com/office/powerpoint/2010/main" val="3931648104"/>
       </p:ext>
     </p:extLst>
   </p:cSld>
@@ -9158,7 +9124,7 @@
                 <a:ea typeface="微软雅黑" panose="020B0503020204020204" pitchFamily="34" charset="-122"/>
                 <a:sym typeface="+mn-ea"/>
               </a:rPr>
-              <a:t>-show</a:t>
+              <a:t>-if</a:t>
             </a:r>
             <a:endParaRPr lang="zh-CN" altLang="en-US" b="1" dirty="0">
               <a:latin typeface="微软雅黑" panose="020B0503020204020204" pitchFamily="34" charset="-122"/>
@@ -9181,107 +9147,126 @@
         <p:spPr/>
         <p:txBody>
           <a:bodyPr>
-            <a:normAutofit/>
+            <a:normAutofit fontScale="85000" lnSpcReduction="20000"/>
           </a:bodyPr>
           <a:lstStyle/>
+          <a:p>
+            <a:r>
+              <a:rPr lang="en-US" altLang="zh-CN" dirty="0"/>
+              <a:t>v-if </a:t>
+            </a:r>
+            <a:r>
+              <a:rPr lang="zh-CN" altLang="en-US" dirty="0"/>
+              <a:t>是“真正的”条件渲染，因为它会确保在切换过程中条件块内的事件监听器和子组件适当地被销毁和重建。</a:t>
+            </a:r>
+            <a:endParaRPr lang="en-US" altLang="zh-CN" dirty="0"/>
+          </a:p>
+          <a:p>
+            <a:r>
+              <a:rPr lang="en-US" altLang="zh-CN" dirty="0"/>
+              <a:t>v-if</a:t>
+            </a:r>
+            <a:r>
+              <a:rPr lang="zh-CN" altLang="en-US" dirty="0"/>
+              <a:t>后面可以跟</a:t>
+            </a:r>
+            <a:r>
+              <a:rPr lang="en-US" altLang="zh-CN" dirty="0"/>
+              <a:t>v-else-if</a:t>
+            </a:r>
+            <a:r>
+              <a:rPr lang="zh-CN" altLang="en-US" dirty="0"/>
+              <a:t>和</a:t>
+            </a:r>
+            <a:r>
+              <a:rPr lang="en-US" altLang="zh-CN" dirty="0"/>
+              <a:t>v-else</a:t>
+            </a:r>
+            <a:endParaRPr lang="zh-CN" altLang="en-US" dirty="0"/>
+          </a:p>
           <a:p>
             <a:pPr marL="0" indent="0">
               <a:buNone/>
             </a:pPr>
             <a:r>
-              <a:rPr lang="zh-CN" altLang="en-US" sz="2400" dirty="0"/>
-              <a:t>带有 </a:t>
-            </a:r>
-            <a:r>
-              <a:rPr lang="en-US" altLang="zh-CN" sz="2400" dirty="0"/>
-              <a:t>v-show </a:t>
-            </a:r>
-            <a:r>
-              <a:rPr lang="zh-CN" altLang="en-US" sz="2400" dirty="0"/>
-              <a:t>的元素始终会被渲染并保留在 </a:t>
-            </a:r>
-            <a:r>
-              <a:rPr lang="en-US" altLang="zh-CN" sz="2400" dirty="0"/>
-              <a:t>DOM </a:t>
-            </a:r>
-            <a:r>
-              <a:rPr lang="zh-CN" altLang="en-US" sz="2400" dirty="0"/>
-              <a:t>中。</a:t>
-            </a:r>
-            <a:r>
-              <a:rPr lang="en-US" altLang="zh-CN" sz="2400" dirty="0"/>
-              <a:t>v-show </a:t>
-            </a:r>
-            <a:r>
-              <a:rPr lang="zh-CN" altLang="en-US" sz="2400" dirty="0"/>
-              <a:t>是简单地切换元素的 </a:t>
-            </a:r>
-            <a:r>
-              <a:rPr lang="en-US" altLang="zh-CN" sz="2400" dirty="0"/>
-              <a:t>CSS </a:t>
-            </a:r>
-            <a:r>
-              <a:rPr lang="zh-CN" altLang="en-US" sz="2400" dirty="0"/>
-              <a:t>属性 </a:t>
-            </a:r>
-            <a:r>
-              <a:rPr lang="en-US" altLang="zh-CN" sz="2400" dirty="0"/>
-              <a:t>display </a:t>
-            </a:r>
-            <a:r>
-              <a:rPr lang="zh-CN" altLang="en-US" sz="2400" dirty="0"/>
-              <a:t>。</a:t>
-            </a:r>
-            <a:endParaRPr lang="en-US" altLang="zh-CN" sz="2400" dirty="0"/>
-          </a:p>
-          <a:p>
-            <a:r>
-              <a:rPr lang="en-US" altLang="zh-CN" b="1" dirty="0"/>
-              <a:t>v-if vs v-show:</a:t>
-            </a:r>
-            <a:endParaRPr lang="zh-CN" altLang="en-US" b="1" dirty="0"/>
+              <a:rPr lang="en-US" altLang="zh-CN" sz="1900" b="1" dirty="0"/>
+              <a:t>	&lt;div </a:t>
+            </a:r>
+            <a:r>
+              <a:rPr lang="en-US" altLang="zh-CN" sz="1900" b="1" dirty="0">
+                <a:solidFill>
+                  <a:srgbClr val="FF0000"/>
+                </a:solidFill>
+              </a:rPr>
+              <a:t>v-if</a:t>
+            </a:r>
+            <a:r>
+              <a:rPr lang="en-US" altLang="zh-CN" sz="1900" b="1" dirty="0"/>
+              <a:t>="type === 'A'"&gt;A&lt;/div&gt;</a:t>
+            </a:r>
           </a:p>
           <a:p>
             <a:pPr marL="0" indent="0">
               <a:buNone/>
             </a:pPr>
             <a:r>
-              <a:rPr lang="en-US" altLang="zh-CN" sz="2400" dirty="0"/>
-              <a:t>v-if </a:t>
-            </a:r>
-            <a:r>
-              <a:rPr lang="zh-CN" altLang="en-US" sz="2400" dirty="0"/>
-              <a:t>有更高的切换开销，而 </a:t>
-            </a:r>
-            <a:r>
-              <a:rPr lang="en-US" altLang="zh-CN" sz="2400" dirty="0"/>
-              <a:t>v-show </a:t>
-            </a:r>
-            <a:r>
-              <a:rPr lang="zh-CN" altLang="en-US" sz="2400" dirty="0"/>
-              <a:t>有更高的初始渲染开销。因此，如果需要非常频繁地切换，则使用 </a:t>
-            </a:r>
-            <a:r>
-              <a:rPr lang="en-US" altLang="zh-CN" sz="2400" dirty="0"/>
-              <a:t>v-show </a:t>
-            </a:r>
-            <a:r>
-              <a:rPr lang="zh-CN" altLang="en-US" sz="2400" dirty="0"/>
-              <a:t>较好；如果在运行时条件不太可能改变，则使用 </a:t>
-            </a:r>
-            <a:r>
-              <a:rPr lang="en-US" altLang="zh-CN" sz="2400" dirty="0"/>
-              <a:t>v-if </a:t>
-            </a:r>
-            <a:r>
-              <a:rPr lang="zh-CN" altLang="en-US" sz="2400" dirty="0"/>
-              <a:t>较好。</a:t>
-            </a:r>
-            <a:endParaRPr lang="en-US" altLang="zh-CN" sz="2400" dirty="0"/>
-          </a:p>
-          <a:p>
-            <a:pPr lvl="1"/>
-            <a:endParaRPr lang="zh-CN" altLang="en-US" b="1" dirty="0"/>
+              <a:rPr lang="en-US" altLang="zh-CN" sz="1900" b="1" dirty="0"/>
+              <a:t>	&lt;div </a:t>
+            </a:r>
+            <a:r>
+              <a:rPr lang="en-US" altLang="zh-CN" sz="1900" b="1" dirty="0">
+                <a:solidFill>
+                  <a:srgbClr val="FF0000"/>
+                </a:solidFill>
+              </a:rPr>
+              <a:t>v-else-if</a:t>
+            </a:r>
+            <a:r>
+              <a:rPr lang="en-US" altLang="zh-CN" sz="1900" b="1" dirty="0"/>
+              <a:t>="type === 'B'"&gt;B&lt;/div&gt;</a:t>
+            </a:r>
+          </a:p>
+          <a:p>
+            <a:pPr marL="0" indent="0">
+              <a:buNone/>
+            </a:pPr>
+            <a:r>
+              <a:rPr lang="en-US" altLang="zh-CN" sz="1900" b="1" dirty="0"/>
+              <a:t>	&lt;div </a:t>
+            </a:r>
+            <a:r>
+              <a:rPr lang="en-US" altLang="zh-CN" sz="1900" b="1" dirty="0">
+                <a:solidFill>
+                  <a:srgbClr val="FF0000"/>
+                </a:solidFill>
+              </a:rPr>
+              <a:t>v-else-if</a:t>
+            </a:r>
+            <a:r>
+              <a:rPr lang="en-US" altLang="zh-CN" sz="1900" b="1" dirty="0"/>
+              <a:t>="type === 'C'"&gt;C&lt;/div&gt;</a:t>
+            </a:r>
+          </a:p>
+          <a:p>
+            <a:pPr marL="0" indent="0">
+              <a:buNone/>
+            </a:pPr>
+            <a:r>
+              <a:rPr lang="en-US" altLang="zh-CN" sz="1900" b="1" dirty="0"/>
+              <a:t>	&lt;div </a:t>
+            </a:r>
+            <a:r>
+              <a:rPr lang="en-US" altLang="zh-CN" sz="1900" b="1" dirty="0">
+                <a:solidFill>
+                  <a:srgbClr val="FF0000"/>
+                </a:solidFill>
+              </a:rPr>
+              <a:t>v-else</a:t>
+            </a:r>
+            <a:r>
+              <a:rPr lang="en-US" altLang="zh-CN" sz="1900" b="1" dirty="0"/>
+              <a:t>&gt;Not A/B/C&lt;/div&gt;</a:t>
+            </a:r>
           </a:p>
           <a:p>
             <a:pPr>
@@ -9289,6 +9274,22 @@
                 <a:spcPct val="130000"/>
               </a:lnSpc>
             </a:pPr>
+            <a:r>
+              <a:rPr lang="en-US" altLang="zh-CN" sz="3600" dirty="0"/>
+              <a:t>v-if </a:t>
+            </a:r>
+            <a:r>
+              <a:rPr lang="zh-CN" altLang="en-US" sz="3600" dirty="0"/>
+              <a:t>也是惰性的：如果在初始渲染时条件为假，则什么也不做</a:t>
+            </a:r>
+            <a:r>
+              <a:rPr lang="en-US" altLang="zh-CN" sz="3600" dirty="0"/>
+              <a:t>——</a:t>
+            </a:r>
+            <a:r>
+              <a:rPr lang="zh-CN" altLang="en-US" sz="3600" dirty="0"/>
+              <a:t>直到条件第一次变为真时，才会开始渲染条件块。</a:t>
+            </a:r>
             <a:endParaRPr lang="zh-CN" altLang="en-US" sz="3600" dirty="0">
               <a:latin typeface="微软雅黑" panose="020B0503020204020204" pitchFamily="34" charset="-122"/>
               <a:ea typeface="微软雅黑" panose="020B0503020204020204" pitchFamily="34" charset="-122"/>
@@ -9299,7 +9300,7 @@
     </p:spTree>
     <p:extLst>
       <p:ext uri="{BB962C8B-B14F-4D97-AF65-F5344CB8AC3E}">
-        <p14:creationId xmlns:p14="http://schemas.microsoft.com/office/powerpoint/2010/main" val="570948233"/>
+        <p14:creationId xmlns:p14="http://schemas.microsoft.com/office/powerpoint/2010/main" val="623140037"/>
       </p:ext>
     </p:extLst>
   </p:cSld>
@@ -9358,7 +9359,7 @@
                 <a:ea typeface="微软雅黑" panose="020B0503020204020204" pitchFamily="34" charset="-122"/>
                 <a:sym typeface="+mn-ea"/>
               </a:rPr>
-              <a:t>-for</a:t>
+              <a:t>-show</a:t>
             </a:r>
             <a:endParaRPr lang="zh-CN" altLang="en-US" b="1" dirty="0">
               <a:latin typeface="微软雅黑" panose="020B0503020204020204" pitchFamily="34" charset="-122"/>
@@ -9381,94 +9382,103 @@
         <p:spPr/>
         <p:txBody>
           <a:bodyPr>
-            <a:normAutofit fontScale="85000" lnSpcReduction="20000"/>
+            <a:normAutofit/>
           </a:bodyPr>
           <a:lstStyle/>
-          <a:p>
-            <a:r>
-              <a:rPr lang="zh-CN" altLang="en-US" dirty="0"/>
-              <a:t>基于源数据多次渲染元素或模板块。该指令的值，必须使用特定语法 </a:t>
-            </a:r>
-            <a:endParaRPr lang="en-US" altLang="zh-CN" dirty="0"/>
-          </a:p>
           <a:p>
             <a:pPr marL="0" indent="0">
               <a:buNone/>
             </a:pPr>
             <a:r>
+              <a:rPr lang="zh-CN" altLang="en-US" sz="2400" dirty="0"/>
+              <a:t>带有 </a:t>
+            </a:r>
+            <a:r>
+              <a:rPr lang="en-US" altLang="zh-CN" sz="2400" dirty="0"/>
+              <a:t>v-show </a:t>
+            </a:r>
+            <a:r>
+              <a:rPr lang="zh-CN" altLang="en-US" sz="2400" dirty="0"/>
+              <a:t>的元素始终会被渲染并保留在 </a:t>
+            </a:r>
+            <a:r>
+              <a:rPr lang="en-US" altLang="zh-CN" sz="2400" dirty="0"/>
+              <a:t>DOM </a:t>
+            </a:r>
+            <a:r>
+              <a:rPr lang="zh-CN" altLang="en-US" sz="2400" dirty="0"/>
+              <a:t>中。</a:t>
+            </a:r>
+            <a:r>
+              <a:rPr lang="en-US" altLang="zh-CN" sz="2400" dirty="0"/>
+              <a:t>v-show </a:t>
+            </a:r>
+            <a:r>
+              <a:rPr lang="zh-CN" altLang="en-US" sz="2400" dirty="0"/>
+              <a:t>是简单地切换元素的 </a:t>
+            </a:r>
+            <a:r>
+              <a:rPr lang="en-US" altLang="zh-CN" sz="2400" dirty="0"/>
+              <a:t>CSS </a:t>
+            </a:r>
+            <a:r>
+              <a:rPr lang="zh-CN" altLang="en-US" sz="2400" dirty="0"/>
+              <a:t>属性 </a:t>
+            </a:r>
+            <a:r>
+              <a:rPr lang="en-US" altLang="zh-CN" sz="2400" dirty="0"/>
+              <a:t>display </a:t>
+            </a:r>
+            <a:r>
+              <a:rPr lang="zh-CN" altLang="en-US" sz="2400" dirty="0"/>
+              <a:t>。</a:t>
+            </a:r>
+            <a:endParaRPr lang="en-US" altLang="zh-CN" sz="2400" dirty="0"/>
+          </a:p>
+          <a:p>
+            <a:r>
               <a:rPr lang="en-US" altLang="zh-CN" b="1" dirty="0"/>
-              <a:t>&lt;div v-for="item in items"&gt;&lt;/div&gt;</a:t>
-            </a:r>
-            <a:endParaRPr lang="en-US" altLang="zh-CN" dirty="0"/>
+              <a:t>v-if vs v-show:</a:t>
+            </a:r>
+            <a:endParaRPr lang="zh-CN" altLang="en-US" b="1" dirty="0"/>
           </a:p>
           <a:p>
             <a:pPr marL="0" indent="0">
               <a:buNone/>
             </a:pPr>
             <a:r>
-              <a:rPr lang="en-US" altLang="zh-CN" b="1" dirty="0"/>
-              <a:t>&lt;div v-for="(item, index) in items"&gt;&lt;/div&gt;</a:t>
-            </a:r>
-          </a:p>
-          <a:p>
-            <a:pPr marL="0" indent="0">
-              <a:buNone/>
-            </a:pPr>
-            <a:r>
-              <a:rPr lang="en-US" altLang="zh-CN" b="1" dirty="0"/>
-              <a:t>&lt;div v-for="(</a:t>
-            </a:r>
-            <a:r>
-              <a:rPr lang="en-US" altLang="zh-CN" b="1" dirty="0" err="1"/>
-              <a:t>val</a:t>
-            </a:r>
-            <a:r>
-              <a:rPr lang="en-US" altLang="zh-CN" b="1" dirty="0"/>
-              <a:t>, key) in object"&gt;&lt;/div&gt;</a:t>
-            </a:r>
-          </a:p>
-          <a:p>
-            <a:pPr marL="0" indent="0">
-              <a:buNone/>
-            </a:pPr>
-            <a:r>
-              <a:rPr lang="en-US" altLang="zh-CN" b="1" dirty="0"/>
-              <a:t>&lt;div v-for="(</a:t>
-            </a:r>
-            <a:r>
-              <a:rPr lang="en-US" altLang="zh-CN" b="1" dirty="0" err="1"/>
-              <a:t>val</a:t>
-            </a:r>
-            <a:r>
-              <a:rPr lang="en-US" altLang="zh-CN" b="1" dirty="0"/>
-              <a:t>, key, index) in object"&gt;&lt;/div&gt;</a:t>
-            </a:r>
-            <a:endParaRPr lang="en-US" altLang="zh-CN" dirty="0"/>
-          </a:p>
-          <a:p>
-            <a:r>
-              <a:rPr lang="zh-CN" altLang="en-US" dirty="0"/>
-              <a:t>基于源数据多次渲染元素或模板块。该指令的值，必须使用特定语法 </a:t>
-            </a:r>
-            <a:endParaRPr lang="en-US" altLang="zh-CN" dirty="0"/>
-          </a:p>
-          <a:p>
-            <a:endParaRPr lang="en-US" altLang="zh-CN" dirty="0"/>
-          </a:p>
-          <a:p>
-            <a:pPr marL="0" indent="0">
-              <a:buNone/>
-            </a:pPr>
-            <a:endParaRPr lang="en-US" altLang="zh-CN" b="1" dirty="0"/>
-          </a:p>
-          <a:p>
-            <a:pPr marL="0" indent="0">
-              <a:buNone/>
-            </a:pPr>
-            <a:endParaRPr lang="zh-CN" altLang="en-US" b="1" dirty="0"/>
-          </a:p>
-          <a:p>
-            <a:endParaRPr lang="en-US" altLang="zh-CN" b="1" dirty="0"/>
+              <a:rPr lang="en-US" altLang="zh-CN" sz="2400" dirty="0"/>
+              <a:t>v-if </a:t>
+            </a:r>
+            <a:r>
+              <a:rPr lang="zh-CN" altLang="en-US" sz="2400" dirty="0"/>
+              <a:t>有更高的切换开销，而 </a:t>
+            </a:r>
+            <a:r>
+              <a:rPr lang="en-US" altLang="zh-CN" sz="2400" dirty="0"/>
+              <a:t>v-show </a:t>
+            </a:r>
+            <a:r>
+              <a:rPr lang="zh-CN" altLang="en-US" sz="2400" dirty="0"/>
+              <a:t>有更高的初始渲染开销。因此，如果需要非常频繁地切换，则使用 </a:t>
+            </a:r>
+            <a:r>
+              <a:rPr lang="en-US" altLang="zh-CN" sz="2400" dirty="0"/>
+              <a:t>v-show </a:t>
+            </a:r>
+            <a:r>
+              <a:rPr lang="zh-CN" altLang="en-US" sz="2400" dirty="0"/>
+              <a:t>较好；如果在运行时条件不太可能改变，则使用 </a:t>
+            </a:r>
+            <a:r>
+              <a:rPr lang="en-US" altLang="zh-CN" sz="2400" dirty="0"/>
+              <a:t>v-if </a:t>
+            </a:r>
+            <a:r>
+              <a:rPr lang="zh-CN" altLang="en-US" sz="2400" dirty="0"/>
+              <a:t>较好。</a:t>
+            </a:r>
+            <a:endParaRPr lang="en-US" altLang="zh-CN" sz="2400" dirty="0"/>
           </a:p>
           <a:p>
             <a:pPr lvl="1"/>
@@ -9490,7 +9500,7 @@
     </p:spTree>
     <p:extLst>
       <p:ext uri="{BB962C8B-B14F-4D97-AF65-F5344CB8AC3E}">
-        <p14:creationId xmlns:p14="http://schemas.microsoft.com/office/powerpoint/2010/main" val="4008840286"/>
+        <p14:creationId xmlns:p14="http://schemas.microsoft.com/office/powerpoint/2010/main" val="570948233"/>
       </p:ext>
     </p:extLst>
   </p:cSld>
@@ -9549,7 +9559,7 @@
                 <a:ea typeface="微软雅黑" panose="020B0503020204020204" pitchFamily="34" charset="-122"/>
                 <a:sym typeface="+mn-ea"/>
               </a:rPr>
-              <a:t>-on</a:t>
+              <a:t>-for</a:t>
             </a:r>
             <a:endParaRPr lang="zh-CN" altLang="en-US" b="1" dirty="0">
               <a:latin typeface="微软雅黑" panose="020B0503020204020204" pitchFamily="34" charset="-122"/>
@@ -9572,45 +9582,13 @@
         <p:spPr/>
         <p:txBody>
           <a:bodyPr>
-            <a:normAutofit/>
+            <a:normAutofit fontScale="85000" lnSpcReduction="20000"/>
           </a:bodyPr>
           <a:lstStyle/>
           <a:p>
             <a:r>
               <a:rPr lang="zh-CN" altLang="en-US" dirty="0"/>
-              <a:t>绑定事件监听器。事件类型由参数指定。 绑定的方法定义在</a:t>
-            </a:r>
-            <a:r>
-              <a:rPr lang="en-US" altLang="zh-CN" dirty="0" err="1"/>
-              <a:t>Vue</a:t>
-            </a:r>
-            <a:r>
-              <a:rPr lang="zh-CN" altLang="en-US" dirty="0"/>
-              <a:t>参数</a:t>
-            </a:r>
-            <a:r>
-              <a:rPr lang="en-US" altLang="zh-CN" dirty="0"/>
-              <a:t>methods</a:t>
-            </a:r>
-            <a:r>
-              <a:rPr lang="zh-CN" altLang="en-US" dirty="0"/>
-              <a:t>中，这些方法可以访问</a:t>
-            </a:r>
-            <a:r>
-              <a:rPr lang="en-US" altLang="zh-CN" dirty="0" err="1"/>
-              <a:t>Vue</a:t>
-            </a:r>
-            <a:r>
-              <a:rPr lang="zh-CN" altLang="en-US" dirty="0"/>
-              <a:t>的</a:t>
-            </a:r>
-            <a:r>
-              <a:rPr lang="en-US" altLang="zh-CN" dirty="0"/>
-              <a:t>data</a:t>
-            </a:r>
-            <a:r>
-              <a:rPr lang="zh-CN" altLang="en-US" dirty="0"/>
-              <a:t>属性。</a:t>
+              <a:t>基于源数据多次渲染元素或模板块。该指令的值，必须使用特定语法 </a:t>
             </a:r>
             <a:endParaRPr lang="en-US" altLang="zh-CN" dirty="0"/>
           </a:p>
@@ -9619,57 +9597,18 @@
               <a:buNone/>
             </a:pPr>
             <a:r>
-              <a:rPr lang="en-US" altLang="zh-CN" sz="2600" b="1" dirty="0"/>
-              <a:t>&lt;!-- </a:t>
-            </a:r>
-            <a:r>
-              <a:rPr lang="zh-CN" altLang="en-US" sz="2600" b="1" dirty="0"/>
-              <a:t>方法处理器 </a:t>
-            </a:r>
-            <a:r>
-              <a:rPr lang="en-US" altLang="zh-CN" sz="2600" b="1" dirty="0"/>
-              <a:t>--&gt;&lt;button </a:t>
-            </a:r>
-            <a:r>
-              <a:rPr lang="en-US" altLang="zh-CN" sz="2600" b="1" dirty="0" err="1"/>
-              <a:t>v-on:click</a:t>
-            </a:r>
-            <a:r>
-              <a:rPr lang="en-US" altLang="zh-CN" sz="2600" b="1" dirty="0"/>
-              <a:t>="</a:t>
-            </a:r>
-            <a:r>
-              <a:rPr lang="en-US" altLang="zh-CN" sz="2600" b="1" dirty="0" err="1"/>
-              <a:t>doThis</a:t>
-            </a:r>
-            <a:r>
-              <a:rPr lang="en-US" altLang="zh-CN" sz="2600" b="1" dirty="0"/>
-              <a:t>"&gt;&lt;/button&gt;</a:t>
-            </a:r>
+              <a:rPr lang="en-US" altLang="zh-CN" b="1" dirty="0"/>
+              <a:t>&lt;div v-for="item in items"&gt;&lt;/div&gt;</a:t>
+            </a:r>
+            <a:endParaRPr lang="en-US" altLang="zh-CN" dirty="0"/>
           </a:p>
           <a:p>
             <a:pPr marL="0" indent="0">
               <a:buNone/>
             </a:pPr>
             <a:r>
-              <a:rPr lang="en-US" altLang="zh-CN" sz="2600" b="1" dirty="0"/>
-              <a:t>&lt;!-- </a:t>
-            </a:r>
-            <a:r>
-              <a:rPr lang="zh-CN" altLang="en-US" sz="2600" b="1" dirty="0"/>
-              <a:t>缩写 </a:t>
-            </a:r>
-            <a:r>
-              <a:rPr lang="en-US" altLang="zh-CN" sz="2600" b="1" dirty="0"/>
-              <a:t>--&gt;&lt;button @click="</a:t>
-            </a:r>
-            <a:r>
-              <a:rPr lang="en-US" altLang="zh-CN" sz="2600" b="1" dirty="0" err="1"/>
-              <a:t>doThis</a:t>
-            </a:r>
-            <a:r>
-              <a:rPr lang="en-US" altLang="zh-CN" sz="2600" b="1" dirty="0"/>
-              <a:t>"&gt;&lt;/button&gt;</a:t>
+              <a:rPr lang="en-US" altLang="zh-CN" b="1" dirty="0"/>
+              <a:t>&lt;div v-for="(item, index) in items"&gt;&lt;/div&gt;</a:t>
             </a:r>
           </a:p>
           <a:p>
@@ -9677,32 +9616,16 @@
               <a:buNone/>
             </a:pPr>
             <a:r>
-              <a:rPr lang="en-US" altLang="zh-CN" sz="2600" b="1" dirty="0"/>
-              <a:t>&lt;!-- </a:t>
-            </a:r>
-            <a:r>
-              <a:rPr lang="zh-CN" altLang="en-US" sz="2600" b="1" dirty="0"/>
-              <a:t>停止冒泡 </a:t>
-            </a:r>
-            <a:r>
-              <a:rPr lang="en-US" altLang="zh-CN" sz="2600" b="1" dirty="0"/>
-              <a:t>--&gt;&lt;button @</a:t>
-            </a:r>
-            <a:r>
-              <a:rPr lang="en-US" altLang="zh-CN" sz="2600" b="1" dirty="0" err="1"/>
-              <a:t>click.stop</a:t>
-            </a:r>
-            <a:r>
-              <a:rPr lang="en-US" altLang="zh-CN" sz="2600" b="1" dirty="0"/>
-              <a:t>="</a:t>
-            </a:r>
-            <a:r>
-              <a:rPr lang="en-US" altLang="zh-CN" sz="2600" b="1" dirty="0" err="1"/>
-              <a:t>doThis</a:t>
-            </a:r>
-            <a:r>
-              <a:rPr lang="en-US" altLang="zh-CN" sz="2600" b="1" dirty="0"/>
-              <a:t>"&gt;&lt;/button&gt;</a:t>
+              <a:rPr lang="en-US" altLang="zh-CN" b="1" dirty="0"/>
+              <a:t>&lt;div v-for="(</a:t>
+            </a:r>
+            <a:r>
+              <a:rPr lang="en-US" altLang="zh-CN" b="1" dirty="0" err="1"/>
+              <a:t>val</a:t>
+            </a:r>
+            <a:r>
+              <a:rPr lang="en-US" altLang="zh-CN" b="1" dirty="0"/>
+              <a:t>, key) in object"&gt;&lt;/div&gt;</a:t>
             </a:r>
           </a:p>
           <a:p>
@@ -9710,33 +9633,40 @@
               <a:buNone/>
             </a:pPr>
             <a:r>
-              <a:rPr lang="en-US" altLang="zh-CN" sz="2600" b="1" dirty="0"/>
-              <a:t>&lt;!-- </a:t>
-            </a:r>
-            <a:r>
-              <a:rPr lang="zh-CN" altLang="en-US" sz="2600" b="1" dirty="0"/>
-              <a:t>键修饰符，键别名 </a:t>
-            </a:r>
-            <a:r>
-              <a:rPr lang="en-US" altLang="zh-CN" sz="2600" b="1" dirty="0"/>
-              <a:t>--&gt;&lt;input @</a:t>
-            </a:r>
-            <a:r>
-              <a:rPr lang="en-US" altLang="zh-CN" sz="2600" b="1" dirty="0" err="1"/>
-              <a:t>keyup.enter</a:t>
-            </a:r>
-            <a:r>
-              <a:rPr lang="en-US" altLang="zh-CN" sz="2600" b="1" dirty="0"/>
-              <a:t>="</a:t>
-            </a:r>
-            <a:r>
-              <a:rPr lang="en-US" altLang="zh-CN" sz="2600" b="1" dirty="0" err="1"/>
-              <a:t>onEnter</a:t>
-            </a:r>
-            <a:r>
-              <a:rPr lang="en-US" altLang="zh-CN" sz="2600" b="1" dirty="0"/>
-              <a:t>"&gt;</a:t>
-            </a:r>
+              <a:rPr lang="en-US" altLang="zh-CN" b="1" dirty="0"/>
+              <a:t>&lt;div v-for="(</a:t>
+            </a:r>
+            <a:r>
+              <a:rPr lang="en-US" altLang="zh-CN" b="1" dirty="0" err="1"/>
+              <a:t>val</a:t>
+            </a:r>
+            <a:r>
+              <a:rPr lang="en-US" altLang="zh-CN" b="1" dirty="0"/>
+              <a:t>, key, index) in object"&gt;&lt;/div&gt;</a:t>
+            </a:r>
+            <a:endParaRPr lang="en-US" altLang="zh-CN" dirty="0"/>
+          </a:p>
+          <a:p>
+            <a:r>
+              <a:rPr lang="zh-CN" altLang="en-US" dirty="0"/>
+              <a:t>基于源数据多次渲染元素或模板块。该指令的值，必须使用特定语法 </a:t>
+            </a:r>
+            <a:endParaRPr lang="en-US" altLang="zh-CN" dirty="0"/>
+          </a:p>
+          <a:p>
+            <a:endParaRPr lang="en-US" altLang="zh-CN" dirty="0"/>
+          </a:p>
+          <a:p>
+            <a:pPr marL="0" indent="0">
+              <a:buNone/>
+            </a:pPr>
+            <a:endParaRPr lang="en-US" altLang="zh-CN" b="1" dirty="0"/>
+          </a:p>
+          <a:p>
+            <a:pPr marL="0" indent="0">
+              <a:buNone/>
+            </a:pPr>
+            <a:endParaRPr lang="zh-CN" altLang="en-US" b="1" dirty="0"/>
           </a:p>
           <a:p>
             <a:endParaRPr lang="en-US" altLang="zh-CN" b="1" dirty="0"/>
@@ -9761,7 +9691,7 @@
     </p:spTree>
     <p:extLst>
       <p:ext uri="{BB962C8B-B14F-4D97-AF65-F5344CB8AC3E}">
-        <p14:creationId xmlns:p14="http://schemas.microsoft.com/office/powerpoint/2010/main" val="2215896650"/>
+        <p14:creationId xmlns:p14="http://schemas.microsoft.com/office/powerpoint/2010/main" val="4008840286"/>
       </p:ext>
     </p:extLst>
   </p:cSld>
@@ -9809,13 +9739,24 @@
           <a:lstStyle/>
           <a:p>
             <a:r>
-              <a:rPr lang="zh-CN" altLang="en-US" b="1" dirty="0">
+              <a:rPr lang="en-US" altLang="zh-CN" dirty="0">
+                <a:sym typeface="+mn-ea"/>
+              </a:rPr>
+              <a:t>v</a:t>
+            </a:r>
+            <a:r>
+              <a:rPr lang="en-US" altLang="zh-CN" b="1" dirty="0">
                 <a:latin typeface="微软雅黑" panose="020B0503020204020204" pitchFamily="34" charset="-122"/>
                 <a:ea typeface="微软雅黑" panose="020B0503020204020204" pitchFamily="34" charset="-122"/>
                 <a:sym typeface="+mn-ea"/>
               </a:rPr>
-              <a:t>自定义指令</a:t>
-            </a:r>
+              <a:t>-on</a:t>
+            </a:r>
+            <a:endParaRPr lang="zh-CN" altLang="en-US" b="1" dirty="0">
+              <a:latin typeface="微软雅黑" panose="020B0503020204020204" pitchFamily="34" charset="-122"/>
+              <a:ea typeface="微软雅黑" panose="020B0503020204020204" pitchFamily="34" charset="-122"/>
+              <a:sym typeface="+mn-ea"/>
+            </a:endParaRPr>
           </a:p>
         </p:txBody>
       </p:sp>
@@ -9832,20 +9773,79 @@
         <p:spPr/>
         <p:txBody>
           <a:bodyPr>
-            <a:normAutofit fontScale="92500" lnSpcReduction="20000"/>
+            <a:normAutofit/>
           </a:bodyPr>
           <a:lstStyle/>
+          <a:p>
+            <a:r>
+              <a:rPr lang="zh-CN" altLang="en-US" dirty="0"/>
+              <a:t>绑定事件监听器。事件类型由参数指定。 绑定的方法定义在</a:t>
+            </a:r>
+            <a:r>
+              <a:rPr lang="en-US" altLang="zh-CN" dirty="0" err="1"/>
+              <a:t>Vue</a:t>
+            </a:r>
+            <a:r>
+              <a:rPr lang="zh-CN" altLang="en-US" dirty="0"/>
+              <a:t>参数</a:t>
+            </a:r>
+            <a:r>
+              <a:rPr lang="en-US" altLang="zh-CN" dirty="0"/>
+              <a:t>methods</a:t>
+            </a:r>
+            <a:r>
+              <a:rPr lang="zh-CN" altLang="en-US" dirty="0"/>
+              <a:t>中，这些方法可以访问</a:t>
+            </a:r>
+            <a:r>
+              <a:rPr lang="en-US" altLang="zh-CN" dirty="0" err="1"/>
+              <a:t>Vue</a:t>
+            </a:r>
+            <a:r>
+              <a:rPr lang="zh-CN" altLang="en-US" dirty="0"/>
+              <a:t>的</a:t>
+            </a:r>
+            <a:r>
+              <a:rPr lang="en-US" altLang="zh-CN" dirty="0"/>
+              <a:t>data</a:t>
+            </a:r>
+            <a:r>
+              <a:rPr lang="zh-CN" altLang="en-US" dirty="0"/>
+              <a:t>属性。</a:t>
+            </a:r>
+            <a:endParaRPr lang="en-US" altLang="zh-CN" dirty="0"/>
+          </a:p>
           <a:p>
             <a:pPr marL="0" indent="0">
               <a:buNone/>
             </a:pPr>
             <a:r>
-              <a:rPr lang="en-US" altLang="zh-CN" b="1" dirty="0"/>
-              <a:t>// </a:t>
-            </a:r>
-            <a:r>
-              <a:rPr lang="zh-CN" altLang="en-US" b="1" dirty="0"/>
-              <a:t>自定义全局指令</a:t>
+              <a:rPr lang="en-US" altLang="zh-CN" sz="2600" b="1" dirty="0"/>
+              <a:t>&lt;!-- </a:t>
+            </a:r>
+            <a:r>
+              <a:rPr lang="zh-CN" altLang="en-US" sz="2600" b="1" dirty="0"/>
+              <a:t>方法处理器 </a:t>
+            </a:r>
+            <a:r>
+              <a:rPr lang="en-US" altLang="zh-CN" sz="2600" b="1" dirty="0"/>
+              <a:t>--&gt;&lt;button </a:t>
+            </a:r>
+            <a:r>
+              <a:rPr lang="en-US" altLang="zh-CN" sz="2600" b="1" dirty="0" err="1"/>
+              <a:t>v-on:click</a:t>
+            </a:r>
+            <a:r>
+              <a:rPr lang="en-US" altLang="zh-CN" sz="2600" b="1" dirty="0"/>
+              <a:t>="</a:t>
+            </a:r>
+            <a:r>
+              <a:rPr lang="en-US" altLang="zh-CN" sz="2600" b="1" dirty="0" err="1"/>
+              <a:t>doThis</a:t>
+            </a:r>
+            <a:r>
+              <a:rPr lang="en-US" altLang="zh-CN" sz="2600" b="1" dirty="0"/>
+              <a:t>"&gt;&lt;/button&gt;</a:t>
             </a:r>
           </a:p>
           <a:p>
@@ -9853,38 +9853,57 @@
               <a:buNone/>
             </a:pPr>
             <a:r>
-              <a:rPr lang="en-US" altLang="zh-CN" b="1" dirty="0" err="1"/>
-              <a:t>Vue.directive</a:t>
-            </a:r>
-            <a:r>
-              <a:rPr lang="en-US" altLang="zh-CN" b="1" dirty="0"/>
-              <a:t>(</a:t>
-            </a:r>
-            <a:r>
-              <a:rPr lang="en-US" altLang="zh-CN" b="1" dirty="0">
-                <a:solidFill>
-                  <a:srgbClr val="FF0000"/>
-                </a:solidFill>
-              </a:rPr>
-              <a:t>'focus</a:t>
-            </a:r>
-            <a:r>
-              <a:rPr lang="en-US" altLang="zh-CN" b="1" dirty="0"/>
-              <a:t>', {})</a:t>
-            </a:r>
-            <a:endParaRPr lang="zh-CN" altLang="en-US" b="1" dirty="0"/>
+              <a:rPr lang="en-US" altLang="zh-CN" sz="2600" b="1" dirty="0"/>
+              <a:t>&lt;!-- </a:t>
+            </a:r>
+            <a:r>
+              <a:rPr lang="zh-CN" altLang="en-US" sz="2600" b="1" dirty="0"/>
+              <a:t>缩写 </a:t>
+            </a:r>
+            <a:r>
+              <a:rPr lang="en-US" altLang="zh-CN" sz="2600" b="1" dirty="0"/>
+              <a:t>--&gt;&lt;button @click="</a:t>
+            </a:r>
+            <a:r>
+              <a:rPr lang="en-US" altLang="zh-CN" sz="2600" b="1" dirty="0" err="1"/>
+              <a:t>doThis</a:t>
+            </a:r>
+            <a:r>
+              <a:rPr lang="en-US" altLang="zh-CN" sz="2600" b="1" dirty="0"/>
+              <a:t>"&gt;&lt;/button&gt;</a:t>
+            </a:r>
           </a:p>
           <a:p>
             <a:pPr marL="0" indent="0">
               <a:buNone/>
             </a:pPr>
             <a:r>
-              <a:rPr lang="en-US" altLang="zh-CN" b="1" dirty="0"/>
-              <a:t>// </a:t>
-            </a:r>
-            <a:r>
-              <a:rPr lang="zh-CN" altLang="en-US" b="1" dirty="0"/>
-              <a:t>注册局部指令</a:t>
+              <a:rPr lang="en-US" altLang="zh-CN" sz="2600" b="1" dirty="0"/>
+              <a:t>&lt;!-- </a:t>
+            </a:r>
+            <a:r>
+              <a:rPr lang="zh-CN" altLang="en-US" sz="2600" b="1" dirty="0"/>
+              <a:t>停止冒泡 </a:t>
+            </a:r>
+            <a:r>
+              <a:rPr lang="en-US" altLang="zh-CN" sz="2600" b="1" dirty="0"/>
+              <a:t>--&gt;&lt;button @</a:t>
+            </a:r>
+            <a:r>
+              <a:rPr lang="en-US" altLang="zh-CN" sz="2600" b="1" dirty="0" err="1"/>
+              <a:t>click.stop</a:t>
+            </a:r>
+            <a:r>
+              <a:rPr lang="en-US" altLang="zh-CN" sz="2600" b="1" dirty="0"/>
+              <a:t>="</a:t>
+            </a:r>
+            <a:r>
+              <a:rPr lang="en-US" altLang="zh-CN" sz="2600" b="1" dirty="0" err="1"/>
+              <a:t>doThis</a:t>
+            </a:r>
+            <a:r>
+              <a:rPr lang="en-US" altLang="zh-CN" sz="2600" b="1" dirty="0"/>
+              <a:t>"&gt;&lt;/button&gt;</a:t>
             </a:r>
           </a:p>
           <a:p>
@@ -9892,56 +9911,36 @@
               <a:buNone/>
             </a:pPr>
             <a:r>
-              <a:rPr lang="en-US" altLang="zh-CN" b="1" dirty="0"/>
-              <a:t>new </a:t>
-            </a:r>
-            <a:r>
-              <a:rPr lang="en-US" altLang="zh-CN" b="1" dirty="0" err="1"/>
-              <a:t>Vue</a:t>
-            </a:r>
-            <a:r>
-              <a:rPr lang="en-US" altLang="zh-CN" b="1" dirty="0"/>
-              <a:t>({</a:t>
-            </a:r>
-          </a:p>
-          <a:p>
-            <a:pPr marL="0" indent="0">
-              <a:buNone/>
-            </a:pPr>
-            <a:r>
-              <a:rPr lang="en-US" altLang="zh-CN" b="1" dirty="0"/>
-              <a:t>	el: '#app',</a:t>
-            </a:r>
-          </a:p>
-          <a:p>
-            <a:pPr marL="0" indent="0">
-              <a:buNone/>
-            </a:pPr>
-            <a:r>
-              <a:rPr lang="en-US" altLang="zh-CN" b="1" dirty="0"/>
-              <a:t>	directives: {'</a:t>
-            </a:r>
-            <a:r>
-              <a:rPr lang="en-US" altLang="zh-CN" b="1" dirty="0">
-                <a:solidFill>
-                  <a:srgbClr val="FF0000"/>
-                </a:solidFill>
-              </a:rPr>
-              <a:t>auto-height</a:t>
-            </a:r>
-            <a:r>
-              <a:rPr lang="en-US" altLang="zh-CN" b="1" dirty="0"/>
-              <a:t>': function (el) {}}</a:t>
-            </a:r>
-          </a:p>
-          <a:p>
-            <a:pPr marL="0" indent="0">
-              <a:buNone/>
-            </a:pPr>
-            <a:r>
-              <a:rPr lang="en-US" altLang="zh-CN" b="1" dirty="0"/>
-              <a:t>});</a:t>
-            </a:r>
+              <a:rPr lang="en-US" altLang="zh-CN" sz="2600" b="1" dirty="0"/>
+              <a:t>&lt;!-- </a:t>
+            </a:r>
+            <a:r>
+              <a:rPr lang="zh-CN" altLang="en-US" sz="2600" b="1" dirty="0"/>
+              <a:t>键修饰符，键别名 </a:t>
+            </a:r>
+            <a:r>
+              <a:rPr lang="en-US" altLang="zh-CN" sz="2600" b="1" dirty="0"/>
+              <a:t>--&gt;&lt;input @</a:t>
+            </a:r>
+            <a:r>
+              <a:rPr lang="en-US" altLang="zh-CN" sz="2600" b="1" dirty="0" err="1"/>
+              <a:t>keyup.enter</a:t>
+            </a:r>
+            <a:r>
+              <a:rPr lang="en-US" altLang="zh-CN" sz="2600" b="1" dirty="0"/>
+              <a:t>="</a:t>
+            </a:r>
+            <a:r>
+              <a:rPr lang="en-US" altLang="zh-CN" sz="2600" b="1" dirty="0" err="1"/>
+              <a:t>onEnter</a:t>
+            </a:r>
+            <a:r>
+              <a:rPr lang="en-US" altLang="zh-CN" sz="2600" b="1" dirty="0"/>
+              <a:t>"&gt;</a:t>
+            </a:r>
+          </a:p>
+          <a:p>
+            <a:endParaRPr lang="en-US" altLang="zh-CN" b="1" dirty="0"/>
           </a:p>
           <a:p>
             <a:pPr lvl="1"/>
@@ -9963,7 +9962,7 @@
     </p:spTree>
     <p:extLst>
       <p:ext uri="{BB962C8B-B14F-4D97-AF65-F5344CB8AC3E}">
-        <p14:creationId xmlns:p14="http://schemas.microsoft.com/office/powerpoint/2010/main" val="3859810782"/>
+        <p14:creationId xmlns:p14="http://schemas.microsoft.com/office/powerpoint/2010/main" val="2215896650"/>
       </p:ext>
     </p:extLst>
   </p:cSld>
@@ -9995,6 +9994,34 @@
       </p:grpSpPr>
       <p:sp>
         <p:nvSpPr>
+          <p:cNvPr id="4" name="标题 3"/>
+          <p:cNvSpPr>
+            <a:spLocks noGrp="1"/>
+          </p:cNvSpPr>
+          <p:nvPr>
+            <p:ph type="ctrTitle"/>
+          </p:nvPr>
+        </p:nvSpPr>
+        <p:spPr/>
+        <p:txBody>
+          <a:bodyPr>
+            <a:normAutofit/>
+          </a:bodyPr>
+          <a:lstStyle/>
+          <a:p>
+            <a:r>
+              <a:rPr lang="zh-CN" altLang="en-US" b="1" dirty="0">
+                <a:latin typeface="微软雅黑" panose="020B0503020204020204" pitchFamily="34" charset="-122"/>
+                <a:ea typeface="微软雅黑" panose="020B0503020204020204" pitchFamily="34" charset="-122"/>
+                <a:sym typeface="+mn-ea"/>
+              </a:rPr>
+              <a:t>自定义指令</a:t>
+            </a:r>
+          </a:p>
+        </p:txBody>
+      </p:sp>
+      <p:sp>
+        <p:nvSpPr>
           <p:cNvPr id="5" name="副标题 4"/>
           <p:cNvSpPr>
             <a:spLocks noGrp="1"/>
@@ -10003,35 +10030,23 @@
             <p:ph type="subTitle" idx="1"/>
           </p:nvPr>
         </p:nvSpPr>
-        <p:spPr>
-          <a:xfrm>
-            <a:off x="709930" y="221942"/>
-            <a:ext cx="10817860" cy="6266488"/>
-          </a:xfrm>
-        </p:spPr>
+        <p:spPr/>
         <p:txBody>
           <a:bodyPr>
-            <a:normAutofit fontScale="85000" lnSpcReduction="20000"/>
+            <a:normAutofit fontScale="92500" lnSpcReduction="20000"/>
           </a:bodyPr>
           <a:lstStyle/>
-          <a:p>
-            <a:r>
-              <a:rPr lang="zh-CN" altLang="en-US" dirty="0"/>
-              <a:t>指令定义函数提供了几个钩子函数（可选）：</a:t>
-            </a:r>
-            <a:endParaRPr lang="en-US" altLang="zh-CN" dirty="0"/>
-          </a:p>
           <a:p>
             <a:pPr marL="0" indent="0">
               <a:buNone/>
             </a:pPr>
             <a:r>
-              <a:rPr lang="en-US" altLang="zh-CN" sz="2800" dirty="0"/>
-              <a:t>bind: </a:t>
-            </a:r>
-            <a:r>
-              <a:rPr lang="zh-CN" altLang="en-US" sz="2800" dirty="0"/>
-              <a:t>只调用一次，指令第一次绑定到元素时调用。</a:t>
+              <a:rPr lang="en-US" altLang="zh-CN" b="1" dirty="0"/>
+              <a:t>// </a:t>
+            </a:r>
+            <a:r>
+              <a:rPr lang="zh-CN" altLang="en-US" b="1" dirty="0"/>
+              <a:t>自定义全局指令</a:t>
             </a:r>
           </a:p>
           <a:p>
@@ -10039,25 +10054,38 @@
               <a:buNone/>
             </a:pPr>
             <a:r>
-              <a:rPr lang="en-US" altLang="zh-CN" sz="2800" dirty="0"/>
-              <a:t>inserted: </a:t>
-            </a:r>
-            <a:r>
-              <a:rPr lang="zh-CN" altLang="en-US" sz="2800" dirty="0"/>
-              <a:t>被绑定元素插入父节点时调用。</a:t>
-            </a:r>
+              <a:rPr lang="en-US" altLang="zh-CN" b="1" dirty="0" err="1"/>
+              <a:t>Vue.directive</a:t>
+            </a:r>
+            <a:r>
+              <a:rPr lang="en-US" altLang="zh-CN" b="1" dirty="0"/>
+              <a:t>(</a:t>
+            </a:r>
+            <a:r>
+              <a:rPr lang="en-US" altLang="zh-CN" b="1" dirty="0">
+                <a:solidFill>
+                  <a:srgbClr val="FF0000"/>
+                </a:solidFill>
+              </a:rPr>
+              <a:t>'focus</a:t>
+            </a:r>
+            <a:r>
+              <a:rPr lang="en-US" altLang="zh-CN" b="1" dirty="0"/>
+              <a:t>', {})</a:t>
+            </a:r>
+            <a:endParaRPr lang="zh-CN" altLang="en-US" b="1" dirty="0"/>
           </a:p>
           <a:p>
             <a:pPr marL="0" indent="0">
               <a:buNone/>
             </a:pPr>
             <a:r>
-              <a:rPr lang="en-US" altLang="zh-CN" sz="2800" dirty="0"/>
-              <a:t>update: </a:t>
-            </a:r>
-            <a:r>
-              <a:rPr lang="zh-CN" altLang="en-US" sz="2800" dirty="0"/>
-              <a:t>被绑定元素所在的模板更新时调用。</a:t>
+              <a:rPr lang="en-US" altLang="zh-CN" b="1" dirty="0"/>
+              <a:t>// </a:t>
+            </a:r>
+            <a:r>
+              <a:rPr lang="zh-CN" altLang="en-US" b="1" dirty="0"/>
+              <a:t>注册局部指令</a:t>
             </a:r>
           </a:p>
           <a:p>
@@ -10065,16 +10093,16 @@
               <a:buNone/>
             </a:pPr>
             <a:r>
-              <a:rPr lang="en-US" altLang="zh-CN" sz="2800" dirty="0" err="1"/>
-              <a:t>componentUpdated</a:t>
-            </a:r>
-            <a:r>
-              <a:rPr lang="en-US" altLang="zh-CN" sz="2800" dirty="0"/>
-              <a:t>: </a:t>
-            </a:r>
-            <a:r>
-              <a:rPr lang="zh-CN" altLang="en-US" sz="2800" dirty="0"/>
-              <a:t>元素所在模板完成一次更新周期时调用。</a:t>
+              <a:rPr lang="en-US" altLang="zh-CN" b="1" dirty="0"/>
+              <a:t>new </a:t>
+            </a:r>
+            <a:r>
+              <a:rPr lang="en-US" altLang="zh-CN" b="1" dirty="0" err="1"/>
+              <a:t>Vue</a:t>
+            </a:r>
+            <a:r>
+              <a:rPr lang="en-US" altLang="zh-CN" b="1" dirty="0"/>
+              <a:t>({</a:t>
             </a:r>
           </a:p>
           <a:p>
@@ -10082,41 +10110,29 @@
               <a:buNone/>
             </a:pPr>
             <a:r>
-              <a:rPr lang="en-US" altLang="zh-CN" sz="2800" dirty="0"/>
-              <a:t>unbind: </a:t>
-            </a:r>
-            <a:r>
-              <a:rPr lang="zh-CN" altLang="en-US" sz="2800" dirty="0"/>
-              <a:t>指令与元素解绑时调用。</a:t>
-            </a:r>
-            <a:endParaRPr lang="en-US" altLang="zh-CN" sz="2800" dirty="0"/>
-          </a:p>
-          <a:p>
-            <a:r>
-              <a:rPr lang="zh-CN" altLang="en-US" dirty="0"/>
-              <a:t>钩子函数被赋予了以下参数：</a:t>
-            </a:r>
-            <a:endParaRPr lang="en-US" altLang="zh-CN" dirty="0"/>
+              <a:rPr lang="en-US" altLang="zh-CN" b="1" dirty="0"/>
+              <a:t>	el: '#app',</a:t>
+            </a:r>
           </a:p>
           <a:p>
             <a:pPr marL="0" indent="0">
               <a:buNone/>
             </a:pPr>
             <a:r>
-              <a:rPr lang="en-US" altLang="zh-CN" sz="2900" dirty="0"/>
-              <a:t>el: </a:t>
-            </a:r>
-            <a:r>
-              <a:rPr lang="zh-CN" altLang="en-US" sz="2900" dirty="0"/>
-              <a:t>指令所绑定的元素，可以用来直接操作 </a:t>
-            </a:r>
-            <a:r>
-              <a:rPr lang="en-US" altLang="zh-CN" sz="2900" dirty="0"/>
-              <a:t>DOM </a:t>
-            </a:r>
-            <a:r>
-              <a:rPr lang="zh-CN" altLang="en-US" sz="2900" dirty="0"/>
-              <a:t>。</a:t>
+              <a:rPr lang="en-US" altLang="zh-CN" b="1" dirty="0"/>
+              <a:t>	directives: {'</a:t>
+            </a:r>
+            <a:r>
+              <a:rPr lang="en-US" altLang="zh-CN" b="1" dirty="0">
+                <a:solidFill>
+                  <a:srgbClr val="FF0000"/>
+                </a:solidFill>
+              </a:rPr>
+              <a:t>auto-height</a:t>
+            </a:r>
+            <a:r>
+              <a:rPr lang="en-US" altLang="zh-CN" b="1" dirty="0"/>
+              <a:t>': function (el) {}}</a:t>
             </a:r>
           </a:p>
           <a:p>
@@ -10124,109 +10140,9 @@
               <a:buNone/>
             </a:pPr>
             <a:r>
-              <a:rPr lang="en-US" altLang="zh-CN" sz="2900" dirty="0"/>
-              <a:t>binding: </a:t>
-            </a:r>
-            <a:r>
-              <a:rPr lang="zh-CN" altLang="en-US" sz="2900" dirty="0"/>
-              <a:t>一个对象，包含以下属性：</a:t>
-            </a:r>
-          </a:p>
-          <a:p>
-            <a:pPr marL="0" indent="0">
-              <a:buNone/>
-            </a:pPr>
-            <a:r>
-              <a:rPr lang="en-US" altLang="zh-CN" sz="2900" dirty="0"/>
-              <a:t>name: </a:t>
-            </a:r>
-            <a:r>
-              <a:rPr lang="zh-CN" altLang="en-US" sz="2900" dirty="0"/>
-              <a:t>指令名，不包括 </a:t>
-            </a:r>
-            <a:r>
-              <a:rPr lang="en-US" altLang="zh-CN" sz="2900" dirty="0"/>
-              <a:t>v- </a:t>
-            </a:r>
-            <a:r>
-              <a:rPr lang="zh-CN" altLang="en-US" sz="2900" dirty="0"/>
-              <a:t>前缀。</a:t>
-            </a:r>
-          </a:p>
-          <a:p>
-            <a:pPr marL="0" indent="0">
-              <a:buNone/>
-            </a:pPr>
-            <a:r>
-              <a:rPr lang="en-US" altLang="zh-CN" sz="2900" dirty="0"/>
-              <a:t>value: </a:t>
-            </a:r>
-            <a:r>
-              <a:rPr lang="zh-CN" altLang="en-US" sz="2900" dirty="0"/>
-              <a:t>指令的绑定值， 例如： </a:t>
-            </a:r>
-            <a:r>
-              <a:rPr lang="en-US" altLang="zh-CN" sz="2900" dirty="0"/>
-              <a:t>v-my-directive="1 + 1", value </a:t>
-            </a:r>
-            <a:r>
-              <a:rPr lang="zh-CN" altLang="en-US" sz="2900" dirty="0"/>
-              <a:t>的值是 </a:t>
-            </a:r>
-            <a:r>
-              <a:rPr lang="en-US" altLang="zh-CN" sz="2900" dirty="0"/>
-              <a:t>2</a:t>
-            </a:r>
-            <a:r>
-              <a:rPr lang="zh-CN" altLang="en-US" sz="2900" dirty="0"/>
-              <a:t>。</a:t>
-            </a:r>
-          </a:p>
-          <a:p>
-            <a:pPr marL="0" indent="0">
-              <a:buNone/>
-            </a:pPr>
-            <a:r>
-              <a:rPr lang="en-US" altLang="zh-CN" sz="2900" dirty="0" err="1"/>
-              <a:t>arg</a:t>
-            </a:r>
-            <a:r>
-              <a:rPr lang="en-US" altLang="zh-CN" sz="2900" dirty="0"/>
-              <a:t>: </a:t>
-            </a:r>
-            <a:r>
-              <a:rPr lang="zh-CN" altLang="en-US" sz="2900" dirty="0"/>
-              <a:t>传给指令的参数。例如 </a:t>
-            </a:r>
-            <a:r>
-              <a:rPr lang="en-US" altLang="zh-CN" sz="2900" dirty="0" err="1"/>
-              <a:t>v-my-directive:foo</a:t>
-            </a:r>
-            <a:r>
-              <a:rPr lang="zh-CN" altLang="en-US" sz="2900" dirty="0"/>
-              <a:t>， </a:t>
-            </a:r>
-            <a:r>
-              <a:rPr lang="en-US" altLang="zh-CN" sz="2900" dirty="0" err="1"/>
-              <a:t>arg</a:t>
-            </a:r>
-            <a:r>
-              <a:rPr lang="en-US" altLang="zh-CN" sz="2900" dirty="0"/>
-              <a:t> </a:t>
-            </a:r>
-            <a:r>
-              <a:rPr lang="zh-CN" altLang="en-US" sz="2900" dirty="0"/>
-              <a:t>的值是 </a:t>
-            </a:r>
-            <a:r>
-              <a:rPr lang="en-US" altLang="zh-CN" sz="2900" dirty="0"/>
-              <a:t>"foo"</a:t>
-            </a:r>
-            <a:r>
-              <a:rPr lang="zh-CN" altLang="en-US" sz="2900" dirty="0"/>
-              <a:t>。</a:t>
-            </a:r>
-            <a:endParaRPr lang="en-US" altLang="zh-CN" sz="2900" dirty="0"/>
+              <a:rPr lang="en-US" altLang="zh-CN" b="1" dirty="0"/>
+              <a:t>});</a:t>
+            </a:r>
           </a:p>
           <a:p>
             <a:pPr lvl="1"/>
@@ -10248,7 +10164,7 @@
     </p:spTree>
     <p:extLst>
       <p:ext uri="{BB962C8B-B14F-4D97-AF65-F5344CB8AC3E}">
-        <p14:creationId xmlns:p14="http://schemas.microsoft.com/office/powerpoint/2010/main" val="607337643"/>
+        <p14:creationId xmlns:p14="http://schemas.microsoft.com/office/powerpoint/2010/main" val="3859810782"/>
       </p:ext>
     </p:extLst>
   </p:cSld>
@@ -10554,6 +10470,291 @@
       </p:grpSpPr>
       <p:sp>
         <p:nvSpPr>
+          <p:cNvPr id="5" name="副标题 4"/>
+          <p:cNvSpPr>
+            <a:spLocks noGrp="1"/>
+          </p:cNvSpPr>
+          <p:nvPr>
+            <p:ph type="subTitle" idx="1"/>
+          </p:nvPr>
+        </p:nvSpPr>
+        <p:spPr>
+          <a:xfrm>
+            <a:off x="709930" y="221942"/>
+            <a:ext cx="10817860" cy="6266488"/>
+          </a:xfrm>
+        </p:spPr>
+        <p:txBody>
+          <a:bodyPr>
+            <a:normAutofit fontScale="85000" lnSpcReduction="20000"/>
+          </a:bodyPr>
+          <a:lstStyle/>
+          <a:p>
+            <a:r>
+              <a:rPr lang="zh-CN" altLang="en-US" dirty="0"/>
+              <a:t>指令定义函数提供了几个钩子函数（可选）：</a:t>
+            </a:r>
+            <a:endParaRPr lang="en-US" altLang="zh-CN" dirty="0"/>
+          </a:p>
+          <a:p>
+            <a:pPr marL="0" indent="0">
+              <a:buNone/>
+            </a:pPr>
+            <a:r>
+              <a:rPr lang="en-US" altLang="zh-CN" sz="2800" dirty="0"/>
+              <a:t>bind: </a:t>
+            </a:r>
+            <a:r>
+              <a:rPr lang="zh-CN" altLang="en-US" sz="2800" dirty="0"/>
+              <a:t>只调用一次，指令第一次绑定到元素时调用。</a:t>
+            </a:r>
+          </a:p>
+          <a:p>
+            <a:pPr marL="0" indent="0">
+              <a:buNone/>
+            </a:pPr>
+            <a:r>
+              <a:rPr lang="en-US" altLang="zh-CN" sz="2800" dirty="0"/>
+              <a:t>inserted: </a:t>
+            </a:r>
+            <a:r>
+              <a:rPr lang="zh-CN" altLang="en-US" sz="2800" dirty="0"/>
+              <a:t>被绑定元素插入父节点时调用。</a:t>
+            </a:r>
+          </a:p>
+          <a:p>
+            <a:pPr marL="0" indent="0">
+              <a:buNone/>
+            </a:pPr>
+            <a:r>
+              <a:rPr lang="en-US" altLang="zh-CN" sz="2800" dirty="0"/>
+              <a:t>update: </a:t>
+            </a:r>
+            <a:r>
+              <a:rPr lang="zh-CN" altLang="en-US" sz="2800" dirty="0"/>
+              <a:t>被绑定元素所在的模板更新时调用。</a:t>
+            </a:r>
+          </a:p>
+          <a:p>
+            <a:pPr marL="0" indent="0">
+              <a:buNone/>
+            </a:pPr>
+            <a:r>
+              <a:rPr lang="en-US" altLang="zh-CN" sz="2800" dirty="0" err="1"/>
+              <a:t>componentUpdated</a:t>
+            </a:r>
+            <a:r>
+              <a:rPr lang="en-US" altLang="zh-CN" sz="2800" dirty="0"/>
+              <a:t>: </a:t>
+            </a:r>
+            <a:r>
+              <a:rPr lang="zh-CN" altLang="en-US" sz="2800" dirty="0"/>
+              <a:t>元素所在模板完成一次更新周期时调用。</a:t>
+            </a:r>
+          </a:p>
+          <a:p>
+            <a:pPr marL="0" indent="0">
+              <a:buNone/>
+            </a:pPr>
+            <a:r>
+              <a:rPr lang="en-US" altLang="zh-CN" sz="2800" dirty="0"/>
+              <a:t>unbind: </a:t>
+            </a:r>
+            <a:r>
+              <a:rPr lang="zh-CN" altLang="en-US" sz="2800" dirty="0"/>
+              <a:t>指令与元素解绑时调用。</a:t>
+            </a:r>
+            <a:endParaRPr lang="en-US" altLang="zh-CN" sz="2800" dirty="0"/>
+          </a:p>
+          <a:p>
+            <a:r>
+              <a:rPr lang="zh-CN" altLang="en-US" dirty="0"/>
+              <a:t>钩子函数被赋予了以下参数：</a:t>
+            </a:r>
+            <a:endParaRPr lang="en-US" altLang="zh-CN" dirty="0"/>
+          </a:p>
+          <a:p>
+            <a:pPr marL="0" indent="0">
+              <a:buNone/>
+            </a:pPr>
+            <a:r>
+              <a:rPr lang="en-US" altLang="zh-CN" sz="2900" dirty="0"/>
+              <a:t>el: </a:t>
+            </a:r>
+            <a:r>
+              <a:rPr lang="zh-CN" altLang="en-US" sz="2900" dirty="0"/>
+              <a:t>指令所绑定的元素，可以用来直接操作 </a:t>
+            </a:r>
+            <a:r>
+              <a:rPr lang="en-US" altLang="zh-CN" sz="2900" dirty="0"/>
+              <a:t>DOM </a:t>
+            </a:r>
+            <a:r>
+              <a:rPr lang="zh-CN" altLang="en-US" sz="2900" dirty="0"/>
+              <a:t>。</a:t>
+            </a:r>
+          </a:p>
+          <a:p>
+            <a:pPr marL="0" indent="0">
+              <a:buNone/>
+            </a:pPr>
+            <a:r>
+              <a:rPr lang="en-US" altLang="zh-CN" sz="2900" dirty="0"/>
+              <a:t>binding: </a:t>
+            </a:r>
+            <a:r>
+              <a:rPr lang="zh-CN" altLang="en-US" sz="2900" dirty="0"/>
+              <a:t>一个对象，包含以下属性：</a:t>
+            </a:r>
+          </a:p>
+          <a:p>
+            <a:pPr marL="0" indent="0">
+              <a:buNone/>
+            </a:pPr>
+            <a:r>
+              <a:rPr lang="en-US" altLang="zh-CN" sz="2900" dirty="0"/>
+              <a:t>name: </a:t>
+            </a:r>
+            <a:r>
+              <a:rPr lang="zh-CN" altLang="en-US" sz="2900" dirty="0"/>
+              <a:t>指令名，不包括 </a:t>
+            </a:r>
+            <a:r>
+              <a:rPr lang="en-US" altLang="zh-CN" sz="2900" dirty="0"/>
+              <a:t>v- </a:t>
+            </a:r>
+            <a:r>
+              <a:rPr lang="zh-CN" altLang="en-US" sz="2900" dirty="0"/>
+              <a:t>前缀。</a:t>
+            </a:r>
+          </a:p>
+          <a:p>
+            <a:pPr marL="0" indent="0">
+              <a:buNone/>
+            </a:pPr>
+            <a:r>
+              <a:rPr lang="en-US" altLang="zh-CN" sz="2900" dirty="0"/>
+              <a:t>value: </a:t>
+            </a:r>
+            <a:r>
+              <a:rPr lang="zh-CN" altLang="en-US" sz="2900" dirty="0"/>
+              <a:t>指令的绑定值， 例如： </a:t>
+            </a:r>
+            <a:r>
+              <a:rPr lang="en-US" altLang="zh-CN" sz="2900" dirty="0"/>
+              <a:t>v-my-directive="1 + 1", value </a:t>
+            </a:r>
+            <a:r>
+              <a:rPr lang="zh-CN" altLang="en-US" sz="2900" dirty="0"/>
+              <a:t>的值是 </a:t>
+            </a:r>
+            <a:r>
+              <a:rPr lang="en-US" altLang="zh-CN" sz="2900" dirty="0"/>
+              <a:t>2</a:t>
+            </a:r>
+            <a:r>
+              <a:rPr lang="zh-CN" altLang="en-US" sz="2900" dirty="0"/>
+              <a:t>。</a:t>
+            </a:r>
+          </a:p>
+          <a:p>
+            <a:pPr marL="0" indent="0">
+              <a:buNone/>
+            </a:pPr>
+            <a:r>
+              <a:rPr lang="en-US" altLang="zh-CN" sz="2900" dirty="0" err="1"/>
+              <a:t>arg</a:t>
+            </a:r>
+            <a:r>
+              <a:rPr lang="en-US" altLang="zh-CN" sz="2900" dirty="0"/>
+              <a:t>: </a:t>
+            </a:r>
+            <a:r>
+              <a:rPr lang="zh-CN" altLang="en-US" sz="2900" dirty="0"/>
+              <a:t>传给指令的参数。例如 </a:t>
+            </a:r>
+            <a:r>
+              <a:rPr lang="en-US" altLang="zh-CN" sz="2900" dirty="0" err="1"/>
+              <a:t>v-my-directive:foo</a:t>
+            </a:r>
+            <a:r>
+              <a:rPr lang="zh-CN" altLang="en-US" sz="2900" dirty="0"/>
+              <a:t>， </a:t>
+            </a:r>
+            <a:r>
+              <a:rPr lang="en-US" altLang="zh-CN" sz="2900" dirty="0" err="1"/>
+              <a:t>arg</a:t>
+            </a:r>
+            <a:r>
+              <a:rPr lang="en-US" altLang="zh-CN" sz="2900" dirty="0"/>
+              <a:t> </a:t>
+            </a:r>
+            <a:r>
+              <a:rPr lang="zh-CN" altLang="en-US" sz="2900" dirty="0"/>
+              <a:t>的值是 </a:t>
+            </a:r>
+            <a:r>
+              <a:rPr lang="en-US" altLang="zh-CN" sz="2900" dirty="0"/>
+              <a:t>"foo"</a:t>
+            </a:r>
+            <a:r>
+              <a:rPr lang="zh-CN" altLang="en-US" sz="2900" dirty="0"/>
+              <a:t>。</a:t>
+            </a:r>
+            <a:endParaRPr lang="en-US" altLang="zh-CN" sz="2900" dirty="0"/>
+          </a:p>
+          <a:p>
+            <a:pPr lvl="1"/>
+            <a:endParaRPr lang="zh-CN" altLang="en-US" b="1" dirty="0"/>
+          </a:p>
+          <a:p>
+            <a:pPr>
+              <a:lnSpc>
+                <a:spcPct val="130000"/>
+              </a:lnSpc>
+            </a:pPr>
+            <a:endParaRPr lang="zh-CN" altLang="en-US" sz="3600" dirty="0">
+              <a:latin typeface="微软雅黑" panose="020B0503020204020204" pitchFamily="34" charset="-122"/>
+              <a:ea typeface="微软雅黑" panose="020B0503020204020204" pitchFamily="34" charset="-122"/>
+            </a:endParaRPr>
+          </a:p>
+        </p:txBody>
+      </p:sp>
+    </p:spTree>
+    <p:extLst>
+      <p:ext uri="{BB962C8B-B14F-4D97-AF65-F5344CB8AC3E}">
+        <p14:creationId xmlns:p14="http://schemas.microsoft.com/office/powerpoint/2010/main" val="607337643"/>
+      </p:ext>
+    </p:extLst>
+  </p:cSld>
+  <p:clrMapOvr>
+    <a:masterClrMapping/>
+  </p:clrMapOvr>
+  <p:transition>
+    <p:wipe dir="r"/>
+  </p:transition>
+</p:sld>
+</file>
+
+<file path=ppt/slides/slide31.xml><?xml version="1.0" encoding="utf-8"?>
+<p:sld xmlns:a="http://schemas.openxmlformats.org/drawingml/2006/main" xmlns:r="http://schemas.openxmlformats.org/officeDocument/2006/relationships" xmlns:p="http://schemas.openxmlformats.org/presentationml/2006/main">
+  <p:cSld>
+    <p:spTree>
+      <p:nvGrpSpPr>
+        <p:cNvPr id="1" name=""/>
+        <p:cNvGrpSpPr/>
+        <p:nvPr/>
+      </p:nvGrpSpPr>
+      <p:grpSpPr>
+        <a:xfrm>
+          <a:off x="0" y="0"/>
+          <a:ext cx="0" cy="0"/>
+          <a:chOff x="0" y="0"/>
+          <a:chExt cx="0" cy="0"/>
+        </a:xfrm>
+      </p:grpSpPr>
+      <p:sp>
+        <p:nvSpPr>
           <p:cNvPr id="2" name="标题 1">
             <a:extLst>
               <a:ext uri="{FF2B5EF4-FFF2-40B4-BE49-F238E27FC236}">
@@ -10698,7 +10899,7 @@
 </p:sld>
 </file>
 
-<file path=ppt/slides/slide31.xml><?xml version="1.0" encoding="utf-8"?>
+<file path=ppt/slides/slide32.xml><?xml version="1.0" encoding="utf-8"?>
 <p:sld xmlns:a="http://schemas.openxmlformats.org/drawingml/2006/main" xmlns:r="http://schemas.openxmlformats.org/officeDocument/2006/relationships" xmlns:p="http://schemas.openxmlformats.org/presentationml/2006/main">
   <p:cSld>
     <p:spTree>
@@ -12627,8 +12828,16 @@
               <a:t>底层对</a:t>
             </a:r>
             <a:r>
-              <a:rPr lang="en-US" altLang="zh-CN" dirty="0" err="1"/>
-              <a:t>seo</a:t>
+              <a:rPr lang="en-US" altLang="zh-CN" dirty="0"/>
+              <a:t>SEO(</a:t>
+            </a:r>
+            <a:r>
+              <a:rPr lang="zh-CN" altLang="en-US" dirty="0"/>
+              <a:t>搜索引擎优化</a:t>
+            </a:r>
+            <a:r>
+              <a:rPr lang="en-US" altLang="zh-CN" dirty="0"/>
+              <a:t>)</a:t>
             </a:r>
             <a:r>
               <a:rPr lang="zh-CN" altLang="en-US" dirty="0"/>
